--- a/slides/4_Flink中的时间语义和watermark.pptx
+++ b/slides/4_Flink中的时间语义和watermark.pptx
@@ -50,7 +50,7 @@
       </p:grpSpPr>
       <p:sp>
         <p:nvSpPr>
-          <p:cNvPr id="82" name="PlaceHolder 1"/>
+          <p:cNvPr id="76" name="PlaceHolder 1"/>
           <p:cNvSpPr>
             <a:spLocks noGrp="1"/>
           </p:cNvSpPr>
@@ -72,27 +72,22 @@
             <a:noAutofit/>
           </a:bodyPr>
           <a:p>
-            <a:r>
-              <a:rPr b="0" lang="zh-CN" sz="1800" spc="-1" strike="noStrike">
-                <a:solidFill>
-                  <a:srgbClr val="000000"/>
-                </a:solidFill>
-                <a:latin typeface="Calibri"/>
+            <a:pPr algn="ctr"/>
+            <a:r>
+              <a:rPr b="0" lang="zh-CN" sz="4400" spc="-1" strike="noStrike">
+                <a:latin typeface="Arial"/>
               </a:rPr>
               <a:t>点击鼠标移动幻灯片</a:t>
             </a:r>
-            <a:endParaRPr b="0" lang="en-US" sz="1800" spc="-1" strike="noStrike">
-              <a:solidFill>
-                <a:srgbClr val="000000"/>
-              </a:solidFill>
-              <a:latin typeface="Calibri"/>
-            </a:endParaRPr>
-          </a:p>
-        </p:txBody>
-      </p:sp>
-      <p:sp>
-        <p:nvSpPr>
-          <p:cNvPr id="83" name="PlaceHolder 2"/>
+            <a:endParaRPr b="0" lang="en-US" sz="4400" spc="-1" strike="noStrike">
+              <a:latin typeface="Arial"/>
+            </a:endParaRPr>
+          </a:p>
+        </p:txBody>
+      </p:sp>
+      <p:sp>
+        <p:nvSpPr>
+          <p:cNvPr id="77" name="PlaceHolder 2"/>
           <p:cNvSpPr>
             <a:spLocks noGrp="1"/>
           </p:cNvSpPr>
@@ -128,7 +123,7 @@
       </p:sp>
       <p:sp>
         <p:nvSpPr>
-          <p:cNvPr id="84" name="PlaceHolder 3"/>
+          <p:cNvPr id="78" name="PlaceHolder 3"/>
           <p:cNvSpPr>
             <a:spLocks noGrp="1"/>
           </p:cNvSpPr>
@@ -164,7 +159,7 @@
       </p:sp>
       <p:sp>
         <p:nvSpPr>
-          <p:cNvPr id="85" name="PlaceHolder 4"/>
+          <p:cNvPr id="79" name="PlaceHolder 4"/>
           <p:cNvSpPr>
             <a:spLocks noGrp="1"/>
           </p:cNvSpPr>
@@ -201,7 +196,7 @@
       </p:sp>
       <p:sp>
         <p:nvSpPr>
-          <p:cNvPr id="86" name="PlaceHolder 5"/>
+          <p:cNvPr id="80" name="PlaceHolder 5"/>
           <p:cNvSpPr>
             <a:spLocks noGrp="1"/>
           </p:cNvSpPr>
@@ -237,7 +232,7 @@
       </p:sp>
       <p:sp>
         <p:nvSpPr>
-          <p:cNvPr id="87" name="PlaceHolder 6"/>
+          <p:cNvPr id="81" name="PlaceHolder 6"/>
           <p:cNvSpPr>
             <a:spLocks noGrp="1"/>
           </p:cNvSpPr>
@@ -260,7 +255,7 @@
           </a:bodyPr>
           <a:p>
             <a:pPr algn="r"/>
-            <a:fld id="{212027ED-D356-4449-9C6D-98F4B300A055}" type="slidenum">
+            <a:fld id="{A648D359-E91D-469D-B861-2451B85956DB}" type="slidenum">
               <a:rPr b="0" lang="en-US" sz="1400" spc="-1" strike="noStrike">
                 <a:latin typeface="Times New Roman"/>
               </a:rPr>
@@ -297,7 +292,7 @@
       </p:grpSpPr>
       <p:sp>
         <p:nvSpPr>
-          <p:cNvPr id="141" name="PlaceHolder 1"/>
+          <p:cNvPr id="135" name="PlaceHolder 1"/>
           <p:cNvSpPr>
             <a:spLocks noGrp="1"/>
           </p:cNvSpPr>
@@ -308,16 +303,16 @@
         <p:spPr>
           <a:xfrm>
             <a:off x="993600" y="768240"/>
-            <a:ext cx="5117760" cy="3838320"/>
-          </a:xfrm>
-          <a:prstGeom prst="rect">
-            <a:avLst/>
-          </a:prstGeom>
-        </p:spPr>
-      </p:sp>
-      <p:sp>
-        <p:nvSpPr>
-          <p:cNvPr id="142" name="PlaceHolder 2"/>
+            <a:ext cx="5117400" cy="3837960"/>
+          </a:xfrm>
+          <a:prstGeom prst="rect">
+            <a:avLst/>
+          </a:prstGeom>
+        </p:spPr>
+      </p:sp>
+      <p:sp>
+        <p:nvSpPr>
+          <p:cNvPr id="136" name="PlaceHolder 2"/>
           <p:cNvSpPr>
             <a:spLocks noGrp="1"/>
           </p:cNvSpPr>
@@ -328,7 +323,7 @@
         <p:spPr>
           <a:xfrm>
             <a:off x="710640" y="4862160"/>
-            <a:ext cx="5684040" cy="4605840"/>
+            <a:ext cx="5683680" cy="4605480"/>
           </a:xfrm>
           <a:prstGeom prst="rect">
             <a:avLst/>
@@ -347,14 +342,14 @@
       </p:sp>
       <p:sp>
         <p:nvSpPr>
-          <p:cNvPr id="143" name="TextShape 3"/>
-          <p:cNvSpPr txBox="1"/>
+          <p:cNvPr id="137" name="CustomShape 3"/>
+          <p:cNvSpPr/>
           <p:nvPr/>
         </p:nvSpPr>
         <p:spPr>
           <a:xfrm>
             <a:off x="4024800" y="9722520"/>
-            <a:ext cx="3078720" cy="511560"/>
+            <a:ext cx="3078360" cy="511200"/>
           </a:xfrm>
           <a:prstGeom prst="rect">
             <a:avLst/>
@@ -364,6 +359,12 @@
             <a:noFill/>
           </a:ln>
         </p:spPr>
+        <p:style>
+          <a:lnRef idx="0"/>
+          <a:fillRef idx="0"/>
+          <a:effectRef idx="0"/>
+          <a:fontRef idx="minor"/>
+        </p:style>
         <p:txBody>
           <a:bodyPr lIns="99000" rIns="99000" tIns="49680" bIns="49680" anchor="b">
             <a:noAutofit/>
@@ -374,7 +375,7 @@
                 <a:spcPct val="100000"/>
               </a:lnSpc>
             </a:pPr>
-            <a:fld id="{DDCF933A-25CC-40A3-8DA1-7ED3D7FFE5FE}" type="slidenum">
+            <a:fld id="{F814E29A-FA26-4009-AAA8-3254E9D7A833}" type="slidenum">
               <a:rPr b="0" lang="en-US" sz="1300" spc="-1" strike="noStrike">
                 <a:solidFill>
                   <a:srgbClr val="000000"/>
@@ -382,10 +383,10 @@
                 <a:latin typeface="+mn-lt"/>
                 <a:ea typeface="+mn-ea"/>
               </a:rPr>
-              <a:t>15</a:t>
+              <a:t>&lt;编号&gt;</a:t>
             </a:fld>
             <a:endParaRPr b="0" lang="en-US" sz="1300" spc="-1" strike="noStrike">
-              <a:latin typeface="Times New Roman"/>
+              <a:latin typeface="Arial"/>
             </a:endParaRPr>
           </a:p>
         </p:txBody>
@@ -414,7 +415,7 @@
       </p:grpSpPr>
       <p:sp>
         <p:nvSpPr>
-          <p:cNvPr id="165" name="PlaceHolder 1"/>
+          <p:cNvPr id="159" name="PlaceHolder 1"/>
           <p:cNvSpPr>
             <a:spLocks noGrp="1"/>
           </p:cNvSpPr>
@@ -425,16 +426,16 @@
         <p:spPr>
           <a:xfrm>
             <a:off x="993600" y="768240"/>
-            <a:ext cx="5117760" cy="3838320"/>
-          </a:xfrm>
-          <a:prstGeom prst="rect">
-            <a:avLst/>
-          </a:prstGeom>
-        </p:spPr>
-      </p:sp>
-      <p:sp>
-        <p:nvSpPr>
-          <p:cNvPr id="166" name="PlaceHolder 2"/>
+            <a:ext cx="5117400" cy="3837960"/>
+          </a:xfrm>
+          <a:prstGeom prst="rect">
+            <a:avLst/>
+          </a:prstGeom>
+        </p:spPr>
+      </p:sp>
+      <p:sp>
+        <p:nvSpPr>
+          <p:cNvPr id="160" name="PlaceHolder 2"/>
           <p:cNvSpPr>
             <a:spLocks noGrp="1"/>
           </p:cNvSpPr>
@@ -445,7 +446,7 @@
         <p:spPr>
           <a:xfrm>
             <a:off x="710640" y="4862160"/>
-            <a:ext cx="5684040" cy="4605840"/>
+            <a:ext cx="5683680" cy="4605480"/>
           </a:xfrm>
           <a:prstGeom prst="rect">
             <a:avLst/>
@@ -464,14 +465,14 @@
       </p:sp>
       <p:sp>
         <p:nvSpPr>
-          <p:cNvPr id="167" name="TextShape 3"/>
-          <p:cNvSpPr txBox="1"/>
+          <p:cNvPr id="161" name="CustomShape 3"/>
+          <p:cNvSpPr/>
           <p:nvPr/>
         </p:nvSpPr>
         <p:spPr>
           <a:xfrm>
             <a:off x="4024800" y="9722520"/>
-            <a:ext cx="3078720" cy="511560"/>
+            <a:ext cx="3078360" cy="511200"/>
           </a:xfrm>
           <a:prstGeom prst="rect">
             <a:avLst/>
@@ -481,6 +482,12 @@
             <a:noFill/>
           </a:ln>
         </p:spPr>
+        <p:style>
+          <a:lnRef idx="0"/>
+          <a:fillRef idx="0"/>
+          <a:effectRef idx="0"/>
+          <a:fontRef idx="minor"/>
+        </p:style>
         <p:txBody>
           <a:bodyPr lIns="99000" rIns="99000" tIns="49680" bIns="49680" anchor="b">
             <a:noAutofit/>
@@ -491,7 +498,7 @@
                 <a:spcPct val="100000"/>
               </a:lnSpc>
             </a:pPr>
-            <a:fld id="{74125DDE-05B0-43FD-9F4A-E095032EFA8F}" type="slidenum">
+            <a:fld id="{A630D426-8EFF-4E6E-ABFE-9B8067CD9166}" type="slidenum">
               <a:rPr b="0" lang="en-US" sz="1300" spc="-1" strike="noStrike">
                 <a:solidFill>
                   <a:srgbClr val="000000"/>
@@ -499,10 +506,10 @@
                 <a:latin typeface="+mn-lt"/>
                 <a:ea typeface="+mn-ea"/>
               </a:rPr>
-              <a:t>15</a:t>
+              <a:t>&lt;编号&gt;</a:t>
             </a:fld>
             <a:endParaRPr b="0" lang="en-US" sz="1300" spc="-1" strike="noStrike">
-              <a:latin typeface="Times New Roman"/>
+              <a:latin typeface="Arial"/>
             </a:endParaRPr>
           </a:p>
         </p:txBody>
@@ -531,7 +538,7 @@
       </p:grpSpPr>
       <p:sp>
         <p:nvSpPr>
-          <p:cNvPr id="168" name="PlaceHolder 1"/>
+          <p:cNvPr id="162" name="PlaceHolder 1"/>
           <p:cNvSpPr>
             <a:spLocks noGrp="1"/>
           </p:cNvSpPr>
@@ -542,16 +549,16 @@
         <p:spPr>
           <a:xfrm>
             <a:off x="993600" y="768240"/>
-            <a:ext cx="5117760" cy="3838320"/>
-          </a:xfrm>
-          <a:prstGeom prst="rect">
-            <a:avLst/>
-          </a:prstGeom>
-        </p:spPr>
-      </p:sp>
-      <p:sp>
-        <p:nvSpPr>
-          <p:cNvPr id="169" name="PlaceHolder 2"/>
+            <a:ext cx="5117400" cy="3837960"/>
+          </a:xfrm>
+          <a:prstGeom prst="rect">
+            <a:avLst/>
+          </a:prstGeom>
+        </p:spPr>
+      </p:sp>
+      <p:sp>
+        <p:nvSpPr>
+          <p:cNvPr id="163" name="PlaceHolder 2"/>
           <p:cNvSpPr>
             <a:spLocks noGrp="1"/>
           </p:cNvSpPr>
@@ -562,7 +569,7 @@
         <p:spPr>
           <a:xfrm>
             <a:off x="710640" y="4862160"/>
-            <a:ext cx="5684040" cy="4605840"/>
+            <a:ext cx="5683680" cy="4605480"/>
           </a:xfrm>
           <a:prstGeom prst="rect">
             <a:avLst/>
@@ -581,14 +588,14 @@
       </p:sp>
       <p:sp>
         <p:nvSpPr>
-          <p:cNvPr id="170" name="TextShape 3"/>
-          <p:cNvSpPr txBox="1"/>
+          <p:cNvPr id="164" name="CustomShape 3"/>
+          <p:cNvSpPr/>
           <p:nvPr/>
         </p:nvSpPr>
         <p:spPr>
           <a:xfrm>
             <a:off x="4024800" y="9722520"/>
-            <a:ext cx="3078720" cy="511560"/>
+            <a:ext cx="3078360" cy="511200"/>
           </a:xfrm>
           <a:prstGeom prst="rect">
             <a:avLst/>
@@ -598,6 +605,12 @@
             <a:noFill/>
           </a:ln>
         </p:spPr>
+        <p:style>
+          <a:lnRef idx="0"/>
+          <a:fillRef idx="0"/>
+          <a:effectRef idx="0"/>
+          <a:fontRef idx="minor"/>
+        </p:style>
         <p:txBody>
           <a:bodyPr lIns="99000" rIns="99000" tIns="49680" bIns="49680" anchor="b">
             <a:noAutofit/>
@@ -608,7 +621,7 @@
                 <a:spcPct val="100000"/>
               </a:lnSpc>
             </a:pPr>
-            <a:fld id="{2AAFA0A7-C216-4D56-9BAE-F52CA38744C9}" type="slidenum">
+            <a:fld id="{65D1FF67-3870-466E-B9C7-308009DE5C33}" type="slidenum">
               <a:rPr b="0" lang="en-US" sz="1300" spc="-1" strike="noStrike">
                 <a:solidFill>
                   <a:srgbClr val="000000"/>
@@ -616,10 +629,10 @@
                 <a:latin typeface="+mn-lt"/>
                 <a:ea typeface="+mn-ea"/>
               </a:rPr>
-              <a:t>15</a:t>
+              <a:t>&lt;编号&gt;</a:t>
             </a:fld>
             <a:endParaRPr b="0" lang="en-US" sz="1300" spc="-1" strike="noStrike">
-              <a:latin typeface="Times New Roman"/>
+              <a:latin typeface="Arial"/>
             </a:endParaRPr>
           </a:p>
         </p:txBody>
@@ -648,7 +661,7 @@
       </p:grpSpPr>
       <p:sp>
         <p:nvSpPr>
-          <p:cNvPr id="171" name="PlaceHolder 1"/>
+          <p:cNvPr id="165" name="PlaceHolder 1"/>
           <p:cNvSpPr>
             <a:spLocks noGrp="1"/>
           </p:cNvSpPr>
@@ -659,16 +672,16 @@
         <p:spPr>
           <a:xfrm>
             <a:off x="993600" y="768240"/>
-            <a:ext cx="5117760" cy="3838320"/>
-          </a:xfrm>
-          <a:prstGeom prst="rect">
-            <a:avLst/>
-          </a:prstGeom>
-        </p:spPr>
-      </p:sp>
-      <p:sp>
-        <p:nvSpPr>
-          <p:cNvPr id="172" name="PlaceHolder 2"/>
+            <a:ext cx="5117400" cy="3837960"/>
+          </a:xfrm>
+          <a:prstGeom prst="rect">
+            <a:avLst/>
+          </a:prstGeom>
+        </p:spPr>
+      </p:sp>
+      <p:sp>
+        <p:nvSpPr>
+          <p:cNvPr id="166" name="PlaceHolder 2"/>
           <p:cNvSpPr>
             <a:spLocks noGrp="1"/>
           </p:cNvSpPr>
@@ -679,7 +692,7 @@
         <p:spPr>
           <a:xfrm>
             <a:off x="710640" y="4862160"/>
-            <a:ext cx="5684040" cy="4605840"/>
+            <a:ext cx="5683680" cy="4605480"/>
           </a:xfrm>
           <a:prstGeom prst="rect">
             <a:avLst/>
@@ -698,14 +711,14 @@
       </p:sp>
       <p:sp>
         <p:nvSpPr>
-          <p:cNvPr id="173" name="TextShape 3"/>
-          <p:cNvSpPr txBox="1"/>
+          <p:cNvPr id="167" name="CustomShape 3"/>
+          <p:cNvSpPr/>
           <p:nvPr/>
         </p:nvSpPr>
         <p:spPr>
           <a:xfrm>
             <a:off x="4024800" y="9722520"/>
-            <a:ext cx="3078720" cy="511560"/>
+            <a:ext cx="3078360" cy="511200"/>
           </a:xfrm>
           <a:prstGeom prst="rect">
             <a:avLst/>
@@ -715,6 +728,12 @@
             <a:noFill/>
           </a:ln>
         </p:spPr>
+        <p:style>
+          <a:lnRef idx="0"/>
+          <a:fillRef idx="0"/>
+          <a:effectRef idx="0"/>
+          <a:fontRef idx="minor"/>
+        </p:style>
         <p:txBody>
           <a:bodyPr lIns="99000" rIns="99000" tIns="49680" bIns="49680" anchor="b">
             <a:noAutofit/>
@@ -725,7 +744,7 @@
                 <a:spcPct val="100000"/>
               </a:lnSpc>
             </a:pPr>
-            <a:fld id="{78FF9BB8-B79F-4348-87A9-68210275E6FB}" type="slidenum">
+            <a:fld id="{8074D5A0-16B9-4685-8D70-2C6F46E22C53}" type="slidenum">
               <a:rPr b="0" lang="en-US" sz="1300" spc="-1" strike="noStrike">
                 <a:solidFill>
                   <a:srgbClr val="000000"/>
@@ -733,10 +752,10 @@
                 <a:latin typeface="+mn-lt"/>
                 <a:ea typeface="+mn-ea"/>
               </a:rPr>
-              <a:t>15</a:t>
+              <a:t>&lt;编号&gt;</a:t>
             </a:fld>
             <a:endParaRPr b="0" lang="en-US" sz="1300" spc="-1" strike="noStrike">
-              <a:latin typeface="Times New Roman"/>
+              <a:latin typeface="Arial"/>
             </a:endParaRPr>
           </a:p>
         </p:txBody>
@@ -765,7 +784,7 @@
       </p:grpSpPr>
       <p:sp>
         <p:nvSpPr>
-          <p:cNvPr id="174" name="PlaceHolder 1"/>
+          <p:cNvPr id="168" name="PlaceHolder 1"/>
           <p:cNvSpPr>
             <a:spLocks noGrp="1"/>
           </p:cNvSpPr>
@@ -776,16 +795,16 @@
         <p:spPr>
           <a:xfrm>
             <a:off x="993600" y="768240"/>
-            <a:ext cx="5117760" cy="3838320"/>
-          </a:xfrm>
-          <a:prstGeom prst="rect">
-            <a:avLst/>
-          </a:prstGeom>
-        </p:spPr>
-      </p:sp>
-      <p:sp>
-        <p:nvSpPr>
-          <p:cNvPr id="175" name="PlaceHolder 2"/>
+            <a:ext cx="5117400" cy="3837960"/>
+          </a:xfrm>
+          <a:prstGeom prst="rect">
+            <a:avLst/>
+          </a:prstGeom>
+        </p:spPr>
+      </p:sp>
+      <p:sp>
+        <p:nvSpPr>
+          <p:cNvPr id="169" name="PlaceHolder 2"/>
           <p:cNvSpPr>
             <a:spLocks noGrp="1"/>
           </p:cNvSpPr>
@@ -796,7 +815,7 @@
         <p:spPr>
           <a:xfrm>
             <a:off x="710640" y="4862160"/>
-            <a:ext cx="5684040" cy="4605840"/>
+            <a:ext cx="5683680" cy="4605480"/>
           </a:xfrm>
           <a:prstGeom prst="rect">
             <a:avLst/>
@@ -815,14 +834,14 @@
       </p:sp>
       <p:sp>
         <p:nvSpPr>
-          <p:cNvPr id="176" name="TextShape 3"/>
-          <p:cNvSpPr txBox="1"/>
+          <p:cNvPr id="170" name="CustomShape 3"/>
+          <p:cNvSpPr/>
           <p:nvPr/>
         </p:nvSpPr>
         <p:spPr>
           <a:xfrm>
             <a:off x="4024800" y="9722520"/>
-            <a:ext cx="3078720" cy="511560"/>
+            <a:ext cx="3078360" cy="511200"/>
           </a:xfrm>
           <a:prstGeom prst="rect">
             <a:avLst/>
@@ -832,6 +851,12 @@
             <a:noFill/>
           </a:ln>
         </p:spPr>
+        <p:style>
+          <a:lnRef idx="0"/>
+          <a:fillRef idx="0"/>
+          <a:effectRef idx="0"/>
+          <a:fontRef idx="minor"/>
+        </p:style>
         <p:txBody>
           <a:bodyPr lIns="99000" rIns="99000" tIns="49680" bIns="49680" anchor="b">
             <a:noAutofit/>
@@ -842,7 +867,7 @@
                 <a:spcPct val="100000"/>
               </a:lnSpc>
             </a:pPr>
-            <a:fld id="{3F2F81E4-4759-411D-9CE2-6119B9E426DC}" type="slidenum">
+            <a:fld id="{319FE419-DFFA-49B6-8F1E-598AF2D91F49}" type="slidenum">
               <a:rPr b="0" lang="en-US" sz="1300" spc="-1" strike="noStrike">
                 <a:solidFill>
                   <a:srgbClr val="000000"/>
@@ -850,10 +875,10 @@
                 <a:latin typeface="+mn-lt"/>
                 <a:ea typeface="+mn-ea"/>
               </a:rPr>
-              <a:t>15</a:t>
+              <a:t>&lt;编号&gt;</a:t>
             </a:fld>
             <a:endParaRPr b="0" lang="en-US" sz="1300" spc="-1" strike="noStrike">
-              <a:latin typeface="Times New Roman"/>
+              <a:latin typeface="Arial"/>
             </a:endParaRPr>
           </a:p>
         </p:txBody>
@@ -882,7 +907,7 @@
       </p:grpSpPr>
       <p:sp>
         <p:nvSpPr>
-          <p:cNvPr id="177" name="PlaceHolder 1"/>
+          <p:cNvPr id="171" name="PlaceHolder 1"/>
           <p:cNvSpPr>
             <a:spLocks noGrp="1"/>
           </p:cNvSpPr>
@@ -893,16 +918,16 @@
         <p:spPr>
           <a:xfrm>
             <a:off x="993600" y="768240"/>
-            <a:ext cx="5117760" cy="3838320"/>
-          </a:xfrm>
-          <a:prstGeom prst="rect">
-            <a:avLst/>
-          </a:prstGeom>
-        </p:spPr>
-      </p:sp>
-      <p:sp>
-        <p:nvSpPr>
-          <p:cNvPr id="178" name="PlaceHolder 2"/>
+            <a:ext cx="5117400" cy="3837960"/>
+          </a:xfrm>
+          <a:prstGeom prst="rect">
+            <a:avLst/>
+          </a:prstGeom>
+        </p:spPr>
+      </p:sp>
+      <p:sp>
+        <p:nvSpPr>
+          <p:cNvPr id="172" name="PlaceHolder 2"/>
           <p:cNvSpPr>
             <a:spLocks noGrp="1"/>
           </p:cNvSpPr>
@@ -913,7 +938,7 @@
         <p:spPr>
           <a:xfrm>
             <a:off x="710640" y="4862160"/>
-            <a:ext cx="5684040" cy="4605840"/>
+            <a:ext cx="5683680" cy="4605480"/>
           </a:xfrm>
           <a:prstGeom prst="rect">
             <a:avLst/>
@@ -932,14 +957,14 @@
       </p:sp>
       <p:sp>
         <p:nvSpPr>
-          <p:cNvPr id="179" name="TextShape 3"/>
-          <p:cNvSpPr txBox="1"/>
+          <p:cNvPr id="173" name="CustomShape 3"/>
+          <p:cNvSpPr/>
           <p:nvPr/>
         </p:nvSpPr>
         <p:spPr>
           <a:xfrm>
             <a:off x="4024800" y="9722520"/>
-            <a:ext cx="3078720" cy="511560"/>
+            <a:ext cx="3078360" cy="511200"/>
           </a:xfrm>
           <a:prstGeom prst="rect">
             <a:avLst/>
@@ -949,6 +974,12 @@
             <a:noFill/>
           </a:ln>
         </p:spPr>
+        <p:style>
+          <a:lnRef idx="0"/>
+          <a:fillRef idx="0"/>
+          <a:effectRef idx="0"/>
+          <a:fontRef idx="minor"/>
+        </p:style>
         <p:txBody>
           <a:bodyPr lIns="99000" rIns="99000" tIns="49680" bIns="49680" anchor="b">
             <a:noAutofit/>
@@ -959,7 +990,7 @@
                 <a:spcPct val="100000"/>
               </a:lnSpc>
             </a:pPr>
-            <a:fld id="{90DDE729-152D-427E-B11F-43C96CE0C835}" type="slidenum">
+            <a:fld id="{6AF3A633-2FCB-476F-B020-ACD29AD74F01}" type="slidenum">
               <a:rPr b="0" lang="en-US" sz="1300" spc="-1" strike="noStrike">
                 <a:solidFill>
                   <a:srgbClr val="000000"/>
@@ -967,10 +998,10 @@
                 <a:latin typeface="+mn-lt"/>
                 <a:ea typeface="+mn-ea"/>
               </a:rPr>
-              <a:t>15</a:t>
+              <a:t>&lt;编号&gt;</a:t>
             </a:fld>
             <a:endParaRPr b="0" lang="en-US" sz="1300" spc="-1" strike="noStrike">
-              <a:latin typeface="Times New Roman"/>
+              <a:latin typeface="Arial"/>
             </a:endParaRPr>
           </a:p>
         </p:txBody>
@@ -999,7 +1030,7 @@
       </p:grpSpPr>
       <p:sp>
         <p:nvSpPr>
-          <p:cNvPr id="180" name="PlaceHolder 1"/>
+          <p:cNvPr id="174" name="PlaceHolder 1"/>
           <p:cNvSpPr>
             <a:spLocks noGrp="1"/>
           </p:cNvSpPr>
@@ -1010,16 +1041,16 @@
         <p:spPr>
           <a:xfrm>
             <a:off x="993600" y="768240"/>
-            <a:ext cx="5117760" cy="3838320"/>
-          </a:xfrm>
-          <a:prstGeom prst="rect">
-            <a:avLst/>
-          </a:prstGeom>
-        </p:spPr>
-      </p:sp>
-      <p:sp>
-        <p:nvSpPr>
-          <p:cNvPr id="181" name="PlaceHolder 2"/>
+            <a:ext cx="5117400" cy="3837960"/>
+          </a:xfrm>
+          <a:prstGeom prst="rect">
+            <a:avLst/>
+          </a:prstGeom>
+        </p:spPr>
+      </p:sp>
+      <p:sp>
+        <p:nvSpPr>
+          <p:cNvPr id="175" name="PlaceHolder 2"/>
           <p:cNvSpPr>
             <a:spLocks noGrp="1"/>
           </p:cNvSpPr>
@@ -1030,7 +1061,7 @@
         <p:spPr>
           <a:xfrm>
             <a:off x="710640" y="4862160"/>
-            <a:ext cx="5684040" cy="4605840"/>
+            <a:ext cx="5683680" cy="4605480"/>
           </a:xfrm>
           <a:prstGeom prst="rect">
             <a:avLst/>
@@ -1049,14 +1080,14 @@
       </p:sp>
       <p:sp>
         <p:nvSpPr>
-          <p:cNvPr id="182" name="TextShape 3"/>
-          <p:cNvSpPr txBox="1"/>
+          <p:cNvPr id="176" name="CustomShape 3"/>
+          <p:cNvSpPr/>
           <p:nvPr/>
         </p:nvSpPr>
         <p:spPr>
           <a:xfrm>
             <a:off x="4024800" y="9722520"/>
-            <a:ext cx="3078720" cy="511560"/>
+            <a:ext cx="3078360" cy="511200"/>
           </a:xfrm>
           <a:prstGeom prst="rect">
             <a:avLst/>
@@ -1066,6 +1097,12 @@
             <a:noFill/>
           </a:ln>
         </p:spPr>
+        <p:style>
+          <a:lnRef idx="0"/>
+          <a:fillRef idx="0"/>
+          <a:effectRef idx="0"/>
+          <a:fontRef idx="minor"/>
+        </p:style>
         <p:txBody>
           <a:bodyPr lIns="99000" rIns="99000" tIns="49680" bIns="49680" anchor="b">
             <a:noAutofit/>
@@ -1076,7 +1113,7 @@
                 <a:spcPct val="100000"/>
               </a:lnSpc>
             </a:pPr>
-            <a:fld id="{3FEC03D9-DA98-4D9B-91E0-02BBD3546866}" type="slidenum">
+            <a:fld id="{427113DD-E0B1-43BA-87E0-230C68150B28}" type="slidenum">
               <a:rPr b="0" lang="en-US" sz="1300" spc="-1" strike="noStrike">
                 <a:solidFill>
                   <a:srgbClr val="000000"/>
@@ -1087,7 +1124,7 @@
               <a:t>&lt;编号&gt;</a:t>
             </a:fld>
             <a:endParaRPr b="0" lang="en-US" sz="1300" spc="-1" strike="noStrike">
-              <a:latin typeface="Times New Roman"/>
+              <a:latin typeface="Arial"/>
             </a:endParaRPr>
           </a:p>
         </p:txBody>
@@ -1116,7 +1153,7 @@
       </p:grpSpPr>
       <p:sp>
         <p:nvSpPr>
-          <p:cNvPr id="183" name="PlaceHolder 1"/>
+          <p:cNvPr id="177" name="PlaceHolder 1"/>
           <p:cNvSpPr>
             <a:spLocks noGrp="1"/>
           </p:cNvSpPr>
@@ -1127,16 +1164,16 @@
         <p:spPr>
           <a:xfrm>
             <a:off x="1421280" y="1279440"/>
-            <a:ext cx="4263120" cy="3454200"/>
-          </a:xfrm>
-          <a:prstGeom prst="rect">
-            <a:avLst/>
-          </a:prstGeom>
-        </p:spPr>
-      </p:sp>
-      <p:sp>
-        <p:nvSpPr>
-          <p:cNvPr id="184" name="PlaceHolder 2"/>
+            <a:ext cx="4262760" cy="3453840"/>
+          </a:xfrm>
+          <a:prstGeom prst="rect">
+            <a:avLst/>
+          </a:prstGeom>
+        </p:spPr>
+      </p:sp>
+      <p:sp>
+        <p:nvSpPr>
+          <p:cNvPr id="178" name="PlaceHolder 2"/>
           <p:cNvSpPr>
             <a:spLocks noGrp="1"/>
           </p:cNvSpPr>
@@ -1147,7 +1184,7 @@
         <p:spPr>
           <a:xfrm>
             <a:off x="710640" y="4862160"/>
-            <a:ext cx="5684040" cy="4605840"/>
+            <a:ext cx="5683680" cy="4605480"/>
           </a:xfrm>
           <a:prstGeom prst="rect">
             <a:avLst/>
@@ -1166,14 +1203,14 @@
       </p:sp>
       <p:sp>
         <p:nvSpPr>
-          <p:cNvPr id="185" name="TextShape 3"/>
-          <p:cNvSpPr txBox="1"/>
+          <p:cNvPr id="179" name="CustomShape 3"/>
+          <p:cNvSpPr/>
           <p:nvPr/>
         </p:nvSpPr>
         <p:spPr>
           <a:xfrm>
             <a:off x="4024800" y="9722520"/>
-            <a:ext cx="3078720" cy="511560"/>
+            <a:ext cx="3078360" cy="511200"/>
           </a:xfrm>
           <a:prstGeom prst="rect">
             <a:avLst/>
@@ -1183,6 +1220,12 @@
             <a:noFill/>
           </a:ln>
         </p:spPr>
+        <p:style>
+          <a:lnRef idx="0"/>
+          <a:fillRef idx="0"/>
+          <a:effectRef idx="0"/>
+          <a:fontRef idx="minor"/>
+        </p:style>
         <p:txBody>
           <a:bodyPr lIns="99000" rIns="99000" tIns="49680" bIns="49680" anchor="b">
             <a:noAutofit/>
@@ -1193,7 +1236,7 @@
                 <a:spcPct val="100000"/>
               </a:lnSpc>
             </a:pPr>
-            <a:fld id="{B8448BE4-4B73-4BE2-A2BC-22EB7283875A}" type="slidenum">
+            <a:fld id="{357EF953-9CC5-48DE-A01B-CD3D33467629}" type="slidenum">
               <a:rPr b="0" lang="en-US" sz="1300" spc="-1" strike="noStrike">
                 <a:solidFill>
                   <a:srgbClr val="000000"/>
@@ -1204,7 +1247,7 @@
               <a:t>&lt;编号&gt;</a:t>
             </a:fld>
             <a:endParaRPr b="0" lang="en-US" sz="1300" spc="-1" strike="noStrike">
-              <a:latin typeface="Times New Roman"/>
+              <a:latin typeface="Arial"/>
             </a:endParaRPr>
           </a:p>
         </p:txBody>
@@ -1233,7 +1276,7 @@
       </p:grpSpPr>
       <p:sp>
         <p:nvSpPr>
-          <p:cNvPr id="144" name="PlaceHolder 1"/>
+          <p:cNvPr id="138" name="PlaceHolder 1"/>
           <p:cNvSpPr>
             <a:spLocks noGrp="1"/>
           </p:cNvSpPr>
@@ -1244,16 +1287,16 @@
         <p:spPr>
           <a:xfrm>
             <a:off x="993600" y="768240"/>
-            <a:ext cx="5117760" cy="3838320"/>
-          </a:xfrm>
-          <a:prstGeom prst="rect">
-            <a:avLst/>
-          </a:prstGeom>
-        </p:spPr>
-      </p:sp>
-      <p:sp>
-        <p:nvSpPr>
-          <p:cNvPr id="145" name="PlaceHolder 2"/>
+            <a:ext cx="5117400" cy="3837960"/>
+          </a:xfrm>
+          <a:prstGeom prst="rect">
+            <a:avLst/>
+          </a:prstGeom>
+        </p:spPr>
+      </p:sp>
+      <p:sp>
+        <p:nvSpPr>
+          <p:cNvPr id="139" name="PlaceHolder 2"/>
           <p:cNvSpPr>
             <a:spLocks noGrp="1"/>
           </p:cNvSpPr>
@@ -1264,7 +1307,7 @@
         <p:spPr>
           <a:xfrm>
             <a:off x="710640" y="4862160"/>
-            <a:ext cx="5684040" cy="4605840"/>
+            <a:ext cx="5683680" cy="4605480"/>
           </a:xfrm>
           <a:prstGeom prst="rect">
             <a:avLst/>
@@ -1283,14 +1326,14 @@
       </p:sp>
       <p:sp>
         <p:nvSpPr>
-          <p:cNvPr id="146" name="TextShape 3"/>
-          <p:cNvSpPr txBox="1"/>
+          <p:cNvPr id="140" name="CustomShape 3"/>
+          <p:cNvSpPr/>
           <p:nvPr/>
         </p:nvSpPr>
         <p:spPr>
           <a:xfrm>
             <a:off x="4024800" y="9722520"/>
-            <a:ext cx="3078720" cy="511560"/>
+            <a:ext cx="3078360" cy="511200"/>
           </a:xfrm>
           <a:prstGeom prst="rect">
             <a:avLst/>
@@ -1300,6 +1343,12 @@
             <a:noFill/>
           </a:ln>
         </p:spPr>
+        <p:style>
+          <a:lnRef idx="0"/>
+          <a:fillRef idx="0"/>
+          <a:effectRef idx="0"/>
+          <a:fontRef idx="minor"/>
+        </p:style>
         <p:txBody>
           <a:bodyPr lIns="99000" rIns="99000" tIns="49680" bIns="49680" anchor="b">
             <a:noAutofit/>
@@ -1310,7 +1359,7 @@
                 <a:spcPct val="100000"/>
               </a:lnSpc>
             </a:pPr>
-            <a:fld id="{AE578146-D698-44D5-90B1-8194F6CDD185}" type="slidenum">
+            <a:fld id="{ADC6A461-E63A-43C6-81F2-D53E650364E3}" type="slidenum">
               <a:rPr b="0" lang="en-US" sz="1300" spc="-1" strike="noStrike">
                 <a:solidFill>
                   <a:srgbClr val="000000"/>
@@ -1318,10 +1367,10 @@
                 <a:latin typeface="+mn-lt"/>
                 <a:ea typeface="+mn-ea"/>
               </a:rPr>
-              <a:t>15</a:t>
+              <a:t>&lt;编号&gt;</a:t>
             </a:fld>
             <a:endParaRPr b="0" lang="en-US" sz="1300" spc="-1" strike="noStrike">
-              <a:latin typeface="Times New Roman"/>
+              <a:latin typeface="Arial"/>
             </a:endParaRPr>
           </a:p>
         </p:txBody>
@@ -1350,7 +1399,7 @@
       </p:grpSpPr>
       <p:sp>
         <p:nvSpPr>
-          <p:cNvPr id="147" name="PlaceHolder 1"/>
+          <p:cNvPr id="141" name="PlaceHolder 1"/>
           <p:cNvSpPr>
             <a:spLocks noGrp="1"/>
           </p:cNvSpPr>
@@ -1361,16 +1410,16 @@
         <p:spPr>
           <a:xfrm>
             <a:off x="993600" y="768240"/>
-            <a:ext cx="5117760" cy="3838320"/>
-          </a:xfrm>
-          <a:prstGeom prst="rect">
-            <a:avLst/>
-          </a:prstGeom>
-        </p:spPr>
-      </p:sp>
-      <p:sp>
-        <p:nvSpPr>
-          <p:cNvPr id="148" name="PlaceHolder 2"/>
+            <a:ext cx="5117400" cy="3837960"/>
+          </a:xfrm>
+          <a:prstGeom prst="rect">
+            <a:avLst/>
+          </a:prstGeom>
+        </p:spPr>
+      </p:sp>
+      <p:sp>
+        <p:nvSpPr>
+          <p:cNvPr id="142" name="PlaceHolder 2"/>
           <p:cNvSpPr>
             <a:spLocks noGrp="1"/>
           </p:cNvSpPr>
@@ -1381,7 +1430,7 @@
         <p:spPr>
           <a:xfrm>
             <a:off x="710640" y="4862160"/>
-            <a:ext cx="5684040" cy="4605840"/>
+            <a:ext cx="5683680" cy="4605480"/>
           </a:xfrm>
           <a:prstGeom prst="rect">
             <a:avLst/>
@@ -1400,14 +1449,14 @@
       </p:sp>
       <p:sp>
         <p:nvSpPr>
-          <p:cNvPr id="149" name="TextShape 3"/>
-          <p:cNvSpPr txBox="1"/>
+          <p:cNvPr id="143" name="CustomShape 3"/>
+          <p:cNvSpPr/>
           <p:nvPr/>
         </p:nvSpPr>
         <p:spPr>
           <a:xfrm>
             <a:off x="4024800" y="9722520"/>
-            <a:ext cx="3078720" cy="511560"/>
+            <a:ext cx="3078360" cy="511200"/>
           </a:xfrm>
           <a:prstGeom prst="rect">
             <a:avLst/>
@@ -1417,6 +1466,12 @@
             <a:noFill/>
           </a:ln>
         </p:spPr>
+        <p:style>
+          <a:lnRef idx="0"/>
+          <a:fillRef idx="0"/>
+          <a:effectRef idx="0"/>
+          <a:fontRef idx="minor"/>
+        </p:style>
         <p:txBody>
           <a:bodyPr lIns="99000" rIns="99000" tIns="49680" bIns="49680" anchor="b">
             <a:noAutofit/>
@@ -1427,7 +1482,7 @@
                 <a:spcPct val="100000"/>
               </a:lnSpc>
             </a:pPr>
-            <a:fld id="{01F7291B-7DC1-48AF-BD89-6CB89926CF0A}" type="slidenum">
+            <a:fld id="{F313B022-C5DC-4242-A0FE-467608695B52}" type="slidenum">
               <a:rPr b="0" lang="en-US" sz="1300" spc="-1" strike="noStrike">
                 <a:solidFill>
                   <a:srgbClr val="000000"/>
@@ -1435,10 +1490,10 @@
                 <a:latin typeface="+mn-lt"/>
                 <a:ea typeface="+mn-ea"/>
               </a:rPr>
-              <a:t>15</a:t>
+              <a:t>&lt;编号&gt;</a:t>
             </a:fld>
             <a:endParaRPr b="0" lang="en-US" sz="1300" spc="-1" strike="noStrike">
-              <a:latin typeface="Times New Roman"/>
+              <a:latin typeface="Arial"/>
             </a:endParaRPr>
           </a:p>
         </p:txBody>
@@ -1467,7 +1522,7 @@
       </p:grpSpPr>
       <p:sp>
         <p:nvSpPr>
-          <p:cNvPr id="150" name="PlaceHolder 1"/>
+          <p:cNvPr id="144" name="PlaceHolder 1"/>
           <p:cNvSpPr>
             <a:spLocks noGrp="1"/>
           </p:cNvSpPr>
@@ -1478,16 +1533,16 @@
         <p:spPr>
           <a:xfrm>
             <a:off x="993600" y="768240"/>
-            <a:ext cx="5117760" cy="3838320"/>
-          </a:xfrm>
-          <a:prstGeom prst="rect">
-            <a:avLst/>
-          </a:prstGeom>
-        </p:spPr>
-      </p:sp>
-      <p:sp>
-        <p:nvSpPr>
-          <p:cNvPr id="151" name="PlaceHolder 2"/>
+            <a:ext cx="5117400" cy="3837960"/>
+          </a:xfrm>
+          <a:prstGeom prst="rect">
+            <a:avLst/>
+          </a:prstGeom>
+        </p:spPr>
+      </p:sp>
+      <p:sp>
+        <p:nvSpPr>
+          <p:cNvPr id="145" name="PlaceHolder 2"/>
           <p:cNvSpPr>
             <a:spLocks noGrp="1"/>
           </p:cNvSpPr>
@@ -1498,7 +1553,7 @@
         <p:spPr>
           <a:xfrm>
             <a:off x="710640" y="4862160"/>
-            <a:ext cx="5684040" cy="4605840"/>
+            <a:ext cx="5683680" cy="4605480"/>
           </a:xfrm>
           <a:prstGeom prst="rect">
             <a:avLst/>
@@ -1517,14 +1572,14 @@
       </p:sp>
       <p:sp>
         <p:nvSpPr>
-          <p:cNvPr id="152" name="TextShape 3"/>
-          <p:cNvSpPr txBox="1"/>
+          <p:cNvPr id="146" name="CustomShape 3"/>
+          <p:cNvSpPr/>
           <p:nvPr/>
         </p:nvSpPr>
         <p:spPr>
           <a:xfrm>
             <a:off x="4024800" y="9722520"/>
-            <a:ext cx="3078720" cy="511560"/>
+            <a:ext cx="3078360" cy="511200"/>
           </a:xfrm>
           <a:prstGeom prst="rect">
             <a:avLst/>
@@ -1534,6 +1589,12 @@
             <a:noFill/>
           </a:ln>
         </p:spPr>
+        <p:style>
+          <a:lnRef idx="0"/>
+          <a:fillRef idx="0"/>
+          <a:effectRef idx="0"/>
+          <a:fontRef idx="minor"/>
+        </p:style>
         <p:txBody>
           <a:bodyPr lIns="99000" rIns="99000" tIns="49680" bIns="49680" anchor="b">
             <a:noAutofit/>
@@ -1544,7 +1605,7 @@
                 <a:spcPct val="100000"/>
               </a:lnSpc>
             </a:pPr>
-            <a:fld id="{2F417978-2E56-4FE2-ADA2-0F42BFE6A309}" type="slidenum">
+            <a:fld id="{3E20BFDC-A058-4CA9-A0D4-C5EE880C5BFE}" type="slidenum">
               <a:rPr b="0" lang="en-US" sz="1300" spc="-1" strike="noStrike">
                 <a:solidFill>
                   <a:srgbClr val="000000"/>
@@ -1552,10 +1613,10 @@
                 <a:latin typeface="+mn-lt"/>
                 <a:ea typeface="+mn-ea"/>
               </a:rPr>
-              <a:t>15</a:t>
+              <a:t>&lt;编号&gt;</a:t>
             </a:fld>
             <a:endParaRPr b="0" lang="en-US" sz="1300" spc="-1" strike="noStrike">
-              <a:latin typeface="Times New Roman"/>
+              <a:latin typeface="Arial"/>
             </a:endParaRPr>
           </a:p>
         </p:txBody>
@@ -1584,7 +1645,7 @@
       </p:grpSpPr>
       <p:sp>
         <p:nvSpPr>
-          <p:cNvPr id="153" name="PlaceHolder 1"/>
+          <p:cNvPr id="147" name="PlaceHolder 1"/>
           <p:cNvSpPr>
             <a:spLocks noGrp="1"/>
           </p:cNvSpPr>
@@ -1595,16 +1656,16 @@
         <p:spPr>
           <a:xfrm>
             <a:off x="993600" y="768240"/>
-            <a:ext cx="5117760" cy="3838320"/>
-          </a:xfrm>
-          <a:prstGeom prst="rect">
-            <a:avLst/>
-          </a:prstGeom>
-        </p:spPr>
-      </p:sp>
-      <p:sp>
-        <p:nvSpPr>
-          <p:cNvPr id="154" name="PlaceHolder 2"/>
+            <a:ext cx="5117400" cy="3837960"/>
+          </a:xfrm>
+          <a:prstGeom prst="rect">
+            <a:avLst/>
+          </a:prstGeom>
+        </p:spPr>
+      </p:sp>
+      <p:sp>
+        <p:nvSpPr>
+          <p:cNvPr id="148" name="PlaceHolder 2"/>
           <p:cNvSpPr>
             <a:spLocks noGrp="1"/>
           </p:cNvSpPr>
@@ -1615,7 +1676,7 @@
         <p:spPr>
           <a:xfrm>
             <a:off x="710640" y="4862160"/>
-            <a:ext cx="5684040" cy="4605840"/>
+            <a:ext cx="5683680" cy="4605480"/>
           </a:xfrm>
           <a:prstGeom prst="rect">
             <a:avLst/>
@@ -1634,14 +1695,14 @@
       </p:sp>
       <p:sp>
         <p:nvSpPr>
-          <p:cNvPr id="155" name="TextShape 3"/>
-          <p:cNvSpPr txBox="1"/>
+          <p:cNvPr id="149" name="CustomShape 3"/>
+          <p:cNvSpPr/>
           <p:nvPr/>
         </p:nvSpPr>
         <p:spPr>
           <a:xfrm>
             <a:off x="4024800" y="9722520"/>
-            <a:ext cx="3078720" cy="511560"/>
+            <a:ext cx="3078360" cy="511200"/>
           </a:xfrm>
           <a:prstGeom prst="rect">
             <a:avLst/>
@@ -1651,6 +1712,12 @@
             <a:noFill/>
           </a:ln>
         </p:spPr>
+        <p:style>
+          <a:lnRef idx="0"/>
+          <a:fillRef idx="0"/>
+          <a:effectRef idx="0"/>
+          <a:fontRef idx="minor"/>
+        </p:style>
         <p:txBody>
           <a:bodyPr lIns="99000" rIns="99000" tIns="49680" bIns="49680" anchor="b">
             <a:noAutofit/>
@@ -1661,7 +1728,7 @@
                 <a:spcPct val="100000"/>
               </a:lnSpc>
             </a:pPr>
-            <a:fld id="{AC225567-1E74-47FE-93D6-0102C4132CDB}" type="slidenum">
+            <a:fld id="{EDB8CDE1-E733-4295-8352-FC65B0E549C8}" type="slidenum">
               <a:rPr b="0" lang="en-US" sz="1300" spc="-1" strike="noStrike">
                 <a:solidFill>
                   <a:srgbClr val="000000"/>
@@ -1669,10 +1736,10 @@
                 <a:latin typeface="+mn-lt"/>
                 <a:ea typeface="+mn-ea"/>
               </a:rPr>
-              <a:t>15</a:t>
+              <a:t>&lt;编号&gt;</a:t>
             </a:fld>
             <a:endParaRPr b="0" lang="en-US" sz="1300" spc="-1" strike="noStrike">
-              <a:latin typeface="Times New Roman"/>
+              <a:latin typeface="Arial"/>
             </a:endParaRPr>
           </a:p>
         </p:txBody>
@@ -1701,7 +1768,7 @@
       </p:grpSpPr>
       <p:sp>
         <p:nvSpPr>
-          <p:cNvPr id="156" name="PlaceHolder 1"/>
+          <p:cNvPr id="150" name="PlaceHolder 1"/>
           <p:cNvSpPr>
             <a:spLocks noGrp="1"/>
           </p:cNvSpPr>
@@ -1712,16 +1779,16 @@
         <p:spPr>
           <a:xfrm>
             <a:off x="993600" y="768240"/>
-            <a:ext cx="5117760" cy="3838320"/>
-          </a:xfrm>
-          <a:prstGeom prst="rect">
-            <a:avLst/>
-          </a:prstGeom>
-        </p:spPr>
-      </p:sp>
-      <p:sp>
-        <p:nvSpPr>
-          <p:cNvPr id="157" name="PlaceHolder 2"/>
+            <a:ext cx="5117400" cy="3837960"/>
+          </a:xfrm>
+          <a:prstGeom prst="rect">
+            <a:avLst/>
+          </a:prstGeom>
+        </p:spPr>
+      </p:sp>
+      <p:sp>
+        <p:nvSpPr>
+          <p:cNvPr id="151" name="PlaceHolder 2"/>
           <p:cNvSpPr>
             <a:spLocks noGrp="1"/>
           </p:cNvSpPr>
@@ -1732,7 +1799,7 @@
         <p:spPr>
           <a:xfrm>
             <a:off x="710640" y="4862160"/>
-            <a:ext cx="5684040" cy="4605840"/>
+            <a:ext cx="5683680" cy="4605480"/>
           </a:xfrm>
           <a:prstGeom prst="rect">
             <a:avLst/>
@@ -1751,14 +1818,14 @@
       </p:sp>
       <p:sp>
         <p:nvSpPr>
-          <p:cNvPr id="158" name="TextShape 3"/>
-          <p:cNvSpPr txBox="1"/>
+          <p:cNvPr id="152" name="CustomShape 3"/>
+          <p:cNvSpPr/>
           <p:nvPr/>
         </p:nvSpPr>
         <p:spPr>
           <a:xfrm>
             <a:off x="4024800" y="9722520"/>
-            <a:ext cx="3078720" cy="511560"/>
+            <a:ext cx="3078360" cy="511200"/>
           </a:xfrm>
           <a:prstGeom prst="rect">
             <a:avLst/>
@@ -1768,6 +1835,12 @@
             <a:noFill/>
           </a:ln>
         </p:spPr>
+        <p:style>
+          <a:lnRef idx="0"/>
+          <a:fillRef idx="0"/>
+          <a:effectRef idx="0"/>
+          <a:fontRef idx="minor"/>
+        </p:style>
         <p:txBody>
           <a:bodyPr lIns="99000" rIns="99000" tIns="49680" bIns="49680" anchor="b">
             <a:noAutofit/>
@@ -1778,7 +1851,7 @@
                 <a:spcPct val="100000"/>
               </a:lnSpc>
             </a:pPr>
-            <a:fld id="{6058A496-09E3-494E-9078-37B43DD01BB4}" type="slidenum">
+            <a:fld id="{25A045CC-447E-4B7A-9771-5A2C8507A921}" type="slidenum">
               <a:rPr b="0" lang="en-US" sz="1300" spc="-1" strike="noStrike">
                 <a:solidFill>
                   <a:srgbClr val="000000"/>
@@ -1786,10 +1859,10 @@
                 <a:latin typeface="+mn-lt"/>
                 <a:ea typeface="+mn-ea"/>
               </a:rPr>
-              <a:t>15</a:t>
+              <a:t>&lt;编号&gt;</a:t>
             </a:fld>
             <a:endParaRPr b="0" lang="en-US" sz="1300" spc="-1" strike="noStrike">
-              <a:latin typeface="Times New Roman"/>
+              <a:latin typeface="Arial"/>
             </a:endParaRPr>
           </a:p>
         </p:txBody>
@@ -1818,7 +1891,7 @@
       </p:grpSpPr>
       <p:sp>
         <p:nvSpPr>
-          <p:cNvPr id="159" name="PlaceHolder 1"/>
+          <p:cNvPr id="153" name="PlaceHolder 1"/>
           <p:cNvSpPr>
             <a:spLocks noGrp="1"/>
           </p:cNvSpPr>
@@ -1829,16 +1902,16 @@
         <p:spPr>
           <a:xfrm>
             <a:off x="993600" y="768240"/>
-            <a:ext cx="5117760" cy="3838320"/>
-          </a:xfrm>
-          <a:prstGeom prst="rect">
-            <a:avLst/>
-          </a:prstGeom>
-        </p:spPr>
-      </p:sp>
-      <p:sp>
-        <p:nvSpPr>
-          <p:cNvPr id="160" name="PlaceHolder 2"/>
+            <a:ext cx="5117400" cy="3837960"/>
+          </a:xfrm>
+          <a:prstGeom prst="rect">
+            <a:avLst/>
+          </a:prstGeom>
+        </p:spPr>
+      </p:sp>
+      <p:sp>
+        <p:nvSpPr>
+          <p:cNvPr id="154" name="PlaceHolder 2"/>
           <p:cNvSpPr>
             <a:spLocks noGrp="1"/>
           </p:cNvSpPr>
@@ -1849,7 +1922,7 @@
         <p:spPr>
           <a:xfrm>
             <a:off x="710640" y="4862160"/>
-            <a:ext cx="5684040" cy="4605840"/>
+            <a:ext cx="5683680" cy="4605480"/>
           </a:xfrm>
           <a:prstGeom prst="rect">
             <a:avLst/>
@@ -1868,14 +1941,14 @@
       </p:sp>
       <p:sp>
         <p:nvSpPr>
-          <p:cNvPr id="161" name="TextShape 3"/>
-          <p:cNvSpPr txBox="1"/>
+          <p:cNvPr id="155" name="CustomShape 3"/>
+          <p:cNvSpPr/>
           <p:nvPr/>
         </p:nvSpPr>
         <p:spPr>
           <a:xfrm>
             <a:off x="4024800" y="9722520"/>
-            <a:ext cx="3078720" cy="511560"/>
+            <a:ext cx="3078360" cy="511200"/>
           </a:xfrm>
           <a:prstGeom prst="rect">
             <a:avLst/>
@@ -1885,6 +1958,12 @@
             <a:noFill/>
           </a:ln>
         </p:spPr>
+        <p:style>
+          <a:lnRef idx="0"/>
+          <a:fillRef idx="0"/>
+          <a:effectRef idx="0"/>
+          <a:fontRef idx="minor"/>
+        </p:style>
         <p:txBody>
           <a:bodyPr lIns="99000" rIns="99000" tIns="49680" bIns="49680" anchor="b">
             <a:noAutofit/>
@@ -1895,7 +1974,7 @@
                 <a:spcPct val="100000"/>
               </a:lnSpc>
             </a:pPr>
-            <a:fld id="{E5BE755A-6E3F-4F30-8253-4CD885E7F1C1}" type="slidenum">
+            <a:fld id="{C09A014E-48C3-4C39-B8FE-5F89B9026B27}" type="slidenum">
               <a:rPr b="0" lang="en-US" sz="1300" spc="-1" strike="noStrike">
                 <a:solidFill>
                   <a:srgbClr val="000000"/>
@@ -1903,10 +1982,10 @@
                 <a:latin typeface="+mn-lt"/>
                 <a:ea typeface="+mn-ea"/>
               </a:rPr>
-              <a:t>15</a:t>
+              <a:t>&lt;编号&gt;</a:t>
             </a:fld>
             <a:endParaRPr b="0" lang="en-US" sz="1300" spc="-1" strike="noStrike">
-              <a:latin typeface="Times New Roman"/>
+              <a:latin typeface="Arial"/>
             </a:endParaRPr>
           </a:p>
         </p:txBody>
@@ -1935,7 +2014,7 @@
       </p:grpSpPr>
       <p:sp>
         <p:nvSpPr>
-          <p:cNvPr id="162" name="PlaceHolder 1"/>
+          <p:cNvPr id="156" name="PlaceHolder 1"/>
           <p:cNvSpPr>
             <a:spLocks noGrp="1"/>
           </p:cNvSpPr>
@@ -1946,16 +2025,16 @@
         <p:spPr>
           <a:xfrm>
             <a:off x="993600" y="768240"/>
-            <a:ext cx="5117760" cy="3838320"/>
-          </a:xfrm>
-          <a:prstGeom prst="rect">
-            <a:avLst/>
-          </a:prstGeom>
-        </p:spPr>
-      </p:sp>
-      <p:sp>
-        <p:nvSpPr>
-          <p:cNvPr id="163" name="PlaceHolder 2"/>
+            <a:ext cx="5117400" cy="3837960"/>
+          </a:xfrm>
+          <a:prstGeom prst="rect">
+            <a:avLst/>
+          </a:prstGeom>
+        </p:spPr>
+      </p:sp>
+      <p:sp>
+        <p:nvSpPr>
+          <p:cNvPr id="157" name="PlaceHolder 2"/>
           <p:cNvSpPr>
             <a:spLocks noGrp="1"/>
           </p:cNvSpPr>
@@ -1966,7 +2045,7 @@
         <p:spPr>
           <a:xfrm>
             <a:off x="710640" y="4862160"/>
-            <a:ext cx="5684040" cy="4605840"/>
+            <a:ext cx="5683680" cy="4605480"/>
           </a:xfrm>
           <a:prstGeom prst="rect">
             <a:avLst/>
@@ -1985,14 +2064,14 @@
       </p:sp>
       <p:sp>
         <p:nvSpPr>
-          <p:cNvPr id="164" name="TextShape 3"/>
-          <p:cNvSpPr txBox="1"/>
+          <p:cNvPr id="158" name="CustomShape 3"/>
+          <p:cNvSpPr/>
           <p:nvPr/>
         </p:nvSpPr>
         <p:spPr>
           <a:xfrm>
             <a:off x="4024800" y="9722520"/>
-            <a:ext cx="3078720" cy="511560"/>
+            <a:ext cx="3078360" cy="511200"/>
           </a:xfrm>
           <a:prstGeom prst="rect">
             <a:avLst/>
@@ -2002,6 +2081,12 @@
             <a:noFill/>
           </a:ln>
         </p:spPr>
+        <p:style>
+          <a:lnRef idx="0"/>
+          <a:fillRef idx="0"/>
+          <a:effectRef idx="0"/>
+          <a:fontRef idx="minor"/>
+        </p:style>
         <p:txBody>
           <a:bodyPr lIns="99000" rIns="99000" tIns="49680" bIns="49680" anchor="b">
             <a:noAutofit/>
@@ -2012,7 +2097,7 @@
                 <a:spcPct val="100000"/>
               </a:lnSpc>
             </a:pPr>
-            <a:fld id="{FA3E464A-F4AD-4357-8D34-BA89C39ECD48}" type="slidenum">
+            <a:fld id="{506D1C46-D742-463D-A33A-C1534F918E80}" type="slidenum">
               <a:rPr b="0" lang="en-US" sz="1300" spc="-1" strike="noStrike">
                 <a:solidFill>
                   <a:srgbClr val="000000"/>
@@ -2020,10 +2105,10 @@
                 <a:latin typeface="+mn-lt"/>
                 <a:ea typeface="+mn-ea"/>
               </a:rPr>
-              <a:t>15</a:t>
+              <a:t>&lt;编号&gt;</a:t>
             </a:fld>
             <a:endParaRPr b="0" lang="en-US" sz="1300" spc="-1" strike="noStrike">
-              <a:latin typeface="Times New Roman"/>
+              <a:latin typeface="Arial"/>
             </a:endParaRPr>
           </a:p>
         </p:txBody>
@@ -2074,7 +2159,7 @@
       </p:grpSpPr>
       <p:sp>
         <p:nvSpPr>
-          <p:cNvPr id="26" name="PlaceHolder 1"/>
+          <p:cNvPr id="23" name="PlaceHolder 1"/>
           <p:cNvSpPr>
             <a:spLocks noGrp="1"/>
           </p:cNvSpPr>
@@ -2084,8 +2169,8 @@
         </p:nvSpPr>
         <p:spPr>
           <a:xfrm>
-            <a:off x="457200" y="274680"/>
-            <a:ext cx="8229240" cy="1142640"/>
+            <a:off x="457200" y="273600"/>
+            <a:ext cx="8229240" cy="1144800"/>
           </a:xfrm>
           <a:prstGeom prst="rect">
             <a:avLst/>
@@ -2096,18 +2181,16 @@
             <a:noAutofit/>
           </a:bodyPr>
           <a:p>
-            <a:endParaRPr b="0" lang="en-US" sz="1800" spc="-1" strike="noStrike">
-              <a:solidFill>
-                <a:srgbClr val="000000"/>
-              </a:solidFill>
-              <a:latin typeface="Calibri"/>
-            </a:endParaRPr>
-          </a:p>
-        </p:txBody>
-      </p:sp>
-      <p:sp>
-        <p:nvSpPr>
-          <p:cNvPr id="27" name="PlaceHolder 2"/>
+            <a:pPr algn="ctr"/>
+            <a:endParaRPr b="0" lang="en-US" sz="4400" spc="-1" strike="noStrike">
+              <a:latin typeface="Arial"/>
+            </a:endParaRPr>
+          </a:p>
+        </p:txBody>
+      </p:sp>
+      <p:sp>
+        <p:nvSpPr>
+          <p:cNvPr id="24" name="PlaceHolder 2"/>
           <p:cNvSpPr>
             <a:spLocks noGrp="1"/>
           </p:cNvSpPr>
@@ -2117,8 +2200,8 @@
         </p:nvSpPr>
         <p:spPr>
           <a:xfrm>
-            <a:off x="457200" y="1600200"/>
-            <a:ext cx="8229240" cy="2158560"/>
+            <a:off x="457200" y="1604520"/>
+            <a:ext cx="8229240" cy="1896840"/>
           </a:xfrm>
           <a:prstGeom prst="rect">
             <a:avLst/>
@@ -2130,17 +2213,14 @@
           </a:bodyPr>
           <a:p>
             <a:endParaRPr b="0" lang="en-US" sz="3200" spc="-1" strike="noStrike">
-              <a:solidFill>
-                <a:srgbClr val="000000"/>
-              </a:solidFill>
-              <a:latin typeface="Calibri"/>
-            </a:endParaRPr>
-          </a:p>
-        </p:txBody>
-      </p:sp>
-      <p:sp>
-        <p:nvSpPr>
-          <p:cNvPr id="28" name="PlaceHolder 3"/>
+              <a:latin typeface="Arial"/>
+            </a:endParaRPr>
+          </a:p>
+        </p:txBody>
+      </p:sp>
+      <p:sp>
+        <p:nvSpPr>
+          <p:cNvPr id="25" name="PlaceHolder 3"/>
           <p:cNvSpPr>
             <a:spLocks noGrp="1"/>
           </p:cNvSpPr>
@@ -2150,8 +2230,8 @@
         </p:nvSpPr>
         <p:spPr>
           <a:xfrm>
-            <a:off x="457200" y="3964320"/>
-            <a:ext cx="8229240" cy="2158560"/>
+            <a:off x="457200" y="3682080"/>
+            <a:ext cx="8229240" cy="1896840"/>
           </a:xfrm>
           <a:prstGeom prst="rect">
             <a:avLst/>
@@ -2163,10 +2243,7 @@
           </a:bodyPr>
           <a:p>
             <a:endParaRPr b="0" lang="en-US" sz="3200" spc="-1" strike="noStrike">
-              <a:solidFill>
-                <a:srgbClr val="000000"/>
-              </a:solidFill>
-              <a:latin typeface="Calibri"/>
+              <a:latin typeface="Arial"/>
             </a:endParaRPr>
           </a:p>
         </p:txBody>
@@ -2195,7 +2272,7 @@
       </p:grpSpPr>
       <p:sp>
         <p:nvSpPr>
-          <p:cNvPr id="29" name="PlaceHolder 1"/>
+          <p:cNvPr id="26" name="PlaceHolder 1"/>
           <p:cNvSpPr>
             <a:spLocks noGrp="1"/>
           </p:cNvSpPr>
@@ -2205,8 +2282,8 @@
         </p:nvSpPr>
         <p:spPr>
           <a:xfrm>
-            <a:off x="457200" y="274680"/>
-            <a:ext cx="8229240" cy="1142640"/>
+            <a:off x="457200" y="273600"/>
+            <a:ext cx="8229240" cy="1144800"/>
           </a:xfrm>
           <a:prstGeom prst="rect">
             <a:avLst/>
@@ -2217,18 +2294,16 @@
             <a:noAutofit/>
           </a:bodyPr>
           <a:p>
-            <a:endParaRPr b="0" lang="en-US" sz="1800" spc="-1" strike="noStrike">
-              <a:solidFill>
-                <a:srgbClr val="000000"/>
-              </a:solidFill>
-              <a:latin typeface="Calibri"/>
-            </a:endParaRPr>
-          </a:p>
-        </p:txBody>
-      </p:sp>
-      <p:sp>
-        <p:nvSpPr>
-          <p:cNvPr id="30" name="PlaceHolder 2"/>
+            <a:pPr algn="ctr"/>
+            <a:endParaRPr b="0" lang="en-US" sz="4400" spc="-1" strike="noStrike">
+              <a:latin typeface="Arial"/>
+            </a:endParaRPr>
+          </a:p>
+        </p:txBody>
+      </p:sp>
+      <p:sp>
+        <p:nvSpPr>
+          <p:cNvPr id="27" name="PlaceHolder 2"/>
           <p:cNvSpPr>
             <a:spLocks noGrp="1"/>
           </p:cNvSpPr>
@@ -2238,8 +2313,8 @@
         </p:nvSpPr>
         <p:spPr>
           <a:xfrm>
-            <a:off x="457200" y="1600200"/>
-            <a:ext cx="4015800" cy="2158560"/>
+            <a:off x="457200" y="1604520"/>
+            <a:ext cx="4015800" cy="1896840"/>
           </a:xfrm>
           <a:prstGeom prst="rect">
             <a:avLst/>
@@ -2251,17 +2326,14 @@
           </a:bodyPr>
           <a:p>
             <a:endParaRPr b="0" lang="en-US" sz="3200" spc="-1" strike="noStrike">
-              <a:solidFill>
-                <a:srgbClr val="000000"/>
-              </a:solidFill>
-              <a:latin typeface="Calibri"/>
-            </a:endParaRPr>
-          </a:p>
-        </p:txBody>
-      </p:sp>
-      <p:sp>
-        <p:nvSpPr>
-          <p:cNvPr id="31" name="PlaceHolder 3"/>
+              <a:latin typeface="Arial"/>
+            </a:endParaRPr>
+          </a:p>
+        </p:txBody>
+      </p:sp>
+      <p:sp>
+        <p:nvSpPr>
+          <p:cNvPr id="28" name="PlaceHolder 3"/>
           <p:cNvSpPr>
             <a:spLocks noGrp="1"/>
           </p:cNvSpPr>
@@ -2271,8 +2343,8 @@
         </p:nvSpPr>
         <p:spPr>
           <a:xfrm>
-            <a:off x="4674240" y="1600200"/>
-            <a:ext cx="4015800" cy="2158560"/>
+            <a:off x="4674240" y="1604520"/>
+            <a:ext cx="4015800" cy="1896840"/>
           </a:xfrm>
           <a:prstGeom prst="rect">
             <a:avLst/>
@@ -2284,17 +2356,14 @@
           </a:bodyPr>
           <a:p>
             <a:endParaRPr b="0" lang="en-US" sz="3200" spc="-1" strike="noStrike">
-              <a:solidFill>
-                <a:srgbClr val="000000"/>
-              </a:solidFill>
-              <a:latin typeface="Calibri"/>
-            </a:endParaRPr>
-          </a:p>
-        </p:txBody>
-      </p:sp>
-      <p:sp>
-        <p:nvSpPr>
-          <p:cNvPr id="32" name="PlaceHolder 4"/>
+              <a:latin typeface="Arial"/>
+            </a:endParaRPr>
+          </a:p>
+        </p:txBody>
+      </p:sp>
+      <p:sp>
+        <p:nvSpPr>
+          <p:cNvPr id="29" name="PlaceHolder 4"/>
           <p:cNvSpPr>
             <a:spLocks noGrp="1"/>
           </p:cNvSpPr>
@@ -2304,8 +2373,8 @@
         </p:nvSpPr>
         <p:spPr>
           <a:xfrm>
-            <a:off x="457200" y="3964320"/>
-            <a:ext cx="4015800" cy="2158560"/>
+            <a:off x="457200" y="3682080"/>
+            <a:ext cx="4015800" cy="1896840"/>
           </a:xfrm>
           <a:prstGeom prst="rect">
             <a:avLst/>
@@ -2317,17 +2386,14 @@
           </a:bodyPr>
           <a:p>
             <a:endParaRPr b="0" lang="en-US" sz="3200" spc="-1" strike="noStrike">
-              <a:solidFill>
-                <a:srgbClr val="000000"/>
-              </a:solidFill>
-              <a:latin typeface="Calibri"/>
-            </a:endParaRPr>
-          </a:p>
-        </p:txBody>
-      </p:sp>
-      <p:sp>
-        <p:nvSpPr>
-          <p:cNvPr id="33" name="PlaceHolder 5"/>
+              <a:latin typeface="Arial"/>
+            </a:endParaRPr>
+          </a:p>
+        </p:txBody>
+      </p:sp>
+      <p:sp>
+        <p:nvSpPr>
+          <p:cNvPr id="30" name="PlaceHolder 5"/>
           <p:cNvSpPr>
             <a:spLocks noGrp="1"/>
           </p:cNvSpPr>
@@ -2337,8 +2403,8 @@
         </p:nvSpPr>
         <p:spPr>
           <a:xfrm>
-            <a:off x="4674240" y="3964320"/>
-            <a:ext cx="4015800" cy="2158560"/>
+            <a:off x="4674240" y="3682080"/>
+            <a:ext cx="4015800" cy="1896840"/>
           </a:xfrm>
           <a:prstGeom prst="rect">
             <a:avLst/>
@@ -2350,10 +2416,7 @@
           </a:bodyPr>
           <a:p>
             <a:endParaRPr b="0" lang="en-US" sz="3200" spc="-1" strike="noStrike">
-              <a:solidFill>
-                <a:srgbClr val="000000"/>
-              </a:solidFill>
-              <a:latin typeface="Calibri"/>
+              <a:latin typeface="Arial"/>
             </a:endParaRPr>
           </a:p>
         </p:txBody>
@@ -2382,7 +2445,7 @@
       </p:grpSpPr>
       <p:sp>
         <p:nvSpPr>
-          <p:cNvPr id="34" name="PlaceHolder 1"/>
+          <p:cNvPr id="31" name="PlaceHolder 1"/>
           <p:cNvSpPr>
             <a:spLocks noGrp="1"/>
           </p:cNvSpPr>
@@ -2392,8 +2455,8 @@
         </p:nvSpPr>
         <p:spPr>
           <a:xfrm>
-            <a:off x="457200" y="274680"/>
-            <a:ext cx="8229240" cy="1142640"/>
+            <a:off x="457200" y="273600"/>
+            <a:ext cx="8229240" cy="1144800"/>
           </a:xfrm>
           <a:prstGeom prst="rect">
             <a:avLst/>
@@ -2404,18 +2467,16 @@
             <a:noAutofit/>
           </a:bodyPr>
           <a:p>
-            <a:endParaRPr b="0" lang="en-US" sz="1800" spc="-1" strike="noStrike">
-              <a:solidFill>
-                <a:srgbClr val="000000"/>
-              </a:solidFill>
-              <a:latin typeface="Calibri"/>
-            </a:endParaRPr>
-          </a:p>
-        </p:txBody>
-      </p:sp>
-      <p:sp>
-        <p:nvSpPr>
-          <p:cNvPr id="35" name="PlaceHolder 2"/>
+            <a:pPr algn="ctr"/>
+            <a:endParaRPr b="0" lang="en-US" sz="4400" spc="-1" strike="noStrike">
+              <a:latin typeface="Arial"/>
+            </a:endParaRPr>
+          </a:p>
+        </p:txBody>
+      </p:sp>
+      <p:sp>
+        <p:nvSpPr>
+          <p:cNvPr id="32" name="PlaceHolder 2"/>
           <p:cNvSpPr>
             <a:spLocks noGrp="1"/>
           </p:cNvSpPr>
@@ -2425,8 +2486,8 @@
         </p:nvSpPr>
         <p:spPr>
           <a:xfrm>
-            <a:off x="457200" y="1600200"/>
-            <a:ext cx="2649600" cy="2158560"/>
+            <a:off x="457200" y="1604520"/>
+            <a:ext cx="2649600" cy="1896840"/>
           </a:xfrm>
           <a:prstGeom prst="rect">
             <a:avLst/>
@@ -2438,17 +2499,14 @@
           </a:bodyPr>
           <a:p>
             <a:endParaRPr b="0" lang="en-US" sz="3200" spc="-1" strike="noStrike">
-              <a:solidFill>
-                <a:srgbClr val="000000"/>
-              </a:solidFill>
-              <a:latin typeface="Calibri"/>
-            </a:endParaRPr>
-          </a:p>
-        </p:txBody>
-      </p:sp>
-      <p:sp>
-        <p:nvSpPr>
-          <p:cNvPr id="36" name="PlaceHolder 3"/>
+              <a:latin typeface="Arial"/>
+            </a:endParaRPr>
+          </a:p>
+        </p:txBody>
+      </p:sp>
+      <p:sp>
+        <p:nvSpPr>
+          <p:cNvPr id="33" name="PlaceHolder 3"/>
           <p:cNvSpPr>
             <a:spLocks noGrp="1"/>
           </p:cNvSpPr>
@@ -2458,8 +2516,8 @@
         </p:nvSpPr>
         <p:spPr>
           <a:xfrm>
-            <a:off x="3239640" y="1600200"/>
-            <a:ext cx="2649600" cy="2158560"/>
+            <a:off x="3239640" y="1604520"/>
+            <a:ext cx="2649600" cy="1896840"/>
           </a:xfrm>
           <a:prstGeom prst="rect">
             <a:avLst/>
@@ -2471,17 +2529,14 @@
           </a:bodyPr>
           <a:p>
             <a:endParaRPr b="0" lang="en-US" sz="3200" spc="-1" strike="noStrike">
-              <a:solidFill>
-                <a:srgbClr val="000000"/>
-              </a:solidFill>
-              <a:latin typeface="Calibri"/>
-            </a:endParaRPr>
-          </a:p>
-        </p:txBody>
-      </p:sp>
-      <p:sp>
-        <p:nvSpPr>
-          <p:cNvPr id="37" name="PlaceHolder 4"/>
+              <a:latin typeface="Arial"/>
+            </a:endParaRPr>
+          </a:p>
+        </p:txBody>
+      </p:sp>
+      <p:sp>
+        <p:nvSpPr>
+          <p:cNvPr id="34" name="PlaceHolder 4"/>
           <p:cNvSpPr>
             <a:spLocks noGrp="1"/>
           </p:cNvSpPr>
@@ -2491,8 +2546,8 @@
         </p:nvSpPr>
         <p:spPr>
           <a:xfrm>
-            <a:off x="6022080" y="1600200"/>
-            <a:ext cx="2649600" cy="2158560"/>
+            <a:off x="6022080" y="1604520"/>
+            <a:ext cx="2649600" cy="1896840"/>
           </a:xfrm>
           <a:prstGeom prst="rect">
             <a:avLst/>
@@ -2504,17 +2559,14 @@
           </a:bodyPr>
           <a:p>
             <a:endParaRPr b="0" lang="en-US" sz="3200" spc="-1" strike="noStrike">
-              <a:solidFill>
-                <a:srgbClr val="000000"/>
-              </a:solidFill>
-              <a:latin typeface="Calibri"/>
-            </a:endParaRPr>
-          </a:p>
-        </p:txBody>
-      </p:sp>
-      <p:sp>
-        <p:nvSpPr>
-          <p:cNvPr id="38" name="PlaceHolder 5"/>
+              <a:latin typeface="Arial"/>
+            </a:endParaRPr>
+          </a:p>
+        </p:txBody>
+      </p:sp>
+      <p:sp>
+        <p:nvSpPr>
+          <p:cNvPr id="35" name="PlaceHolder 5"/>
           <p:cNvSpPr>
             <a:spLocks noGrp="1"/>
           </p:cNvSpPr>
@@ -2524,8 +2576,8 @@
         </p:nvSpPr>
         <p:spPr>
           <a:xfrm>
-            <a:off x="457200" y="3964320"/>
-            <a:ext cx="2649600" cy="2158560"/>
+            <a:off x="457200" y="3682080"/>
+            <a:ext cx="2649600" cy="1896840"/>
           </a:xfrm>
           <a:prstGeom prst="rect">
             <a:avLst/>
@@ -2537,17 +2589,14 @@
           </a:bodyPr>
           <a:p>
             <a:endParaRPr b="0" lang="en-US" sz="3200" spc="-1" strike="noStrike">
-              <a:solidFill>
-                <a:srgbClr val="000000"/>
-              </a:solidFill>
-              <a:latin typeface="Calibri"/>
-            </a:endParaRPr>
-          </a:p>
-        </p:txBody>
-      </p:sp>
-      <p:sp>
-        <p:nvSpPr>
-          <p:cNvPr id="39" name="PlaceHolder 6"/>
+              <a:latin typeface="Arial"/>
+            </a:endParaRPr>
+          </a:p>
+        </p:txBody>
+      </p:sp>
+      <p:sp>
+        <p:nvSpPr>
+          <p:cNvPr id="36" name="PlaceHolder 6"/>
           <p:cNvSpPr>
             <a:spLocks noGrp="1"/>
           </p:cNvSpPr>
@@ -2557,8 +2606,8 @@
         </p:nvSpPr>
         <p:spPr>
           <a:xfrm>
-            <a:off x="3239640" y="3964320"/>
-            <a:ext cx="2649600" cy="2158560"/>
+            <a:off x="3239640" y="3682080"/>
+            <a:ext cx="2649600" cy="1896840"/>
           </a:xfrm>
           <a:prstGeom prst="rect">
             <a:avLst/>
@@ -2570,17 +2619,14 @@
           </a:bodyPr>
           <a:p>
             <a:endParaRPr b="0" lang="en-US" sz="3200" spc="-1" strike="noStrike">
-              <a:solidFill>
-                <a:srgbClr val="000000"/>
-              </a:solidFill>
-              <a:latin typeface="Calibri"/>
-            </a:endParaRPr>
-          </a:p>
-        </p:txBody>
-      </p:sp>
-      <p:sp>
-        <p:nvSpPr>
-          <p:cNvPr id="40" name="PlaceHolder 7"/>
+              <a:latin typeface="Arial"/>
+            </a:endParaRPr>
+          </a:p>
+        </p:txBody>
+      </p:sp>
+      <p:sp>
+        <p:nvSpPr>
+          <p:cNvPr id="37" name="PlaceHolder 7"/>
           <p:cNvSpPr>
             <a:spLocks noGrp="1"/>
           </p:cNvSpPr>
@@ -2590,8 +2636,8 @@
         </p:nvSpPr>
         <p:spPr>
           <a:xfrm>
-            <a:off x="6022080" y="3964320"/>
-            <a:ext cx="2649600" cy="2158560"/>
+            <a:off x="6022080" y="3682080"/>
+            <a:ext cx="2649600" cy="1896840"/>
           </a:xfrm>
           <a:prstGeom prst="rect">
             <a:avLst/>
@@ -2603,10 +2649,7 @@
           </a:bodyPr>
           <a:p>
             <a:endParaRPr b="0" lang="en-US" sz="3200" spc="-1" strike="noStrike">
-              <a:solidFill>
-                <a:srgbClr val="000000"/>
-              </a:solidFill>
-              <a:latin typeface="Calibri"/>
+              <a:latin typeface="Arial"/>
             </a:endParaRPr>
           </a:p>
         </p:txBody>
@@ -2657,7 +2700,7 @@
       </p:grpSpPr>
       <p:sp>
         <p:nvSpPr>
-          <p:cNvPr id="46" name="PlaceHolder 1"/>
+          <p:cNvPr id="40" name="PlaceHolder 1"/>
           <p:cNvSpPr>
             <a:spLocks noGrp="1"/>
           </p:cNvSpPr>
@@ -2667,8 +2710,8 @@
         </p:nvSpPr>
         <p:spPr>
           <a:xfrm>
-            <a:off x="457200" y="274680"/>
-            <a:ext cx="8229240" cy="1142640"/>
+            <a:off x="457200" y="273600"/>
+            <a:ext cx="8229240" cy="1144800"/>
           </a:xfrm>
           <a:prstGeom prst="rect">
             <a:avLst/>
@@ -2679,18 +2722,16 @@
             <a:noAutofit/>
           </a:bodyPr>
           <a:p>
-            <a:endParaRPr b="0" lang="en-US" sz="1800" spc="-1" strike="noStrike">
-              <a:solidFill>
-                <a:srgbClr val="000000"/>
-              </a:solidFill>
-              <a:latin typeface="Calibri"/>
-            </a:endParaRPr>
-          </a:p>
-        </p:txBody>
-      </p:sp>
-      <p:sp>
-        <p:nvSpPr>
-          <p:cNvPr id="47" name="PlaceHolder 2"/>
+            <a:pPr algn="ctr"/>
+            <a:endParaRPr b="0" lang="en-US" sz="4400" spc="-1" strike="noStrike">
+              <a:latin typeface="Arial"/>
+            </a:endParaRPr>
+          </a:p>
+        </p:txBody>
+      </p:sp>
+      <p:sp>
+        <p:nvSpPr>
+          <p:cNvPr id="41" name="PlaceHolder 2"/>
           <p:cNvSpPr>
             <a:spLocks noGrp="1"/>
           </p:cNvSpPr>
@@ -2700,8 +2741,8 @@
         </p:nvSpPr>
         <p:spPr>
           <a:xfrm>
-            <a:off x="457200" y="1600200"/>
-            <a:ext cx="8229240" cy="4525560"/>
+            <a:off x="457200" y="1604520"/>
+            <a:ext cx="8229240" cy="3977280"/>
           </a:xfrm>
           <a:prstGeom prst="rect">
             <a:avLst/>
@@ -2743,7 +2784,7 @@
       </p:grpSpPr>
       <p:sp>
         <p:nvSpPr>
-          <p:cNvPr id="48" name="PlaceHolder 1"/>
+          <p:cNvPr id="42" name="PlaceHolder 1"/>
           <p:cNvSpPr>
             <a:spLocks noGrp="1"/>
           </p:cNvSpPr>
@@ -2753,8 +2794,8 @@
         </p:nvSpPr>
         <p:spPr>
           <a:xfrm>
-            <a:off x="457200" y="274680"/>
-            <a:ext cx="8229240" cy="1142640"/>
+            <a:off x="457200" y="273600"/>
+            <a:ext cx="8229240" cy="1144800"/>
           </a:xfrm>
           <a:prstGeom prst="rect">
             <a:avLst/>
@@ -2765,18 +2806,16 @@
             <a:noAutofit/>
           </a:bodyPr>
           <a:p>
-            <a:endParaRPr b="0" lang="en-US" sz="1800" spc="-1" strike="noStrike">
-              <a:solidFill>
-                <a:srgbClr val="000000"/>
-              </a:solidFill>
-              <a:latin typeface="Calibri"/>
-            </a:endParaRPr>
-          </a:p>
-        </p:txBody>
-      </p:sp>
-      <p:sp>
-        <p:nvSpPr>
-          <p:cNvPr id="49" name="PlaceHolder 2"/>
+            <a:pPr algn="ctr"/>
+            <a:endParaRPr b="0" lang="en-US" sz="4400" spc="-1" strike="noStrike">
+              <a:latin typeface="Arial"/>
+            </a:endParaRPr>
+          </a:p>
+        </p:txBody>
+      </p:sp>
+      <p:sp>
+        <p:nvSpPr>
+          <p:cNvPr id="43" name="PlaceHolder 2"/>
           <p:cNvSpPr>
             <a:spLocks noGrp="1"/>
           </p:cNvSpPr>
@@ -2786,8 +2825,8 @@
         </p:nvSpPr>
         <p:spPr>
           <a:xfrm>
-            <a:off x="457200" y="1600200"/>
-            <a:ext cx="8229240" cy="4525560"/>
+            <a:off x="457200" y="1604520"/>
+            <a:ext cx="8229240" cy="3977280"/>
           </a:xfrm>
           <a:prstGeom prst="rect">
             <a:avLst/>
@@ -2799,10 +2838,7 @@
           </a:bodyPr>
           <a:p>
             <a:endParaRPr b="0" lang="en-US" sz="3200" spc="-1" strike="noStrike">
-              <a:solidFill>
-                <a:srgbClr val="000000"/>
-              </a:solidFill>
-              <a:latin typeface="Calibri"/>
+              <a:latin typeface="Arial"/>
             </a:endParaRPr>
           </a:p>
         </p:txBody>
@@ -2831,7 +2867,7 @@
       </p:grpSpPr>
       <p:sp>
         <p:nvSpPr>
-          <p:cNvPr id="50" name="PlaceHolder 1"/>
+          <p:cNvPr id="44" name="PlaceHolder 1"/>
           <p:cNvSpPr>
             <a:spLocks noGrp="1"/>
           </p:cNvSpPr>
@@ -2841,8 +2877,8 @@
         </p:nvSpPr>
         <p:spPr>
           <a:xfrm>
-            <a:off x="457200" y="274680"/>
-            <a:ext cx="8229240" cy="1142640"/>
+            <a:off x="457200" y="273600"/>
+            <a:ext cx="8229240" cy="1144800"/>
           </a:xfrm>
           <a:prstGeom prst="rect">
             <a:avLst/>
@@ -2853,18 +2889,16 @@
             <a:noAutofit/>
           </a:bodyPr>
           <a:p>
-            <a:endParaRPr b="0" lang="en-US" sz="1800" spc="-1" strike="noStrike">
-              <a:solidFill>
-                <a:srgbClr val="000000"/>
-              </a:solidFill>
-              <a:latin typeface="Calibri"/>
-            </a:endParaRPr>
-          </a:p>
-        </p:txBody>
-      </p:sp>
-      <p:sp>
-        <p:nvSpPr>
-          <p:cNvPr id="51" name="PlaceHolder 2"/>
+            <a:pPr algn="ctr"/>
+            <a:endParaRPr b="0" lang="en-US" sz="4400" spc="-1" strike="noStrike">
+              <a:latin typeface="Arial"/>
+            </a:endParaRPr>
+          </a:p>
+        </p:txBody>
+      </p:sp>
+      <p:sp>
+        <p:nvSpPr>
+          <p:cNvPr id="45" name="PlaceHolder 2"/>
           <p:cNvSpPr>
             <a:spLocks noGrp="1"/>
           </p:cNvSpPr>
@@ -2874,8 +2908,8 @@
         </p:nvSpPr>
         <p:spPr>
           <a:xfrm>
-            <a:off x="457200" y="1600200"/>
-            <a:ext cx="4015800" cy="4525560"/>
+            <a:off x="457200" y="1604520"/>
+            <a:ext cx="4015800" cy="3977280"/>
           </a:xfrm>
           <a:prstGeom prst="rect">
             <a:avLst/>
@@ -2887,17 +2921,14 @@
           </a:bodyPr>
           <a:p>
             <a:endParaRPr b="0" lang="en-US" sz="3200" spc="-1" strike="noStrike">
-              <a:solidFill>
-                <a:srgbClr val="000000"/>
-              </a:solidFill>
-              <a:latin typeface="Calibri"/>
-            </a:endParaRPr>
-          </a:p>
-        </p:txBody>
-      </p:sp>
-      <p:sp>
-        <p:nvSpPr>
-          <p:cNvPr id="52" name="PlaceHolder 3"/>
+              <a:latin typeface="Arial"/>
+            </a:endParaRPr>
+          </a:p>
+        </p:txBody>
+      </p:sp>
+      <p:sp>
+        <p:nvSpPr>
+          <p:cNvPr id="46" name="PlaceHolder 3"/>
           <p:cNvSpPr>
             <a:spLocks noGrp="1"/>
           </p:cNvSpPr>
@@ -2907,8 +2938,8 @@
         </p:nvSpPr>
         <p:spPr>
           <a:xfrm>
-            <a:off x="4674240" y="1600200"/>
-            <a:ext cx="4015800" cy="4525560"/>
+            <a:off x="4674240" y="1604520"/>
+            <a:ext cx="4015800" cy="3977280"/>
           </a:xfrm>
           <a:prstGeom prst="rect">
             <a:avLst/>
@@ -2920,10 +2951,7 @@
           </a:bodyPr>
           <a:p>
             <a:endParaRPr b="0" lang="en-US" sz="3200" spc="-1" strike="noStrike">
-              <a:solidFill>
-                <a:srgbClr val="000000"/>
-              </a:solidFill>
-              <a:latin typeface="Calibri"/>
+              <a:latin typeface="Arial"/>
             </a:endParaRPr>
           </a:p>
         </p:txBody>
@@ -2952,7 +2980,7 @@
       </p:grpSpPr>
       <p:sp>
         <p:nvSpPr>
-          <p:cNvPr id="53" name="PlaceHolder 1"/>
+          <p:cNvPr id="47" name="PlaceHolder 1"/>
           <p:cNvSpPr>
             <a:spLocks noGrp="1"/>
           </p:cNvSpPr>
@@ -2962,8 +2990,8 @@
         </p:nvSpPr>
         <p:spPr>
           <a:xfrm>
-            <a:off x="457200" y="274680"/>
-            <a:ext cx="8229240" cy="1142640"/>
+            <a:off x="457200" y="273600"/>
+            <a:ext cx="8229240" cy="1144800"/>
           </a:xfrm>
           <a:prstGeom prst="rect">
             <a:avLst/>
@@ -2974,11 +3002,9 @@
             <a:noAutofit/>
           </a:bodyPr>
           <a:p>
-            <a:endParaRPr b="0" lang="en-US" sz="1800" spc="-1" strike="noStrike">
-              <a:solidFill>
-                <a:srgbClr val="000000"/>
-              </a:solidFill>
-              <a:latin typeface="Calibri"/>
+            <a:pPr algn="ctr"/>
+            <a:endParaRPr b="0" lang="en-US" sz="4400" spc="-1" strike="noStrike">
+              <a:latin typeface="Arial"/>
             </a:endParaRPr>
           </a:p>
         </p:txBody>
@@ -3007,7 +3033,7 @@
       </p:grpSpPr>
       <p:sp>
         <p:nvSpPr>
-          <p:cNvPr id="54" name="PlaceHolder 1"/>
+          <p:cNvPr id="48" name="PlaceHolder 1"/>
           <p:cNvSpPr>
             <a:spLocks noGrp="1"/>
           </p:cNvSpPr>
@@ -3017,8 +3043,8 @@
         </p:nvSpPr>
         <p:spPr>
           <a:xfrm>
-            <a:off x="457200" y="274680"/>
-            <a:ext cx="8229240" cy="5297760"/>
+            <a:off x="457200" y="273600"/>
+            <a:ext cx="8229240" cy="5307840"/>
           </a:xfrm>
           <a:prstGeom prst="rect">
             <a:avLst/>
@@ -3060,7 +3086,7 @@
       </p:grpSpPr>
       <p:sp>
         <p:nvSpPr>
-          <p:cNvPr id="55" name="PlaceHolder 1"/>
+          <p:cNvPr id="49" name="PlaceHolder 1"/>
           <p:cNvSpPr>
             <a:spLocks noGrp="1"/>
           </p:cNvSpPr>
@@ -3070,8 +3096,8 @@
         </p:nvSpPr>
         <p:spPr>
           <a:xfrm>
-            <a:off x="457200" y="274680"/>
-            <a:ext cx="8229240" cy="1142640"/>
+            <a:off x="457200" y="273600"/>
+            <a:ext cx="8229240" cy="1144800"/>
           </a:xfrm>
           <a:prstGeom prst="rect">
             <a:avLst/>
@@ -3082,18 +3108,16 @@
             <a:noAutofit/>
           </a:bodyPr>
           <a:p>
-            <a:endParaRPr b="0" lang="en-US" sz="1800" spc="-1" strike="noStrike">
-              <a:solidFill>
-                <a:srgbClr val="000000"/>
-              </a:solidFill>
-              <a:latin typeface="Calibri"/>
-            </a:endParaRPr>
-          </a:p>
-        </p:txBody>
-      </p:sp>
-      <p:sp>
-        <p:nvSpPr>
-          <p:cNvPr id="56" name="PlaceHolder 2"/>
+            <a:pPr algn="ctr"/>
+            <a:endParaRPr b="0" lang="en-US" sz="4400" spc="-1" strike="noStrike">
+              <a:latin typeface="Arial"/>
+            </a:endParaRPr>
+          </a:p>
+        </p:txBody>
+      </p:sp>
+      <p:sp>
+        <p:nvSpPr>
+          <p:cNvPr id="50" name="PlaceHolder 2"/>
           <p:cNvSpPr>
             <a:spLocks noGrp="1"/>
           </p:cNvSpPr>
@@ -3103,8 +3127,8 @@
         </p:nvSpPr>
         <p:spPr>
           <a:xfrm>
-            <a:off x="457200" y="1600200"/>
-            <a:ext cx="4015800" cy="2158560"/>
+            <a:off x="457200" y="1604520"/>
+            <a:ext cx="4015800" cy="1896840"/>
           </a:xfrm>
           <a:prstGeom prst="rect">
             <a:avLst/>
@@ -3116,17 +3140,14 @@
           </a:bodyPr>
           <a:p>
             <a:endParaRPr b="0" lang="en-US" sz="3200" spc="-1" strike="noStrike">
-              <a:solidFill>
-                <a:srgbClr val="000000"/>
-              </a:solidFill>
-              <a:latin typeface="Calibri"/>
-            </a:endParaRPr>
-          </a:p>
-        </p:txBody>
-      </p:sp>
-      <p:sp>
-        <p:nvSpPr>
-          <p:cNvPr id="57" name="PlaceHolder 3"/>
+              <a:latin typeface="Arial"/>
+            </a:endParaRPr>
+          </a:p>
+        </p:txBody>
+      </p:sp>
+      <p:sp>
+        <p:nvSpPr>
+          <p:cNvPr id="51" name="PlaceHolder 3"/>
           <p:cNvSpPr>
             <a:spLocks noGrp="1"/>
           </p:cNvSpPr>
@@ -3136,8 +3157,8 @@
         </p:nvSpPr>
         <p:spPr>
           <a:xfrm>
-            <a:off x="4674240" y="1600200"/>
-            <a:ext cx="4015800" cy="4525560"/>
+            <a:off x="4674240" y="1604520"/>
+            <a:ext cx="4015800" cy="3977280"/>
           </a:xfrm>
           <a:prstGeom prst="rect">
             <a:avLst/>
@@ -3149,17 +3170,14 @@
           </a:bodyPr>
           <a:p>
             <a:endParaRPr b="0" lang="en-US" sz="3200" spc="-1" strike="noStrike">
-              <a:solidFill>
-                <a:srgbClr val="000000"/>
-              </a:solidFill>
-              <a:latin typeface="Calibri"/>
-            </a:endParaRPr>
-          </a:p>
-        </p:txBody>
-      </p:sp>
-      <p:sp>
-        <p:nvSpPr>
-          <p:cNvPr id="58" name="PlaceHolder 4"/>
+              <a:latin typeface="Arial"/>
+            </a:endParaRPr>
+          </a:p>
+        </p:txBody>
+      </p:sp>
+      <p:sp>
+        <p:nvSpPr>
+          <p:cNvPr id="52" name="PlaceHolder 4"/>
           <p:cNvSpPr>
             <a:spLocks noGrp="1"/>
           </p:cNvSpPr>
@@ -3169,8 +3187,8 @@
         </p:nvSpPr>
         <p:spPr>
           <a:xfrm>
-            <a:off x="457200" y="3964320"/>
-            <a:ext cx="4015800" cy="2158560"/>
+            <a:off x="457200" y="3682080"/>
+            <a:ext cx="4015800" cy="1896840"/>
           </a:xfrm>
           <a:prstGeom prst="rect">
             <a:avLst/>
@@ -3182,10 +3200,7 @@
           </a:bodyPr>
           <a:p>
             <a:endParaRPr b="0" lang="en-US" sz="3200" spc="-1" strike="noStrike">
-              <a:solidFill>
-                <a:srgbClr val="000000"/>
-              </a:solidFill>
-              <a:latin typeface="Calibri"/>
+              <a:latin typeface="Arial"/>
             </a:endParaRPr>
           </a:p>
         </p:txBody>
@@ -3214,7 +3229,7 @@
       </p:grpSpPr>
       <p:sp>
         <p:nvSpPr>
-          <p:cNvPr id="5" name="PlaceHolder 1"/>
+          <p:cNvPr id="2" name="PlaceHolder 1"/>
           <p:cNvSpPr>
             <a:spLocks noGrp="1"/>
           </p:cNvSpPr>
@@ -3224,8 +3239,8 @@
         </p:nvSpPr>
         <p:spPr>
           <a:xfrm>
-            <a:off x="457200" y="274680"/>
-            <a:ext cx="8229240" cy="1142640"/>
+            <a:off x="457200" y="273600"/>
+            <a:ext cx="8229240" cy="1144800"/>
           </a:xfrm>
           <a:prstGeom prst="rect">
             <a:avLst/>
@@ -3236,18 +3251,16 @@
             <a:noAutofit/>
           </a:bodyPr>
           <a:p>
-            <a:endParaRPr b="0" lang="en-US" sz="1800" spc="-1" strike="noStrike">
-              <a:solidFill>
-                <a:srgbClr val="000000"/>
-              </a:solidFill>
-              <a:latin typeface="Calibri"/>
-            </a:endParaRPr>
-          </a:p>
-        </p:txBody>
-      </p:sp>
-      <p:sp>
-        <p:nvSpPr>
-          <p:cNvPr id="6" name="PlaceHolder 2"/>
+            <a:pPr algn="ctr"/>
+            <a:endParaRPr b="0" lang="en-US" sz="4400" spc="-1" strike="noStrike">
+              <a:latin typeface="Arial"/>
+            </a:endParaRPr>
+          </a:p>
+        </p:txBody>
+      </p:sp>
+      <p:sp>
+        <p:nvSpPr>
+          <p:cNvPr id="3" name="PlaceHolder 2"/>
           <p:cNvSpPr>
             <a:spLocks noGrp="1"/>
           </p:cNvSpPr>
@@ -3257,8 +3270,8 @@
         </p:nvSpPr>
         <p:spPr>
           <a:xfrm>
-            <a:off x="457200" y="1600200"/>
-            <a:ext cx="8229240" cy="4525560"/>
+            <a:off x="457200" y="1604520"/>
+            <a:ext cx="8229240" cy="3977280"/>
           </a:xfrm>
           <a:prstGeom prst="rect">
             <a:avLst/>
@@ -3300,7 +3313,7 @@
       </p:grpSpPr>
       <p:sp>
         <p:nvSpPr>
-          <p:cNvPr id="59" name="PlaceHolder 1"/>
+          <p:cNvPr id="53" name="PlaceHolder 1"/>
           <p:cNvSpPr>
             <a:spLocks noGrp="1"/>
           </p:cNvSpPr>
@@ -3310,8 +3323,8 @@
         </p:nvSpPr>
         <p:spPr>
           <a:xfrm>
-            <a:off x="457200" y="274680"/>
-            <a:ext cx="8229240" cy="1142640"/>
+            <a:off x="457200" y="273600"/>
+            <a:ext cx="8229240" cy="1144800"/>
           </a:xfrm>
           <a:prstGeom prst="rect">
             <a:avLst/>
@@ -3322,18 +3335,16 @@
             <a:noAutofit/>
           </a:bodyPr>
           <a:p>
-            <a:endParaRPr b="0" lang="en-US" sz="1800" spc="-1" strike="noStrike">
-              <a:solidFill>
-                <a:srgbClr val="000000"/>
-              </a:solidFill>
-              <a:latin typeface="Calibri"/>
-            </a:endParaRPr>
-          </a:p>
-        </p:txBody>
-      </p:sp>
-      <p:sp>
-        <p:nvSpPr>
-          <p:cNvPr id="60" name="PlaceHolder 2"/>
+            <a:pPr algn="ctr"/>
+            <a:endParaRPr b="0" lang="en-US" sz="4400" spc="-1" strike="noStrike">
+              <a:latin typeface="Arial"/>
+            </a:endParaRPr>
+          </a:p>
+        </p:txBody>
+      </p:sp>
+      <p:sp>
+        <p:nvSpPr>
+          <p:cNvPr id="54" name="PlaceHolder 2"/>
           <p:cNvSpPr>
             <a:spLocks noGrp="1"/>
           </p:cNvSpPr>
@@ -3343,8 +3354,8 @@
         </p:nvSpPr>
         <p:spPr>
           <a:xfrm>
-            <a:off x="457200" y="1600200"/>
-            <a:ext cx="4015800" cy="4525560"/>
+            <a:off x="457200" y="1604520"/>
+            <a:ext cx="4015800" cy="3977280"/>
           </a:xfrm>
           <a:prstGeom prst="rect">
             <a:avLst/>
@@ -3356,17 +3367,14 @@
           </a:bodyPr>
           <a:p>
             <a:endParaRPr b="0" lang="en-US" sz="3200" spc="-1" strike="noStrike">
-              <a:solidFill>
-                <a:srgbClr val="000000"/>
-              </a:solidFill>
-              <a:latin typeface="Calibri"/>
-            </a:endParaRPr>
-          </a:p>
-        </p:txBody>
-      </p:sp>
-      <p:sp>
-        <p:nvSpPr>
-          <p:cNvPr id="61" name="PlaceHolder 3"/>
+              <a:latin typeface="Arial"/>
+            </a:endParaRPr>
+          </a:p>
+        </p:txBody>
+      </p:sp>
+      <p:sp>
+        <p:nvSpPr>
+          <p:cNvPr id="55" name="PlaceHolder 3"/>
           <p:cNvSpPr>
             <a:spLocks noGrp="1"/>
           </p:cNvSpPr>
@@ -3376,8 +3384,8 @@
         </p:nvSpPr>
         <p:spPr>
           <a:xfrm>
-            <a:off x="4674240" y="1600200"/>
-            <a:ext cx="4015800" cy="2158560"/>
+            <a:off x="4674240" y="1604520"/>
+            <a:ext cx="4015800" cy="1896840"/>
           </a:xfrm>
           <a:prstGeom prst="rect">
             <a:avLst/>
@@ -3389,17 +3397,14 @@
           </a:bodyPr>
           <a:p>
             <a:endParaRPr b="0" lang="en-US" sz="3200" spc="-1" strike="noStrike">
-              <a:solidFill>
-                <a:srgbClr val="000000"/>
-              </a:solidFill>
-              <a:latin typeface="Calibri"/>
-            </a:endParaRPr>
-          </a:p>
-        </p:txBody>
-      </p:sp>
-      <p:sp>
-        <p:nvSpPr>
-          <p:cNvPr id="62" name="PlaceHolder 4"/>
+              <a:latin typeface="Arial"/>
+            </a:endParaRPr>
+          </a:p>
+        </p:txBody>
+      </p:sp>
+      <p:sp>
+        <p:nvSpPr>
+          <p:cNvPr id="56" name="PlaceHolder 4"/>
           <p:cNvSpPr>
             <a:spLocks noGrp="1"/>
           </p:cNvSpPr>
@@ -3409,8 +3414,8 @@
         </p:nvSpPr>
         <p:spPr>
           <a:xfrm>
-            <a:off x="4674240" y="3964320"/>
-            <a:ext cx="4015800" cy="2158560"/>
+            <a:off x="4674240" y="3682080"/>
+            <a:ext cx="4015800" cy="1896840"/>
           </a:xfrm>
           <a:prstGeom prst="rect">
             <a:avLst/>
@@ -3422,10 +3427,7 @@
           </a:bodyPr>
           <a:p>
             <a:endParaRPr b="0" lang="en-US" sz="3200" spc="-1" strike="noStrike">
-              <a:solidFill>
-                <a:srgbClr val="000000"/>
-              </a:solidFill>
-              <a:latin typeface="Calibri"/>
+              <a:latin typeface="Arial"/>
             </a:endParaRPr>
           </a:p>
         </p:txBody>
@@ -3454,7 +3456,7 @@
       </p:grpSpPr>
       <p:sp>
         <p:nvSpPr>
-          <p:cNvPr id="63" name="PlaceHolder 1"/>
+          <p:cNvPr id="57" name="PlaceHolder 1"/>
           <p:cNvSpPr>
             <a:spLocks noGrp="1"/>
           </p:cNvSpPr>
@@ -3464,8 +3466,8 @@
         </p:nvSpPr>
         <p:spPr>
           <a:xfrm>
-            <a:off x="457200" y="274680"/>
-            <a:ext cx="8229240" cy="1142640"/>
+            <a:off x="457200" y="273600"/>
+            <a:ext cx="8229240" cy="1144800"/>
           </a:xfrm>
           <a:prstGeom prst="rect">
             <a:avLst/>
@@ -3476,18 +3478,16 @@
             <a:noAutofit/>
           </a:bodyPr>
           <a:p>
-            <a:endParaRPr b="0" lang="en-US" sz="1800" spc="-1" strike="noStrike">
-              <a:solidFill>
-                <a:srgbClr val="000000"/>
-              </a:solidFill>
-              <a:latin typeface="Calibri"/>
-            </a:endParaRPr>
-          </a:p>
-        </p:txBody>
-      </p:sp>
-      <p:sp>
-        <p:nvSpPr>
-          <p:cNvPr id="64" name="PlaceHolder 2"/>
+            <a:pPr algn="ctr"/>
+            <a:endParaRPr b="0" lang="en-US" sz="4400" spc="-1" strike="noStrike">
+              <a:latin typeface="Arial"/>
+            </a:endParaRPr>
+          </a:p>
+        </p:txBody>
+      </p:sp>
+      <p:sp>
+        <p:nvSpPr>
+          <p:cNvPr id="58" name="PlaceHolder 2"/>
           <p:cNvSpPr>
             <a:spLocks noGrp="1"/>
           </p:cNvSpPr>
@@ -3497,8 +3497,8 @@
         </p:nvSpPr>
         <p:spPr>
           <a:xfrm>
-            <a:off x="457200" y="1600200"/>
-            <a:ext cx="4015800" cy="2158560"/>
+            <a:off x="457200" y="1604520"/>
+            <a:ext cx="4015800" cy="1896840"/>
           </a:xfrm>
           <a:prstGeom prst="rect">
             <a:avLst/>
@@ -3510,17 +3510,14 @@
           </a:bodyPr>
           <a:p>
             <a:endParaRPr b="0" lang="en-US" sz="3200" spc="-1" strike="noStrike">
-              <a:solidFill>
-                <a:srgbClr val="000000"/>
-              </a:solidFill>
-              <a:latin typeface="Calibri"/>
-            </a:endParaRPr>
-          </a:p>
-        </p:txBody>
-      </p:sp>
-      <p:sp>
-        <p:nvSpPr>
-          <p:cNvPr id="65" name="PlaceHolder 3"/>
+              <a:latin typeface="Arial"/>
+            </a:endParaRPr>
+          </a:p>
+        </p:txBody>
+      </p:sp>
+      <p:sp>
+        <p:nvSpPr>
+          <p:cNvPr id="59" name="PlaceHolder 3"/>
           <p:cNvSpPr>
             <a:spLocks noGrp="1"/>
           </p:cNvSpPr>
@@ -3530,8 +3527,8 @@
         </p:nvSpPr>
         <p:spPr>
           <a:xfrm>
-            <a:off x="4674240" y="1600200"/>
-            <a:ext cx="4015800" cy="2158560"/>
+            <a:off x="4674240" y="1604520"/>
+            <a:ext cx="4015800" cy="1896840"/>
           </a:xfrm>
           <a:prstGeom prst="rect">
             <a:avLst/>
@@ -3543,17 +3540,14 @@
           </a:bodyPr>
           <a:p>
             <a:endParaRPr b="0" lang="en-US" sz="3200" spc="-1" strike="noStrike">
-              <a:solidFill>
-                <a:srgbClr val="000000"/>
-              </a:solidFill>
-              <a:latin typeface="Calibri"/>
-            </a:endParaRPr>
-          </a:p>
-        </p:txBody>
-      </p:sp>
-      <p:sp>
-        <p:nvSpPr>
-          <p:cNvPr id="66" name="PlaceHolder 4"/>
+              <a:latin typeface="Arial"/>
+            </a:endParaRPr>
+          </a:p>
+        </p:txBody>
+      </p:sp>
+      <p:sp>
+        <p:nvSpPr>
+          <p:cNvPr id="60" name="PlaceHolder 4"/>
           <p:cNvSpPr>
             <a:spLocks noGrp="1"/>
           </p:cNvSpPr>
@@ -3563,8 +3557,8 @@
         </p:nvSpPr>
         <p:spPr>
           <a:xfrm>
-            <a:off x="457200" y="3964320"/>
-            <a:ext cx="8229240" cy="2158560"/>
+            <a:off x="457200" y="3682080"/>
+            <a:ext cx="8229240" cy="1896840"/>
           </a:xfrm>
           <a:prstGeom prst="rect">
             <a:avLst/>
@@ -3576,10 +3570,7 @@
           </a:bodyPr>
           <a:p>
             <a:endParaRPr b="0" lang="en-US" sz="3200" spc="-1" strike="noStrike">
-              <a:solidFill>
-                <a:srgbClr val="000000"/>
-              </a:solidFill>
-              <a:latin typeface="Calibri"/>
+              <a:latin typeface="Arial"/>
             </a:endParaRPr>
           </a:p>
         </p:txBody>
@@ -3608,7 +3599,7 @@
       </p:grpSpPr>
       <p:sp>
         <p:nvSpPr>
-          <p:cNvPr id="67" name="PlaceHolder 1"/>
+          <p:cNvPr id="61" name="PlaceHolder 1"/>
           <p:cNvSpPr>
             <a:spLocks noGrp="1"/>
           </p:cNvSpPr>
@@ -3618,8 +3609,8 @@
         </p:nvSpPr>
         <p:spPr>
           <a:xfrm>
-            <a:off x="457200" y="274680"/>
-            <a:ext cx="8229240" cy="1142640"/>
+            <a:off x="457200" y="273600"/>
+            <a:ext cx="8229240" cy="1144800"/>
           </a:xfrm>
           <a:prstGeom prst="rect">
             <a:avLst/>
@@ -3630,18 +3621,16 @@
             <a:noAutofit/>
           </a:bodyPr>
           <a:p>
-            <a:endParaRPr b="0" lang="en-US" sz="1800" spc="-1" strike="noStrike">
-              <a:solidFill>
-                <a:srgbClr val="000000"/>
-              </a:solidFill>
-              <a:latin typeface="Calibri"/>
-            </a:endParaRPr>
-          </a:p>
-        </p:txBody>
-      </p:sp>
-      <p:sp>
-        <p:nvSpPr>
-          <p:cNvPr id="68" name="PlaceHolder 2"/>
+            <a:pPr algn="ctr"/>
+            <a:endParaRPr b="0" lang="en-US" sz="4400" spc="-1" strike="noStrike">
+              <a:latin typeface="Arial"/>
+            </a:endParaRPr>
+          </a:p>
+        </p:txBody>
+      </p:sp>
+      <p:sp>
+        <p:nvSpPr>
+          <p:cNvPr id="62" name="PlaceHolder 2"/>
           <p:cNvSpPr>
             <a:spLocks noGrp="1"/>
           </p:cNvSpPr>
@@ -3651,8 +3640,8 @@
         </p:nvSpPr>
         <p:spPr>
           <a:xfrm>
-            <a:off x="457200" y="1600200"/>
-            <a:ext cx="8229240" cy="2158560"/>
+            <a:off x="457200" y="1604520"/>
+            <a:ext cx="8229240" cy="1896840"/>
           </a:xfrm>
           <a:prstGeom prst="rect">
             <a:avLst/>
@@ -3664,17 +3653,14 @@
           </a:bodyPr>
           <a:p>
             <a:endParaRPr b="0" lang="en-US" sz="3200" spc="-1" strike="noStrike">
-              <a:solidFill>
-                <a:srgbClr val="000000"/>
-              </a:solidFill>
-              <a:latin typeface="Calibri"/>
-            </a:endParaRPr>
-          </a:p>
-        </p:txBody>
-      </p:sp>
-      <p:sp>
-        <p:nvSpPr>
-          <p:cNvPr id="69" name="PlaceHolder 3"/>
+              <a:latin typeface="Arial"/>
+            </a:endParaRPr>
+          </a:p>
+        </p:txBody>
+      </p:sp>
+      <p:sp>
+        <p:nvSpPr>
+          <p:cNvPr id="63" name="PlaceHolder 3"/>
           <p:cNvSpPr>
             <a:spLocks noGrp="1"/>
           </p:cNvSpPr>
@@ -3684,8 +3670,8 @@
         </p:nvSpPr>
         <p:spPr>
           <a:xfrm>
-            <a:off x="457200" y="3964320"/>
-            <a:ext cx="8229240" cy="2158560"/>
+            <a:off x="457200" y="3682080"/>
+            <a:ext cx="8229240" cy="1896840"/>
           </a:xfrm>
           <a:prstGeom prst="rect">
             <a:avLst/>
@@ -3697,10 +3683,7 @@
           </a:bodyPr>
           <a:p>
             <a:endParaRPr b="0" lang="en-US" sz="3200" spc="-1" strike="noStrike">
-              <a:solidFill>
-                <a:srgbClr val="000000"/>
-              </a:solidFill>
-              <a:latin typeface="Calibri"/>
+              <a:latin typeface="Arial"/>
             </a:endParaRPr>
           </a:p>
         </p:txBody>
@@ -3729,7 +3712,7 @@
       </p:grpSpPr>
       <p:sp>
         <p:nvSpPr>
-          <p:cNvPr id="70" name="PlaceHolder 1"/>
+          <p:cNvPr id="64" name="PlaceHolder 1"/>
           <p:cNvSpPr>
             <a:spLocks noGrp="1"/>
           </p:cNvSpPr>
@@ -3739,8 +3722,8 @@
         </p:nvSpPr>
         <p:spPr>
           <a:xfrm>
-            <a:off x="457200" y="274680"/>
-            <a:ext cx="8229240" cy="1142640"/>
+            <a:off x="457200" y="273600"/>
+            <a:ext cx="8229240" cy="1144800"/>
           </a:xfrm>
           <a:prstGeom prst="rect">
             <a:avLst/>
@@ -3751,18 +3734,16 @@
             <a:noAutofit/>
           </a:bodyPr>
           <a:p>
-            <a:endParaRPr b="0" lang="en-US" sz="1800" spc="-1" strike="noStrike">
-              <a:solidFill>
-                <a:srgbClr val="000000"/>
-              </a:solidFill>
-              <a:latin typeface="Calibri"/>
-            </a:endParaRPr>
-          </a:p>
-        </p:txBody>
-      </p:sp>
-      <p:sp>
-        <p:nvSpPr>
-          <p:cNvPr id="71" name="PlaceHolder 2"/>
+            <a:pPr algn="ctr"/>
+            <a:endParaRPr b="0" lang="en-US" sz="4400" spc="-1" strike="noStrike">
+              <a:latin typeface="Arial"/>
+            </a:endParaRPr>
+          </a:p>
+        </p:txBody>
+      </p:sp>
+      <p:sp>
+        <p:nvSpPr>
+          <p:cNvPr id="65" name="PlaceHolder 2"/>
           <p:cNvSpPr>
             <a:spLocks noGrp="1"/>
           </p:cNvSpPr>
@@ -3772,8 +3753,8 @@
         </p:nvSpPr>
         <p:spPr>
           <a:xfrm>
-            <a:off x="457200" y="1600200"/>
-            <a:ext cx="4015800" cy="2158560"/>
+            <a:off x="457200" y="1604520"/>
+            <a:ext cx="4015800" cy="1896840"/>
           </a:xfrm>
           <a:prstGeom prst="rect">
             <a:avLst/>
@@ -3785,17 +3766,14 @@
           </a:bodyPr>
           <a:p>
             <a:endParaRPr b="0" lang="en-US" sz="3200" spc="-1" strike="noStrike">
-              <a:solidFill>
-                <a:srgbClr val="000000"/>
-              </a:solidFill>
-              <a:latin typeface="Calibri"/>
-            </a:endParaRPr>
-          </a:p>
-        </p:txBody>
-      </p:sp>
-      <p:sp>
-        <p:nvSpPr>
-          <p:cNvPr id="72" name="PlaceHolder 3"/>
+              <a:latin typeface="Arial"/>
+            </a:endParaRPr>
+          </a:p>
+        </p:txBody>
+      </p:sp>
+      <p:sp>
+        <p:nvSpPr>
+          <p:cNvPr id="66" name="PlaceHolder 3"/>
           <p:cNvSpPr>
             <a:spLocks noGrp="1"/>
           </p:cNvSpPr>
@@ -3805,8 +3783,8 @@
         </p:nvSpPr>
         <p:spPr>
           <a:xfrm>
-            <a:off x="4674240" y="1600200"/>
-            <a:ext cx="4015800" cy="2158560"/>
+            <a:off x="4674240" y="1604520"/>
+            <a:ext cx="4015800" cy="1896840"/>
           </a:xfrm>
           <a:prstGeom prst="rect">
             <a:avLst/>
@@ -3818,17 +3796,14 @@
           </a:bodyPr>
           <a:p>
             <a:endParaRPr b="0" lang="en-US" sz="3200" spc="-1" strike="noStrike">
-              <a:solidFill>
-                <a:srgbClr val="000000"/>
-              </a:solidFill>
-              <a:latin typeface="Calibri"/>
-            </a:endParaRPr>
-          </a:p>
-        </p:txBody>
-      </p:sp>
-      <p:sp>
-        <p:nvSpPr>
-          <p:cNvPr id="73" name="PlaceHolder 4"/>
+              <a:latin typeface="Arial"/>
+            </a:endParaRPr>
+          </a:p>
+        </p:txBody>
+      </p:sp>
+      <p:sp>
+        <p:nvSpPr>
+          <p:cNvPr id="67" name="PlaceHolder 4"/>
           <p:cNvSpPr>
             <a:spLocks noGrp="1"/>
           </p:cNvSpPr>
@@ -3838,8 +3813,8 @@
         </p:nvSpPr>
         <p:spPr>
           <a:xfrm>
-            <a:off x="457200" y="3964320"/>
-            <a:ext cx="4015800" cy="2158560"/>
+            <a:off x="457200" y="3682080"/>
+            <a:ext cx="4015800" cy="1896840"/>
           </a:xfrm>
           <a:prstGeom prst="rect">
             <a:avLst/>
@@ -3851,17 +3826,14 @@
           </a:bodyPr>
           <a:p>
             <a:endParaRPr b="0" lang="en-US" sz="3200" spc="-1" strike="noStrike">
-              <a:solidFill>
-                <a:srgbClr val="000000"/>
-              </a:solidFill>
-              <a:latin typeface="Calibri"/>
-            </a:endParaRPr>
-          </a:p>
-        </p:txBody>
-      </p:sp>
-      <p:sp>
-        <p:nvSpPr>
-          <p:cNvPr id="74" name="PlaceHolder 5"/>
+              <a:latin typeface="Arial"/>
+            </a:endParaRPr>
+          </a:p>
+        </p:txBody>
+      </p:sp>
+      <p:sp>
+        <p:nvSpPr>
+          <p:cNvPr id="68" name="PlaceHolder 5"/>
           <p:cNvSpPr>
             <a:spLocks noGrp="1"/>
           </p:cNvSpPr>
@@ -3871,8 +3843,8 @@
         </p:nvSpPr>
         <p:spPr>
           <a:xfrm>
-            <a:off x="4674240" y="3964320"/>
-            <a:ext cx="4015800" cy="2158560"/>
+            <a:off x="4674240" y="3682080"/>
+            <a:ext cx="4015800" cy="1896840"/>
           </a:xfrm>
           <a:prstGeom prst="rect">
             <a:avLst/>
@@ -3884,10 +3856,7 @@
           </a:bodyPr>
           <a:p>
             <a:endParaRPr b="0" lang="en-US" sz="3200" spc="-1" strike="noStrike">
-              <a:solidFill>
-                <a:srgbClr val="000000"/>
-              </a:solidFill>
-              <a:latin typeface="Calibri"/>
+              <a:latin typeface="Arial"/>
             </a:endParaRPr>
           </a:p>
         </p:txBody>
@@ -3916,7 +3885,7 @@
       </p:grpSpPr>
       <p:sp>
         <p:nvSpPr>
-          <p:cNvPr id="75" name="PlaceHolder 1"/>
+          <p:cNvPr id="69" name="PlaceHolder 1"/>
           <p:cNvSpPr>
             <a:spLocks noGrp="1"/>
           </p:cNvSpPr>
@@ -3926,8 +3895,8 @@
         </p:nvSpPr>
         <p:spPr>
           <a:xfrm>
-            <a:off x="457200" y="274680"/>
-            <a:ext cx="8229240" cy="1142640"/>
+            <a:off x="457200" y="273600"/>
+            <a:ext cx="8229240" cy="1144800"/>
           </a:xfrm>
           <a:prstGeom prst="rect">
             <a:avLst/>
@@ -3938,18 +3907,16 @@
             <a:noAutofit/>
           </a:bodyPr>
           <a:p>
-            <a:endParaRPr b="0" lang="en-US" sz="1800" spc="-1" strike="noStrike">
-              <a:solidFill>
-                <a:srgbClr val="000000"/>
-              </a:solidFill>
-              <a:latin typeface="Calibri"/>
-            </a:endParaRPr>
-          </a:p>
-        </p:txBody>
-      </p:sp>
-      <p:sp>
-        <p:nvSpPr>
-          <p:cNvPr id="76" name="PlaceHolder 2"/>
+            <a:pPr algn="ctr"/>
+            <a:endParaRPr b="0" lang="en-US" sz="4400" spc="-1" strike="noStrike">
+              <a:latin typeface="Arial"/>
+            </a:endParaRPr>
+          </a:p>
+        </p:txBody>
+      </p:sp>
+      <p:sp>
+        <p:nvSpPr>
+          <p:cNvPr id="70" name="PlaceHolder 2"/>
           <p:cNvSpPr>
             <a:spLocks noGrp="1"/>
           </p:cNvSpPr>
@@ -3959,8 +3926,8 @@
         </p:nvSpPr>
         <p:spPr>
           <a:xfrm>
-            <a:off x="457200" y="1600200"/>
-            <a:ext cx="2649600" cy="2158560"/>
+            <a:off x="457200" y="1604520"/>
+            <a:ext cx="2649600" cy="1896840"/>
           </a:xfrm>
           <a:prstGeom prst="rect">
             <a:avLst/>
@@ -3972,17 +3939,14 @@
           </a:bodyPr>
           <a:p>
             <a:endParaRPr b="0" lang="en-US" sz="3200" spc="-1" strike="noStrike">
-              <a:solidFill>
-                <a:srgbClr val="000000"/>
-              </a:solidFill>
-              <a:latin typeface="Calibri"/>
-            </a:endParaRPr>
-          </a:p>
-        </p:txBody>
-      </p:sp>
-      <p:sp>
-        <p:nvSpPr>
-          <p:cNvPr id="77" name="PlaceHolder 3"/>
+              <a:latin typeface="Arial"/>
+            </a:endParaRPr>
+          </a:p>
+        </p:txBody>
+      </p:sp>
+      <p:sp>
+        <p:nvSpPr>
+          <p:cNvPr id="71" name="PlaceHolder 3"/>
           <p:cNvSpPr>
             <a:spLocks noGrp="1"/>
           </p:cNvSpPr>
@@ -3992,8 +3956,8 @@
         </p:nvSpPr>
         <p:spPr>
           <a:xfrm>
-            <a:off x="3239640" y="1600200"/>
-            <a:ext cx="2649600" cy="2158560"/>
+            <a:off x="3239640" y="1604520"/>
+            <a:ext cx="2649600" cy="1896840"/>
           </a:xfrm>
           <a:prstGeom prst="rect">
             <a:avLst/>
@@ -4005,17 +3969,14 @@
           </a:bodyPr>
           <a:p>
             <a:endParaRPr b="0" lang="en-US" sz="3200" spc="-1" strike="noStrike">
-              <a:solidFill>
-                <a:srgbClr val="000000"/>
-              </a:solidFill>
-              <a:latin typeface="Calibri"/>
-            </a:endParaRPr>
-          </a:p>
-        </p:txBody>
-      </p:sp>
-      <p:sp>
-        <p:nvSpPr>
-          <p:cNvPr id="78" name="PlaceHolder 4"/>
+              <a:latin typeface="Arial"/>
+            </a:endParaRPr>
+          </a:p>
+        </p:txBody>
+      </p:sp>
+      <p:sp>
+        <p:nvSpPr>
+          <p:cNvPr id="72" name="PlaceHolder 4"/>
           <p:cNvSpPr>
             <a:spLocks noGrp="1"/>
           </p:cNvSpPr>
@@ -4025,8 +3986,8 @@
         </p:nvSpPr>
         <p:spPr>
           <a:xfrm>
-            <a:off x="6022080" y="1600200"/>
-            <a:ext cx="2649600" cy="2158560"/>
+            <a:off x="6022080" y="1604520"/>
+            <a:ext cx="2649600" cy="1896840"/>
           </a:xfrm>
           <a:prstGeom prst="rect">
             <a:avLst/>
@@ -4038,17 +3999,14 @@
           </a:bodyPr>
           <a:p>
             <a:endParaRPr b="0" lang="en-US" sz="3200" spc="-1" strike="noStrike">
-              <a:solidFill>
-                <a:srgbClr val="000000"/>
-              </a:solidFill>
-              <a:latin typeface="Calibri"/>
-            </a:endParaRPr>
-          </a:p>
-        </p:txBody>
-      </p:sp>
-      <p:sp>
-        <p:nvSpPr>
-          <p:cNvPr id="79" name="PlaceHolder 5"/>
+              <a:latin typeface="Arial"/>
+            </a:endParaRPr>
+          </a:p>
+        </p:txBody>
+      </p:sp>
+      <p:sp>
+        <p:nvSpPr>
+          <p:cNvPr id="73" name="PlaceHolder 5"/>
           <p:cNvSpPr>
             <a:spLocks noGrp="1"/>
           </p:cNvSpPr>
@@ -4058,8 +4016,8 @@
         </p:nvSpPr>
         <p:spPr>
           <a:xfrm>
-            <a:off x="457200" y="3964320"/>
-            <a:ext cx="2649600" cy="2158560"/>
+            <a:off x="457200" y="3682080"/>
+            <a:ext cx="2649600" cy="1896840"/>
           </a:xfrm>
           <a:prstGeom prst="rect">
             <a:avLst/>
@@ -4071,17 +4029,14 @@
           </a:bodyPr>
           <a:p>
             <a:endParaRPr b="0" lang="en-US" sz="3200" spc="-1" strike="noStrike">
-              <a:solidFill>
-                <a:srgbClr val="000000"/>
-              </a:solidFill>
-              <a:latin typeface="Calibri"/>
-            </a:endParaRPr>
-          </a:p>
-        </p:txBody>
-      </p:sp>
-      <p:sp>
-        <p:nvSpPr>
-          <p:cNvPr id="80" name="PlaceHolder 6"/>
+              <a:latin typeface="Arial"/>
+            </a:endParaRPr>
+          </a:p>
+        </p:txBody>
+      </p:sp>
+      <p:sp>
+        <p:nvSpPr>
+          <p:cNvPr id="74" name="PlaceHolder 6"/>
           <p:cNvSpPr>
             <a:spLocks noGrp="1"/>
           </p:cNvSpPr>
@@ -4091,8 +4046,8 @@
         </p:nvSpPr>
         <p:spPr>
           <a:xfrm>
-            <a:off x="3239640" y="3964320"/>
-            <a:ext cx="2649600" cy="2158560"/>
+            <a:off x="3239640" y="3682080"/>
+            <a:ext cx="2649600" cy="1896840"/>
           </a:xfrm>
           <a:prstGeom prst="rect">
             <a:avLst/>
@@ -4104,17 +4059,14 @@
           </a:bodyPr>
           <a:p>
             <a:endParaRPr b="0" lang="en-US" sz="3200" spc="-1" strike="noStrike">
-              <a:solidFill>
-                <a:srgbClr val="000000"/>
-              </a:solidFill>
-              <a:latin typeface="Calibri"/>
-            </a:endParaRPr>
-          </a:p>
-        </p:txBody>
-      </p:sp>
-      <p:sp>
-        <p:nvSpPr>
-          <p:cNvPr id="81" name="PlaceHolder 7"/>
+              <a:latin typeface="Arial"/>
+            </a:endParaRPr>
+          </a:p>
+        </p:txBody>
+      </p:sp>
+      <p:sp>
+        <p:nvSpPr>
+          <p:cNvPr id="75" name="PlaceHolder 7"/>
           <p:cNvSpPr>
             <a:spLocks noGrp="1"/>
           </p:cNvSpPr>
@@ -4124,8 +4076,8 @@
         </p:nvSpPr>
         <p:spPr>
           <a:xfrm>
-            <a:off x="6022080" y="3964320"/>
-            <a:ext cx="2649600" cy="2158560"/>
+            <a:off x="6022080" y="3682080"/>
+            <a:ext cx="2649600" cy="1896840"/>
           </a:xfrm>
           <a:prstGeom prst="rect">
             <a:avLst/>
@@ -4137,10 +4089,7 @@
           </a:bodyPr>
           <a:p>
             <a:endParaRPr b="0" lang="en-US" sz="3200" spc="-1" strike="noStrike">
-              <a:solidFill>
-                <a:srgbClr val="000000"/>
-              </a:solidFill>
-              <a:latin typeface="Calibri"/>
+              <a:latin typeface="Arial"/>
             </a:endParaRPr>
           </a:p>
         </p:txBody>
@@ -4169,7 +4118,7 @@
       </p:grpSpPr>
       <p:sp>
         <p:nvSpPr>
-          <p:cNvPr id="7" name="PlaceHolder 1"/>
+          <p:cNvPr id="4" name="PlaceHolder 1"/>
           <p:cNvSpPr>
             <a:spLocks noGrp="1"/>
           </p:cNvSpPr>
@@ -4179,8 +4128,8 @@
         </p:nvSpPr>
         <p:spPr>
           <a:xfrm>
-            <a:off x="457200" y="274680"/>
-            <a:ext cx="8229240" cy="1142640"/>
+            <a:off x="457200" y="273600"/>
+            <a:ext cx="8229240" cy="1144800"/>
           </a:xfrm>
           <a:prstGeom prst="rect">
             <a:avLst/>
@@ -4191,18 +4140,16 @@
             <a:noAutofit/>
           </a:bodyPr>
           <a:p>
-            <a:endParaRPr b="0" lang="en-US" sz="1800" spc="-1" strike="noStrike">
-              <a:solidFill>
-                <a:srgbClr val="000000"/>
-              </a:solidFill>
-              <a:latin typeface="Calibri"/>
-            </a:endParaRPr>
-          </a:p>
-        </p:txBody>
-      </p:sp>
-      <p:sp>
-        <p:nvSpPr>
-          <p:cNvPr id="8" name="PlaceHolder 2"/>
+            <a:pPr algn="ctr"/>
+            <a:endParaRPr b="0" lang="en-US" sz="4400" spc="-1" strike="noStrike">
+              <a:latin typeface="Arial"/>
+            </a:endParaRPr>
+          </a:p>
+        </p:txBody>
+      </p:sp>
+      <p:sp>
+        <p:nvSpPr>
+          <p:cNvPr id="5" name="PlaceHolder 2"/>
           <p:cNvSpPr>
             <a:spLocks noGrp="1"/>
           </p:cNvSpPr>
@@ -4212,8 +4159,8 @@
         </p:nvSpPr>
         <p:spPr>
           <a:xfrm>
-            <a:off x="457200" y="1600200"/>
-            <a:ext cx="8229240" cy="4525560"/>
+            <a:off x="457200" y="1604520"/>
+            <a:ext cx="8229240" cy="3977280"/>
           </a:xfrm>
           <a:prstGeom prst="rect">
             <a:avLst/>
@@ -4225,10 +4172,7 @@
           </a:bodyPr>
           <a:p>
             <a:endParaRPr b="0" lang="en-US" sz="3200" spc="-1" strike="noStrike">
-              <a:solidFill>
-                <a:srgbClr val="000000"/>
-              </a:solidFill>
-              <a:latin typeface="Calibri"/>
+              <a:latin typeface="Arial"/>
             </a:endParaRPr>
           </a:p>
         </p:txBody>
@@ -4257,7 +4201,7 @@
       </p:grpSpPr>
       <p:sp>
         <p:nvSpPr>
-          <p:cNvPr id="9" name="PlaceHolder 1"/>
+          <p:cNvPr id="6" name="PlaceHolder 1"/>
           <p:cNvSpPr>
             <a:spLocks noGrp="1"/>
           </p:cNvSpPr>
@@ -4267,8 +4211,8 @@
         </p:nvSpPr>
         <p:spPr>
           <a:xfrm>
-            <a:off x="457200" y="274680"/>
-            <a:ext cx="8229240" cy="1142640"/>
+            <a:off x="457200" y="273600"/>
+            <a:ext cx="8229240" cy="1144800"/>
           </a:xfrm>
           <a:prstGeom prst="rect">
             <a:avLst/>
@@ -4279,18 +4223,16 @@
             <a:noAutofit/>
           </a:bodyPr>
           <a:p>
-            <a:endParaRPr b="0" lang="en-US" sz="1800" spc="-1" strike="noStrike">
-              <a:solidFill>
-                <a:srgbClr val="000000"/>
-              </a:solidFill>
-              <a:latin typeface="Calibri"/>
-            </a:endParaRPr>
-          </a:p>
-        </p:txBody>
-      </p:sp>
-      <p:sp>
-        <p:nvSpPr>
-          <p:cNvPr id="10" name="PlaceHolder 2"/>
+            <a:pPr algn="ctr"/>
+            <a:endParaRPr b="0" lang="en-US" sz="4400" spc="-1" strike="noStrike">
+              <a:latin typeface="Arial"/>
+            </a:endParaRPr>
+          </a:p>
+        </p:txBody>
+      </p:sp>
+      <p:sp>
+        <p:nvSpPr>
+          <p:cNvPr id="7" name="PlaceHolder 2"/>
           <p:cNvSpPr>
             <a:spLocks noGrp="1"/>
           </p:cNvSpPr>
@@ -4300,8 +4242,8 @@
         </p:nvSpPr>
         <p:spPr>
           <a:xfrm>
-            <a:off x="457200" y="1600200"/>
-            <a:ext cx="4015800" cy="4525560"/>
+            <a:off x="457200" y="1604520"/>
+            <a:ext cx="4015800" cy="3977280"/>
           </a:xfrm>
           <a:prstGeom prst="rect">
             <a:avLst/>
@@ -4313,17 +4255,14 @@
           </a:bodyPr>
           <a:p>
             <a:endParaRPr b="0" lang="en-US" sz="3200" spc="-1" strike="noStrike">
-              <a:solidFill>
-                <a:srgbClr val="000000"/>
-              </a:solidFill>
-              <a:latin typeface="Calibri"/>
-            </a:endParaRPr>
-          </a:p>
-        </p:txBody>
-      </p:sp>
-      <p:sp>
-        <p:nvSpPr>
-          <p:cNvPr id="11" name="PlaceHolder 3"/>
+              <a:latin typeface="Arial"/>
+            </a:endParaRPr>
+          </a:p>
+        </p:txBody>
+      </p:sp>
+      <p:sp>
+        <p:nvSpPr>
+          <p:cNvPr id="8" name="PlaceHolder 3"/>
           <p:cNvSpPr>
             <a:spLocks noGrp="1"/>
           </p:cNvSpPr>
@@ -4333,8 +4272,8 @@
         </p:nvSpPr>
         <p:spPr>
           <a:xfrm>
-            <a:off x="4674240" y="1600200"/>
-            <a:ext cx="4015800" cy="4525560"/>
+            <a:off x="4674240" y="1604520"/>
+            <a:ext cx="4015800" cy="3977280"/>
           </a:xfrm>
           <a:prstGeom prst="rect">
             <a:avLst/>
@@ -4346,10 +4285,7 @@
           </a:bodyPr>
           <a:p>
             <a:endParaRPr b="0" lang="en-US" sz="3200" spc="-1" strike="noStrike">
-              <a:solidFill>
-                <a:srgbClr val="000000"/>
-              </a:solidFill>
-              <a:latin typeface="Calibri"/>
+              <a:latin typeface="Arial"/>
             </a:endParaRPr>
           </a:p>
         </p:txBody>
@@ -4378,7 +4314,7 @@
       </p:grpSpPr>
       <p:sp>
         <p:nvSpPr>
-          <p:cNvPr id="12" name="PlaceHolder 1"/>
+          <p:cNvPr id="9" name="PlaceHolder 1"/>
           <p:cNvSpPr>
             <a:spLocks noGrp="1"/>
           </p:cNvSpPr>
@@ -4388,8 +4324,8 @@
         </p:nvSpPr>
         <p:spPr>
           <a:xfrm>
-            <a:off x="457200" y="274680"/>
-            <a:ext cx="8229240" cy="1142640"/>
+            <a:off x="457200" y="273600"/>
+            <a:ext cx="8229240" cy="1144800"/>
           </a:xfrm>
           <a:prstGeom prst="rect">
             <a:avLst/>
@@ -4400,11 +4336,9 @@
             <a:noAutofit/>
           </a:bodyPr>
           <a:p>
-            <a:endParaRPr b="0" lang="en-US" sz="1800" spc="-1" strike="noStrike">
-              <a:solidFill>
-                <a:srgbClr val="000000"/>
-              </a:solidFill>
-              <a:latin typeface="Calibri"/>
+            <a:pPr algn="ctr"/>
+            <a:endParaRPr b="0" lang="en-US" sz="4400" spc="-1" strike="noStrike">
+              <a:latin typeface="Arial"/>
             </a:endParaRPr>
           </a:p>
         </p:txBody>
@@ -4433,7 +4367,7 @@
       </p:grpSpPr>
       <p:sp>
         <p:nvSpPr>
-          <p:cNvPr id="13" name="PlaceHolder 1"/>
+          <p:cNvPr id="10" name="PlaceHolder 1"/>
           <p:cNvSpPr>
             <a:spLocks noGrp="1"/>
           </p:cNvSpPr>
@@ -4443,8 +4377,8 @@
         </p:nvSpPr>
         <p:spPr>
           <a:xfrm>
-            <a:off x="457200" y="274680"/>
-            <a:ext cx="8229240" cy="5297760"/>
+            <a:off x="457200" y="273600"/>
+            <a:ext cx="8229240" cy="5307840"/>
           </a:xfrm>
           <a:prstGeom prst="rect">
             <a:avLst/>
@@ -4486,7 +4420,7 @@
       </p:grpSpPr>
       <p:sp>
         <p:nvSpPr>
-          <p:cNvPr id="14" name="PlaceHolder 1"/>
+          <p:cNvPr id="11" name="PlaceHolder 1"/>
           <p:cNvSpPr>
             <a:spLocks noGrp="1"/>
           </p:cNvSpPr>
@@ -4496,8 +4430,8 @@
         </p:nvSpPr>
         <p:spPr>
           <a:xfrm>
-            <a:off x="457200" y="274680"/>
-            <a:ext cx="8229240" cy="1142640"/>
+            <a:off x="457200" y="273600"/>
+            <a:ext cx="8229240" cy="1144800"/>
           </a:xfrm>
           <a:prstGeom prst="rect">
             <a:avLst/>
@@ -4508,18 +4442,16 @@
             <a:noAutofit/>
           </a:bodyPr>
           <a:p>
-            <a:endParaRPr b="0" lang="en-US" sz="1800" spc="-1" strike="noStrike">
-              <a:solidFill>
-                <a:srgbClr val="000000"/>
-              </a:solidFill>
-              <a:latin typeface="Calibri"/>
-            </a:endParaRPr>
-          </a:p>
-        </p:txBody>
-      </p:sp>
-      <p:sp>
-        <p:nvSpPr>
-          <p:cNvPr id="15" name="PlaceHolder 2"/>
+            <a:pPr algn="ctr"/>
+            <a:endParaRPr b="0" lang="en-US" sz="4400" spc="-1" strike="noStrike">
+              <a:latin typeface="Arial"/>
+            </a:endParaRPr>
+          </a:p>
+        </p:txBody>
+      </p:sp>
+      <p:sp>
+        <p:nvSpPr>
+          <p:cNvPr id="12" name="PlaceHolder 2"/>
           <p:cNvSpPr>
             <a:spLocks noGrp="1"/>
           </p:cNvSpPr>
@@ -4529,8 +4461,8 @@
         </p:nvSpPr>
         <p:spPr>
           <a:xfrm>
-            <a:off x="457200" y="1600200"/>
-            <a:ext cx="4015800" cy="2158560"/>
+            <a:off x="457200" y="1604520"/>
+            <a:ext cx="4015800" cy="1896840"/>
           </a:xfrm>
           <a:prstGeom prst="rect">
             <a:avLst/>
@@ -4542,17 +4474,14 @@
           </a:bodyPr>
           <a:p>
             <a:endParaRPr b="0" lang="en-US" sz="3200" spc="-1" strike="noStrike">
-              <a:solidFill>
-                <a:srgbClr val="000000"/>
-              </a:solidFill>
-              <a:latin typeface="Calibri"/>
-            </a:endParaRPr>
-          </a:p>
-        </p:txBody>
-      </p:sp>
-      <p:sp>
-        <p:nvSpPr>
-          <p:cNvPr id="16" name="PlaceHolder 3"/>
+              <a:latin typeface="Arial"/>
+            </a:endParaRPr>
+          </a:p>
+        </p:txBody>
+      </p:sp>
+      <p:sp>
+        <p:nvSpPr>
+          <p:cNvPr id="13" name="PlaceHolder 3"/>
           <p:cNvSpPr>
             <a:spLocks noGrp="1"/>
           </p:cNvSpPr>
@@ -4562,8 +4491,8 @@
         </p:nvSpPr>
         <p:spPr>
           <a:xfrm>
-            <a:off x="4674240" y="1600200"/>
-            <a:ext cx="4015800" cy="4525560"/>
+            <a:off x="4674240" y="1604520"/>
+            <a:ext cx="4015800" cy="3977280"/>
           </a:xfrm>
           <a:prstGeom prst="rect">
             <a:avLst/>
@@ -4575,17 +4504,14 @@
           </a:bodyPr>
           <a:p>
             <a:endParaRPr b="0" lang="en-US" sz="3200" spc="-1" strike="noStrike">
-              <a:solidFill>
-                <a:srgbClr val="000000"/>
-              </a:solidFill>
-              <a:latin typeface="Calibri"/>
-            </a:endParaRPr>
-          </a:p>
-        </p:txBody>
-      </p:sp>
-      <p:sp>
-        <p:nvSpPr>
-          <p:cNvPr id="17" name="PlaceHolder 4"/>
+              <a:latin typeface="Arial"/>
+            </a:endParaRPr>
+          </a:p>
+        </p:txBody>
+      </p:sp>
+      <p:sp>
+        <p:nvSpPr>
+          <p:cNvPr id="14" name="PlaceHolder 4"/>
           <p:cNvSpPr>
             <a:spLocks noGrp="1"/>
           </p:cNvSpPr>
@@ -4595,8 +4521,8 @@
         </p:nvSpPr>
         <p:spPr>
           <a:xfrm>
-            <a:off x="457200" y="3964320"/>
-            <a:ext cx="4015800" cy="2158560"/>
+            <a:off x="457200" y="3682080"/>
+            <a:ext cx="4015800" cy="1896840"/>
           </a:xfrm>
           <a:prstGeom prst="rect">
             <a:avLst/>
@@ -4608,10 +4534,7 @@
           </a:bodyPr>
           <a:p>
             <a:endParaRPr b="0" lang="en-US" sz="3200" spc="-1" strike="noStrike">
-              <a:solidFill>
-                <a:srgbClr val="000000"/>
-              </a:solidFill>
-              <a:latin typeface="Calibri"/>
+              <a:latin typeface="Arial"/>
             </a:endParaRPr>
           </a:p>
         </p:txBody>
@@ -4640,7 +4563,7 @@
       </p:grpSpPr>
       <p:sp>
         <p:nvSpPr>
-          <p:cNvPr id="18" name="PlaceHolder 1"/>
+          <p:cNvPr id="15" name="PlaceHolder 1"/>
           <p:cNvSpPr>
             <a:spLocks noGrp="1"/>
           </p:cNvSpPr>
@@ -4650,8 +4573,8 @@
         </p:nvSpPr>
         <p:spPr>
           <a:xfrm>
-            <a:off x="457200" y="274680"/>
-            <a:ext cx="8229240" cy="1142640"/>
+            <a:off x="457200" y="273600"/>
+            <a:ext cx="8229240" cy="1144800"/>
           </a:xfrm>
           <a:prstGeom prst="rect">
             <a:avLst/>
@@ -4662,18 +4585,16 @@
             <a:noAutofit/>
           </a:bodyPr>
           <a:p>
-            <a:endParaRPr b="0" lang="en-US" sz="1800" spc="-1" strike="noStrike">
-              <a:solidFill>
-                <a:srgbClr val="000000"/>
-              </a:solidFill>
-              <a:latin typeface="Calibri"/>
-            </a:endParaRPr>
-          </a:p>
-        </p:txBody>
-      </p:sp>
-      <p:sp>
-        <p:nvSpPr>
-          <p:cNvPr id="19" name="PlaceHolder 2"/>
+            <a:pPr algn="ctr"/>
+            <a:endParaRPr b="0" lang="en-US" sz="4400" spc="-1" strike="noStrike">
+              <a:latin typeface="Arial"/>
+            </a:endParaRPr>
+          </a:p>
+        </p:txBody>
+      </p:sp>
+      <p:sp>
+        <p:nvSpPr>
+          <p:cNvPr id="16" name="PlaceHolder 2"/>
           <p:cNvSpPr>
             <a:spLocks noGrp="1"/>
           </p:cNvSpPr>
@@ -4683,8 +4604,8 @@
         </p:nvSpPr>
         <p:spPr>
           <a:xfrm>
-            <a:off x="457200" y="1600200"/>
-            <a:ext cx="4015800" cy="4525560"/>
+            <a:off x="457200" y="1604520"/>
+            <a:ext cx="4015800" cy="3977280"/>
           </a:xfrm>
           <a:prstGeom prst="rect">
             <a:avLst/>
@@ -4696,17 +4617,14 @@
           </a:bodyPr>
           <a:p>
             <a:endParaRPr b="0" lang="en-US" sz="3200" spc="-1" strike="noStrike">
-              <a:solidFill>
-                <a:srgbClr val="000000"/>
-              </a:solidFill>
-              <a:latin typeface="Calibri"/>
-            </a:endParaRPr>
-          </a:p>
-        </p:txBody>
-      </p:sp>
-      <p:sp>
-        <p:nvSpPr>
-          <p:cNvPr id="20" name="PlaceHolder 3"/>
+              <a:latin typeface="Arial"/>
+            </a:endParaRPr>
+          </a:p>
+        </p:txBody>
+      </p:sp>
+      <p:sp>
+        <p:nvSpPr>
+          <p:cNvPr id="17" name="PlaceHolder 3"/>
           <p:cNvSpPr>
             <a:spLocks noGrp="1"/>
           </p:cNvSpPr>
@@ -4716,8 +4634,8 @@
         </p:nvSpPr>
         <p:spPr>
           <a:xfrm>
-            <a:off x="4674240" y="1600200"/>
-            <a:ext cx="4015800" cy="2158560"/>
+            <a:off x="4674240" y="1604520"/>
+            <a:ext cx="4015800" cy="1896840"/>
           </a:xfrm>
           <a:prstGeom prst="rect">
             <a:avLst/>
@@ -4729,17 +4647,14 @@
           </a:bodyPr>
           <a:p>
             <a:endParaRPr b="0" lang="en-US" sz="3200" spc="-1" strike="noStrike">
-              <a:solidFill>
-                <a:srgbClr val="000000"/>
-              </a:solidFill>
-              <a:latin typeface="Calibri"/>
-            </a:endParaRPr>
-          </a:p>
-        </p:txBody>
-      </p:sp>
-      <p:sp>
-        <p:nvSpPr>
-          <p:cNvPr id="21" name="PlaceHolder 4"/>
+              <a:latin typeface="Arial"/>
+            </a:endParaRPr>
+          </a:p>
+        </p:txBody>
+      </p:sp>
+      <p:sp>
+        <p:nvSpPr>
+          <p:cNvPr id="18" name="PlaceHolder 4"/>
           <p:cNvSpPr>
             <a:spLocks noGrp="1"/>
           </p:cNvSpPr>
@@ -4749,8 +4664,8 @@
         </p:nvSpPr>
         <p:spPr>
           <a:xfrm>
-            <a:off x="4674240" y="3964320"/>
-            <a:ext cx="4015800" cy="2158560"/>
+            <a:off x="4674240" y="3682080"/>
+            <a:ext cx="4015800" cy="1896840"/>
           </a:xfrm>
           <a:prstGeom prst="rect">
             <a:avLst/>
@@ -4762,10 +4677,7 @@
           </a:bodyPr>
           <a:p>
             <a:endParaRPr b="0" lang="en-US" sz="3200" spc="-1" strike="noStrike">
-              <a:solidFill>
-                <a:srgbClr val="000000"/>
-              </a:solidFill>
-              <a:latin typeface="Calibri"/>
+              <a:latin typeface="Arial"/>
             </a:endParaRPr>
           </a:p>
         </p:txBody>
@@ -4794,7 +4706,7 @@
       </p:grpSpPr>
       <p:sp>
         <p:nvSpPr>
-          <p:cNvPr id="22" name="PlaceHolder 1"/>
+          <p:cNvPr id="19" name="PlaceHolder 1"/>
           <p:cNvSpPr>
             <a:spLocks noGrp="1"/>
           </p:cNvSpPr>
@@ -4804,8 +4716,8 @@
         </p:nvSpPr>
         <p:spPr>
           <a:xfrm>
-            <a:off x="457200" y="274680"/>
-            <a:ext cx="8229240" cy="1142640"/>
+            <a:off x="457200" y="273600"/>
+            <a:ext cx="8229240" cy="1144800"/>
           </a:xfrm>
           <a:prstGeom prst="rect">
             <a:avLst/>
@@ -4816,18 +4728,16 @@
             <a:noAutofit/>
           </a:bodyPr>
           <a:p>
-            <a:endParaRPr b="0" lang="en-US" sz="1800" spc="-1" strike="noStrike">
-              <a:solidFill>
-                <a:srgbClr val="000000"/>
-              </a:solidFill>
-              <a:latin typeface="Calibri"/>
-            </a:endParaRPr>
-          </a:p>
-        </p:txBody>
-      </p:sp>
-      <p:sp>
-        <p:nvSpPr>
-          <p:cNvPr id="23" name="PlaceHolder 2"/>
+            <a:pPr algn="ctr"/>
+            <a:endParaRPr b="0" lang="en-US" sz="4400" spc="-1" strike="noStrike">
+              <a:latin typeface="Arial"/>
+            </a:endParaRPr>
+          </a:p>
+        </p:txBody>
+      </p:sp>
+      <p:sp>
+        <p:nvSpPr>
+          <p:cNvPr id="20" name="PlaceHolder 2"/>
           <p:cNvSpPr>
             <a:spLocks noGrp="1"/>
           </p:cNvSpPr>
@@ -4837,8 +4747,8 @@
         </p:nvSpPr>
         <p:spPr>
           <a:xfrm>
-            <a:off x="457200" y="1600200"/>
-            <a:ext cx="4015800" cy="2158560"/>
+            <a:off x="457200" y="1604520"/>
+            <a:ext cx="4015800" cy="1896840"/>
           </a:xfrm>
           <a:prstGeom prst="rect">
             <a:avLst/>
@@ -4850,17 +4760,14 @@
           </a:bodyPr>
           <a:p>
             <a:endParaRPr b="0" lang="en-US" sz="3200" spc="-1" strike="noStrike">
-              <a:solidFill>
-                <a:srgbClr val="000000"/>
-              </a:solidFill>
-              <a:latin typeface="Calibri"/>
-            </a:endParaRPr>
-          </a:p>
-        </p:txBody>
-      </p:sp>
-      <p:sp>
-        <p:nvSpPr>
-          <p:cNvPr id="24" name="PlaceHolder 3"/>
+              <a:latin typeface="Arial"/>
+            </a:endParaRPr>
+          </a:p>
+        </p:txBody>
+      </p:sp>
+      <p:sp>
+        <p:nvSpPr>
+          <p:cNvPr id="21" name="PlaceHolder 3"/>
           <p:cNvSpPr>
             <a:spLocks noGrp="1"/>
           </p:cNvSpPr>
@@ -4870,8 +4777,8 @@
         </p:nvSpPr>
         <p:spPr>
           <a:xfrm>
-            <a:off x="4674240" y="1600200"/>
-            <a:ext cx="4015800" cy="2158560"/>
+            <a:off x="4674240" y="1604520"/>
+            <a:ext cx="4015800" cy="1896840"/>
           </a:xfrm>
           <a:prstGeom prst="rect">
             <a:avLst/>
@@ -4883,17 +4790,14 @@
           </a:bodyPr>
           <a:p>
             <a:endParaRPr b="0" lang="en-US" sz="3200" spc="-1" strike="noStrike">
-              <a:solidFill>
-                <a:srgbClr val="000000"/>
-              </a:solidFill>
-              <a:latin typeface="Calibri"/>
-            </a:endParaRPr>
-          </a:p>
-        </p:txBody>
-      </p:sp>
-      <p:sp>
-        <p:nvSpPr>
-          <p:cNvPr id="25" name="PlaceHolder 4"/>
+              <a:latin typeface="Arial"/>
+            </a:endParaRPr>
+          </a:p>
+        </p:txBody>
+      </p:sp>
+      <p:sp>
+        <p:nvSpPr>
+          <p:cNvPr id="22" name="PlaceHolder 4"/>
           <p:cNvSpPr>
             <a:spLocks noGrp="1"/>
           </p:cNvSpPr>
@@ -4903,8 +4807,8 @@
         </p:nvSpPr>
         <p:spPr>
           <a:xfrm>
-            <a:off x="457200" y="3964320"/>
-            <a:ext cx="8229240" cy="2158560"/>
+            <a:off x="457200" y="3682080"/>
+            <a:ext cx="8229240" cy="1896840"/>
           </a:xfrm>
           <a:prstGeom prst="rect">
             <a:avLst/>
@@ -4916,10 +4820,7 @@
           </a:bodyPr>
           <a:p>
             <a:endParaRPr b="0" lang="en-US" sz="3200" spc="-1" strike="noStrike">
-              <a:solidFill>
-                <a:srgbClr val="000000"/>
-              </a:solidFill>
-              <a:latin typeface="Calibri"/>
+              <a:latin typeface="Arial"/>
             </a:endParaRPr>
           </a:p>
         </p:txBody>
@@ -4968,37 +4869,27 @@
         </p:nvSpPr>
         <p:spPr>
           <a:xfrm>
-            <a:off x="685800" y="2130480"/>
-            <a:ext cx="7772040" cy="1469520"/>
-          </a:xfrm>
-          <a:prstGeom prst="rect">
-            <a:avLst/>
-          </a:prstGeom>
-        </p:spPr>
-        <p:txBody>
-          <a:bodyPr anchor="ctr">
+            <a:off x="457200" y="274680"/>
+            <a:ext cx="8228880" cy="1142280"/>
+          </a:xfrm>
+          <a:prstGeom prst="rect">
+            <a:avLst/>
+          </a:prstGeom>
+        </p:spPr>
+        <p:txBody>
+          <a:bodyPr lIns="0" rIns="0" tIns="0" bIns="0" anchor="ctr">
             <a:noAutofit/>
           </a:bodyPr>
           <a:p>
-            <a:pPr algn="ctr">
-              <a:lnSpc>
-                <a:spcPct val="100000"/>
-              </a:lnSpc>
-            </a:pPr>
-            <a:r>
-              <a:rPr b="0" lang="zh-CN" sz="4400" spc="-1" strike="noStrike">
-                <a:solidFill>
-                  <a:srgbClr val="000000"/>
-                </a:solidFill>
-                <a:latin typeface="Calibri"/>
-              </a:rPr>
-              <a:t>单击此处编辑母版标题样式</a:t>
-            </a:r>
-            <a:endParaRPr b="0" lang="en-US" sz="4400" spc="-1" strike="noStrike">
-              <a:solidFill>
-                <a:srgbClr val="000000"/>
-              </a:solidFill>
-              <a:latin typeface="Calibri"/>
+            <a:pPr algn="ctr"/>
+            <a:r>
+              <a:rPr b="0" lang="zh-CN" sz="1800" spc="-1" strike="noStrike">
+                <a:latin typeface="Arial"/>
+              </a:rPr>
+              <a:t>点击鼠标编辑标题文字格式</a:t>
+            </a:r>
+            <a:endParaRPr b="0" lang="en-US" sz="1800" spc="-1" strike="noStrike">
+              <a:latin typeface="Arial"/>
             </a:endParaRPr>
           </a:p>
         </p:txBody>
@@ -5006,124 +4897,6 @@
       <p:sp>
         <p:nvSpPr>
           <p:cNvPr id="1" name="PlaceHolder 2"/>
-          <p:cNvSpPr>
-            <a:spLocks noGrp="1"/>
-          </p:cNvSpPr>
-          <p:nvPr>
-            <p:ph type="dt"/>
-          </p:nvPr>
-        </p:nvSpPr>
-        <p:spPr>
-          <a:xfrm>
-            <a:off x="457200" y="6356520"/>
-            <a:ext cx="2133360" cy="364680"/>
-          </a:xfrm>
-          <a:prstGeom prst="rect">
-            <a:avLst/>
-          </a:prstGeom>
-        </p:spPr>
-        <p:txBody>
-          <a:bodyPr anchor="ctr">
-            <a:noAutofit/>
-          </a:bodyPr>
-          <a:p>
-            <a:pPr>
-              <a:lnSpc>
-                <a:spcPct val="100000"/>
-              </a:lnSpc>
-            </a:pPr>
-            <a:fld id="{B45BC2FB-D629-4213-9190-2643C5FC876F}" type="datetime">
-              <a:rPr b="0" lang="en-US" sz="1200" spc="-1" strike="noStrike">
-                <a:solidFill>
-                  <a:srgbClr val="8b8b8b"/>
-                </a:solidFill>
-                <a:latin typeface="Calibri"/>
-              </a:rPr>
-              <a:t>9/29/20</a:t>
-            </a:fld>
-            <a:endParaRPr b="0" lang="en-US" sz="1200" spc="-1" strike="noStrike">
-              <a:latin typeface="Times New Roman"/>
-            </a:endParaRPr>
-          </a:p>
-        </p:txBody>
-      </p:sp>
-      <p:sp>
-        <p:nvSpPr>
-          <p:cNvPr id="2" name="PlaceHolder 3"/>
-          <p:cNvSpPr>
-            <a:spLocks noGrp="1"/>
-          </p:cNvSpPr>
-          <p:nvPr>
-            <p:ph type="ftr"/>
-          </p:nvPr>
-        </p:nvSpPr>
-        <p:spPr>
-          <a:xfrm>
-            <a:off x="3124080" y="6356520"/>
-            <a:ext cx="2895120" cy="364680"/>
-          </a:xfrm>
-          <a:prstGeom prst="rect">
-            <a:avLst/>
-          </a:prstGeom>
-        </p:spPr>
-        <p:txBody>
-          <a:bodyPr anchor="ctr">
-            <a:noAutofit/>
-          </a:bodyPr>
-          <a:p>
-            <a:endParaRPr b="0" lang="en-US" sz="2400" spc="-1" strike="noStrike">
-              <a:latin typeface="Times New Roman"/>
-            </a:endParaRPr>
-          </a:p>
-        </p:txBody>
-      </p:sp>
-      <p:sp>
-        <p:nvSpPr>
-          <p:cNvPr id="3" name="PlaceHolder 4"/>
-          <p:cNvSpPr>
-            <a:spLocks noGrp="1"/>
-          </p:cNvSpPr>
-          <p:nvPr>
-            <p:ph type="sldNum"/>
-          </p:nvPr>
-        </p:nvSpPr>
-        <p:spPr>
-          <a:xfrm>
-            <a:off x="6553080" y="6356520"/>
-            <a:ext cx="2133360" cy="364680"/>
-          </a:xfrm>
-          <a:prstGeom prst="rect">
-            <a:avLst/>
-          </a:prstGeom>
-        </p:spPr>
-        <p:txBody>
-          <a:bodyPr anchor="ctr">
-            <a:noAutofit/>
-          </a:bodyPr>
-          <a:p>
-            <a:pPr algn="r">
-              <a:lnSpc>
-                <a:spcPct val="100000"/>
-              </a:lnSpc>
-            </a:pPr>
-            <a:fld id="{A250A723-879E-40D5-9FD7-E172EEB28AAF}" type="slidenum">
-              <a:rPr b="0" lang="en-US" sz="1200" spc="-1" strike="noStrike">
-                <a:solidFill>
-                  <a:srgbClr val="8b8b8b"/>
-                </a:solidFill>
-                <a:latin typeface="Calibri"/>
-              </a:rPr>
-              <a:t>&lt;编号&gt;</a:t>
-            </a:fld>
-            <a:endParaRPr b="0" lang="en-US" sz="1200" spc="-1" strike="noStrike">
-              <a:latin typeface="Times New Roman"/>
-            </a:endParaRPr>
-          </a:p>
-        </p:txBody>
-      </p:sp>
-      <p:sp>
-        <p:nvSpPr>
-          <p:cNvPr id="4" name="PlaceHolder 5"/>
           <p:cNvSpPr>
             <a:spLocks noGrp="1"/>
           </p:cNvSpPr>
@@ -5158,18 +4931,12 @@
             </a:pPr>
             <a:r>
               <a:rPr b="0" lang="zh-CN" sz="3200" spc="-1" strike="noStrike">
-                <a:solidFill>
-                  <a:srgbClr val="000000"/>
-                </a:solidFill>
-                <a:latin typeface="Calibri"/>
+                <a:latin typeface="Arial"/>
               </a:rPr>
               <a:t>点击鼠标编辑大纲文字格式</a:t>
             </a:r>
             <a:endParaRPr b="0" lang="en-US" sz="3200" spc="-1" strike="noStrike">
-              <a:solidFill>
-                <a:srgbClr val="000000"/>
-              </a:solidFill>
-              <a:latin typeface="Calibri"/>
+              <a:latin typeface="Arial"/>
             </a:endParaRPr>
           </a:p>
           <a:p>
@@ -5185,19 +4952,13 @@
               <a:buChar char=""/>
             </a:pPr>
             <a:r>
-              <a:rPr b="0" lang="zh-CN" sz="2400" spc="-1" strike="noStrike">
-                <a:solidFill>
-                  <a:srgbClr val="000000"/>
-                </a:solidFill>
-                <a:latin typeface="Calibri"/>
+              <a:rPr b="0" lang="zh-CN" sz="2800" spc="-1" strike="noStrike">
+                <a:latin typeface="Arial"/>
               </a:rPr>
               <a:t>第二个大纲级</a:t>
             </a:r>
-            <a:endParaRPr b="0" lang="en-US" sz="2400" spc="-1" strike="noStrike">
-              <a:solidFill>
-                <a:srgbClr val="000000"/>
-              </a:solidFill>
-              <a:latin typeface="Calibri"/>
+            <a:endParaRPr b="0" lang="en-US" sz="2800" spc="-1" strike="noStrike">
+              <a:latin typeface="Arial"/>
             </a:endParaRPr>
           </a:p>
           <a:p>
@@ -5213,19 +4974,13 @@
               <a:buChar char=""/>
             </a:pPr>
             <a:r>
-              <a:rPr b="0" lang="zh-CN" sz="2000" spc="-1" strike="noStrike">
-                <a:solidFill>
-                  <a:srgbClr val="000000"/>
-                </a:solidFill>
-                <a:latin typeface="Calibri"/>
+              <a:rPr b="0" lang="zh-CN" sz="2400" spc="-1" strike="noStrike">
+                <a:latin typeface="Arial"/>
               </a:rPr>
               <a:t>第三大纲级别</a:t>
             </a:r>
-            <a:endParaRPr b="0" lang="en-US" sz="2000" spc="-1" strike="noStrike">
-              <a:solidFill>
-                <a:srgbClr val="000000"/>
-              </a:solidFill>
-              <a:latin typeface="Calibri"/>
+            <a:endParaRPr b="0" lang="en-US" sz="2400" spc="-1" strike="noStrike">
+              <a:latin typeface="Arial"/>
             </a:endParaRPr>
           </a:p>
           <a:p>
@@ -5242,18 +4997,12 @@
             </a:pPr>
             <a:r>
               <a:rPr b="0" lang="zh-CN" sz="2000" spc="-1" strike="noStrike">
-                <a:solidFill>
-                  <a:srgbClr val="000000"/>
-                </a:solidFill>
-                <a:latin typeface="Calibri"/>
+                <a:latin typeface="Arial"/>
               </a:rPr>
               <a:t>第四大纲级别</a:t>
             </a:r>
             <a:endParaRPr b="0" lang="en-US" sz="2000" spc="-1" strike="noStrike">
-              <a:solidFill>
-                <a:srgbClr val="000000"/>
-              </a:solidFill>
-              <a:latin typeface="Calibri"/>
+              <a:latin typeface="Arial"/>
             </a:endParaRPr>
           </a:p>
           <a:p>
@@ -5270,18 +5019,12 @@
             </a:pPr>
             <a:r>
               <a:rPr b="0" lang="zh-CN" sz="2000" spc="-1" strike="noStrike">
-                <a:solidFill>
-                  <a:srgbClr val="000000"/>
-                </a:solidFill>
-                <a:latin typeface="Calibri"/>
+                <a:latin typeface="Arial"/>
               </a:rPr>
               <a:t>第五大纲级别</a:t>
             </a:r>
             <a:endParaRPr b="0" lang="en-US" sz="2000" spc="-1" strike="noStrike">
-              <a:solidFill>
-                <a:srgbClr val="000000"/>
-              </a:solidFill>
-              <a:latin typeface="Calibri"/>
+              <a:latin typeface="Arial"/>
             </a:endParaRPr>
           </a:p>
           <a:p>
@@ -5298,18 +5041,12 @@
             </a:pPr>
             <a:r>
               <a:rPr b="0" lang="zh-CN" sz="2000" spc="-1" strike="noStrike">
-                <a:solidFill>
-                  <a:srgbClr val="000000"/>
-                </a:solidFill>
-                <a:latin typeface="Calibri"/>
+                <a:latin typeface="Arial"/>
               </a:rPr>
               <a:t>第六大纲级别</a:t>
             </a:r>
             <a:endParaRPr b="0" lang="en-US" sz="2000" spc="-1" strike="noStrike">
-              <a:solidFill>
-                <a:srgbClr val="000000"/>
-              </a:solidFill>
-              <a:latin typeface="Calibri"/>
+              <a:latin typeface="Arial"/>
             </a:endParaRPr>
           </a:p>
           <a:p>
@@ -5326,18 +5063,12 @@
             </a:pPr>
             <a:r>
               <a:rPr b="0" lang="zh-CN" sz="2000" spc="-1" strike="noStrike">
-                <a:solidFill>
-                  <a:srgbClr val="000000"/>
-                </a:solidFill>
-                <a:latin typeface="Calibri"/>
+                <a:latin typeface="Arial"/>
               </a:rPr>
               <a:t>第七大纲级别</a:t>
             </a:r>
             <a:endParaRPr b="0" lang="en-US" sz="2000" spc="-1" strike="noStrike">
-              <a:solidFill>
-                <a:srgbClr val="000000"/>
-              </a:solidFill>
-              <a:latin typeface="Calibri"/>
+              <a:latin typeface="Arial"/>
             </a:endParaRPr>
           </a:p>
         </p:txBody>
@@ -5391,7 +5122,7 @@
       </p:grpSpPr>
       <p:sp>
         <p:nvSpPr>
-          <p:cNvPr id="41" name="PlaceHolder 1"/>
+          <p:cNvPr id="38" name="PlaceHolder 1"/>
           <p:cNvSpPr>
             <a:spLocks noGrp="1"/>
           </p:cNvSpPr>
@@ -5401,44 +5132,34 @@
         </p:nvSpPr>
         <p:spPr>
           <a:xfrm>
-            <a:off x="457200" y="274680"/>
-            <a:ext cx="8229240" cy="1142640"/>
-          </a:xfrm>
-          <a:prstGeom prst="rect">
-            <a:avLst/>
-          </a:prstGeom>
-        </p:spPr>
-        <p:txBody>
-          <a:bodyPr anchor="ctr">
+            <a:off x="457200" y="273600"/>
+            <a:ext cx="8229240" cy="1144800"/>
+          </a:xfrm>
+          <a:prstGeom prst="rect">
+            <a:avLst/>
+          </a:prstGeom>
+        </p:spPr>
+        <p:txBody>
+          <a:bodyPr lIns="0" rIns="0" tIns="0" bIns="0" anchor="ctr">
             <a:noAutofit/>
           </a:bodyPr>
           <a:p>
-            <a:pPr algn="ctr">
-              <a:lnSpc>
-                <a:spcPct val="100000"/>
-              </a:lnSpc>
-            </a:pPr>
+            <a:pPr algn="ctr"/>
             <a:r>
               <a:rPr b="0" lang="zh-CN" sz="4400" spc="-1" strike="noStrike">
-                <a:solidFill>
-                  <a:srgbClr val="000000"/>
-                </a:solidFill>
-                <a:latin typeface="Calibri"/>
-              </a:rPr>
-              <a:t>单击此处编辑母版标题样式</a:t>
+                <a:latin typeface="Arial"/>
+              </a:rPr>
+              <a:t>点击鼠标编辑标题文字格式</a:t>
             </a:r>
             <a:endParaRPr b="0" lang="en-US" sz="4400" spc="-1" strike="noStrike">
-              <a:solidFill>
-                <a:srgbClr val="000000"/>
-              </a:solidFill>
-              <a:latin typeface="Calibri"/>
-            </a:endParaRPr>
-          </a:p>
-        </p:txBody>
-      </p:sp>
-      <p:sp>
-        <p:nvSpPr>
-          <p:cNvPr id="42" name="PlaceHolder 2"/>
+              <a:latin typeface="Arial"/>
+            </a:endParaRPr>
+          </a:p>
+        </p:txBody>
+      </p:sp>
+      <p:sp>
+        <p:nvSpPr>
+          <p:cNvPr id="39" name="PlaceHolder 2"/>
           <p:cNvSpPr>
             <a:spLocks noGrp="1"/>
           </p:cNvSpPr>
@@ -5448,283 +5169,169 @@
         </p:nvSpPr>
         <p:spPr>
           <a:xfrm>
-            <a:off x="457200" y="1600200"/>
-            <a:ext cx="8229240" cy="4525560"/>
-          </a:xfrm>
-          <a:prstGeom prst="rect">
-            <a:avLst/>
-          </a:prstGeom>
-        </p:spPr>
-        <p:txBody>
-          <a:bodyPr>
-            <a:noAutofit/>
-          </a:bodyPr>
-          <a:p>
-            <a:pPr marL="343080" indent="-342720">
-              <a:lnSpc>
-                <a:spcPct val="100000"/>
-              </a:lnSpc>
+            <a:off x="457200" y="1604520"/>
+            <a:ext cx="8229240" cy="3977280"/>
+          </a:xfrm>
+          <a:prstGeom prst="rect">
+            <a:avLst/>
+          </a:prstGeom>
+        </p:spPr>
+        <p:txBody>
+          <a:bodyPr lIns="0" rIns="0" tIns="0" bIns="0">
+            <a:normAutofit/>
+          </a:bodyPr>
+          <a:p>
+            <a:pPr marL="432000" indent="-324000">
               <a:spcBef>
-                <a:spcPts val="641"/>
+                <a:spcPts val="1417"/>
               </a:spcBef>
               <a:buClr>
                 <a:srgbClr val="000000"/>
               </a:buClr>
-              <a:buFont typeface="Arial"/>
-              <a:buChar char="•"/>
+              <a:buSzPct val="45000"/>
+              <a:buFont typeface="Wingdings" charset="2"/>
+              <a:buChar char=""/>
             </a:pPr>
             <a:r>
               <a:rPr b="0" lang="zh-CN" sz="3200" spc="-1" strike="noStrike">
-                <a:solidFill>
-                  <a:srgbClr val="000000"/>
-                </a:solidFill>
-                <a:latin typeface="Calibri"/>
-              </a:rPr>
-              <a:t>单击此处编辑母版文本样式</a:t>
+                <a:latin typeface="Arial"/>
+              </a:rPr>
+              <a:t>点击鼠标编辑大纲文字格式</a:t>
             </a:r>
             <a:endParaRPr b="0" lang="en-US" sz="3200" spc="-1" strike="noStrike">
-              <a:solidFill>
-                <a:srgbClr val="000000"/>
-              </a:solidFill>
-              <a:latin typeface="Calibri"/>
-            </a:endParaRPr>
-          </a:p>
-          <a:p>
-            <a:pPr lvl="1" marL="743040" indent="-285480">
-              <a:lnSpc>
-                <a:spcPct val="100000"/>
-              </a:lnSpc>
+              <a:latin typeface="Arial"/>
+            </a:endParaRPr>
+          </a:p>
+          <a:p>
+            <a:pPr lvl="1" marL="864000" indent="-324000">
               <a:spcBef>
-                <a:spcPts val="561"/>
+                <a:spcPts val="1134"/>
               </a:spcBef>
               <a:buClr>
                 <a:srgbClr val="000000"/>
               </a:buClr>
-              <a:buFont typeface="Arial"/>
-              <a:buChar char="–"/>
+              <a:buSzPct val="75000"/>
+              <a:buFont typeface="Symbol" charset="2"/>
+              <a:buChar char=""/>
             </a:pPr>
             <a:r>
               <a:rPr b="0" lang="zh-CN" sz="2800" spc="-1" strike="noStrike">
-                <a:solidFill>
-                  <a:srgbClr val="000000"/>
-                </a:solidFill>
-                <a:latin typeface="Calibri"/>
-              </a:rPr>
-              <a:t>第二级</a:t>
+                <a:latin typeface="Arial"/>
+              </a:rPr>
+              <a:t>第二个大纲级</a:t>
             </a:r>
             <a:endParaRPr b="0" lang="en-US" sz="2800" spc="-1" strike="noStrike">
-              <a:solidFill>
-                <a:srgbClr val="000000"/>
-              </a:solidFill>
-              <a:latin typeface="Calibri"/>
-            </a:endParaRPr>
-          </a:p>
-          <a:p>
-            <a:pPr lvl="2" marL="1143000" indent="-228240">
-              <a:lnSpc>
-                <a:spcPct val="100000"/>
-              </a:lnSpc>
+              <a:latin typeface="Arial"/>
+            </a:endParaRPr>
+          </a:p>
+          <a:p>
+            <a:pPr lvl="2" marL="1296000" indent="-288000">
               <a:spcBef>
-                <a:spcPts val="479"/>
+                <a:spcPts val="850"/>
               </a:spcBef>
               <a:buClr>
                 <a:srgbClr val="000000"/>
               </a:buClr>
-              <a:buFont typeface="Arial"/>
-              <a:buChar char="•"/>
+              <a:buSzPct val="45000"/>
+              <a:buFont typeface="Wingdings" charset="2"/>
+              <a:buChar char=""/>
             </a:pPr>
             <a:r>
               <a:rPr b="0" lang="zh-CN" sz="2400" spc="-1" strike="noStrike">
-                <a:solidFill>
-                  <a:srgbClr val="000000"/>
-                </a:solidFill>
-                <a:latin typeface="Calibri"/>
-              </a:rPr>
-              <a:t>第三级</a:t>
+                <a:latin typeface="Arial"/>
+              </a:rPr>
+              <a:t>第三大纲级别</a:t>
             </a:r>
             <a:endParaRPr b="0" lang="en-US" sz="2400" spc="-1" strike="noStrike">
-              <a:solidFill>
-                <a:srgbClr val="000000"/>
-              </a:solidFill>
-              <a:latin typeface="Calibri"/>
-            </a:endParaRPr>
-          </a:p>
-          <a:p>
-            <a:pPr lvl="3" marL="1600200" indent="-228240">
-              <a:lnSpc>
-                <a:spcPct val="100000"/>
-              </a:lnSpc>
+              <a:latin typeface="Arial"/>
+            </a:endParaRPr>
+          </a:p>
+          <a:p>
+            <a:pPr lvl="3" marL="1728000" indent="-216000">
               <a:spcBef>
-                <a:spcPts val="400"/>
+                <a:spcPts val="567"/>
               </a:spcBef>
               <a:buClr>
                 <a:srgbClr val="000000"/>
               </a:buClr>
-              <a:buFont typeface="Arial"/>
-              <a:buChar char="–"/>
+              <a:buSzPct val="75000"/>
+              <a:buFont typeface="Symbol" charset="2"/>
+              <a:buChar char=""/>
             </a:pPr>
             <a:r>
               <a:rPr b="0" lang="zh-CN" sz="2000" spc="-1" strike="noStrike">
-                <a:solidFill>
-                  <a:srgbClr val="000000"/>
-                </a:solidFill>
-                <a:latin typeface="Calibri"/>
-              </a:rPr>
-              <a:t>第四级</a:t>
+                <a:latin typeface="Arial"/>
+              </a:rPr>
+              <a:t>第四大纲级别</a:t>
             </a:r>
             <a:endParaRPr b="0" lang="en-US" sz="2000" spc="-1" strike="noStrike">
-              <a:solidFill>
-                <a:srgbClr val="000000"/>
-              </a:solidFill>
-              <a:latin typeface="Calibri"/>
-            </a:endParaRPr>
-          </a:p>
-          <a:p>
-            <a:pPr lvl="4" marL="2057400" indent="-228240">
-              <a:lnSpc>
-                <a:spcPct val="100000"/>
-              </a:lnSpc>
+              <a:latin typeface="Arial"/>
+            </a:endParaRPr>
+          </a:p>
+          <a:p>
+            <a:pPr lvl="4" marL="2160000" indent="-216000">
               <a:spcBef>
-                <a:spcPts val="400"/>
+                <a:spcPts val="283"/>
               </a:spcBef>
               <a:buClr>
                 <a:srgbClr val="000000"/>
               </a:buClr>
-              <a:buFont typeface="Arial"/>
-              <a:buChar char="»"/>
+              <a:buSzPct val="45000"/>
+              <a:buFont typeface="Wingdings" charset="2"/>
+              <a:buChar char=""/>
             </a:pPr>
             <a:r>
               <a:rPr b="0" lang="zh-CN" sz="2000" spc="-1" strike="noStrike">
-                <a:solidFill>
-                  <a:srgbClr val="000000"/>
-                </a:solidFill>
-                <a:latin typeface="Calibri"/>
-              </a:rPr>
-              <a:t>第五级</a:t>
+                <a:latin typeface="Arial"/>
+              </a:rPr>
+              <a:t>第五大纲级别</a:t>
             </a:r>
             <a:endParaRPr b="0" lang="en-US" sz="2000" spc="-1" strike="noStrike">
-              <a:solidFill>
+              <a:latin typeface="Arial"/>
+            </a:endParaRPr>
+          </a:p>
+          <a:p>
+            <a:pPr lvl="5" marL="2592000" indent="-216000">
+              <a:spcBef>
+                <a:spcPts val="283"/>
+              </a:spcBef>
+              <a:buClr>
                 <a:srgbClr val="000000"/>
-              </a:solidFill>
-              <a:latin typeface="Calibri"/>
-            </a:endParaRPr>
-          </a:p>
-        </p:txBody>
-      </p:sp>
-      <p:sp>
-        <p:nvSpPr>
-          <p:cNvPr id="43" name="PlaceHolder 3"/>
-          <p:cNvSpPr>
-            <a:spLocks noGrp="1"/>
-          </p:cNvSpPr>
-          <p:nvPr>
-            <p:ph type="dt"/>
-          </p:nvPr>
-        </p:nvSpPr>
-        <p:spPr>
-          <a:xfrm>
-            <a:off x="457200" y="6356520"/>
-            <a:ext cx="2133360" cy="364680"/>
-          </a:xfrm>
-          <a:prstGeom prst="rect">
-            <a:avLst/>
-          </a:prstGeom>
-        </p:spPr>
-        <p:txBody>
-          <a:bodyPr anchor="ctr">
-            <a:noAutofit/>
-          </a:bodyPr>
-          <a:p>
-            <a:pPr>
-              <a:lnSpc>
-                <a:spcPct val="100000"/>
-              </a:lnSpc>
+              </a:buClr>
+              <a:buSzPct val="45000"/>
+              <a:buFont typeface="Wingdings" charset="2"/>
+              <a:buChar char=""/>
             </a:pPr>
-            <a:fld id="{F16B09E9-BB3D-4BA6-A3DB-A34F8D8C5146}" type="datetime">
-              <a:rPr b="0" lang="en-US" sz="1200" spc="-1" strike="noStrike">
-                <a:solidFill>
-                  <a:srgbClr val="8b8b8b"/>
-                </a:solidFill>
-                <a:latin typeface="Calibri"/>
-              </a:rPr>
-              <a:t>9/29/20</a:t>
-            </a:fld>
-            <a:endParaRPr b="0" lang="en-US" sz="1200" spc="-1" strike="noStrike">
-              <a:latin typeface="Times New Roman"/>
-            </a:endParaRPr>
-          </a:p>
-        </p:txBody>
-      </p:sp>
-      <p:sp>
-        <p:nvSpPr>
-          <p:cNvPr id="44" name="PlaceHolder 4"/>
-          <p:cNvSpPr>
-            <a:spLocks noGrp="1"/>
-          </p:cNvSpPr>
-          <p:nvPr>
-            <p:ph type="ftr"/>
-          </p:nvPr>
-        </p:nvSpPr>
-        <p:spPr>
-          <a:xfrm>
-            <a:off x="3124080" y="6356520"/>
-            <a:ext cx="2895120" cy="364680"/>
-          </a:xfrm>
-          <a:prstGeom prst="rect">
-            <a:avLst/>
-          </a:prstGeom>
-        </p:spPr>
-        <p:txBody>
-          <a:bodyPr anchor="ctr">
-            <a:noAutofit/>
-          </a:bodyPr>
-          <a:p>
-            <a:endParaRPr b="0" lang="en-US" sz="2400" spc="-1" strike="noStrike">
-              <a:latin typeface="Times New Roman"/>
-            </a:endParaRPr>
-          </a:p>
-        </p:txBody>
-      </p:sp>
-      <p:sp>
-        <p:nvSpPr>
-          <p:cNvPr id="45" name="PlaceHolder 5"/>
-          <p:cNvSpPr>
-            <a:spLocks noGrp="1"/>
-          </p:cNvSpPr>
-          <p:nvPr>
-            <p:ph type="sldNum"/>
-          </p:nvPr>
-        </p:nvSpPr>
-        <p:spPr>
-          <a:xfrm>
-            <a:off x="6553080" y="6356520"/>
-            <a:ext cx="2133360" cy="364680"/>
-          </a:xfrm>
-          <a:prstGeom prst="rect">
-            <a:avLst/>
-          </a:prstGeom>
-        </p:spPr>
-        <p:txBody>
-          <a:bodyPr anchor="ctr">
-            <a:noAutofit/>
-          </a:bodyPr>
-          <a:p>
-            <a:pPr algn="r">
-              <a:lnSpc>
-                <a:spcPct val="100000"/>
-              </a:lnSpc>
+            <a:r>
+              <a:rPr b="0" lang="zh-CN" sz="2000" spc="-1" strike="noStrike">
+                <a:latin typeface="Arial"/>
+              </a:rPr>
+              <a:t>第六大纲级别</a:t>
+            </a:r>
+            <a:endParaRPr b="0" lang="en-US" sz="2000" spc="-1" strike="noStrike">
+              <a:latin typeface="Arial"/>
+            </a:endParaRPr>
+          </a:p>
+          <a:p>
+            <a:pPr lvl="6" marL="3024000" indent="-216000">
+              <a:spcBef>
+                <a:spcPts val="283"/>
+              </a:spcBef>
+              <a:buClr>
+                <a:srgbClr val="000000"/>
+              </a:buClr>
+              <a:buSzPct val="45000"/>
+              <a:buFont typeface="Wingdings" charset="2"/>
+              <a:buChar char=""/>
             </a:pPr>
-            <a:fld id="{5D594005-A07F-41EB-B9E1-5CDEF19CB6D8}" type="slidenum">
-              <a:rPr b="0" lang="en-US" sz="1200" spc="-1" strike="noStrike">
-                <a:solidFill>
-                  <a:srgbClr val="8b8b8b"/>
-                </a:solidFill>
-                <a:latin typeface="Calibri"/>
-              </a:rPr>
-              <a:t>&lt;编号&gt;</a:t>
-            </a:fld>
-            <a:endParaRPr b="0" lang="en-US" sz="1200" spc="-1" strike="noStrike">
-              <a:latin typeface="Times New Roman"/>
+            <a:r>
+              <a:rPr b="0" lang="zh-CN" sz="2000" spc="-1" strike="noStrike">
+                <a:latin typeface="Arial"/>
+              </a:rPr>
+              <a:t>第七大纲级别</a:t>
+            </a:r>
+            <a:endParaRPr b="0" lang="en-US" sz="2000" spc="-1" strike="noStrike">
+              <a:latin typeface="Arial"/>
             </a:endParaRPr>
           </a:p>
         </p:txBody>
@@ -5768,14 +5375,14 @@
       </p:grpSpPr>
       <p:sp>
         <p:nvSpPr>
-          <p:cNvPr id="88" name="CustomShape 1"/>
+          <p:cNvPr id="82" name="CustomShape 1"/>
           <p:cNvSpPr/>
           <p:nvPr/>
         </p:nvSpPr>
         <p:spPr>
           <a:xfrm>
             <a:off x="323640" y="5589360"/>
-            <a:ext cx="3332880" cy="649440"/>
+            <a:ext cx="3332520" cy="649080"/>
           </a:xfrm>
           <a:prstGeom prst="rect">
             <a:avLst/>
@@ -5794,93 +5401,14 @@
       </p:sp>
       <p:sp>
         <p:nvSpPr>
-          <p:cNvPr id="89" name="TextShape 2"/>
-          <p:cNvSpPr txBox="1"/>
-          <p:nvPr/>
-        </p:nvSpPr>
-        <p:spPr>
-          <a:xfrm>
-            <a:off x="685800" y="1628640"/>
-            <a:ext cx="7772040" cy="2043360"/>
-          </a:xfrm>
-          <a:prstGeom prst="rect">
-            <a:avLst/>
-          </a:prstGeom>
-          <a:noFill/>
-          <a:ln>
-            <a:noFill/>
-          </a:ln>
-        </p:spPr>
-        <p:txBody>
-          <a:bodyPr anchor="ctr">
-            <a:noAutofit/>
-          </a:bodyPr>
-          <a:p>
-            <a:pPr algn="ctr">
-              <a:lnSpc>
-                <a:spcPct val="150000"/>
-              </a:lnSpc>
-            </a:pPr>
-            <a:r>
-              <a:rPr b="0" lang="en-US" sz="4400" spc="-1" strike="noStrike">
-                <a:solidFill>
-                  <a:srgbClr val="595959"/>
-                </a:solidFill>
-                <a:latin typeface="微软雅黑"/>
-                <a:ea typeface="微软雅黑"/>
-              </a:rPr>
-              <a:t>Flink </a:t>
-            </a:r>
-            <a:r>
-              <a:rPr b="0" lang="zh-CN" sz="4400" spc="-1" strike="noStrike">
-                <a:solidFill>
-                  <a:srgbClr val="595959"/>
-                </a:solidFill>
-                <a:latin typeface="微软雅黑"/>
-                <a:ea typeface="微软雅黑"/>
-              </a:rPr>
-              <a:t>中的 </a:t>
-            </a:r>
-            <a:br/>
-            <a:r>
-              <a:rPr b="0" lang="zh-CN" sz="4400" spc="-1" strike="noStrike">
-                <a:solidFill>
-                  <a:srgbClr val="595959"/>
-                </a:solidFill>
-                <a:latin typeface="微软雅黑"/>
-                <a:ea typeface="微软雅黑"/>
-              </a:rPr>
-              <a:t>时间语义和 </a:t>
-            </a:r>
-            <a:r>
-              <a:rPr b="0" lang="en-US" sz="4400" spc="-1" strike="noStrike">
-                <a:solidFill>
-                  <a:srgbClr val="595959"/>
-                </a:solidFill>
-                <a:latin typeface="微软雅黑"/>
-                <a:ea typeface="微软雅黑"/>
-              </a:rPr>
-              <a:t>watermark</a:t>
-            </a:r>
-            <a:endParaRPr b="0" lang="en-US" sz="4400" spc="-1" strike="noStrike">
-              <a:solidFill>
-                <a:srgbClr val="000000"/>
-              </a:solidFill>
-              <a:latin typeface="Calibri"/>
-            </a:endParaRPr>
-          </a:p>
-        </p:txBody>
-      </p:sp>
-      <p:sp>
-        <p:nvSpPr>
-          <p:cNvPr id="90" name="CustomShape 3"/>
+          <p:cNvPr id="83" name="CustomShape 2"/>
           <p:cNvSpPr/>
           <p:nvPr/>
         </p:nvSpPr>
         <p:spPr>
           <a:xfrm>
-            <a:off x="4428000" y="4005000"/>
-            <a:ext cx="3528000" cy="1037520"/>
+            <a:off x="685800" y="1628640"/>
+            <a:ext cx="7771680" cy="2043000"/>
           </a:xfrm>
           <a:prstGeom prst="rect">
             <a:avLst/>
@@ -5897,7 +5425,89 @@
           <a:fontRef idx="minor"/>
         </p:style>
         <p:txBody>
-          <a:bodyPr anchor="ctr">
+          <a:bodyPr lIns="90000" rIns="90000" tIns="45000" bIns="45000" anchor="ctr">
+            <a:noAutofit/>
+          </a:bodyPr>
+          <a:p>
+            <a:pPr algn="ctr">
+              <a:lnSpc>
+                <a:spcPct val="150000"/>
+              </a:lnSpc>
+            </a:pPr>
+            <a:r>
+              <a:rPr b="0" lang="en-US" sz="4400" spc="-1" strike="noStrike">
+                <a:solidFill>
+                  <a:srgbClr val="595959"/>
+                </a:solidFill>
+                <a:latin typeface="微软雅黑"/>
+                <a:ea typeface="微软雅黑"/>
+              </a:rPr>
+              <a:t>Flink </a:t>
+            </a:r>
+            <a:r>
+              <a:rPr b="0" lang="zh-CN" sz="4400" spc="-1" strike="noStrike">
+                <a:solidFill>
+                  <a:srgbClr val="595959"/>
+                </a:solidFill>
+                <a:latin typeface="微软雅黑"/>
+                <a:ea typeface="微软雅黑"/>
+              </a:rPr>
+              <a:t>中的 </a:t>
+            </a:r>
+            <a:br/>
+            <a:r>
+              <a:rPr b="0" lang="zh-CN" sz="4400" spc="-1" strike="noStrike">
+                <a:solidFill>
+                  <a:srgbClr val="595959"/>
+                </a:solidFill>
+                <a:latin typeface="微软雅黑"/>
+                <a:ea typeface="微软雅黑"/>
+              </a:rPr>
+              <a:t>时间语义和 </a:t>
+            </a:r>
+            <a:r>
+              <a:rPr b="0" lang="en-US" sz="4400" spc="-1" strike="noStrike">
+                <a:solidFill>
+                  <a:srgbClr val="595959"/>
+                </a:solidFill>
+                <a:latin typeface="微软雅黑"/>
+                <a:ea typeface="微软雅黑"/>
+              </a:rPr>
+              <a:t>watermark</a:t>
+            </a:r>
+            <a:endParaRPr b="0" lang="en-US" sz="4400" spc="-1" strike="noStrike">
+              <a:latin typeface="Arial"/>
+            </a:endParaRPr>
+          </a:p>
+        </p:txBody>
+      </p:sp>
+      <p:sp>
+        <p:nvSpPr>
+          <p:cNvPr id="84" name="CustomShape 3"/>
+          <p:cNvSpPr/>
+          <p:nvPr/>
+        </p:nvSpPr>
+        <p:spPr>
+          <a:xfrm>
+            <a:off x="4428000" y="4005000"/>
+            <a:ext cx="3527640" cy="1037160"/>
+          </a:xfrm>
+          <a:prstGeom prst="rect">
+            <a:avLst/>
+          </a:prstGeom>
+          <a:noFill/>
+          <a:ln>
+            <a:noFill/>
+          </a:ln>
+        </p:spPr>
+        <p:style>
+          <a:lnRef idx="0"/>
+          <a:fillRef idx="0"/>
+          <a:effectRef idx="0"/>
+          <a:fontRef idx="minor"/>
+        </p:style>
+        <p:txBody>
+          <a:bodyPr lIns="90000" rIns="90000" tIns="45000" bIns="45000" anchor="ctr">
             <a:normAutofit/>
           </a:bodyPr>
           <a:p>
@@ -5954,14 +5564,14 @@
       </p:grpSpPr>
       <p:sp>
         <p:nvSpPr>
-          <p:cNvPr id="122" name="CustomShape 1"/>
+          <p:cNvPr id="116" name="CustomShape 1"/>
           <p:cNvSpPr/>
           <p:nvPr/>
         </p:nvSpPr>
         <p:spPr>
           <a:xfrm>
             <a:off x="457200" y="620640"/>
-            <a:ext cx="8229240" cy="1142640"/>
+            <a:ext cx="8228880" cy="1142280"/>
           </a:xfrm>
           <a:prstGeom prst="rect">
             <a:avLst/>
@@ -5978,7 +5588,7 @@
           <a:fontRef idx="minor"/>
         </p:style>
         <p:txBody>
-          <a:bodyPr anchor="ctr">
+          <a:bodyPr lIns="90000" rIns="90000" tIns="45000" bIns="45000" anchor="ctr">
             <a:normAutofit/>
           </a:bodyPr>
           <a:p>
@@ -5995,26 +5605,16 @@
                 <a:latin typeface="微软雅黑"/>
                 <a:ea typeface="微软雅黑"/>
               </a:rPr>
-              <a:t>watermark</a:t>
-            </a:r>
-            <a:r>
-              <a:rPr b="0" lang="en-US" sz="3200" spc="-1" strike="noStrike">
+              <a:t>watermark </a:t>
+            </a:r>
+            <a:r>
+              <a:rPr b="0" lang="zh-CN" sz="3200" spc="-1" strike="noStrike">
                 <a:solidFill>
                   <a:srgbClr val="404040"/>
                 </a:solidFill>
                 <a:latin typeface="微软雅黑"/>
                 <a:ea typeface="微软雅黑"/>
               </a:rPr>
-              <a:t> </a:t>
-            </a:r>
-            <a:r>
-              <a:rPr b="0" lang="zh-CN" sz="3200" spc="-1" strike="noStrike">
-                <a:solidFill>
-                  <a:srgbClr val="404040"/>
-                </a:solidFill>
-                <a:latin typeface="微软雅黑"/>
-                <a:ea typeface="微软雅黑"/>
-              </a:rPr>
               <a:t>的特点</a:t>
             </a:r>
             <a:endParaRPr b="0" lang="en-US" sz="3200" spc="-1" strike="noStrike">
@@ -6025,14 +5625,14 @@
       </p:sp>
       <p:sp>
         <p:nvSpPr>
-          <p:cNvPr id="123" name="CustomShape 2"/>
+          <p:cNvPr id="117" name="CustomShape 2"/>
           <p:cNvSpPr/>
           <p:nvPr/>
         </p:nvSpPr>
         <p:spPr>
           <a:xfrm>
             <a:off x="827640" y="3897000"/>
-            <a:ext cx="7858800" cy="2268000"/>
+            <a:ext cx="7858440" cy="2267640"/>
           </a:xfrm>
           <a:prstGeom prst="rect">
             <a:avLst/>
@@ -6053,7 +5653,7 @@
             <a:noAutofit/>
           </a:bodyPr>
           <a:p>
-            <a:pPr marL="343080" indent="-342720">
+            <a:pPr marL="343080" indent="-342360">
               <a:lnSpc>
                 <a:spcPct val="180000"/>
               </a:lnSpc>
@@ -6088,7 +5688,7 @@
             </a:endParaRPr>
           </a:p>
           <a:p>
-            <a:pPr marL="343080" indent="-342720">
+            <a:pPr marL="343080" indent="-342360">
               <a:lnSpc>
                 <a:spcPct val="180000"/>
               </a:lnSpc>
@@ -6113,7 +5713,7 @@
             </a:endParaRPr>
           </a:p>
           <a:p>
-            <a:pPr marL="343080" indent="-342720">
+            <a:pPr marL="343080" indent="-342360">
               <a:lnSpc>
                 <a:spcPct val="180000"/>
               </a:lnSpc>
@@ -6148,7 +5748,7 @@
             </a:endParaRPr>
           </a:p>
           <a:p>
-            <a:pPr marL="343080" indent="-342720">
+            <a:pPr marL="343080" indent="-342360">
               <a:lnSpc>
                 <a:spcPct val="180000"/>
               </a:lnSpc>
@@ -6186,7 +5786,7 @@
       </p:sp>
       <p:pic>
         <p:nvPicPr>
-          <p:cNvPr id="124" name="Picture 2" descr=""/>
+          <p:cNvPr id="118" name="Picture 2" descr=""/>
           <p:cNvPicPr/>
           <p:nvPr/>
         </p:nvPicPr>
@@ -6197,7 +5797,7 @@
         <p:spPr>
           <a:xfrm>
             <a:off x="1206000" y="1917000"/>
-            <a:ext cx="6419520" cy="1561680"/>
+            <a:ext cx="6419160" cy="1561320"/>
           </a:xfrm>
           <a:prstGeom prst="rect">
             <a:avLst/>
@@ -6239,14 +5839,14 @@
       </p:grpSpPr>
       <p:sp>
         <p:nvSpPr>
-          <p:cNvPr id="125" name="CustomShape 1"/>
+          <p:cNvPr id="119" name="CustomShape 1"/>
           <p:cNvSpPr/>
           <p:nvPr/>
         </p:nvSpPr>
         <p:spPr>
           <a:xfrm>
             <a:off x="457200" y="620640"/>
-            <a:ext cx="8229240" cy="1142640"/>
+            <a:ext cx="8228880" cy="1142280"/>
           </a:xfrm>
           <a:prstGeom prst="rect">
             <a:avLst/>
@@ -6263,7 +5863,7 @@
           <a:fontRef idx="minor"/>
         </p:style>
         <p:txBody>
-          <a:bodyPr anchor="ctr">
+          <a:bodyPr lIns="90000" rIns="90000" tIns="45000" bIns="45000" anchor="ctr">
             <a:normAutofit/>
           </a:bodyPr>
           <a:p>
@@ -6300,7 +5900,7 @@
       </p:sp>
       <p:pic>
         <p:nvPicPr>
-          <p:cNvPr id="126" name="Picture 2" descr=""/>
+          <p:cNvPr id="120" name="Picture 2" descr=""/>
           <p:cNvPicPr/>
           <p:nvPr/>
         </p:nvPicPr>
@@ -6311,7 +5911,7 @@
         <p:spPr>
           <a:xfrm>
             <a:off x="1366920" y="2046960"/>
-            <a:ext cx="6409800" cy="3685680"/>
+            <a:ext cx="6409440" cy="3685320"/>
           </a:xfrm>
           <a:prstGeom prst="rect">
             <a:avLst/>
@@ -6353,14 +5953,14 @@
       </p:grpSpPr>
       <p:sp>
         <p:nvSpPr>
-          <p:cNvPr id="127" name="CustomShape 1"/>
+          <p:cNvPr id="121" name="CustomShape 1"/>
           <p:cNvSpPr/>
           <p:nvPr/>
         </p:nvSpPr>
         <p:spPr>
           <a:xfrm>
             <a:off x="457200" y="620640"/>
-            <a:ext cx="8229240" cy="1142640"/>
+            <a:ext cx="8228880" cy="1142280"/>
           </a:xfrm>
           <a:prstGeom prst="rect">
             <a:avLst/>
@@ -6377,7 +5977,7 @@
           <a:fontRef idx="minor"/>
         </p:style>
         <p:txBody>
-          <a:bodyPr anchor="ctr">
+          <a:bodyPr lIns="90000" rIns="90000" tIns="45000" bIns="45000" anchor="ctr">
             <a:normAutofit/>
           </a:bodyPr>
           <a:p>
@@ -6414,14 +6014,14 @@
       </p:sp>
       <p:sp>
         <p:nvSpPr>
-          <p:cNvPr id="128" name="CustomShape 2"/>
+          <p:cNvPr id="122" name="CustomShape 2"/>
           <p:cNvSpPr/>
           <p:nvPr/>
         </p:nvSpPr>
         <p:spPr>
           <a:xfrm>
             <a:off x="827640" y="1700640"/>
-            <a:ext cx="7858800" cy="1800000"/>
+            <a:ext cx="7858440" cy="1799640"/>
           </a:xfrm>
           <a:prstGeom prst="rect">
             <a:avLst/>
@@ -6442,7 +6042,7 @@
             <a:noAutofit/>
           </a:bodyPr>
           <a:p>
-            <a:pPr marL="343080" indent="-342720">
+            <a:pPr marL="343080" indent="-342360">
               <a:lnSpc>
                 <a:spcPct val="180000"/>
               </a:lnSpc>
@@ -6477,7 +6077,7 @@
             </a:endParaRPr>
           </a:p>
           <a:p>
-            <a:pPr marL="343080" indent="-342720">
+            <a:pPr marL="343080" indent="-342360">
               <a:lnSpc>
                 <a:spcPct val="180000"/>
               </a:lnSpc>
@@ -6555,7 +6155,7 @@
       </p:sp>
       <p:pic>
         <p:nvPicPr>
-          <p:cNvPr id="129" name="Picture 2" descr=""/>
+          <p:cNvPr id="123" name="Picture 2" descr=""/>
           <p:cNvPicPr/>
           <p:nvPr/>
         </p:nvPicPr>
@@ -6565,8 +6165,8 @@
         </p:blipFill>
         <p:spPr>
           <a:xfrm>
-            <a:off x="1043640" y="3573000"/>
-            <a:ext cx="7170480" cy="2787840"/>
+            <a:off x="1115640" y="3753000"/>
+            <a:ext cx="7170120" cy="2787480"/>
           </a:xfrm>
           <a:prstGeom prst="rect">
             <a:avLst/>
@@ -6608,14 +6208,14 @@
       </p:grpSpPr>
       <p:sp>
         <p:nvSpPr>
-          <p:cNvPr id="130" name="CustomShape 1"/>
+          <p:cNvPr id="124" name="CustomShape 1"/>
           <p:cNvSpPr/>
           <p:nvPr/>
         </p:nvSpPr>
         <p:spPr>
           <a:xfrm>
             <a:off x="457200" y="620640"/>
-            <a:ext cx="8229240" cy="1142640"/>
+            <a:ext cx="8228880" cy="1142280"/>
           </a:xfrm>
           <a:prstGeom prst="rect">
             <a:avLst/>
@@ -6632,7 +6232,7 @@
           <a:fontRef idx="minor"/>
         </p:style>
         <p:txBody>
-          <a:bodyPr anchor="ctr">
+          <a:bodyPr lIns="90000" rIns="90000" tIns="45000" bIns="45000" anchor="ctr">
             <a:normAutofit/>
           </a:bodyPr>
           <a:p>
@@ -6669,14 +6269,14 @@
       </p:sp>
       <p:sp>
         <p:nvSpPr>
-          <p:cNvPr id="131" name="CustomShape 2"/>
+          <p:cNvPr id="125" name="CustomShape 2"/>
           <p:cNvSpPr/>
           <p:nvPr/>
         </p:nvSpPr>
         <p:spPr>
           <a:xfrm>
             <a:off x="827640" y="1700640"/>
-            <a:ext cx="7858800" cy="719640"/>
+            <a:ext cx="7858440" cy="719280"/>
           </a:xfrm>
           <a:prstGeom prst="rect">
             <a:avLst/>
@@ -6697,7 +6297,7 @@
             <a:noAutofit/>
           </a:bodyPr>
           <a:p>
-            <a:pPr marL="343080" indent="-342720">
+            <a:pPr marL="343080" indent="-342360">
               <a:lnSpc>
                 <a:spcPct val="180000"/>
               </a:lnSpc>
@@ -6725,7 +6325,7 @@
       </p:sp>
       <p:pic>
         <p:nvPicPr>
-          <p:cNvPr id="132" name="Picture 3" descr=""/>
+          <p:cNvPr id="126" name="Picture 3" descr=""/>
           <p:cNvPicPr/>
           <p:nvPr/>
         </p:nvPicPr>
@@ -6736,7 +6336,7 @@
         <p:spPr>
           <a:xfrm>
             <a:off x="1366920" y="2633400"/>
-            <a:ext cx="6409800" cy="923400"/>
+            <a:ext cx="6409440" cy="923040"/>
           </a:xfrm>
           <a:prstGeom prst="rect">
             <a:avLst/>
@@ -6748,14 +6348,14 @@
       </p:pic>
       <p:sp>
         <p:nvSpPr>
-          <p:cNvPr id="133" name="CustomShape 3"/>
+          <p:cNvPr id="127" name="CustomShape 3"/>
           <p:cNvSpPr/>
           <p:nvPr/>
         </p:nvSpPr>
         <p:spPr>
           <a:xfrm>
             <a:off x="827640" y="3789000"/>
-            <a:ext cx="7858800" cy="1151640"/>
+            <a:ext cx="7858440" cy="1151280"/>
           </a:xfrm>
           <a:prstGeom prst="rect">
             <a:avLst/>
@@ -6776,7 +6376,7 @@
             <a:noAutofit/>
           </a:bodyPr>
           <a:p>
-            <a:pPr marL="343080" indent="-342720">
+            <a:pPr marL="343080" indent="-342360">
               <a:lnSpc>
                 <a:spcPct val="180000"/>
               </a:lnSpc>
@@ -6844,7 +6444,7 @@
       </p:sp>
       <p:pic>
         <p:nvPicPr>
-          <p:cNvPr id="134" name="Picture 5" descr=""/>
+          <p:cNvPr id="128" name="Picture 5" descr=""/>
           <p:cNvPicPr/>
           <p:nvPr/>
         </p:nvPicPr>
@@ -6855,7 +6455,7 @@
         <p:spPr>
           <a:xfrm>
             <a:off x="1474200" y="5079240"/>
-            <a:ext cx="6409800" cy="437760"/>
+            <a:ext cx="6409440" cy="437400"/>
           </a:xfrm>
           <a:prstGeom prst="rect">
             <a:avLst/>
@@ -6867,14 +6467,14 @@
       </p:pic>
       <p:sp>
         <p:nvSpPr>
-          <p:cNvPr id="135" name="CustomShape 4"/>
+          <p:cNvPr id="129" name="CustomShape 4"/>
           <p:cNvSpPr/>
           <p:nvPr/>
         </p:nvSpPr>
         <p:spPr>
           <a:xfrm>
             <a:off x="827640" y="5589360"/>
-            <a:ext cx="7858800" cy="583200"/>
+            <a:ext cx="7858440" cy="583200"/>
           </a:xfrm>
           <a:prstGeom prst="rect">
             <a:avLst/>
@@ -6895,7 +6495,7 @@
             <a:spAutoFit/>
           </a:bodyPr>
           <a:p>
-            <a:pPr lvl="1" marL="800280" indent="-342720">
+            <a:pPr lvl="1" marL="800280" indent="-342360">
               <a:lnSpc>
                 <a:spcPct val="180000"/>
               </a:lnSpc>
@@ -6973,14 +6573,14 @@
       </p:grpSpPr>
       <p:sp>
         <p:nvSpPr>
-          <p:cNvPr id="136" name="CustomShape 1"/>
+          <p:cNvPr id="130" name="CustomShape 1"/>
           <p:cNvSpPr/>
           <p:nvPr/>
         </p:nvSpPr>
         <p:spPr>
           <a:xfrm>
             <a:off x="457200" y="620640"/>
-            <a:ext cx="8229240" cy="1142640"/>
+            <a:ext cx="8228880" cy="1142280"/>
           </a:xfrm>
           <a:prstGeom prst="rect">
             <a:avLst/>
@@ -6997,7 +6597,7 @@
           <a:fontRef idx="minor"/>
         </p:style>
         <p:txBody>
-          <a:bodyPr anchor="ctr">
+          <a:bodyPr lIns="90000" rIns="90000" tIns="45000" bIns="45000" anchor="ctr">
             <a:normAutofit/>
           </a:bodyPr>
           <a:p>
@@ -7024,14 +6624,14 @@
       </p:sp>
       <p:sp>
         <p:nvSpPr>
-          <p:cNvPr id="137" name="CustomShape 2"/>
+          <p:cNvPr id="131" name="CustomShape 2"/>
           <p:cNvSpPr/>
           <p:nvPr/>
         </p:nvSpPr>
         <p:spPr>
           <a:xfrm>
             <a:off x="827640" y="1700640"/>
-            <a:ext cx="7858800" cy="4320000"/>
+            <a:ext cx="7858440" cy="4319640"/>
           </a:xfrm>
           <a:prstGeom prst="rect">
             <a:avLst/>
@@ -7052,7 +6652,7 @@
             <a:noAutofit/>
           </a:bodyPr>
           <a:p>
-            <a:pPr marL="343080" indent="-342720">
+            <a:pPr marL="343080" indent="-342360">
               <a:lnSpc>
                 <a:spcPct val="180000"/>
               </a:lnSpc>
@@ -7097,7 +6697,7 @@
             </a:endParaRPr>
           </a:p>
           <a:p>
-            <a:pPr marL="343080" indent="-342720">
+            <a:pPr marL="343080" indent="-342360">
               <a:lnSpc>
                 <a:spcPct val="180000"/>
               </a:lnSpc>
@@ -7122,7 +6722,7 @@
             </a:endParaRPr>
           </a:p>
           <a:p>
-            <a:pPr lvl="1" marL="800280" indent="-342720">
+            <a:pPr lvl="1" marL="800280" indent="-342360">
               <a:lnSpc>
                 <a:spcPct val="180000"/>
               </a:lnSpc>
@@ -7187,7 +6787,7 @@
             </a:endParaRPr>
           </a:p>
           <a:p>
-            <a:pPr lvl="1" marL="800280" indent="-342720">
+            <a:pPr lvl="1" marL="800280" indent="-342360">
               <a:lnSpc>
                 <a:spcPct val="180000"/>
               </a:lnSpc>
@@ -7252,7 +6852,7 @@
             </a:endParaRPr>
           </a:p>
           <a:p>
-            <a:pPr lvl="1" marL="800280" indent="-342720">
+            <a:pPr lvl="1" marL="800280" indent="-342360">
               <a:lnSpc>
                 <a:spcPct val="180000"/>
               </a:lnSpc>
@@ -7317,7 +6917,7 @@
             </a:endParaRPr>
           </a:p>
           <a:p>
-            <a:pPr marL="343080" indent="-342720">
+            <a:pPr marL="343080" indent="-342360">
               <a:lnSpc>
                 <a:spcPct val="180000"/>
               </a:lnSpc>
@@ -7342,7 +6942,7 @@
             </a:endParaRPr>
           </a:p>
           <a:p>
-            <a:pPr lvl="1" marL="800280" indent="-342720">
+            <a:pPr lvl="1" marL="800280" indent="-342360">
               <a:lnSpc>
                 <a:spcPct val="180000"/>
               </a:lnSpc>
@@ -7420,14 +7020,14 @@
       </p:grpSpPr>
       <p:sp>
         <p:nvSpPr>
-          <p:cNvPr id="138" name="CustomShape 1"/>
+          <p:cNvPr id="132" name="CustomShape 1"/>
           <p:cNvSpPr/>
           <p:nvPr/>
         </p:nvSpPr>
         <p:spPr>
           <a:xfrm>
             <a:off x="457200" y="620640"/>
-            <a:ext cx="8229240" cy="1142640"/>
+            <a:ext cx="8228880" cy="1142280"/>
           </a:xfrm>
           <a:prstGeom prst="rect">
             <a:avLst/>
@@ -7444,7 +7044,7 @@
           <a:fontRef idx="minor"/>
         </p:style>
         <p:txBody>
-          <a:bodyPr anchor="ctr">
+          <a:bodyPr lIns="90000" rIns="90000" tIns="45000" bIns="45000" anchor="ctr">
             <a:normAutofit/>
           </a:bodyPr>
           <a:p>
@@ -7481,14 +7081,14 @@
       </p:sp>
       <p:sp>
         <p:nvSpPr>
-          <p:cNvPr id="139" name="CustomShape 2"/>
+          <p:cNvPr id="133" name="CustomShape 2"/>
           <p:cNvSpPr/>
           <p:nvPr/>
         </p:nvSpPr>
         <p:spPr>
           <a:xfrm>
             <a:off x="827640" y="1700640"/>
-            <a:ext cx="7858800" cy="3960000"/>
+            <a:ext cx="7858440" cy="3959640"/>
           </a:xfrm>
           <a:prstGeom prst="rect">
             <a:avLst/>
@@ -7509,7 +7109,7 @@
             <a:noAutofit/>
           </a:bodyPr>
           <a:p>
-            <a:pPr marL="343080" indent="-342720">
+            <a:pPr marL="343080" indent="-342360">
               <a:lnSpc>
                 <a:spcPct val="200000"/>
               </a:lnSpc>
@@ -7584,7 +7184,7 @@
             </a:endParaRPr>
           </a:p>
           <a:p>
-            <a:pPr marL="343080" indent="-342720">
+            <a:pPr marL="343080" indent="-342360">
               <a:lnSpc>
                 <a:spcPct val="200000"/>
               </a:lnSpc>
@@ -7629,7 +7229,7 @@
             </a:endParaRPr>
           </a:p>
           <a:p>
-            <a:pPr marL="343080" indent="-342720">
+            <a:pPr marL="343080" indent="-342360">
               <a:lnSpc>
                 <a:spcPct val="200000"/>
               </a:lnSpc>
@@ -7737,14 +7337,14 @@
       </p:grpSpPr>
       <p:sp>
         <p:nvSpPr>
-          <p:cNvPr id="140" name="CustomShape 1"/>
+          <p:cNvPr id="134" name="CustomShape 1"/>
           <p:cNvSpPr/>
           <p:nvPr/>
         </p:nvSpPr>
         <p:spPr>
           <a:xfrm>
             <a:off x="3132000" y="2565000"/>
-            <a:ext cx="2808000" cy="1309320"/>
+            <a:ext cx="2807640" cy="1308960"/>
           </a:xfrm>
           <a:prstGeom prst="rect">
             <a:avLst/>
@@ -7776,6 +7376,7 @@
                   <a:srgbClr val="000000"/>
                 </a:solidFill>
                 <a:latin typeface="Calibri"/>
+                <a:ea typeface="DejaVu Sans"/>
               </a:rPr>
               <a:t>Q &amp; A</a:t>
             </a:r>
@@ -7817,14 +7418,14 @@
       </p:grpSpPr>
       <p:sp>
         <p:nvSpPr>
-          <p:cNvPr id="91" name="CustomShape 1"/>
+          <p:cNvPr id="85" name="CustomShape 1"/>
           <p:cNvSpPr/>
           <p:nvPr/>
         </p:nvSpPr>
         <p:spPr>
           <a:xfrm>
             <a:off x="457200" y="620640"/>
-            <a:ext cx="8229240" cy="1142640"/>
+            <a:ext cx="8228880" cy="1142280"/>
           </a:xfrm>
           <a:prstGeom prst="rect">
             <a:avLst/>
@@ -7841,7 +7442,7 @@
           <a:fontRef idx="minor"/>
         </p:style>
         <p:txBody>
-          <a:bodyPr anchor="ctr">
+          <a:bodyPr lIns="90000" rIns="90000" tIns="45000" bIns="45000" anchor="ctr">
             <a:normAutofit/>
           </a:bodyPr>
           <a:p>
@@ -7868,14 +7469,14 @@
       </p:sp>
       <p:sp>
         <p:nvSpPr>
-          <p:cNvPr id="92" name="CustomShape 2"/>
+          <p:cNvPr id="86" name="CustomShape 2"/>
           <p:cNvSpPr/>
           <p:nvPr/>
         </p:nvSpPr>
         <p:spPr>
           <a:xfrm>
             <a:off x="827640" y="1845000"/>
-            <a:ext cx="7416360" cy="3888000"/>
+            <a:ext cx="7416000" cy="3887640"/>
           </a:xfrm>
           <a:prstGeom prst="rect">
             <a:avLst/>
@@ -7896,7 +7497,7 @@
             <a:noAutofit/>
           </a:bodyPr>
           <a:p>
-            <a:pPr marL="343080" indent="-342720">
+            <a:pPr marL="343080" indent="-342360">
               <a:lnSpc>
                 <a:spcPct val="200000"/>
               </a:lnSpc>
@@ -7931,7 +7532,7 @@
             </a:endParaRPr>
           </a:p>
           <a:p>
-            <a:pPr marL="343080" indent="-342720">
+            <a:pPr marL="343080" indent="-342360">
               <a:lnSpc>
                 <a:spcPct val="200000"/>
               </a:lnSpc>
@@ -7966,7 +7567,7 @@
             </a:endParaRPr>
           </a:p>
           <a:p>
-            <a:pPr marL="343080" indent="-342720">
+            <a:pPr marL="343080" indent="-342360">
               <a:lnSpc>
                 <a:spcPct val="200000"/>
               </a:lnSpc>
@@ -8011,7 +7612,7 @@
             </a:endParaRPr>
           </a:p>
           <a:p>
-            <a:pPr marL="343080" indent="-342720">
+            <a:pPr marL="343080" indent="-342360">
               <a:lnSpc>
                 <a:spcPct val="200000"/>
               </a:lnSpc>
@@ -8069,14 +7670,14 @@
       </p:grpSpPr>
       <p:sp>
         <p:nvSpPr>
-          <p:cNvPr id="93" name="CustomShape 1"/>
+          <p:cNvPr id="87" name="CustomShape 1"/>
           <p:cNvSpPr/>
           <p:nvPr/>
         </p:nvSpPr>
         <p:spPr>
           <a:xfrm>
             <a:off x="457200" y="620640"/>
-            <a:ext cx="8229240" cy="1142640"/>
+            <a:ext cx="8228880" cy="1142280"/>
           </a:xfrm>
           <a:prstGeom prst="rect">
             <a:avLst/>
@@ -8093,7 +7694,7 @@
           <a:fontRef idx="minor"/>
         </p:style>
         <p:txBody>
-          <a:bodyPr anchor="ctr">
+          <a:bodyPr lIns="90000" rIns="90000" tIns="45000" bIns="45000" anchor="ctr">
             <a:normAutofit/>
           </a:bodyPr>
           <a:p>
@@ -8140,14 +7741,14 @@
       </p:sp>
       <p:sp>
         <p:nvSpPr>
-          <p:cNvPr id="94" name="CustomShape 2"/>
+          <p:cNvPr id="88" name="CustomShape 2"/>
           <p:cNvSpPr/>
           <p:nvPr/>
         </p:nvSpPr>
         <p:spPr>
           <a:xfrm>
             <a:off x="827640" y="4509000"/>
-            <a:ext cx="7858800" cy="1787400"/>
+            <a:ext cx="7858440" cy="1787040"/>
           </a:xfrm>
           <a:prstGeom prst="rect">
             <a:avLst/>
@@ -8168,7 +7769,7 @@
             <a:noAutofit/>
           </a:bodyPr>
           <a:p>
-            <a:pPr marL="343080" indent="-342720">
+            <a:pPr marL="343080" indent="-342360">
               <a:lnSpc>
                 <a:spcPct val="180000"/>
               </a:lnSpc>
@@ -8203,7 +7804,7 @@
             </a:endParaRPr>
           </a:p>
           <a:p>
-            <a:pPr marL="343080" indent="-342720">
+            <a:pPr marL="343080" indent="-342360">
               <a:lnSpc>
                 <a:spcPct val="180000"/>
               </a:lnSpc>
@@ -8258,7 +7859,7 @@
             </a:endParaRPr>
           </a:p>
           <a:p>
-            <a:pPr marL="343080" indent="-342720">
+            <a:pPr marL="343080" indent="-342360">
               <a:lnSpc>
                 <a:spcPct val="180000"/>
               </a:lnSpc>
@@ -8296,7 +7897,7 @@
       </p:sp>
       <p:pic>
         <p:nvPicPr>
-          <p:cNvPr id="95" name="Picture 2" descr="af567ec1-1fdb-4b1d-94b7-b49acc0a1ba6"/>
+          <p:cNvPr id="89" name="Picture 2" descr="af567ec1-1fdb-4b1d-94b7-b49acc0a1ba6"/>
           <p:cNvPicPr/>
           <p:nvPr/>
         </p:nvPicPr>
@@ -8307,7 +7908,7 @@
         <p:spPr>
           <a:xfrm>
             <a:off x="1655640" y="1763640"/>
-            <a:ext cx="5760360" cy="2757600"/>
+            <a:ext cx="5760000" cy="2757240"/>
           </a:xfrm>
           <a:prstGeom prst="rect">
             <a:avLst/>
@@ -8349,14 +7950,14 @@
       </p:grpSpPr>
       <p:sp>
         <p:nvSpPr>
-          <p:cNvPr id="96" name="CustomShape 1"/>
+          <p:cNvPr id="90" name="CustomShape 1"/>
           <p:cNvSpPr/>
           <p:nvPr/>
         </p:nvSpPr>
         <p:spPr>
           <a:xfrm>
             <a:off x="457200" y="620640"/>
-            <a:ext cx="8229240" cy="1142640"/>
+            <a:ext cx="8228880" cy="1142280"/>
           </a:xfrm>
           <a:prstGeom prst="rect">
             <a:avLst/>
@@ -8373,7 +7974,7 @@
           <a:fontRef idx="minor"/>
         </p:style>
         <p:txBody>
-          <a:bodyPr anchor="ctr">
+          <a:bodyPr lIns="90000" rIns="90000" tIns="45000" bIns="45000" anchor="ctr">
             <a:normAutofit/>
           </a:bodyPr>
           <a:p>
@@ -8400,14 +8001,14 @@
       </p:sp>
       <p:sp>
         <p:nvSpPr>
-          <p:cNvPr id="97" name="CustomShape 2"/>
+          <p:cNvPr id="91" name="CustomShape 2"/>
           <p:cNvSpPr/>
           <p:nvPr/>
         </p:nvSpPr>
         <p:spPr>
           <a:xfrm>
             <a:off x="827640" y="4941000"/>
-            <a:ext cx="7858800" cy="1367640"/>
+            <a:ext cx="7858440" cy="1367280"/>
           </a:xfrm>
           <a:prstGeom prst="rect">
             <a:avLst/>
@@ -8428,7 +8029,7 @@
             <a:noAutofit/>
           </a:bodyPr>
           <a:p>
-            <a:pPr marL="343080" indent="-342720">
+            <a:pPr marL="343080" indent="-342360">
               <a:lnSpc>
                 <a:spcPct val="180000"/>
               </a:lnSpc>
@@ -8453,7 +8054,7 @@
             </a:endParaRPr>
           </a:p>
           <a:p>
-            <a:pPr marL="343080" indent="-342720">
+            <a:pPr marL="343080" indent="-342360">
               <a:lnSpc>
                 <a:spcPct val="180000"/>
               </a:lnSpc>
@@ -8501,7 +8102,7 @@
       </p:sp>
       <p:pic>
         <p:nvPicPr>
-          <p:cNvPr id="98" name="图片 1" descr=""/>
+          <p:cNvPr id="92" name="图片 1" descr=""/>
           <p:cNvPicPr/>
           <p:nvPr/>
         </p:nvPicPr>
@@ -8512,7 +8113,7 @@
         <p:spPr>
           <a:xfrm>
             <a:off x="1259640" y="1917000"/>
-            <a:ext cx="6408360" cy="2797920"/>
+            <a:ext cx="6408000" cy="2797560"/>
           </a:xfrm>
           <a:prstGeom prst="rect">
             <a:avLst/>
@@ -8554,14 +8155,14 @@
       </p:grpSpPr>
       <p:sp>
         <p:nvSpPr>
-          <p:cNvPr id="99" name="CustomShape 1"/>
+          <p:cNvPr id="93" name="CustomShape 1"/>
           <p:cNvSpPr/>
           <p:nvPr/>
         </p:nvSpPr>
         <p:spPr>
           <a:xfrm>
             <a:off x="457200" y="620640"/>
-            <a:ext cx="8229240" cy="1142640"/>
+            <a:ext cx="8228880" cy="1142280"/>
           </a:xfrm>
           <a:prstGeom prst="rect">
             <a:avLst/>
@@ -8578,7 +8179,7 @@
           <a:fontRef idx="minor"/>
         </p:style>
         <p:txBody>
-          <a:bodyPr anchor="ctr">
+          <a:bodyPr lIns="90000" rIns="90000" tIns="45000" bIns="45000" anchor="ctr">
             <a:normAutofit/>
           </a:bodyPr>
           <a:p>
@@ -8605,14 +8206,14 @@
       </p:sp>
       <p:sp>
         <p:nvSpPr>
-          <p:cNvPr id="100" name="CustomShape 2"/>
+          <p:cNvPr id="94" name="CustomShape 2"/>
           <p:cNvSpPr/>
           <p:nvPr/>
         </p:nvSpPr>
         <p:spPr>
           <a:xfrm>
             <a:off x="827640" y="4869000"/>
-            <a:ext cx="7858800" cy="1511640"/>
+            <a:ext cx="7858440" cy="1511280"/>
           </a:xfrm>
           <a:prstGeom prst="rect">
             <a:avLst/>
@@ -8633,7 +8234,7 @@
             <a:noAutofit/>
           </a:bodyPr>
           <a:p>
-            <a:pPr marL="343080" indent="-342720">
+            <a:pPr marL="343080" indent="-342360">
               <a:lnSpc>
                 <a:spcPct val="180000"/>
               </a:lnSpc>
@@ -8668,7 +8269,7 @@
             </a:endParaRPr>
           </a:p>
           <a:p>
-            <a:pPr marL="343080" indent="-342720">
+            <a:pPr marL="343080" indent="-342360">
               <a:lnSpc>
                 <a:spcPct val="180000"/>
               </a:lnSpc>
@@ -8723,7 +8324,7 @@
             </a:endParaRPr>
           </a:p>
           <a:p>
-            <a:pPr lvl="1" marL="800280" indent="-342720">
+            <a:pPr lvl="1" marL="800280" indent="-342360">
               <a:lnSpc>
                 <a:spcPct val="180000"/>
               </a:lnSpc>
@@ -8751,7 +8352,7 @@
       </p:sp>
       <p:pic>
         <p:nvPicPr>
-          <p:cNvPr id="101" name="Picture 2" descr=""/>
+          <p:cNvPr id="95" name="Picture 2" descr=""/>
           <p:cNvPicPr/>
           <p:nvPr/>
         </p:nvPicPr>
@@ -8762,7 +8363,7 @@
         <p:spPr>
           <a:xfrm>
             <a:off x="1826640" y="1628640"/>
-            <a:ext cx="5328360" cy="3196800"/>
+            <a:ext cx="5328000" cy="3196440"/>
           </a:xfrm>
           <a:prstGeom prst="rect">
             <a:avLst/>
@@ -8774,14 +8375,14 @@
       </p:pic>
       <p:sp>
         <p:nvSpPr>
-          <p:cNvPr id="102" name="CustomShape 3"/>
+          <p:cNvPr id="96" name="CustomShape 3"/>
           <p:cNvSpPr/>
           <p:nvPr/>
         </p:nvSpPr>
         <p:spPr>
           <a:xfrm>
             <a:off x="2915640" y="4149000"/>
-            <a:ext cx="1800000" cy="676440"/>
+            <a:ext cx="1799640" cy="676080"/>
           </a:xfrm>
           <a:prstGeom prst="rect">
             <a:avLst/>
@@ -8811,14 +8412,14 @@
       </p:sp>
       <p:sp>
         <p:nvSpPr>
-          <p:cNvPr id="103" name="CustomShape 4"/>
+          <p:cNvPr id="97" name="CustomShape 4"/>
           <p:cNvSpPr/>
           <p:nvPr/>
         </p:nvSpPr>
         <p:spPr>
           <a:xfrm>
             <a:off x="1115640" y="3872520"/>
-            <a:ext cx="1872000" cy="638280"/>
+            <a:ext cx="1871640" cy="638280"/>
           </a:xfrm>
           <a:prstGeom prst="rect">
             <a:avLst/>
@@ -8850,6 +8451,7 @@
                   <a:srgbClr val="c00000"/>
                 </a:solidFill>
                 <a:latin typeface="Calibri"/>
+                <a:ea typeface="DejaVu Sans"/>
               </a:rPr>
               <a:t>Processing Time</a:t>
             </a:r>
@@ -8861,14 +8463,14 @@
       </p:sp>
       <p:sp>
         <p:nvSpPr>
-          <p:cNvPr id="104" name="CustomShape 5"/>
+          <p:cNvPr id="98" name="CustomShape 5"/>
           <p:cNvSpPr/>
           <p:nvPr/>
         </p:nvSpPr>
         <p:spPr>
           <a:xfrm>
             <a:off x="2966040" y="4199040"/>
-            <a:ext cx="3081960" cy="676440"/>
+            <a:ext cx="3081600" cy="676080"/>
           </a:xfrm>
           <a:prstGeom prst="rect">
             <a:avLst/>
@@ -8898,14 +8500,14 @@
       </p:sp>
       <p:sp>
         <p:nvSpPr>
-          <p:cNvPr id="105" name="CustomShape 6"/>
+          <p:cNvPr id="99" name="CustomShape 6"/>
           <p:cNvSpPr/>
           <p:nvPr/>
         </p:nvSpPr>
         <p:spPr>
           <a:xfrm>
             <a:off x="6660360" y="3766680"/>
-            <a:ext cx="1872000" cy="364680"/>
+            <a:ext cx="1871640" cy="364320"/>
           </a:xfrm>
           <a:prstGeom prst="rect">
             <a:avLst/>
@@ -8937,6 +8539,7 @@
                   <a:srgbClr val="00b050"/>
                 </a:solidFill>
                 <a:latin typeface="Calibri"/>
+                <a:ea typeface="DejaVu Sans"/>
               </a:rPr>
               <a:t>Event Time</a:t>
             </a:r>
@@ -8990,7 +8593,7 @@
                                           </p:stCondLst>
                                         </p:cTn>
                                         <p:tgtEl>
-                                          <p:spTgt spid="102"/>
+                                          <p:spTgt spid="96"/>
                                         </p:tgtEl>
                                         <p:attrNameLst>
                                           <p:attrName>style.visibility</p:attrName>
@@ -9004,7 +8607,7 @@
                                       <p:cBhvr additive="repl">
                                         <p:cTn id="7" dur="500"/>
                                         <p:tgtEl>
-                                          <p:spTgt spid="102"/>
+                                          <p:spTgt spid="96"/>
                                         </p:tgtEl>
                                       </p:cBhvr>
                                     </p:animEffect>
@@ -9025,7 +8628,7 @@
                                           </p:stCondLst>
                                         </p:cTn>
                                         <p:tgtEl>
-                                          <p:spTgt spid="103"/>
+                                          <p:spTgt spid="97"/>
                                         </p:tgtEl>
                                         <p:attrNameLst>
                                           <p:attrName>style.visibility</p:attrName>
@@ -9039,7 +8642,7 @@
                                       <p:cBhvr additive="repl">
                                         <p:cTn id="10" dur="500"/>
                                         <p:tgtEl>
-                                          <p:spTgt spid="103"/>
+                                          <p:spTgt spid="97"/>
                                         </p:tgtEl>
                                       </p:cBhvr>
                                     </p:animEffect>
@@ -9078,7 +8681,7 @@
                                           </p:stCondLst>
                                         </p:cTn>
                                         <p:tgtEl>
-                                          <p:spTgt spid="104"/>
+                                          <p:spTgt spid="98"/>
                                         </p:tgtEl>
                                         <p:attrNameLst>
                                           <p:attrName>style.visibility</p:attrName>
@@ -9092,7 +8695,7 @@
                                       <p:cBhvr additive="repl">
                                         <p:cTn id="15" dur="500"/>
                                         <p:tgtEl>
-                                          <p:spTgt spid="104"/>
+                                          <p:spTgt spid="98"/>
                                         </p:tgtEl>
                                       </p:cBhvr>
                                     </p:animEffect>
@@ -9113,7 +8716,7 @@
                                           </p:stCondLst>
                                         </p:cTn>
                                         <p:tgtEl>
-                                          <p:spTgt spid="105"/>
+                                          <p:spTgt spid="99"/>
                                         </p:tgtEl>
                                         <p:attrNameLst>
                                           <p:attrName>style.visibility</p:attrName>
@@ -9127,7 +8730,7 @@
                                       <p:cBhvr additive="repl">
                                         <p:cTn id="18" dur="500"/>
                                         <p:tgtEl>
-                                          <p:spTgt spid="105"/>
+                                          <p:spTgt spid="99"/>
                                         </p:tgtEl>
                                       </p:cBhvr>
                                     </p:animEffect>
@@ -9166,7 +8769,7 @@
                                           </p:stCondLst>
                                         </p:cTn>
                                         <p:tgtEl>
-                                          <p:spTgt spid="100"/>
+                                          <p:spTgt spid="94"/>
                                         </p:tgtEl>
                                         <p:attrNameLst>
                                           <p:attrName>style.visibility</p:attrName>
@@ -9180,7 +8783,7 @@
                                       <p:cBhvr additive="repl">
                                         <p:cTn id="23" dur="500"/>
                                         <p:tgtEl>
-                                          <p:spTgt spid="100"/>
+                                          <p:spTgt spid="94"/>
                                         </p:tgtEl>
                                       </p:cBhvr>
                                     </p:animEffect>
@@ -9237,14 +8840,14 @@
       </p:grpSpPr>
       <p:sp>
         <p:nvSpPr>
-          <p:cNvPr id="106" name="CustomShape 1"/>
+          <p:cNvPr id="100" name="CustomShape 1"/>
           <p:cNvSpPr/>
           <p:nvPr/>
         </p:nvSpPr>
         <p:spPr>
           <a:xfrm>
             <a:off x="457200" y="620640"/>
-            <a:ext cx="8229240" cy="1142640"/>
+            <a:ext cx="8228880" cy="1142280"/>
           </a:xfrm>
           <a:prstGeom prst="rect">
             <a:avLst/>
@@ -9261,7 +8864,7 @@
           <a:fontRef idx="minor"/>
         </p:style>
         <p:txBody>
-          <a:bodyPr anchor="ctr">
+          <a:bodyPr lIns="90000" rIns="90000" tIns="45000" bIns="45000" anchor="ctr">
             <a:normAutofit/>
           </a:bodyPr>
           <a:p>
@@ -9298,7 +8901,7 @@
       </p:sp>
       <p:pic>
         <p:nvPicPr>
-          <p:cNvPr id="107" name="Picture 2" descr=""/>
+          <p:cNvPr id="101" name="Picture 2" descr=""/>
           <p:cNvPicPr/>
           <p:nvPr/>
         </p:nvPicPr>
@@ -9309,7 +8912,7 @@
         <p:spPr>
           <a:xfrm>
             <a:off x="1204920" y="3981600"/>
-            <a:ext cx="6733800" cy="1247400"/>
+            <a:ext cx="6733440" cy="1247040"/>
           </a:xfrm>
           <a:prstGeom prst="rect">
             <a:avLst/>
@@ -9321,14 +8924,14 @@
       </p:pic>
       <p:sp>
         <p:nvSpPr>
-          <p:cNvPr id="108" name="CustomShape 2"/>
+          <p:cNvPr id="102" name="CustomShape 2"/>
           <p:cNvSpPr/>
           <p:nvPr/>
         </p:nvSpPr>
         <p:spPr>
           <a:xfrm>
             <a:off x="827640" y="1845000"/>
-            <a:ext cx="7858800" cy="1511640"/>
+            <a:ext cx="7858440" cy="1511280"/>
           </a:xfrm>
           <a:prstGeom prst="rect">
             <a:avLst/>
@@ -9349,7 +8952,7 @@
             <a:noAutofit/>
           </a:bodyPr>
           <a:p>
-            <a:pPr marL="343080" indent="-342720">
+            <a:pPr marL="343080" indent="-342360">
               <a:lnSpc>
                 <a:spcPct val="180000"/>
               </a:lnSpc>
@@ -9394,7 +8997,7 @@
             </a:endParaRPr>
           </a:p>
           <a:p>
-            <a:pPr marL="343080" indent="-342720">
+            <a:pPr marL="343080" indent="-342360">
               <a:lnSpc>
                 <a:spcPct val="180000"/>
               </a:lnSpc>
@@ -9472,14 +9075,14 @@
       </p:grpSpPr>
       <p:sp>
         <p:nvSpPr>
-          <p:cNvPr id="109" name="CustomShape 1"/>
+          <p:cNvPr id="103" name="CustomShape 1"/>
           <p:cNvSpPr/>
           <p:nvPr/>
         </p:nvSpPr>
         <p:spPr>
           <a:xfrm>
             <a:off x="457200" y="620640"/>
-            <a:ext cx="8229240" cy="1142640"/>
+            <a:ext cx="8228880" cy="1142280"/>
           </a:xfrm>
           <a:prstGeom prst="rect">
             <a:avLst/>
@@ -9496,7 +9099,7 @@
           <a:fontRef idx="minor"/>
         </p:style>
         <p:txBody>
-          <a:bodyPr anchor="ctr">
+          <a:bodyPr lIns="90000" rIns="90000" tIns="45000" bIns="45000" anchor="ctr">
             <a:normAutofit/>
           </a:bodyPr>
           <a:p>
@@ -9523,14 +9126,14 @@
       </p:sp>
       <p:sp>
         <p:nvSpPr>
-          <p:cNvPr id="110" name="CustomShape 2"/>
+          <p:cNvPr id="104" name="CustomShape 2"/>
           <p:cNvSpPr/>
           <p:nvPr/>
         </p:nvSpPr>
         <p:spPr>
           <a:xfrm>
             <a:off x="827640" y="5938560"/>
-            <a:ext cx="7858800" cy="719640"/>
+            <a:ext cx="7858440" cy="719280"/>
           </a:xfrm>
           <a:prstGeom prst="rect">
             <a:avLst/>
@@ -9551,7 +9154,7 @@
             <a:noAutofit/>
           </a:bodyPr>
           <a:p>
-            <a:pPr marL="343080" indent="-342720">
+            <a:pPr marL="343080" indent="-342360">
               <a:lnSpc>
                 <a:spcPct val="180000"/>
               </a:lnSpc>
@@ -9579,7 +9182,7 @@
       </p:sp>
       <p:pic>
         <p:nvPicPr>
-          <p:cNvPr id="111" name="Picture 2" descr="99c95e2b-4890-413e-ac22-a1f1737f97de"/>
+          <p:cNvPr id="105" name="Picture 2" descr="99c95e2b-4890-413e-ac22-a1f1737f97de"/>
           <p:cNvPicPr/>
           <p:nvPr/>
         </p:nvPicPr>
@@ -9590,7 +9193,7 @@
         <p:spPr>
           <a:xfrm>
             <a:off x="2403360" y="1652040"/>
-            <a:ext cx="4104000" cy="2784960"/>
+            <a:ext cx="4103640" cy="2784600"/>
           </a:xfrm>
           <a:prstGeom prst="rect">
             <a:avLst/>
@@ -9602,14 +9205,14 @@
       </p:pic>
       <p:sp>
         <p:nvSpPr>
-          <p:cNvPr id="112" name="CustomShape 3"/>
+          <p:cNvPr id="106" name="CustomShape 3"/>
           <p:cNvSpPr/>
           <p:nvPr/>
         </p:nvSpPr>
         <p:spPr>
           <a:xfrm>
             <a:off x="3411360" y="1763640"/>
-            <a:ext cx="2808000" cy="801000"/>
+            <a:ext cx="2807640" cy="800640"/>
           </a:xfrm>
           <a:prstGeom prst="rect">
             <a:avLst/>
@@ -9639,14 +9242,14 @@
       </p:sp>
       <p:sp>
         <p:nvSpPr>
-          <p:cNvPr id="113" name="CustomShape 4"/>
+          <p:cNvPr id="107" name="CustomShape 4"/>
           <p:cNvSpPr/>
           <p:nvPr/>
         </p:nvSpPr>
         <p:spPr>
           <a:xfrm>
             <a:off x="5436000" y="2565000"/>
-            <a:ext cx="1872000" cy="303480"/>
+            <a:ext cx="1871640" cy="303120"/>
           </a:xfrm>
           <a:prstGeom prst="rect">
             <a:avLst/>
@@ -9700,14 +9303,14 @@
       </p:sp>
       <p:sp>
         <p:nvSpPr>
-          <p:cNvPr id="114" name="CustomShape 5"/>
+          <p:cNvPr id="108" name="CustomShape 5"/>
           <p:cNvSpPr/>
           <p:nvPr/>
         </p:nvSpPr>
         <p:spPr>
           <a:xfrm>
             <a:off x="4525200" y="3328560"/>
-            <a:ext cx="1835640" cy="791640"/>
+            <a:ext cx="1835280" cy="791280"/>
           </a:xfrm>
           <a:prstGeom prst="rect">
             <a:avLst/>
@@ -9737,14 +9340,14 @@
       </p:sp>
       <p:sp>
         <p:nvSpPr>
-          <p:cNvPr id="115" name="CustomShape 6"/>
+          <p:cNvPr id="109" name="CustomShape 6"/>
           <p:cNvSpPr/>
           <p:nvPr/>
         </p:nvSpPr>
         <p:spPr>
           <a:xfrm>
             <a:off x="6516360" y="3412800"/>
-            <a:ext cx="1872000" cy="303480"/>
+            <a:ext cx="1871640" cy="303120"/>
           </a:xfrm>
           <a:prstGeom prst="rect">
             <a:avLst/>
@@ -9788,14 +9391,14 @@
       </p:sp>
       <p:sp>
         <p:nvSpPr>
-          <p:cNvPr id="116" name="CustomShape 7"/>
+          <p:cNvPr id="110" name="CustomShape 7"/>
           <p:cNvSpPr/>
           <p:nvPr/>
         </p:nvSpPr>
         <p:spPr>
           <a:xfrm>
             <a:off x="3348000" y="3412800"/>
-            <a:ext cx="1079640" cy="591840"/>
+            <a:ext cx="1079280" cy="591480"/>
           </a:xfrm>
           <a:prstGeom prst="ellipse">
             <a:avLst/>
@@ -9825,14 +9428,14 @@
       </p:sp>
       <p:sp>
         <p:nvSpPr>
-          <p:cNvPr id="117" name="CustomShape 8"/>
+          <p:cNvPr id="111" name="CustomShape 8"/>
           <p:cNvSpPr/>
           <p:nvPr/>
         </p:nvSpPr>
         <p:spPr>
           <a:xfrm>
             <a:off x="827640" y="4433040"/>
-            <a:ext cx="7858800" cy="1571040"/>
+            <a:ext cx="7858440" cy="1570680"/>
           </a:xfrm>
           <a:prstGeom prst="rect">
             <a:avLst/>
@@ -9853,7 +9456,7 @@
             <a:spAutoFit/>
           </a:bodyPr>
           <a:p>
-            <a:pPr marL="343080" indent="-342720">
+            <a:pPr marL="343080" indent="-342360">
               <a:lnSpc>
                 <a:spcPct val="180000"/>
               </a:lnSpc>
@@ -9928,7 +9531,7 @@
             </a:endParaRPr>
           </a:p>
           <a:p>
-            <a:pPr marL="343080" indent="-342720">
+            <a:pPr marL="343080" indent="-342360">
               <a:lnSpc>
                 <a:spcPct val="180000"/>
               </a:lnSpc>
@@ -9998,7 +9601,7 @@
                                           </p:stCondLst>
                                         </p:cTn>
                                         <p:tgtEl>
-                                          <p:spTgt spid="112"/>
+                                          <p:spTgt spid="106"/>
                                         </p:tgtEl>
                                         <p:attrNameLst>
                                           <p:attrName>style.visibility</p:attrName>
@@ -10012,7 +9615,7 @@
                                       <p:cBhvr additive="repl">
                                         <p:cTn id="30" dur="500"/>
                                         <p:tgtEl>
-                                          <p:spTgt spid="112"/>
+                                          <p:spTgt spid="106"/>
                                         </p:tgtEl>
                                       </p:cBhvr>
                                     </p:animEffect>
@@ -10033,7 +9636,7 @@
                                           </p:stCondLst>
                                         </p:cTn>
                                         <p:tgtEl>
-                                          <p:spTgt spid="113"/>
+                                          <p:spTgt spid="107"/>
                                         </p:tgtEl>
                                         <p:attrNameLst>
                                           <p:attrName>style.visibility</p:attrName>
@@ -10047,7 +9650,7 @@
                                       <p:cBhvr additive="repl">
                                         <p:cTn id="33" dur="500"/>
                                         <p:tgtEl>
-                                          <p:spTgt spid="113"/>
+                                          <p:spTgt spid="107"/>
                                         </p:tgtEl>
                                       </p:cBhvr>
                                     </p:animEffect>
@@ -10086,7 +9689,7 @@
                                           </p:stCondLst>
                                         </p:cTn>
                                         <p:tgtEl>
-                                          <p:spTgt spid="114"/>
+                                          <p:spTgt spid="108"/>
                                         </p:tgtEl>
                                         <p:attrNameLst>
                                           <p:attrName>style.visibility</p:attrName>
@@ -10100,7 +9703,7 @@
                                       <p:cBhvr additive="repl">
                                         <p:cTn id="38" dur="500"/>
                                         <p:tgtEl>
-                                          <p:spTgt spid="114"/>
+                                          <p:spTgt spid="108"/>
                                         </p:tgtEl>
                                       </p:cBhvr>
                                     </p:animEffect>
@@ -10139,7 +9742,7 @@
                                           </p:stCondLst>
                                         </p:cTn>
                                         <p:tgtEl>
-                                          <p:spTgt spid="115"/>
+                                          <p:spTgt spid="109"/>
                                         </p:tgtEl>
                                         <p:attrNameLst>
                                           <p:attrName>style.visibility</p:attrName>
@@ -10153,7 +9756,7 @@
                                       <p:cBhvr additive="repl">
                                         <p:cTn id="43" dur="500"/>
                                         <p:tgtEl>
-                                          <p:spTgt spid="115"/>
+                                          <p:spTgt spid="109"/>
                                         </p:tgtEl>
                                       </p:cBhvr>
                                     </p:animEffect>
@@ -10192,7 +9795,7 @@
                                           </p:stCondLst>
                                         </p:cTn>
                                         <p:tgtEl>
-                                          <p:spTgt spid="116"/>
+                                          <p:spTgt spid="110"/>
                                         </p:tgtEl>
                                         <p:attrNameLst>
                                           <p:attrName>style.visibility</p:attrName>
@@ -10206,7 +9809,7 @@
                                       <p:cBhvr additive="repl">
                                         <p:cTn id="48" dur="500"/>
                                         <p:tgtEl>
-                                          <p:spTgt spid="116"/>
+                                          <p:spTgt spid="110"/>
                                         </p:tgtEl>
                                       </p:cBhvr>
                                     </p:animEffect>
@@ -10245,7 +9848,7 @@
                                           </p:stCondLst>
                                         </p:cTn>
                                         <p:tgtEl>
-                                          <p:spTgt spid="110"/>
+                                          <p:spTgt spid="104"/>
                                         </p:tgtEl>
                                         <p:attrNameLst>
                                           <p:attrName>style.visibility</p:attrName>
@@ -10259,7 +9862,7 @@
                                       <p:cBhvr additive="repl">
                                         <p:cTn id="53" dur="500"/>
                                         <p:tgtEl>
-                                          <p:spTgt spid="110"/>
+                                          <p:spTgt spid="104"/>
                                         </p:tgtEl>
                                       </p:cBhvr>
                                     </p:animEffect>
@@ -10316,14 +9919,14 @@
       </p:grpSpPr>
       <p:sp>
         <p:nvSpPr>
-          <p:cNvPr id="118" name="CustomShape 1"/>
+          <p:cNvPr id="112" name="CustomShape 1"/>
           <p:cNvSpPr/>
           <p:nvPr/>
         </p:nvSpPr>
         <p:spPr>
           <a:xfrm>
             <a:off x="457200" y="620640"/>
-            <a:ext cx="8229240" cy="1142640"/>
+            <a:ext cx="8228880" cy="1142280"/>
           </a:xfrm>
           <a:prstGeom prst="rect">
             <a:avLst/>
@@ -10340,7 +9943,7 @@
           <a:fontRef idx="minor"/>
         </p:style>
         <p:txBody>
-          <a:bodyPr anchor="ctr">
+          <a:bodyPr lIns="90000" rIns="90000" tIns="45000" bIns="45000" anchor="ctr">
             <a:normAutofit/>
           </a:bodyPr>
           <a:p>
@@ -10387,14 +9990,14 @@
       </p:sp>
       <p:sp>
         <p:nvSpPr>
-          <p:cNvPr id="119" name="CustomShape 2"/>
+          <p:cNvPr id="113" name="CustomShape 2"/>
           <p:cNvSpPr/>
           <p:nvPr/>
         </p:nvSpPr>
         <p:spPr>
           <a:xfrm>
             <a:off x="827640" y="1628640"/>
-            <a:ext cx="7858800" cy="4536000"/>
+            <a:ext cx="7858440" cy="4535640"/>
           </a:xfrm>
           <a:prstGeom prst="rect">
             <a:avLst/>
@@ -10415,7 +10018,7 @@
             <a:noAutofit/>
           </a:bodyPr>
           <a:p>
-            <a:pPr marL="343080" indent="-342720">
+            <a:pPr marL="343080" indent="-342360">
               <a:lnSpc>
                 <a:spcPct val="180000"/>
               </a:lnSpc>
@@ -10440,7 +10043,7 @@
             </a:endParaRPr>
           </a:p>
           <a:p>
-            <a:pPr marL="343080" indent="-342720">
+            <a:pPr marL="343080" indent="-342360">
               <a:lnSpc>
                 <a:spcPct val="180000"/>
               </a:lnSpc>
@@ -10468,7 +10071,7 @@
             </a:endParaRPr>
           </a:p>
           <a:p>
-            <a:pPr marL="343080" indent="-342720">
+            <a:pPr marL="343080" indent="-342360">
               <a:lnSpc>
                 <a:spcPct val="180000"/>
               </a:lnSpc>
@@ -10493,7 +10096,7 @@
             </a:endParaRPr>
           </a:p>
           <a:p>
-            <a:pPr marL="343080" indent="-342720">
+            <a:pPr marL="343080" indent="-342360">
               <a:lnSpc>
                 <a:spcPct val="180000"/>
               </a:lnSpc>
@@ -10558,7 +10161,7 @@
             </a:endParaRPr>
           </a:p>
           <a:p>
-            <a:pPr marL="343080" indent="-342720">
+            <a:pPr marL="343080" indent="-342360">
               <a:lnSpc>
                 <a:spcPct val="180000"/>
               </a:lnSpc>
@@ -10623,7 +10226,7 @@
             </a:endParaRPr>
           </a:p>
           <a:p>
-            <a:pPr marL="343080" indent="-342720">
+            <a:pPr marL="343080" indent="-342360">
               <a:lnSpc>
                 <a:spcPct val="180000"/>
               </a:lnSpc>
@@ -10691,14 +10294,14 @@
       </p:grpSpPr>
       <p:sp>
         <p:nvSpPr>
-          <p:cNvPr id="120" name="TextShape 1"/>
-          <p:cNvSpPr txBox="1"/>
+          <p:cNvPr id="114" name="CustomShape 1"/>
+          <p:cNvSpPr/>
           <p:nvPr/>
         </p:nvSpPr>
         <p:spPr>
           <a:xfrm>
             <a:off x="457200" y="274680"/>
-            <a:ext cx="8229240" cy="1142640"/>
+            <a:ext cx="8228880" cy="1142280"/>
           </a:xfrm>
           <a:prstGeom prst="rect">
             <a:avLst/>
@@ -10708,11 +10311,22 @@
             <a:noFill/>
           </a:ln>
         </p:spPr>
+        <p:style>
+          <a:lnRef idx="0"/>
+          <a:fillRef idx="0"/>
+          <a:effectRef idx="0"/>
+          <a:fontRef idx="minor"/>
+        </p:style>
         <p:txBody>
           <a:bodyPr lIns="0" rIns="0" tIns="0" bIns="0" anchor="ctr">
             <a:noAutofit/>
           </a:bodyPr>
           <a:p>
+            <a:pPr>
+              <a:lnSpc>
+                <a:spcPct val="100000"/>
+              </a:lnSpc>
+            </a:pPr>
             <a:r>
               <a:rPr b="0" lang="zh-CN" sz="1800" spc="-1" strike="noStrike">
                 <a:solidFill>
@@ -10723,24 +10337,21 @@
               <a:t>水位线</a:t>
             </a:r>
             <a:endParaRPr b="0" lang="en-US" sz="1800" spc="-1" strike="noStrike">
-              <a:solidFill>
-                <a:srgbClr val="000000"/>
-              </a:solidFill>
-              <a:latin typeface="Calibri"/>
-            </a:endParaRPr>
-          </a:p>
-        </p:txBody>
-      </p:sp>
-      <p:sp>
-        <p:nvSpPr>
-          <p:cNvPr id="121" name="TextShape 2"/>
-          <p:cNvSpPr txBox="1"/>
+              <a:latin typeface="Arial"/>
+            </a:endParaRPr>
+          </a:p>
+        </p:txBody>
+      </p:sp>
+      <p:sp>
+        <p:nvSpPr>
+          <p:cNvPr id="115" name="CustomShape 2"/>
+          <p:cNvSpPr/>
           <p:nvPr/>
         </p:nvSpPr>
         <p:spPr>
           <a:xfrm>
             <a:off x="324000" y="1944000"/>
-            <a:ext cx="7953120" cy="3654720"/>
+            <a:ext cx="7952760" cy="3654360"/>
           </a:xfrm>
           <a:prstGeom prst="rect">
             <a:avLst/>
@@ -10750,11 +10361,22 @@
             <a:noFill/>
           </a:ln>
         </p:spPr>
+        <p:style>
+          <a:lnRef idx="0"/>
+          <a:fillRef idx="0"/>
+          <a:effectRef idx="0"/>
+          <a:fontRef idx="minor"/>
+        </p:style>
         <p:txBody>
           <a:bodyPr lIns="90000" rIns="90000" tIns="45000" bIns="45000">
             <a:noAutofit/>
           </a:bodyPr>
           <a:p>
+            <a:pPr>
+              <a:lnSpc>
+                <a:spcPct val="100000"/>
+              </a:lnSpc>
+            </a:pPr>
             <a:r>
               <a:rPr b="0" lang="zh-CN" sz="1800" spc="-1" strike="noStrike">
                 <a:latin typeface="Arial"/>
@@ -10766,6 +10388,11 @@
             </a:endParaRPr>
           </a:p>
           <a:p>
+            <a:pPr>
+              <a:lnSpc>
+                <a:spcPct val="100000"/>
+              </a:lnSpc>
+            </a:pPr>
             <a:r>
               <a:rPr b="0" lang="zh-CN" sz="1800" spc="-1" strike="noStrike">
                 <a:latin typeface="Arial"/>
@@ -10777,11 +10404,21 @@
             </a:endParaRPr>
           </a:p>
           <a:p>
+            <a:pPr>
+              <a:lnSpc>
+                <a:spcPct val="100000"/>
+              </a:lnSpc>
+            </a:pPr>
             <a:endParaRPr b="0" lang="en-US" sz="1800" spc="-1" strike="noStrike">
               <a:latin typeface="Arial"/>
             </a:endParaRPr>
           </a:p>
           <a:p>
+            <a:pPr>
+              <a:lnSpc>
+                <a:spcPct val="100000"/>
+              </a:lnSpc>
+            </a:pPr>
             <a:r>
               <a:rPr b="0" lang="zh-CN" sz="1800" spc="-1" strike="noStrike">
                 <a:latin typeface="Arial"/>
@@ -10793,11 +10430,21 @@
             </a:endParaRPr>
           </a:p>
           <a:p>
+            <a:pPr>
+              <a:lnSpc>
+                <a:spcPct val="100000"/>
+              </a:lnSpc>
+            </a:pPr>
             <a:endParaRPr b="0" lang="en-US" sz="1800" spc="-1" strike="noStrike">
               <a:latin typeface="Arial"/>
             </a:endParaRPr>
           </a:p>
           <a:p>
+            <a:pPr>
+              <a:lnSpc>
+                <a:spcPct val="100000"/>
+              </a:lnSpc>
+            </a:pPr>
             <a:r>
               <a:rPr b="0" lang="zh-CN" sz="1800" spc="-1" strike="noStrike">
                 <a:latin typeface="Arial"/>
@@ -10833,11 +10480,21 @@
             </a:endParaRPr>
           </a:p>
           <a:p>
+            <a:pPr>
+              <a:lnSpc>
+                <a:spcPct val="100000"/>
+              </a:lnSpc>
+            </a:pPr>
             <a:endParaRPr b="0" lang="en-US" sz="1800" spc="-1" strike="noStrike">
               <a:latin typeface="Arial"/>
             </a:endParaRPr>
           </a:p>
           <a:p>
+            <a:pPr>
+              <a:lnSpc>
+                <a:spcPct val="100000"/>
+              </a:lnSpc>
+            </a:pPr>
             <a:r>
               <a:rPr b="0" lang="zh-CN" sz="1800" spc="-1" strike="noStrike">
                 <a:latin typeface="Arial"/>
@@ -10849,11 +10506,21 @@
             </a:endParaRPr>
           </a:p>
           <a:p>
+            <a:pPr>
+              <a:lnSpc>
+                <a:spcPct val="100000"/>
+              </a:lnSpc>
+            </a:pPr>
             <a:endParaRPr b="0" lang="en-US" sz="1800" spc="-1" strike="noStrike">
               <a:latin typeface="Arial"/>
             </a:endParaRPr>
           </a:p>
           <a:p>
+            <a:pPr>
+              <a:lnSpc>
+                <a:spcPct val="100000"/>
+              </a:lnSpc>
+            </a:pPr>
             <a:r>
               <a:rPr b="0" lang="en-US" sz="1800" spc="-1" strike="noStrike">
                 <a:latin typeface="Arial"/>
@@ -10865,6 +10532,11 @@
             </a:endParaRPr>
           </a:p>
           <a:p>
+            <a:pPr>
+              <a:lnSpc>
+                <a:spcPct val="100000"/>
+              </a:lnSpc>
+            </a:pPr>
             <a:endParaRPr b="0" lang="en-US" sz="1800" spc="-1" strike="noStrike">
               <a:latin typeface="Arial"/>
             </a:endParaRPr>

--- a/slides/4_Flink中的时间语义和watermark.pptx
+++ b/slides/4_Flink中的时间语义和watermark.pptx
@@ -25,6 +25,7 @@
     <p:sldId id="269" r:id="rId18"/>
     <p:sldId id="270" r:id="rId19"/>
     <p:sldId id="271" r:id="rId20"/>
+    <p:sldId id="272" r:id="rId21"/>
   </p:sldIdLst>
   <p:sldSz cx="9144000" cy="6858000"/>
   <p:notesSz cx="7105650" cy="10236200"/>
@@ -255,7 +256,7 @@
           </a:bodyPr>
           <a:p>
             <a:pPr algn="r"/>
-            <a:fld id="{A648D359-E91D-469D-B861-2451B85956DB}" type="slidenum">
+            <a:fld id="{01848F29-04EB-4C80-B9E0-0748C2F352A6}" type="slidenum">
               <a:rPr b="0" lang="en-US" sz="1400" spc="-1" strike="noStrike">
                 <a:latin typeface="Times New Roman"/>
               </a:rPr>
@@ -292,7 +293,7 @@
       </p:grpSpPr>
       <p:sp>
         <p:nvSpPr>
-          <p:cNvPr id="135" name="PlaceHolder 1"/>
+          <p:cNvPr id="138" name="PlaceHolder 1"/>
           <p:cNvSpPr>
             <a:spLocks noGrp="1"/>
           </p:cNvSpPr>
@@ -303,16 +304,16 @@
         <p:spPr>
           <a:xfrm>
             <a:off x="993600" y="768240"/>
-            <a:ext cx="5117400" cy="3837960"/>
-          </a:xfrm>
-          <a:prstGeom prst="rect">
-            <a:avLst/>
-          </a:prstGeom>
-        </p:spPr>
-      </p:sp>
-      <p:sp>
-        <p:nvSpPr>
-          <p:cNvPr id="136" name="PlaceHolder 2"/>
+            <a:ext cx="5116680" cy="3837240"/>
+          </a:xfrm>
+          <a:prstGeom prst="rect">
+            <a:avLst/>
+          </a:prstGeom>
+        </p:spPr>
+      </p:sp>
+      <p:sp>
+        <p:nvSpPr>
+          <p:cNvPr id="139" name="PlaceHolder 2"/>
           <p:cNvSpPr>
             <a:spLocks noGrp="1"/>
           </p:cNvSpPr>
@@ -323,7 +324,7 @@
         <p:spPr>
           <a:xfrm>
             <a:off x="710640" y="4862160"/>
-            <a:ext cx="5683680" cy="4605480"/>
+            <a:ext cx="5682960" cy="4604760"/>
           </a:xfrm>
           <a:prstGeom prst="rect">
             <a:avLst/>
@@ -342,14 +343,14 @@
       </p:sp>
       <p:sp>
         <p:nvSpPr>
-          <p:cNvPr id="137" name="CustomShape 3"/>
+          <p:cNvPr id="140" name="CustomShape 3"/>
           <p:cNvSpPr/>
           <p:nvPr/>
         </p:nvSpPr>
         <p:spPr>
           <a:xfrm>
             <a:off x="4024800" y="9722520"/>
-            <a:ext cx="3078360" cy="511200"/>
+            <a:ext cx="3077640" cy="510480"/>
           </a:xfrm>
           <a:prstGeom prst="rect">
             <a:avLst/>
@@ -375,7 +376,7 @@
                 <a:spcPct val="100000"/>
               </a:lnSpc>
             </a:pPr>
-            <a:fld id="{F814E29A-FA26-4009-AAA8-3254E9D7A833}" type="slidenum">
+            <a:fld id="{E1947F1E-11E7-4655-96BA-1A357315D7F6}" type="slidenum">
               <a:rPr b="0" lang="en-US" sz="1300" spc="-1" strike="noStrike">
                 <a:solidFill>
                   <a:srgbClr val="000000"/>
@@ -415,7 +416,7 @@
       </p:grpSpPr>
       <p:sp>
         <p:nvSpPr>
-          <p:cNvPr id="159" name="PlaceHolder 1"/>
+          <p:cNvPr id="162" name="PlaceHolder 1"/>
           <p:cNvSpPr>
             <a:spLocks noGrp="1"/>
           </p:cNvSpPr>
@@ -426,16 +427,16 @@
         <p:spPr>
           <a:xfrm>
             <a:off x="993600" y="768240"/>
-            <a:ext cx="5117400" cy="3837960"/>
-          </a:xfrm>
-          <a:prstGeom prst="rect">
-            <a:avLst/>
-          </a:prstGeom>
-        </p:spPr>
-      </p:sp>
-      <p:sp>
-        <p:nvSpPr>
-          <p:cNvPr id="160" name="PlaceHolder 2"/>
+            <a:ext cx="5116680" cy="3837240"/>
+          </a:xfrm>
+          <a:prstGeom prst="rect">
+            <a:avLst/>
+          </a:prstGeom>
+        </p:spPr>
+      </p:sp>
+      <p:sp>
+        <p:nvSpPr>
+          <p:cNvPr id="163" name="PlaceHolder 2"/>
           <p:cNvSpPr>
             <a:spLocks noGrp="1"/>
           </p:cNvSpPr>
@@ -446,7 +447,7 @@
         <p:spPr>
           <a:xfrm>
             <a:off x="710640" y="4862160"/>
-            <a:ext cx="5683680" cy="4605480"/>
+            <a:ext cx="5682960" cy="4604760"/>
           </a:xfrm>
           <a:prstGeom prst="rect">
             <a:avLst/>
@@ -465,14 +466,14 @@
       </p:sp>
       <p:sp>
         <p:nvSpPr>
-          <p:cNvPr id="161" name="CustomShape 3"/>
+          <p:cNvPr id="164" name="CustomShape 3"/>
           <p:cNvSpPr/>
           <p:nvPr/>
         </p:nvSpPr>
         <p:spPr>
           <a:xfrm>
             <a:off x="4024800" y="9722520"/>
-            <a:ext cx="3078360" cy="511200"/>
+            <a:ext cx="3077640" cy="510480"/>
           </a:xfrm>
           <a:prstGeom prst="rect">
             <a:avLst/>
@@ -498,7 +499,7 @@
                 <a:spcPct val="100000"/>
               </a:lnSpc>
             </a:pPr>
-            <a:fld id="{A630D426-8EFF-4E6E-ABFE-9B8067CD9166}" type="slidenum">
+            <a:fld id="{E1802C41-E34C-42CA-85AA-1D5A15B992C8}" type="slidenum">
               <a:rPr b="0" lang="en-US" sz="1300" spc="-1" strike="noStrike">
                 <a:solidFill>
                   <a:srgbClr val="000000"/>
@@ -538,129 +539,6 @@
       </p:grpSpPr>
       <p:sp>
         <p:nvSpPr>
-          <p:cNvPr id="162" name="PlaceHolder 1"/>
-          <p:cNvSpPr>
-            <a:spLocks noGrp="1"/>
-          </p:cNvSpPr>
-          <p:nvPr>
-            <p:ph type="sldImg"/>
-          </p:nvPr>
-        </p:nvSpPr>
-        <p:spPr>
-          <a:xfrm>
-            <a:off x="993600" y="768240"/>
-            <a:ext cx="5117400" cy="3837960"/>
-          </a:xfrm>
-          <a:prstGeom prst="rect">
-            <a:avLst/>
-          </a:prstGeom>
-        </p:spPr>
-      </p:sp>
-      <p:sp>
-        <p:nvSpPr>
-          <p:cNvPr id="163" name="PlaceHolder 2"/>
-          <p:cNvSpPr>
-            <a:spLocks noGrp="1"/>
-          </p:cNvSpPr>
-          <p:nvPr>
-            <p:ph type="body"/>
-          </p:nvPr>
-        </p:nvSpPr>
-        <p:spPr>
-          <a:xfrm>
-            <a:off x="710640" y="4862160"/>
-            <a:ext cx="5683680" cy="4605480"/>
-          </a:xfrm>
-          <a:prstGeom prst="rect">
-            <a:avLst/>
-          </a:prstGeom>
-        </p:spPr>
-        <p:txBody>
-          <a:bodyPr lIns="99000" rIns="99000" tIns="49680" bIns="49680">
-            <a:noAutofit/>
-          </a:bodyPr>
-          <a:p>
-            <a:endParaRPr b="0" lang="en-US" sz="2000" spc="-1" strike="noStrike">
-              <a:latin typeface="Arial"/>
-            </a:endParaRPr>
-          </a:p>
-        </p:txBody>
-      </p:sp>
-      <p:sp>
-        <p:nvSpPr>
-          <p:cNvPr id="164" name="CustomShape 3"/>
-          <p:cNvSpPr/>
-          <p:nvPr/>
-        </p:nvSpPr>
-        <p:spPr>
-          <a:xfrm>
-            <a:off x="4024800" y="9722520"/>
-            <a:ext cx="3078360" cy="511200"/>
-          </a:xfrm>
-          <a:prstGeom prst="rect">
-            <a:avLst/>
-          </a:prstGeom>
-          <a:noFill/>
-          <a:ln>
-            <a:noFill/>
-          </a:ln>
-        </p:spPr>
-        <p:style>
-          <a:lnRef idx="0"/>
-          <a:fillRef idx="0"/>
-          <a:effectRef idx="0"/>
-          <a:fontRef idx="minor"/>
-        </p:style>
-        <p:txBody>
-          <a:bodyPr lIns="99000" rIns="99000" tIns="49680" bIns="49680" anchor="b">
-            <a:noAutofit/>
-          </a:bodyPr>
-          <a:p>
-            <a:pPr algn="r">
-              <a:lnSpc>
-                <a:spcPct val="100000"/>
-              </a:lnSpc>
-            </a:pPr>
-            <a:fld id="{65D1FF67-3870-466E-B9C7-308009DE5C33}" type="slidenum">
-              <a:rPr b="0" lang="en-US" sz="1300" spc="-1" strike="noStrike">
-                <a:solidFill>
-                  <a:srgbClr val="000000"/>
-                </a:solidFill>
-                <a:latin typeface="+mn-lt"/>
-                <a:ea typeface="+mn-ea"/>
-              </a:rPr>
-              <a:t>&lt;编号&gt;</a:t>
-            </a:fld>
-            <a:endParaRPr b="0" lang="en-US" sz="1300" spc="-1" strike="noStrike">
-              <a:latin typeface="Arial"/>
-            </a:endParaRPr>
-          </a:p>
-        </p:txBody>
-      </p:sp>
-    </p:spTree>
-  </p:cSld>
-</p:notes>
-</file>
-
-<file path=ppt/notesSlides/notesSlide12.xml><?xml version="1.0" encoding="utf-8"?>
-<p:notes xmlns:a="http://schemas.openxmlformats.org/drawingml/2006/main" xmlns:p="http://schemas.openxmlformats.org/presentationml/2006/main" xmlns:r="http://schemas.openxmlformats.org/officeDocument/2006/relationships" xmlns:p14="http://schemas.microsoft.com/office/powerpoint/2010/main" xmlns:p15="http://schemas.microsoft.com/office/powerpoint/2012/main" xmlns:mc="http://schemas.openxmlformats.org/markup-compatibility/2006">
-  <p:cSld>
-    <p:spTree>
-      <p:nvGrpSpPr>
-        <p:cNvPr id="1" name=""/>
-        <p:cNvGrpSpPr/>
-        <p:nvPr/>
-      </p:nvGrpSpPr>
-      <p:grpSpPr>
-        <a:xfrm>
-          <a:off x="0" y="0"/>
-          <a:ext cx="0" cy="0"/>
-          <a:chOff x="0" y="0"/>
-          <a:chExt cx="0" cy="0"/>
-        </a:xfrm>
-      </p:grpSpPr>
-      <p:sp>
-        <p:nvSpPr>
           <p:cNvPr id="165" name="PlaceHolder 1"/>
           <p:cNvSpPr>
             <a:spLocks noGrp="1"/>
@@ -672,7 +550,7 @@
         <p:spPr>
           <a:xfrm>
             <a:off x="993600" y="768240"/>
-            <a:ext cx="5117400" cy="3837960"/>
+            <a:ext cx="5116680" cy="3837240"/>
           </a:xfrm>
           <a:prstGeom prst="rect">
             <a:avLst/>
@@ -692,7 +570,7 @@
         <p:spPr>
           <a:xfrm>
             <a:off x="710640" y="4862160"/>
-            <a:ext cx="5683680" cy="4605480"/>
+            <a:ext cx="5682960" cy="4604760"/>
           </a:xfrm>
           <a:prstGeom prst="rect">
             <a:avLst/>
@@ -718,7 +596,7 @@
         <p:spPr>
           <a:xfrm>
             <a:off x="4024800" y="9722520"/>
-            <a:ext cx="3078360" cy="511200"/>
+            <a:ext cx="3077640" cy="510480"/>
           </a:xfrm>
           <a:prstGeom prst="rect">
             <a:avLst/>
@@ -744,7 +622,7 @@
                 <a:spcPct val="100000"/>
               </a:lnSpc>
             </a:pPr>
-            <a:fld id="{8074D5A0-16B9-4685-8D70-2C6F46E22C53}" type="slidenum">
+            <a:fld id="{68CBA6DA-324A-49A2-8681-5616DDEB3ACE}" type="slidenum">
               <a:rPr b="0" lang="en-US" sz="1300" spc="-1" strike="noStrike">
                 <a:solidFill>
                   <a:srgbClr val="000000"/>
@@ -795,7 +673,7 @@
         <p:spPr>
           <a:xfrm>
             <a:off x="993600" y="768240"/>
-            <a:ext cx="5117400" cy="3837960"/>
+            <a:ext cx="5116680" cy="3837240"/>
           </a:xfrm>
           <a:prstGeom prst="rect">
             <a:avLst/>
@@ -815,7 +693,7 @@
         <p:spPr>
           <a:xfrm>
             <a:off x="710640" y="4862160"/>
-            <a:ext cx="5683680" cy="4605480"/>
+            <a:ext cx="5682960" cy="4604760"/>
           </a:xfrm>
           <a:prstGeom prst="rect">
             <a:avLst/>
@@ -841,7 +719,7 @@
         <p:spPr>
           <a:xfrm>
             <a:off x="4024800" y="9722520"/>
-            <a:ext cx="3078360" cy="511200"/>
+            <a:ext cx="3077640" cy="510480"/>
           </a:xfrm>
           <a:prstGeom prst="rect">
             <a:avLst/>
@@ -867,7 +745,7 @@
                 <a:spcPct val="100000"/>
               </a:lnSpc>
             </a:pPr>
-            <a:fld id="{319FE419-DFFA-49B6-8F1E-598AF2D91F49}" type="slidenum">
+            <a:fld id="{62B8D51E-3C5E-434C-A560-160E67619E38}" type="slidenum">
               <a:rPr b="0" lang="en-US" sz="1300" spc="-1" strike="noStrike">
                 <a:solidFill>
                   <a:srgbClr val="000000"/>
@@ -918,7 +796,7 @@
         <p:spPr>
           <a:xfrm>
             <a:off x="993600" y="768240"/>
-            <a:ext cx="5117400" cy="3837960"/>
+            <a:ext cx="5116680" cy="3837240"/>
           </a:xfrm>
           <a:prstGeom prst="rect">
             <a:avLst/>
@@ -938,7 +816,7 @@
         <p:spPr>
           <a:xfrm>
             <a:off x="710640" y="4862160"/>
-            <a:ext cx="5683680" cy="4605480"/>
+            <a:ext cx="5682960" cy="4604760"/>
           </a:xfrm>
           <a:prstGeom prst="rect">
             <a:avLst/>
@@ -964,7 +842,7 @@
         <p:spPr>
           <a:xfrm>
             <a:off x="4024800" y="9722520"/>
-            <a:ext cx="3078360" cy="511200"/>
+            <a:ext cx="3077640" cy="510480"/>
           </a:xfrm>
           <a:prstGeom prst="rect">
             <a:avLst/>
@@ -990,7 +868,7 @@
                 <a:spcPct val="100000"/>
               </a:lnSpc>
             </a:pPr>
-            <a:fld id="{6AF3A633-2FCB-476F-B020-ACD29AD74F01}" type="slidenum">
+            <a:fld id="{EF60B936-E76F-47DA-A490-281F2D2E9521}" type="slidenum">
               <a:rPr b="0" lang="en-US" sz="1300" spc="-1" strike="noStrike">
                 <a:solidFill>
                   <a:srgbClr val="000000"/>
@@ -1041,7 +919,7 @@
         <p:spPr>
           <a:xfrm>
             <a:off x="993600" y="768240"/>
-            <a:ext cx="5117400" cy="3837960"/>
+            <a:ext cx="5116680" cy="3837240"/>
           </a:xfrm>
           <a:prstGeom prst="rect">
             <a:avLst/>
@@ -1061,7 +939,7 @@
         <p:spPr>
           <a:xfrm>
             <a:off x="710640" y="4862160"/>
-            <a:ext cx="5683680" cy="4605480"/>
+            <a:ext cx="5682960" cy="4604760"/>
           </a:xfrm>
           <a:prstGeom prst="rect">
             <a:avLst/>
@@ -1087,7 +965,7 @@
         <p:spPr>
           <a:xfrm>
             <a:off x="4024800" y="9722520"/>
-            <a:ext cx="3078360" cy="511200"/>
+            <a:ext cx="3077640" cy="510480"/>
           </a:xfrm>
           <a:prstGeom prst="rect">
             <a:avLst/>
@@ -1113,7 +991,7 @@
                 <a:spcPct val="100000"/>
               </a:lnSpc>
             </a:pPr>
-            <a:fld id="{427113DD-E0B1-43BA-87E0-230C68150B28}" type="slidenum">
+            <a:fld id="{322594F5-77B8-4AF6-90BB-CB2E71D0A065}" type="slidenum">
               <a:rPr b="0" lang="en-US" sz="1300" spc="-1" strike="noStrike">
                 <a:solidFill>
                   <a:srgbClr val="000000"/>
@@ -1163,8 +1041,8 @@
         </p:nvSpPr>
         <p:spPr>
           <a:xfrm>
-            <a:off x="1421280" y="1279440"/>
-            <a:ext cx="4262760" cy="3453840"/>
+            <a:off x="993600" y="768240"/>
+            <a:ext cx="5116680" cy="3837240"/>
           </a:xfrm>
           <a:prstGeom prst="rect">
             <a:avLst/>
@@ -1184,7 +1062,7 @@
         <p:spPr>
           <a:xfrm>
             <a:off x="710640" y="4862160"/>
-            <a:ext cx="5683680" cy="4605480"/>
+            <a:ext cx="5682960" cy="4604760"/>
           </a:xfrm>
           <a:prstGeom prst="rect">
             <a:avLst/>
@@ -1210,7 +1088,7 @@
         <p:spPr>
           <a:xfrm>
             <a:off x="4024800" y="9722520"/>
-            <a:ext cx="3078360" cy="511200"/>
+            <a:ext cx="3077640" cy="510480"/>
           </a:xfrm>
           <a:prstGeom prst="rect">
             <a:avLst/>
@@ -1236,7 +1114,130 @@
                 <a:spcPct val="100000"/>
               </a:lnSpc>
             </a:pPr>
-            <a:fld id="{357EF953-9CC5-48DE-A01B-CD3D33467629}" type="slidenum">
+            <a:fld id="{ABF3EA9D-BB07-480D-B93A-21747991B5E7}" type="slidenum">
+              <a:rPr b="0" lang="en-US" sz="1300" spc="-1" strike="noStrike">
+                <a:solidFill>
+                  <a:srgbClr val="000000"/>
+                </a:solidFill>
+                <a:latin typeface="+mn-lt"/>
+                <a:ea typeface="+mn-ea"/>
+              </a:rPr>
+              <a:t>&lt;编号&gt;</a:t>
+            </a:fld>
+            <a:endParaRPr b="0" lang="en-US" sz="1300" spc="-1" strike="noStrike">
+              <a:latin typeface="Arial"/>
+            </a:endParaRPr>
+          </a:p>
+        </p:txBody>
+      </p:sp>
+    </p:spTree>
+  </p:cSld>
+</p:notes>
+</file>
+
+<file path=ppt/notesSlides/notesSlide17.xml><?xml version="1.0" encoding="utf-8"?>
+<p:notes xmlns:a="http://schemas.openxmlformats.org/drawingml/2006/main" xmlns:p="http://schemas.openxmlformats.org/presentationml/2006/main" xmlns:r="http://schemas.openxmlformats.org/officeDocument/2006/relationships" xmlns:p14="http://schemas.microsoft.com/office/powerpoint/2010/main" xmlns:p15="http://schemas.microsoft.com/office/powerpoint/2012/main" xmlns:mc="http://schemas.openxmlformats.org/markup-compatibility/2006">
+  <p:cSld>
+    <p:spTree>
+      <p:nvGrpSpPr>
+        <p:cNvPr id="1" name=""/>
+        <p:cNvGrpSpPr/>
+        <p:nvPr/>
+      </p:nvGrpSpPr>
+      <p:grpSpPr>
+        <a:xfrm>
+          <a:off x="0" y="0"/>
+          <a:ext cx="0" cy="0"/>
+          <a:chOff x="0" y="0"/>
+          <a:chExt cx="0" cy="0"/>
+        </a:xfrm>
+      </p:grpSpPr>
+      <p:sp>
+        <p:nvSpPr>
+          <p:cNvPr id="180" name="PlaceHolder 1"/>
+          <p:cNvSpPr>
+            <a:spLocks noGrp="1"/>
+          </p:cNvSpPr>
+          <p:nvPr>
+            <p:ph type="sldImg"/>
+          </p:nvPr>
+        </p:nvSpPr>
+        <p:spPr>
+          <a:xfrm>
+            <a:off x="1421280" y="1279440"/>
+            <a:ext cx="4262040" cy="3453120"/>
+          </a:xfrm>
+          <a:prstGeom prst="rect">
+            <a:avLst/>
+          </a:prstGeom>
+        </p:spPr>
+      </p:sp>
+      <p:sp>
+        <p:nvSpPr>
+          <p:cNvPr id="181" name="PlaceHolder 2"/>
+          <p:cNvSpPr>
+            <a:spLocks noGrp="1"/>
+          </p:cNvSpPr>
+          <p:nvPr>
+            <p:ph type="body"/>
+          </p:nvPr>
+        </p:nvSpPr>
+        <p:spPr>
+          <a:xfrm>
+            <a:off x="710640" y="4862160"/>
+            <a:ext cx="5682960" cy="4604760"/>
+          </a:xfrm>
+          <a:prstGeom prst="rect">
+            <a:avLst/>
+          </a:prstGeom>
+        </p:spPr>
+        <p:txBody>
+          <a:bodyPr lIns="99000" rIns="99000" tIns="49680" bIns="49680">
+            <a:noAutofit/>
+          </a:bodyPr>
+          <a:p>
+            <a:endParaRPr b="0" lang="en-US" sz="2000" spc="-1" strike="noStrike">
+              <a:latin typeface="Arial"/>
+            </a:endParaRPr>
+          </a:p>
+        </p:txBody>
+      </p:sp>
+      <p:sp>
+        <p:nvSpPr>
+          <p:cNvPr id="182" name="CustomShape 3"/>
+          <p:cNvSpPr/>
+          <p:nvPr/>
+        </p:nvSpPr>
+        <p:spPr>
+          <a:xfrm>
+            <a:off x="4024800" y="9722520"/>
+            <a:ext cx="3077640" cy="510480"/>
+          </a:xfrm>
+          <a:prstGeom prst="rect">
+            <a:avLst/>
+          </a:prstGeom>
+          <a:noFill/>
+          <a:ln>
+            <a:noFill/>
+          </a:ln>
+        </p:spPr>
+        <p:style>
+          <a:lnRef idx="0"/>
+          <a:fillRef idx="0"/>
+          <a:effectRef idx="0"/>
+          <a:fontRef idx="minor"/>
+        </p:style>
+        <p:txBody>
+          <a:bodyPr lIns="99000" rIns="99000" tIns="49680" bIns="49680" anchor="b">
+            <a:noAutofit/>
+          </a:bodyPr>
+          <a:p>
+            <a:pPr algn="r">
+              <a:lnSpc>
+                <a:spcPct val="100000"/>
+              </a:lnSpc>
+            </a:pPr>
+            <a:fld id="{EEBDCF17-8D3F-4B33-B75A-56521A842F06}" type="slidenum">
               <a:rPr b="0" lang="en-US" sz="1300" spc="-1" strike="noStrike">
                 <a:solidFill>
                   <a:srgbClr val="000000"/>
@@ -1276,7 +1277,7 @@
       </p:grpSpPr>
       <p:sp>
         <p:nvSpPr>
-          <p:cNvPr id="138" name="PlaceHolder 1"/>
+          <p:cNvPr id="141" name="PlaceHolder 1"/>
           <p:cNvSpPr>
             <a:spLocks noGrp="1"/>
           </p:cNvSpPr>
@@ -1287,16 +1288,16 @@
         <p:spPr>
           <a:xfrm>
             <a:off x="993600" y="768240"/>
-            <a:ext cx="5117400" cy="3837960"/>
-          </a:xfrm>
-          <a:prstGeom prst="rect">
-            <a:avLst/>
-          </a:prstGeom>
-        </p:spPr>
-      </p:sp>
-      <p:sp>
-        <p:nvSpPr>
-          <p:cNvPr id="139" name="PlaceHolder 2"/>
+            <a:ext cx="5116680" cy="3837240"/>
+          </a:xfrm>
+          <a:prstGeom prst="rect">
+            <a:avLst/>
+          </a:prstGeom>
+        </p:spPr>
+      </p:sp>
+      <p:sp>
+        <p:nvSpPr>
+          <p:cNvPr id="142" name="PlaceHolder 2"/>
           <p:cNvSpPr>
             <a:spLocks noGrp="1"/>
           </p:cNvSpPr>
@@ -1307,7 +1308,7 @@
         <p:spPr>
           <a:xfrm>
             <a:off x="710640" y="4862160"/>
-            <a:ext cx="5683680" cy="4605480"/>
+            <a:ext cx="5682960" cy="4604760"/>
           </a:xfrm>
           <a:prstGeom prst="rect">
             <a:avLst/>
@@ -1326,14 +1327,14 @@
       </p:sp>
       <p:sp>
         <p:nvSpPr>
-          <p:cNvPr id="140" name="CustomShape 3"/>
+          <p:cNvPr id="143" name="CustomShape 3"/>
           <p:cNvSpPr/>
           <p:nvPr/>
         </p:nvSpPr>
         <p:spPr>
           <a:xfrm>
             <a:off x="4024800" y="9722520"/>
-            <a:ext cx="3078360" cy="511200"/>
+            <a:ext cx="3077640" cy="510480"/>
           </a:xfrm>
           <a:prstGeom prst="rect">
             <a:avLst/>
@@ -1359,7 +1360,7 @@
                 <a:spcPct val="100000"/>
               </a:lnSpc>
             </a:pPr>
-            <a:fld id="{ADC6A461-E63A-43C6-81F2-D53E650364E3}" type="slidenum">
+            <a:fld id="{887CAC42-C482-4B44-9281-03D781D440CD}" type="slidenum">
               <a:rPr b="0" lang="en-US" sz="1300" spc="-1" strike="noStrike">
                 <a:solidFill>
                   <a:srgbClr val="000000"/>
@@ -1399,7 +1400,7 @@
       </p:grpSpPr>
       <p:sp>
         <p:nvSpPr>
-          <p:cNvPr id="141" name="PlaceHolder 1"/>
+          <p:cNvPr id="144" name="PlaceHolder 1"/>
           <p:cNvSpPr>
             <a:spLocks noGrp="1"/>
           </p:cNvSpPr>
@@ -1410,16 +1411,16 @@
         <p:spPr>
           <a:xfrm>
             <a:off x="993600" y="768240"/>
-            <a:ext cx="5117400" cy="3837960"/>
-          </a:xfrm>
-          <a:prstGeom prst="rect">
-            <a:avLst/>
-          </a:prstGeom>
-        </p:spPr>
-      </p:sp>
-      <p:sp>
-        <p:nvSpPr>
-          <p:cNvPr id="142" name="PlaceHolder 2"/>
+            <a:ext cx="5116680" cy="3837240"/>
+          </a:xfrm>
+          <a:prstGeom prst="rect">
+            <a:avLst/>
+          </a:prstGeom>
+        </p:spPr>
+      </p:sp>
+      <p:sp>
+        <p:nvSpPr>
+          <p:cNvPr id="145" name="PlaceHolder 2"/>
           <p:cNvSpPr>
             <a:spLocks noGrp="1"/>
           </p:cNvSpPr>
@@ -1430,7 +1431,7 @@
         <p:spPr>
           <a:xfrm>
             <a:off x="710640" y="4862160"/>
-            <a:ext cx="5683680" cy="4605480"/>
+            <a:ext cx="5682960" cy="4604760"/>
           </a:xfrm>
           <a:prstGeom prst="rect">
             <a:avLst/>
@@ -1449,14 +1450,14 @@
       </p:sp>
       <p:sp>
         <p:nvSpPr>
-          <p:cNvPr id="143" name="CustomShape 3"/>
+          <p:cNvPr id="146" name="CustomShape 3"/>
           <p:cNvSpPr/>
           <p:nvPr/>
         </p:nvSpPr>
         <p:spPr>
           <a:xfrm>
             <a:off x="4024800" y="9722520"/>
-            <a:ext cx="3078360" cy="511200"/>
+            <a:ext cx="3077640" cy="510480"/>
           </a:xfrm>
           <a:prstGeom prst="rect">
             <a:avLst/>
@@ -1482,7 +1483,7 @@
                 <a:spcPct val="100000"/>
               </a:lnSpc>
             </a:pPr>
-            <a:fld id="{F313B022-C5DC-4242-A0FE-467608695B52}" type="slidenum">
+            <a:fld id="{D3F468D3-664E-46CF-BB79-C4EA4AB04982}" type="slidenum">
               <a:rPr b="0" lang="en-US" sz="1300" spc="-1" strike="noStrike">
                 <a:solidFill>
                   <a:srgbClr val="000000"/>
@@ -1522,7 +1523,7 @@
       </p:grpSpPr>
       <p:sp>
         <p:nvSpPr>
-          <p:cNvPr id="144" name="PlaceHolder 1"/>
+          <p:cNvPr id="147" name="PlaceHolder 1"/>
           <p:cNvSpPr>
             <a:spLocks noGrp="1"/>
           </p:cNvSpPr>
@@ -1533,16 +1534,16 @@
         <p:spPr>
           <a:xfrm>
             <a:off x="993600" y="768240"/>
-            <a:ext cx="5117400" cy="3837960"/>
-          </a:xfrm>
-          <a:prstGeom prst="rect">
-            <a:avLst/>
-          </a:prstGeom>
-        </p:spPr>
-      </p:sp>
-      <p:sp>
-        <p:nvSpPr>
-          <p:cNvPr id="145" name="PlaceHolder 2"/>
+            <a:ext cx="5116680" cy="3837240"/>
+          </a:xfrm>
+          <a:prstGeom prst="rect">
+            <a:avLst/>
+          </a:prstGeom>
+        </p:spPr>
+      </p:sp>
+      <p:sp>
+        <p:nvSpPr>
+          <p:cNvPr id="148" name="PlaceHolder 2"/>
           <p:cNvSpPr>
             <a:spLocks noGrp="1"/>
           </p:cNvSpPr>
@@ -1553,7 +1554,7 @@
         <p:spPr>
           <a:xfrm>
             <a:off x="710640" y="4862160"/>
-            <a:ext cx="5683680" cy="4605480"/>
+            <a:ext cx="5682960" cy="4604760"/>
           </a:xfrm>
           <a:prstGeom prst="rect">
             <a:avLst/>
@@ -1572,14 +1573,14 @@
       </p:sp>
       <p:sp>
         <p:nvSpPr>
-          <p:cNvPr id="146" name="CustomShape 3"/>
+          <p:cNvPr id="149" name="CustomShape 3"/>
           <p:cNvSpPr/>
           <p:nvPr/>
         </p:nvSpPr>
         <p:spPr>
           <a:xfrm>
             <a:off x="4024800" y="9722520"/>
-            <a:ext cx="3078360" cy="511200"/>
+            <a:ext cx="3077640" cy="510480"/>
           </a:xfrm>
           <a:prstGeom prst="rect">
             <a:avLst/>
@@ -1605,7 +1606,7 @@
                 <a:spcPct val="100000"/>
               </a:lnSpc>
             </a:pPr>
-            <a:fld id="{3E20BFDC-A058-4CA9-A0D4-C5EE880C5BFE}" type="slidenum">
+            <a:fld id="{C3D591DA-297D-4FAF-A049-38B8BDD2FBC2}" type="slidenum">
               <a:rPr b="0" lang="en-US" sz="1300" spc="-1" strike="noStrike">
                 <a:solidFill>
                   <a:srgbClr val="000000"/>
@@ -1645,7 +1646,7 @@
       </p:grpSpPr>
       <p:sp>
         <p:nvSpPr>
-          <p:cNvPr id="147" name="PlaceHolder 1"/>
+          <p:cNvPr id="150" name="PlaceHolder 1"/>
           <p:cNvSpPr>
             <a:spLocks noGrp="1"/>
           </p:cNvSpPr>
@@ -1656,16 +1657,16 @@
         <p:spPr>
           <a:xfrm>
             <a:off x="993600" y="768240"/>
-            <a:ext cx="5117400" cy="3837960"/>
-          </a:xfrm>
-          <a:prstGeom prst="rect">
-            <a:avLst/>
-          </a:prstGeom>
-        </p:spPr>
-      </p:sp>
-      <p:sp>
-        <p:nvSpPr>
-          <p:cNvPr id="148" name="PlaceHolder 2"/>
+            <a:ext cx="5116680" cy="3837240"/>
+          </a:xfrm>
+          <a:prstGeom prst="rect">
+            <a:avLst/>
+          </a:prstGeom>
+        </p:spPr>
+      </p:sp>
+      <p:sp>
+        <p:nvSpPr>
+          <p:cNvPr id="151" name="PlaceHolder 2"/>
           <p:cNvSpPr>
             <a:spLocks noGrp="1"/>
           </p:cNvSpPr>
@@ -1676,7 +1677,7 @@
         <p:spPr>
           <a:xfrm>
             <a:off x="710640" y="4862160"/>
-            <a:ext cx="5683680" cy="4605480"/>
+            <a:ext cx="5682960" cy="4604760"/>
           </a:xfrm>
           <a:prstGeom prst="rect">
             <a:avLst/>
@@ -1695,14 +1696,14 @@
       </p:sp>
       <p:sp>
         <p:nvSpPr>
-          <p:cNvPr id="149" name="CustomShape 3"/>
+          <p:cNvPr id="152" name="CustomShape 3"/>
           <p:cNvSpPr/>
           <p:nvPr/>
         </p:nvSpPr>
         <p:spPr>
           <a:xfrm>
             <a:off x="4024800" y="9722520"/>
-            <a:ext cx="3078360" cy="511200"/>
+            <a:ext cx="3077640" cy="510480"/>
           </a:xfrm>
           <a:prstGeom prst="rect">
             <a:avLst/>
@@ -1728,7 +1729,7 @@
                 <a:spcPct val="100000"/>
               </a:lnSpc>
             </a:pPr>
-            <a:fld id="{EDB8CDE1-E733-4295-8352-FC65B0E549C8}" type="slidenum">
+            <a:fld id="{5F29C488-05F2-411F-B403-8EEE6194E8E5}" type="slidenum">
               <a:rPr b="0" lang="en-US" sz="1300" spc="-1" strike="noStrike">
                 <a:solidFill>
                   <a:srgbClr val="000000"/>
@@ -1768,7 +1769,7 @@
       </p:grpSpPr>
       <p:sp>
         <p:nvSpPr>
-          <p:cNvPr id="150" name="PlaceHolder 1"/>
+          <p:cNvPr id="153" name="PlaceHolder 1"/>
           <p:cNvSpPr>
             <a:spLocks noGrp="1"/>
           </p:cNvSpPr>
@@ -1779,16 +1780,16 @@
         <p:spPr>
           <a:xfrm>
             <a:off x="993600" y="768240"/>
-            <a:ext cx="5117400" cy="3837960"/>
-          </a:xfrm>
-          <a:prstGeom prst="rect">
-            <a:avLst/>
-          </a:prstGeom>
-        </p:spPr>
-      </p:sp>
-      <p:sp>
-        <p:nvSpPr>
-          <p:cNvPr id="151" name="PlaceHolder 2"/>
+            <a:ext cx="5116680" cy="3837240"/>
+          </a:xfrm>
+          <a:prstGeom prst="rect">
+            <a:avLst/>
+          </a:prstGeom>
+        </p:spPr>
+      </p:sp>
+      <p:sp>
+        <p:nvSpPr>
+          <p:cNvPr id="154" name="PlaceHolder 2"/>
           <p:cNvSpPr>
             <a:spLocks noGrp="1"/>
           </p:cNvSpPr>
@@ -1799,7 +1800,7 @@
         <p:spPr>
           <a:xfrm>
             <a:off x="710640" y="4862160"/>
-            <a:ext cx="5683680" cy="4605480"/>
+            <a:ext cx="5682960" cy="4604760"/>
           </a:xfrm>
           <a:prstGeom prst="rect">
             <a:avLst/>
@@ -1818,14 +1819,14 @@
       </p:sp>
       <p:sp>
         <p:nvSpPr>
-          <p:cNvPr id="152" name="CustomShape 3"/>
+          <p:cNvPr id="155" name="CustomShape 3"/>
           <p:cNvSpPr/>
           <p:nvPr/>
         </p:nvSpPr>
         <p:spPr>
           <a:xfrm>
             <a:off x="4024800" y="9722520"/>
-            <a:ext cx="3078360" cy="511200"/>
+            <a:ext cx="3077640" cy="510480"/>
           </a:xfrm>
           <a:prstGeom prst="rect">
             <a:avLst/>
@@ -1851,7 +1852,7 @@
                 <a:spcPct val="100000"/>
               </a:lnSpc>
             </a:pPr>
-            <a:fld id="{25A045CC-447E-4B7A-9771-5A2C8507A921}" type="slidenum">
+            <a:fld id="{41CAA41A-A502-4338-84EB-41EE40DB085D}" type="slidenum">
               <a:rPr b="0" lang="en-US" sz="1300" spc="-1" strike="noStrike">
                 <a:solidFill>
                   <a:srgbClr val="000000"/>
@@ -1891,7 +1892,7 @@
       </p:grpSpPr>
       <p:sp>
         <p:nvSpPr>
-          <p:cNvPr id="153" name="PlaceHolder 1"/>
+          <p:cNvPr id="156" name="PlaceHolder 1"/>
           <p:cNvSpPr>
             <a:spLocks noGrp="1"/>
           </p:cNvSpPr>
@@ -1902,16 +1903,16 @@
         <p:spPr>
           <a:xfrm>
             <a:off x="993600" y="768240"/>
-            <a:ext cx="5117400" cy="3837960"/>
-          </a:xfrm>
-          <a:prstGeom prst="rect">
-            <a:avLst/>
-          </a:prstGeom>
-        </p:spPr>
-      </p:sp>
-      <p:sp>
-        <p:nvSpPr>
-          <p:cNvPr id="154" name="PlaceHolder 2"/>
+            <a:ext cx="5116680" cy="3837240"/>
+          </a:xfrm>
+          <a:prstGeom prst="rect">
+            <a:avLst/>
+          </a:prstGeom>
+        </p:spPr>
+      </p:sp>
+      <p:sp>
+        <p:nvSpPr>
+          <p:cNvPr id="157" name="PlaceHolder 2"/>
           <p:cNvSpPr>
             <a:spLocks noGrp="1"/>
           </p:cNvSpPr>
@@ -1922,7 +1923,7 @@
         <p:spPr>
           <a:xfrm>
             <a:off x="710640" y="4862160"/>
-            <a:ext cx="5683680" cy="4605480"/>
+            <a:ext cx="5682960" cy="4604760"/>
           </a:xfrm>
           <a:prstGeom prst="rect">
             <a:avLst/>
@@ -1941,14 +1942,14 @@
       </p:sp>
       <p:sp>
         <p:nvSpPr>
-          <p:cNvPr id="155" name="CustomShape 3"/>
+          <p:cNvPr id="158" name="CustomShape 3"/>
           <p:cNvSpPr/>
           <p:nvPr/>
         </p:nvSpPr>
         <p:spPr>
           <a:xfrm>
             <a:off x="4024800" y="9722520"/>
-            <a:ext cx="3078360" cy="511200"/>
+            <a:ext cx="3077640" cy="510480"/>
           </a:xfrm>
           <a:prstGeom prst="rect">
             <a:avLst/>
@@ -1974,7 +1975,7 @@
                 <a:spcPct val="100000"/>
               </a:lnSpc>
             </a:pPr>
-            <a:fld id="{C09A014E-48C3-4C39-B8FE-5F89B9026B27}" type="slidenum">
+            <a:fld id="{A8621BC5-4B9F-4B76-8716-61FB161969F7}" type="slidenum">
               <a:rPr b="0" lang="en-US" sz="1300" spc="-1" strike="noStrike">
                 <a:solidFill>
                   <a:srgbClr val="000000"/>
@@ -2014,7 +2015,7 @@
       </p:grpSpPr>
       <p:sp>
         <p:nvSpPr>
-          <p:cNvPr id="156" name="PlaceHolder 1"/>
+          <p:cNvPr id="159" name="PlaceHolder 1"/>
           <p:cNvSpPr>
             <a:spLocks noGrp="1"/>
           </p:cNvSpPr>
@@ -2025,16 +2026,16 @@
         <p:spPr>
           <a:xfrm>
             <a:off x="993600" y="768240"/>
-            <a:ext cx="5117400" cy="3837960"/>
-          </a:xfrm>
-          <a:prstGeom prst="rect">
-            <a:avLst/>
-          </a:prstGeom>
-        </p:spPr>
-      </p:sp>
-      <p:sp>
-        <p:nvSpPr>
-          <p:cNvPr id="157" name="PlaceHolder 2"/>
+            <a:ext cx="5116680" cy="3837240"/>
+          </a:xfrm>
+          <a:prstGeom prst="rect">
+            <a:avLst/>
+          </a:prstGeom>
+        </p:spPr>
+      </p:sp>
+      <p:sp>
+        <p:nvSpPr>
+          <p:cNvPr id="160" name="PlaceHolder 2"/>
           <p:cNvSpPr>
             <a:spLocks noGrp="1"/>
           </p:cNvSpPr>
@@ -2045,7 +2046,7 @@
         <p:spPr>
           <a:xfrm>
             <a:off x="710640" y="4862160"/>
-            <a:ext cx="5683680" cy="4605480"/>
+            <a:ext cx="5682960" cy="4604760"/>
           </a:xfrm>
           <a:prstGeom prst="rect">
             <a:avLst/>
@@ -2064,14 +2065,14 @@
       </p:sp>
       <p:sp>
         <p:nvSpPr>
-          <p:cNvPr id="158" name="CustomShape 3"/>
+          <p:cNvPr id="161" name="CustomShape 3"/>
           <p:cNvSpPr/>
           <p:nvPr/>
         </p:nvSpPr>
         <p:spPr>
           <a:xfrm>
             <a:off x="4024800" y="9722520"/>
-            <a:ext cx="3078360" cy="511200"/>
+            <a:ext cx="3077640" cy="510480"/>
           </a:xfrm>
           <a:prstGeom prst="rect">
             <a:avLst/>
@@ -2097,7 +2098,7 @@
                 <a:spcPct val="100000"/>
               </a:lnSpc>
             </a:pPr>
-            <a:fld id="{506D1C46-D742-463D-A33A-C1534F918E80}" type="slidenum">
+            <a:fld id="{C3CD63C8-F8F0-4E9B-800F-445B37EE6D99}" type="slidenum">
               <a:rPr b="0" lang="en-US" sz="1300" spc="-1" strike="noStrike">
                 <a:solidFill>
                   <a:srgbClr val="000000"/>
@@ -4869,8 +4870,8 @@
         </p:nvSpPr>
         <p:spPr>
           <a:xfrm>
-            <a:off x="457200" y="274680"/>
-            <a:ext cx="8228880" cy="1142280"/>
+            <a:off x="457200" y="273600"/>
+            <a:ext cx="8229240" cy="1144800"/>
           </a:xfrm>
           <a:prstGeom prst="rect">
             <a:avLst/>
@@ -4883,12 +4884,12 @@
           <a:p>
             <a:pPr algn="ctr"/>
             <a:r>
-              <a:rPr b="0" lang="zh-CN" sz="1800" spc="-1" strike="noStrike">
+              <a:rPr b="0" lang="zh-CN" sz="4400" spc="-1" strike="noStrike">
                 <a:latin typeface="Arial"/>
               </a:rPr>
               <a:t>点击鼠标编辑标题文字格式</a:t>
             </a:r>
-            <a:endParaRPr b="0" lang="en-US" sz="1800" spc="-1" strike="noStrike">
+            <a:endParaRPr b="0" lang="en-US" sz="4400" spc="-1" strike="noStrike">
               <a:latin typeface="Arial"/>
             </a:endParaRPr>
           </a:p>
@@ -5382,7 +5383,7 @@
         <p:spPr>
           <a:xfrm>
             <a:off x="323640" y="5589360"/>
-            <a:ext cx="3332520" cy="649080"/>
+            <a:ext cx="3331800" cy="648360"/>
           </a:xfrm>
           <a:prstGeom prst="rect">
             <a:avLst/>
@@ -5408,7 +5409,7 @@
         <p:spPr>
           <a:xfrm>
             <a:off x="685800" y="1628640"/>
-            <a:ext cx="7771680" cy="2043000"/>
+            <a:ext cx="7770960" cy="2042280"/>
           </a:xfrm>
           <a:prstGeom prst="rect">
             <a:avLst/>
@@ -5490,7 +5491,7 @@
         <p:spPr>
           <a:xfrm>
             <a:off x="4428000" y="4005000"/>
-            <a:ext cx="3527640" cy="1037160"/>
+            <a:ext cx="3526920" cy="1036440"/>
           </a:xfrm>
           <a:prstGeom prst="rect">
             <a:avLst/>
@@ -5571,7 +5572,7 @@
         <p:spPr>
           <a:xfrm>
             <a:off x="457200" y="620640"/>
-            <a:ext cx="8228880" cy="1142280"/>
+            <a:ext cx="8228160" cy="1141560"/>
           </a:xfrm>
           <a:prstGeom prst="rect">
             <a:avLst/>
@@ -5632,7 +5633,7 @@
         <p:spPr>
           <a:xfrm>
             <a:off x="827640" y="3897000"/>
-            <a:ext cx="7858440" cy="2267640"/>
+            <a:ext cx="7857720" cy="2266920"/>
           </a:xfrm>
           <a:prstGeom prst="rect">
             <a:avLst/>
@@ -5653,7 +5654,7 @@
             <a:noAutofit/>
           </a:bodyPr>
           <a:p>
-            <a:pPr marL="343080" indent="-342360">
+            <a:pPr marL="343080" indent="-341640">
               <a:lnSpc>
                 <a:spcPct val="180000"/>
               </a:lnSpc>
@@ -5688,7 +5689,7 @@
             </a:endParaRPr>
           </a:p>
           <a:p>
-            <a:pPr marL="343080" indent="-342360">
+            <a:pPr marL="343080" indent="-341640">
               <a:lnSpc>
                 <a:spcPct val="180000"/>
               </a:lnSpc>
@@ -5713,7 +5714,7 @@
             </a:endParaRPr>
           </a:p>
           <a:p>
-            <a:pPr marL="343080" indent="-342360">
+            <a:pPr marL="343080" indent="-341640">
               <a:lnSpc>
                 <a:spcPct val="180000"/>
               </a:lnSpc>
@@ -5748,7 +5749,7 @@
             </a:endParaRPr>
           </a:p>
           <a:p>
-            <a:pPr marL="343080" indent="-342360">
+            <a:pPr marL="343080" indent="-341640">
               <a:lnSpc>
                 <a:spcPct val="180000"/>
               </a:lnSpc>
@@ -5797,7 +5798,7 @@
         <p:spPr>
           <a:xfrm>
             <a:off x="1206000" y="1917000"/>
-            <a:ext cx="6419160" cy="1561320"/>
+            <a:ext cx="6418440" cy="1560600"/>
           </a:xfrm>
           <a:prstGeom prst="rect">
             <a:avLst/>
@@ -5846,7 +5847,7 @@
         <p:spPr>
           <a:xfrm>
             <a:off x="457200" y="620640"/>
-            <a:ext cx="8228880" cy="1142280"/>
+            <a:ext cx="8228160" cy="1141560"/>
           </a:xfrm>
           <a:prstGeom prst="rect">
             <a:avLst/>
@@ -5911,7 +5912,7 @@
         <p:spPr>
           <a:xfrm>
             <a:off x="1366920" y="2046960"/>
-            <a:ext cx="6409440" cy="3685320"/>
+            <a:ext cx="6408720" cy="3684600"/>
           </a:xfrm>
           <a:prstGeom prst="rect">
             <a:avLst/>
@@ -5959,8 +5960,8 @@
         </p:nvSpPr>
         <p:spPr>
           <a:xfrm>
-            <a:off x="457200" y="620640"/>
-            <a:ext cx="8228880" cy="1142280"/>
+            <a:off x="2086200" y="1944000"/>
+            <a:ext cx="1169280" cy="601920"/>
           </a:xfrm>
           <a:prstGeom prst="rect">
             <a:avLst/>
@@ -5977,8 +5978,8 @@
           <a:fontRef idx="minor"/>
         </p:style>
         <p:txBody>
-          <a:bodyPr lIns="90000" rIns="90000" tIns="45000" bIns="45000" anchor="ctr">
-            <a:normAutofit/>
+          <a:bodyPr lIns="90000" rIns="90000" tIns="45000" bIns="45000">
+            <a:noAutofit/>
           </a:bodyPr>
           <a:p>
             <a:pPr>
@@ -5987,26 +5988,28 @@
               </a:lnSpc>
             </a:pPr>
             <a:r>
-              <a:rPr b="0" lang="en-US" sz="3200" spc="-1" strike="noStrike">
-                <a:solidFill>
-                  <a:srgbClr val="404040"/>
-                </a:solidFill>
-                <a:latin typeface="微软雅黑"/>
-                <a:ea typeface="微软雅黑"/>
-              </a:rPr>
-              <a:t>watermark </a:t>
-            </a:r>
-            <a:r>
-              <a:rPr b="0" lang="zh-CN" sz="3200" spc="-1" strike="noStrike">
-                <a:solidFill>
-                  <a:srgbClr val="404040"/>
-                </a:solidFill>
-                <a:latin typeface="微软雅黑"/>
-                <a:ea typeface="微软雅黑"/>
-              </a:rPr>
-              <a:t>的引入</a:t>
-            </a:r>
-            <a:endParaRPr b="0" lang="en-US" sz="3200" spc="-1" strike="noStrike">
+              <a:rPr b="0" lang="en-US" sz="1800" spc="-1" strike="noStrike">
+                <a:latin typeface="Arial"/>
+              </a:rPr>
+              <a:t>Long.MIN</a:t>
+            </a:r>
+            <a:endParaRPr b="0" lang="en-US" sz="1800" spc="-1" strike="noStrike">
+              <a:latin typeface="Arial"/>
+            </a:endParaRPr>
+          </a:p>
+          <a:p>
+            <a:pPr>
+              <a:lnSpc>
+                <a:spcPct val="100000"/>
+              </a:lnSpc>
+            </a:pPr>
+            <a:r>
+              <a:rPr b="0" lang="en-US" sz="1800" spc="-1" strike="noStrike">
+                <a:latin typeface="Arial"/>
+              </a:rPr>
+              <a:t>Long.MIN</a:t>
+            </a:r>
+            <a:endParaRPr b="0" lang="en-US" sz="1800" spc="-1" strike="noStrike">
               <a:latin typeface="Arial"/>
             </a:endParaRPr>
           </a:p>
@@ -6020,8 +6023,8 @@
         </p:nvSpPr>
         <p:spPr>
           <a:xfrm>
-            <a:off x="827640" y="1700640"/>
-            <a:ext cx="7858440" cy="1799640"/>
+            <a:off x="2088000" y="3069720"/>
+            <a:ext cx="991080" cy="601920"/>
           </a:xfrm>
           <a:prstGeom prst="rect">
             <a:avLst/>
@@ -6042,110 +6045,32 @@
             <a:noAutofit/>
           </a:bodyPr>
           <a:p>
-            <a:pPr marL="343080" indent="-342360">
+            <a:pPr>
               <a:lnSpc>
-                <a:spcPct val="180000"/>
+                <a:spcPct val="100000"/>
               </a:lnSpc>
-              <a:buClr>
-                <a:srgbClr val="000000"/>
-              </a:buClr>
-              <a:buFont typeface="Arial"/>
-              <a:buChar char="•"/>
             </a:pPr>
             <a:r>
               <a:rPr b="0" lang="en-US" sz="1800" spc="-1" strike="noStrike">
-                <a:solidFill>
-                  <a:srgbClr val="000000"/>
-                </a:solidFill>
-                <a:latin typeface="微软雅黑 Light"/>
-                <a:ea typeface="微软雅黑 Light"/>
-              </a:rPr>
-              <a:t>Event Time </a:t>
-            </a:r>
-            <a:r>
-              <a:rPr b="0" lang="zh-CN" sz="1800" spc="-1" strike="noStrike">
-                <a:solidFill>
-                  <a:srgbClr val="000000"/>
-                </a:solidFill>
-                <a:latin typeface="微软雅黑 Light"/>
-                <a:ea typeface="微软雅黑 Light"/>
-              </a:rPr>
-              <a:t>的使用一定要指定数据源中的时间戳</a:t>
+                <a:latin typeface="Arial"/>
+              </a:rPr>
+              <a:t>2999ms</a:t>
             </a:r>
             <a:endParaRPr b="0" lang="en-US" sz="1800" spc="-1" strike="noStrike">
               <a:latin typeface="Arial"/>
             </a:endParaRPr>
           </a:p>
           <a:p>
-            <a:pPr marL="343080" indent="-342360">
+            <a:pPr>
               <a:lnSpc>
-                <a:spcPct val="180000"/>
+                <a:spcPct val="100000"/>
               </a:lnSpc>
-              <a:buClr>
-                <a:srgbClr val="000000"/>
-              </a:buClr>
-              <a:buFont typeface="Arial"/>
-              <a:buChar char="•"/>
             </a:pPr>
             <a:r>
-              <a:rPr b="0" lang="zh-CN" sz="1800" spc="-1" strike="noStrike">
-                <a:solidFill>
-                  <a:srgbClr val="000000"/>
-                </a:solidFill>
-                <a:latin typeface="微软雅黑 Light"/>
-                <a:ea typeface="微软雅黑 Light"/>
-              </a:rPr>
-              <a:t>调用 </a:t>
-            </a:r>
-            <a:r>
               <a:rPr b="0" lang="en-US" sz="1800" spc="-1" strike="noStrike">
-                <a:solidFill>
-                  <a:srgbClr val="000000"/>
-                </a:solidFill>
-                <a:latin typeface="微软雅黑 Light"/>
-                <a:ea typeface="微软雅黑 Light"/>
-              </a:rPr>
-              <a:t>assignTimestampAndWatermarks </a:t>
-            </a:r>
-            <a:r>
-              <a:rPr b="0" lang="zh-CN" sz="1800" spc="-1" strike="noStrike">
-                <a:solidFill>
-                  <a:srgbClr val="000000"/>
-                </a:solidFill>
-                <a:latin typeface="微软雅黑 Light"/>
-                <a:ea typeface="微软雅黑 Light"/>
-              </a:rPr>
-              <a:t>方法，传入一个 </a:t>
-            </a:r>
-            <a:r>
-              <a:rPr b="0" lang="en-US" sz="1800" spc="-1" strike="noStrike">
-                <a:solidFill>
-                  <a:srgbClr val="000000"/>
-                </a:solidFill>
-                <a:latin typeface="微软雅黑 Light"/>
-                <a:ea typeface="微软雅黑 Light"/>
-              </a:rPr>
-              <a:t>BoundedOutOfOrdernessTimestampExtractor</a:t>
-            </a:r>
-            <a:r>
-              <a:rPr b="0" lang="zh-CN" sz="1800" spc="-1" strike="noStrike">
-                <a:solidFill>
-                  <a:srgbClr val="000000"/>
-                </a:solidFill>
-                <a:latin typeface="微软雅黑 Light"/>
-                <a:ea typeface="微软雅黑 Light"/>
-              </a:rPr>
-              <a:t>，就可以指定 </a:t>
-            </a:r>
-            <a:r>
-              <a:rPr b="0" lang="en-US" sz="1800" spc="-1" strike="noStrike">
-                <a:solidFill>
-                  <a:srgbClr val="000000"/>
-                </a:solidFill>
-                <a:latin typeface="微软雅黑 Light"/>
-                <a:ea typeface="微软雅黑 Light"/>
-              </a:rPr>
-              <a:t>watermark </a:t>
+                <a:latin typeface="Arial"/>
+              </a:rPr>
+              <a:t>9999ms</a:t>
             </a:r>
             <a:endParaRPr b="0" lang="en-US" sz="1800" spc="-1" strike="noStrike">
               <a:latin typeface="Arial"/>
@@ -6153,29 +6078,53 @@
           </a:p>
         </p:txBody>
       </p:sp>
-      <p:pic>
-        <p:nvPicPr>
-          <p:cNvPr id="123" name="Picture 2" descr=""/>
-          <p:cNvPicPr/>
+      <p:sp>
+        <p:nvSpPr>
+          <p:cNvPr id="123" name="CustomShape 3"/>
+          <p:cNvSpPr/>
           <p:nvPr/>
-        </p:nvPicPr>
-        <p:blipFill>
-          <a:blip r:embed="rId1"/>
-          <a:stretch/>
-        </p:blipFill>
-        <p:spPr>
-          <a:xfrm>
-            <a:off x="1115640" y="3753000"/>
-            <a:ext cx="7170120" cy="2787480"/>
-          </a:xfrm>
-          <a:prstGeom prst="rect">
-            <a:avLst/>
-          </a:prstGeom>
+        </p:nvSpPr>
+        <p:spPr>
+          <a:xfrm>
+            <a:off x="5060160" y="3181680"/>
+            <a:ext cx="991080" cy="345960"/>
+          </a:xfrm>
+          <a:prstGeom prst="rect">
+            <a:avLst/>
+          </a:prstGeom>
+          <a:noFill/>
           <a:ln>
             <a:noFill/>
           </a:ln>
         </p:spPr>
-      </p:pic>
+        <p:style>
+          <a:lnRef idx="0"/>
+          <a:fillRef idx="0"/>
+          <a:effectRef idx="0"/>
+          <a:fontRef idx="minor"/>
+        </p:style>
+        <p:txBody>
+          <a:bodyPr lIns="90000" rIns="90000" tIns="45000" bIns="45000">
+            <a:noAutofit/>
+          </a:bodyPr>
+          <a:p>
+            <a:pPr>
+              <a:lnSpc>
+                <a:spcPct val="100000"/>
+              </a:lnSpc>
+            </a:pPr>
+            <a:r>
+              <a:rPr b="0" lang="en-US" sz="1800" spc="-1" strike="noStrike">
+                <a:latin typeface="Arial"/>
+              </a:rPr>
+              <a:t>1999ms</a:t>
+            </a:r>
+            <a:endParaRPr b="0" lang="en-US" sz="1800" spc="-1" strike="noStrike">
+              <a:latin typeface="Arial"/>
+            </a:endParaRPr>
+          </a:p>
+        </p:txBody>
+      </p:sp>
     </p:spTree>
   </p:cSld>
   <mc:AlternateContent>
@@ -6215,7 +6164,7 @@
         <p:spPr>
           <a:xfrm>
             <a:off x="457200" y="620640"/>
-            <a:ext cx="8228880" cy="1142280"/>
+            <a:ext cx="8228160" cy="1141560"/>
           </a:xfrm>
           <a:prstGeom prst="rect">
             <a:avLst/>
@@ -6276,7 +6225,7 @@
         <p:spPr>
           <a:xfrm>
             <a:off x="827640" y="1700640"/>
-            <a:ext cx="7858440" cy="719280"/>
+            <a:ext cx="7857720" cy="1798920"/>
           </a:xfrm>
           <a:prstGeom prst="rect">
             <a:avLst/>
@@ -6297,7 +6246,7 @@
             <a:noAutofit/>
           </a:bodyPr>
           <a:p>
-            <a:pPr marL="343080" indent="-342360">
+            <a:pPr marL="343080" indent="-341640">
               <a:lnSpc>
                 <a:spcPct val="180000"/>
               </a:lnSpc>
@@ -6308,6 +6257,16 @@
               <a:buChar char="•"/>
             </a:pPr>
             <a:r>
+              <a:rPr b="0" lang="en-US" sz="1800" spc="-1" strike="noStrike">
+                <a:solidFill>
+                  <a:srgbClr val="000000"/>
+                </a:solidFill>
+                <a:latin typeface="微软雅黑 Light"/>
+                <a:ea typeface="微软雅黑 Light"/>
+              </a:rPr>
+              <a:t>Event Time </a:t>
+            </a:r>
+            <a:r>
               <a:rPr b="0" lang="zh-CN" sz="1800" spc="-1" strike="noStrike">
                 <a:solidFill>
                   <a:srgbClr val="000000"/>
@@ -6315,68 +6274,14 @@
                 <a:latin typeface="微软雅黑 Light"/>
                 <a:ea typeface="微软雅黑 Light"/>
               </a:rPr>
-              <a:t>对于排好序的数据，不需要延迟触发，可以只指定时间戳就行了</a:t>
+              <a:t>的使用一定要指定数据源中的时间戳</a:t>
             </a:r>
             <a:endParaRPr b="0" lang="en-US" sz="1800" spc="-1" strike="noStrike">
               <a:latin typeface="Arial"/>
             </a:endParaRPr>
           </a:p>
-        </p:txBody>
-      </p:sp>
-      <p:pic>
-        <p:nvPicPr>
-          <p:cNvPr id="126" name="Picture 3" descr=""/>
-          <p:cNvPicPr/>
-          <p:nvPr/>
-        </p:nvPicPr>
-        <p:blipFill>
-          <a:blip r:embed="rId1"/>
-          <a:stretch/>
-        </p:blipFill>
-        <p:spPr>
-          <a:xfrm>
-            <a:off x="1366920" y="2633400"/>
-            <a:ext cx="6409440" cy="923040"/>
-          </a:xfrm>
-          <a:prstGeom prst="rect">
-            <a:avLst/>
-          </a:prstGeom>
-          <a:ln>
-            <a:noFill/>
-          </a:ln>
-        </p:spPr>
-      </p:pic>
-      <p:sp>
-        <p:nvSpPr>
-          <p:cNvPr id="127" name="CustomShape 3"/>
-          <p:cNvSpPr/>
-          <p:nvPr/>
-        </p:nvSpPr>
-        <p:spPr>
-          <a:xfrm>
-            <a:off x="827640" y="3789000"/>
-            <a:ext cx="7858440" cy="1151280"/>
-          </a:xfrm>
-          <a:prstGeom prst="rect">
-            <a:avLst/>
-          </a:prstGeom>
-          <a:noFill/>
-          <a:ln>
-            <a:noFill/>
-          </a:ln>
-        </p:spPr>
-        <p:style>
-          <a:lnRef idx="0"/>
-          <a:fillRef idx="0"/>
-          <a:effectRef idx="0"/>
-          <a:fontRef idx="minor"/>
-        </p:style>
-        <p:txBody>
-          <a:bodyPr lIns="90000" rIns="90000" tIns="45000" bIns="45000">
-            <a:noAutofit/>
-          </a:bodyPr>
-          <a:p>
-            <a:pPr marL="343080" indent="-342360">
+          <a:p>
+            <a:pPr marL="343080" indent="-341640">
               <a:lnSpc>
                 <a:spcPct val="180000"/>
               </a:lnSpc>
@@ -6387,6 +6292,16 @@
               <a:buChar char="•"/>
             </a:pPr>
             <a:r>
+              <a:rPr b="0" lang="zh-CN" sz="1800" spc="-1" strike="noStrike">
+                <a:solidFill>
+                  <a:srgbClr val="000000"/>
+                </a:solidFill>
+                <a:latin typeface="微软雅黑 Light"/>
+                <a:ea typeface="微软雅黑 Light"/>
+              </a:rPr>
+              <a:t>调用 </a:t>
+            </a:r>
+            <a:r>
               <a:rPr b="0" lang="en-US" sz="1800" spc="-1" strike="noStrike">
                 <a:solidFill>
                   <a:srgbClr val="000000"/>
@@ -6394,7 +6309,7 @@
                 <a:latin typeface="微软雅黑 Light"/>
                 <a:ea typeface="微软雅黑 Light"/>
               </a:rPr>
-              <a:t>Flink </a:t>
+              <a:t>assignTimestampAndWatermarks </a:t>
             </a:r>
             <a:r>
               <a:rPr b="0" lang="zh-CN" sz="1800" spc="-1" strike="noStrike">
@@ -6404,7 +6319,7 @@
                 <a:latin typeface="微软雅黑 Light"/>
                 <a:ea typeface="微软雅黑 Light"/>
               </a:rPr>
-              <a:t>暴露了 </a:t>
+              <a:t>方法，传入一个 </a:t>
             </a:r>
             <a:r>
               <a:rPr b="0" lang="en-US" sz="1800" spc="-1" strike="noStrike">
@@ -6414,7 +6329,7 @@
                 <a:latin typeface="微软雅黑 Light"/>
                 <a:ea typeface="微软雅黑 Light"/>
               </a:rPr>
-              <a:t>TimestampAssigner </a:t>
+              <a:t>BoundedOutOfOrdernessTimestampExtractor</a:t>
             </a:r>
             <a:r>
               <a:rPr b="0" lang="zh-CN" sz="1800" spc="-1" strike="noStrike">
@@ -6424,7 +6339,7 @@
                 <a:latin typeface="微软雅黑 Light"/>
                 <a:ea typeface="微软雅黑 Light"/>
               </a:rPr>
-              <a:t>接口供我们实现，使我们可以自定义如何从事件数据中抽取时间戳和生成</a:t>
+              <a:t>，就可以指定 </a:t>
             </a:r>
             <a:r>
               <a:rPr b="0" lang="en-US" sz="1800" spc="-1" strike="noStrike">
@@ -6434,7 +6349,7 @@
                 <a:latin typeface="微软雅黑 Light"/>
                 <a:ea typeface="微软雅黑 Light"/>
               </a:rPr>
-              <a:t>watermark</a:t>
+              <a:t>watermark </a:t>
             </a:r>
             <a:endParaRPr b="0" lang="en-US" sz="1800" spc="-1" strike="noStrike">
               <a:latin typeface="Arial"/>
@@ -6444,18 +6359,18 @@
       </p:sp>
       <p:pic>
         <p:nvPicPr>
-          <p:cNvPr id="128" name="Picture 5" descr=""/>
+          <p:cNvPr id="126" name="Picture 2" descr=""/>
           <p:cNvPicPr/>
           <p:nvPr/>
         </p:nvPicPr>
         <p:blipFill>
-          <a:blip r:embed="rId2"/>
+          <a:blip r:embed="rId1"/>
           <a:stretch/>
         </p:blipFill>
         <p:spPr>
           <a:xfrm>
-            <a:off x="1474200" y="5079240"/>
-            <a:ext cx="6409440" cy="437400"/>
+            <a:off x="1115640" y="3753000"/>
+            <a:ext cx="7169400" cy="2786760"/>
           </a:xfrm>
           <a:prstGeom prst="rect">
             <a:avLst/>
@@ -6465,82 +6380,6 @@
           </a:ln>
         </p:spPr>
       </p:pic>
-      <p:sp>
-        <p:nvSpPr>
-          <p:cNvPr id="129" name="CustomShape 4"/>
-          <p:cNvSpPr/>
-          <p:nvPr/>
-        </p:nvSpPr>
-        <p:spPr>
-          <a:xfrm>
-            <a:off x="827640" y="5589360"/>
-            <a:ext cx="7858440" cy="583200"/>
-          </a:xfrm>
-          <a:prstGeom prst="rect">
-            <a:avLst/>
-          </a:prstGeom>
-          <a:noFill/>
-          <a:ln>
-            <a:noFill/>
-          </a:ln>
-        </p:spPr>
-        <p:style>
-          <a:lnRef idx="0"/>
-          <a:fillRef idx="0"/>
-          <a:effectRef idx="0"/>
-          <a:fontRef idx="minor"/>
-        </p:style>
-        <p:txBody>
-          <a:bodyPr lIns="90000" rIns="90000" tIns="45000" bIns="45000">
-            <a:spAutoFit/>
-          </a:bodyPr>
-          <a:p>
-            <a:pPr lvl="1" marL="800280" indent="-342360">
-              <a:lnSpc>
-                <a:spcPct val="180000"/>
-              </a:lnSpc>
-              <a:buClr>
-                <a:srgbClr val="000000"/>
-              </a:buClr>
-              <a:buFont typeface="Wingdings" charset="2"/>
-              <a:buChar char=""/>
-            </a:pPr>
-            <a:r>
-              <a:rPr b="0" i="1" lang="en-US" sz="1800" spc="-1" strike="noStrike">
-                <a:solidFill>
-                  <a:srgbClr val="000000"/>
-                </a:solidFill>
-                <a:latin typeface="微软雅黑 Light"/>
-                <a:ea typeface="微软雅黑 Light"/>
-              </a:rPr>
-              <a:t>MyAssigner </a:t>
-            </a:r>
-            <a:r>
-              <a:rPr b="0" i="1" lang="zh-CN" sz="1800" spc="-1" strike="noStrike">
-                <a:solidFill>
-                  <a:srgbClr val="000000"/>
-                </a:solidFill>
-                <a:latin typeface="微软雅黑 Light"/>
-                <a:ea typeface="微软雅黑 Light"/>
-              </a:rPr>
-              <a:t>可以有两种类型，都继承自 </a:t>
-            </a:r>
-            <a:r>
-              <a:rPr b="0" i="1" lang="en-US" sz="1800" spc="-1" strike="noStrike">
-                <a:solidFill>
-                  <a:srgbClr val="000000"/>
-                </a:solidFill>
-                <a:latin typeface="微软雅黑 Light"/>
-                <a:ea typeface="微软雅黑 Light"/>
-              </a:rPr>
-              <a:t>TimestampAssigner</a:t>
-            </a:r>
-            <a:endParaRPr b="0" lang="en-US" sz="1800" spc="-1" strike="noStrike">
-              <a:latin typeface="Arial"/>
-            </a:endParaRPr>
-          </a:p>
-        </p:txBody>
-      </p:sp>
     </p:spTree>
   </p:cSld>
   <mc:AlternateContent>
@@ -6573,14 +6412,14 @@
       </p:grpSpPr>
       <p:sp>
         <p:nvSpPr>
-          <p:cNvPr id="130" name="CustomShape 1"/>
+          <p:cNvPr id="127" name="CustomShape 1"/>
           <p:cNvSpPr/>
           <p:nvPr/>
         </p:nvSpPr>
         <p:spPr>
           <a:xfrm>
             <a:off x="457200" y="620640"/>
-            <a:ext cx="8228880" cy="1142280"/>
+            <a:ext cx="8228160" cy="1141560"/>
           </a:xfrm>
           <a:prstGeom prst="rect">
             <a:avLst/>
@@ -6614,7 +6453,17 @@
                 <a:latin typeface="微软雅黑"/>
                 <a:ea typeface="微软雅黑"/>
               </a:rPr>
-              <a:t>TimestampAssigner</a:t>
+              <a:t>watermark </a:t>
+            </a:r>
+            <a:r>
+              <a:rPr b="0" lang="zh-CN" sz="3200" spc="-1" strike="noStrike">
+                <a:solidFill>
+                  <a:srgbClr val="404040"/>
+                </a:solidFill>
+                <a:latin typeface="微软雅黑"/>
+                <a:ea typeface="微软雅黑"/>
+              </a:rPr>
+              <a:t>的引入</a:t>
             </a:r>
             <a:endParaRPr b="0" lang="en-US" sz="3200" spc="-1" strike="noStrike">
               <a:latin typeface="Arial"/>
@@ -6624,14 +6473,14 @@
       </p:sp>
       <p:sp>
         <p:nvSpPr>
-          <p:cNvPr id="131" name="CustomShape 2"/>
+          <p:cNvPr id="128" name="CustomShape 2"/>
           <p:cNvSpPr/>
           <p:nvPr/>
         </p:nvSpPr>
         <p:spPr>
           <a:xfrm>
             <a:off x="827640" y="1700640"/>
-            <a:ext cx="7858440" cy="4319640"/>
+            <a:ext cx="7857720" cy="718560"/>
           </a:xfrm>
           <a:prstGeom prst="rect">
             <a:avLst/>
@@ -6652,7 +6501,7 @@
             <a:noAutofit/>
           </a:bodyPr>
           <a:p>
-            <a:pPr marL="343080" indent="-342360">
+            <a:pPr marL="343080" indent="-341640">
               <a:lnSpc>
                 <a:spcPct val="180000"/>
               </a:lnSpc>
@@ -6670,8 +6519,77 @@
                 <a:latin typeface="微软雅黑 Light"/>
                 <a:ea typeface="微软雅黑 Light"/>
               </a:rPr>
-              <a:t>定义了抽取时间戳，以及生成 </a:t>
-            </a:r>
+              <a:t>对于排好序的数据，不需要延迟触发，可以只指定时间戳就行了</a:t>
+            </a:r>
+            <a:endParaRPr b="0" lang="en-US" sz="1800" spc="-1" strike="noStrike">
+              <a:latin typeface="Arial"/>
+            </a:endParaRPr>
+          </a:p>
+        </p:txBody>
+      </p:sp>
+      <p:pic>
+        <p:nvPicPr>
+          <p:cNvPr id="129" name="Picture 3" descr=""/>
+          <p:cNvPicPr/>
+          <p:nvPr/>
+        </p:nvPicPr>
+        <p:blipFill>
+          <a:blip r:embed="rId1"/>
+          <a:stretch/>
+        </p:blipFill>
+        <p:spPr>
+          <a:xfrm>
+            <a:off x="1366920" y="2633400"/>
+            <a:ext cx="6408720" cy="922320"/>
+          </a:xfrm>
+          <a:prstGeom prst="rect">
+            <a:avLst/>
+          </a:prstGeom>
+          <a:ln>
+            <a:noFill/>
+          </a:ln>
+        </p:spPr>
+      </p:pic>
+      <p:sp>
+        <p:nvSpPr>
+          <p:cNvPr id="130" name="CustomShape 3"/>
+          <p:cNvSpPr/>
+          <p:nvPr/>
+        </p:nvSpPr>
+        <p:spPr>
+          <a:xfrm>
+            <a:off x="827640" y="3789000"/>
+            <a:ext cx="7857720" cy="1150560"/>
+          </a:xfrm>
+          <a:prstGeom prst="rect">
+            <a:avLst/>
+          </a:prstGeom>
+          <a:noFill/>
+          <a:ln>
+            <a:noFill/>
+          </a:ln>
+        </p:spPr>
+        <p:style>
+          <a:lnRef idx="0"/>
+          <a:fillRef idx="0"/>
+          <a:effectRef idx="0"/>
+          <a:fontRef idx="minor"/>
+        </p:style>
+        <p:txBody>
+          <a:bodyPr lIns="90000" rIns="90000" tIns="45000" bIns="45000">
+            <a:noAutofit/>
+          </a:bodyPr>
+          <a:p>
+            <a:pPr marL="343080" indent="-341640">
+              <a:lnSpc>
+                <a:spcPct val="180000"/>
+              </a:lnSpc>
+              <a:buClr>
+                <a:srgbClr val="000000"/>
+              </a:buClr>
+              <a:buFont typeface="Arial"/>
+              <a:buChar char="•"/>
+            </a:pPr>
             <a:r>
               <a:rPr b="0" lang="en-US" sz="1800" spc="-1" strike="noStrike">
                 <a:solidFill>
@@ -6680,7 +6598,7 @@
                 <a:latin typeface="微软雅黑 Light"/>
                 <a:ea typeface="微软雅黑 Light"/>
               </a:rPr>
-              <a:t>watermark </a:t>
+              <a:t>Flink </a:t>
             </a:r>
             <a:r>
               <a:rPr b="0" lang="zh-CN" sz="1800" spc="-1" strike="noStrike">
@@ -6690,14 +6608,98 @@
                 <a:latin typeface="微软雅黑 Light"/>
                 <a:ea typeface="微软雅黑 Light"/>
               </a:rPr>
-              <a:t>的方法，有两种类型</a:t>
+              <a:t>暴露了 </a:t>
+            </a:r>
+            <a:r>
+              <a:rPr b="0" lang="en-US" sz="1800" spc="-1" strike="noStrike">
+                <a:solidFill>
+                  <a:srgbClr val="000000"/>
+                </a:solidFill>
+                <a:latin typeface="微软雅黑 Light"/>
+                <a:ea typeface="微软雅黑 Light"/>
+              </a:rPr>
+              <a:t>TimestampAssigner </a:t>
+            </a:r>
+            <a:r>
+              <a:rPr b="0" lang="zh-CN" sz="1800" spc="-1" strike="noStrike">
+                <a:solidFill>
+                  <a:srgbClr val="000000"/>
+                </a:solidFill>
+                <a:latin typeface="微软雅黑 Light"/>
+                <a:ea typeface="微软雅黑 Light"/>
+              </a:rPr>
+              <a:t>接口供我们实现，使我们可以自定义如何从事件数据中抽取时间戳和生成</a:t>
+            </a:r>
+            <a:r>
+              <a:rPr b="0" lang="en-US" sz="1800" spc="-1" strike="noStrike">
+                <a:solidFill>
+                  <a:srgbClr val="000000"/>
+                </a:solidFill>
+                <a:latin typeface="微软雅黑 Light"/>
+                <a:ea typeface="微软雅黑 Light"/>
+              </a:rPr>
+              <a:t>watermark</a:t>
             </a:r>
             <a:endParaRPr b="0" lang="en-US" sz="1800" spc="-1" strike="noStrike">
               <a:latin typeface="Arial"/>
             </a:endParaRPr>
           </a:p>
-          <a:p>
-            <a:pPr marL="343080" indent="-342360">
+        </p:txBody>
+      </p:sp>
+      <p:pic>
+        <p:nvPicPr>
+          <p:cNvPr id="131" name="Picture 5" descr=""/>
+          <p:cNvPicPr/>
+          <p:nvPr/>
+        </p:nvPicPr>
+        <p:blipFill>
+          <a:blip r:embed="rId2"/>
+          <a:stretch/>
+        </p:blipFill>
+        <p:spPr>
+          <a:xfrm>
+            <a:off x="1474200" y="5079240"/>
+            <a:ext cx="6408720" cy="436680"/>
+          </a:xfrm>
+          <a:prstGeom prst="rect">
+            <a:avLst/>
+          </a:prstGeom>
+          <a:ln>
+            <a:noFill/>
+          </a:ln>
+        </p:spPr>
+      </p:pic>
+      <p:sp>
+        <p:nvSpPr>
+          <p:cNvPr id="132" name="CustomShape 4"/>
+          <p:cNvSpPr/>
+          <p:nvPr/>
+        </p:nvSpPr>
+        <p:spPr>
+          <a:xfrm>
+            <a:off x="827640" y="5589360"/>
+            <a:ext cx="7857720" cy="583200"/>
+          </a:xfrm>
+          <a:prstGeom prst="rect">
+            <a:avLst/>
+          </a:prstGeom>
+          <a:noFill/>
+          <a:ln>
+            <a:noFill/>
+          </a:ln>
+        </p:spPr>
+        <p:style>
+          <a:lnRef idx="0"/>
+          <a:fillRef idx="0"/>
+          <a:effectRef idx="0"/>
+          <a:fontRef idx="minor"/>
+        </p:style>
+        <p:txBody>
+          <a:bodyPr lIns="90000" rIns="90000" tIns="45000" bIns="45000">
+            <a:spAutoFit/>
+          </a:bodyPr>
+          <a:p>
+            <a:pPr lvl="1" marL="800280" indent="-341640">
               <a:lnSpc>
                 <a:spcPct val="180000"/>
               </a:lnSpc>
@@ -6708,281 +6710,36 @@
               <a:buChar char=""/>
             </a:pPr>
             <a:r>
-              <a:rPr b="0" lang="en-US" sz="1800" spc="-1" strike="noStrike">
+              <a:rPr b="0" i="1" lang="en-US" sz="1800" spc="-1" strike="noStrike">
                 <a:solidFill>
                   <a:srgbClr val="000000"/>
                 </a:solidFill>
                 <a:latin typeface="微软雅黑 Light"/>
                 <a:ea typeface="微软雅黑 Light"/>
               </a:rPr>
-              <a:t>AssignerWithPeriodicWatermarks</a:t>
+              <a:t>MyAssigner </a:t>
+            </a:r>
+            <a:r>
+              <a:rPr b="0" i="1" lang="zh-CN" sz="1800" spc="-1" strike="noStrike">
+                <a:solidFill>
+                  <a:srgbClr val="000000"/>
+                </a:solidFill>
+                <a:latin typeface="微软雅黑 Light"/>
+                <a:ea typeface="微软雅黑 Light"/>
+              </a:rPr>
+              <a:t>可以有两种类型，都继承自 </a:t>
+            </a:r>
+            <a:r>
+              <a:rPr b="0" i="1" lang="en-US" sz="1800" spc="-1" strike="noStrike">
+                <a:solidFill>
+                  <a:srgbClr val="000000"/>
+                </a:solidFill>
+                <a:latin typeface="微软雅黑 Light"/>
+                <a:ea typeface="微软雅黑 Light"/>
+              </a:rPr>
+              <a:t>TimestampAssigner</a:t>
             </a:r>
             <a:endParaRPr b="0" lang="en-US" sz="1800" spc="-1" strike="noStrike">
-              <a:latin typeface="Arial"/>
-            </a:endParaRPr>
-          </a:p>
-          <a:p>
-            <a:pPr lvl="1" marL="800280" indent="-342360">
-              <a:lnSpc>
-                <a:spcPct val="180000"/>
-              </a:lnSpc>
-              <a:buClr>
-                <a:srgbClr val="000000"/>
-              </a:buClr>
-              <a:buFont typeface="Arial"/>
-              <a:buChar char="•"/>
-            </a:pPr>
-            <a:r>
-              <a:rPr b="0" lang="zh-CN" sz="1600" spc="-1" strike="noStrike">
-                <a:solidFill>
-                  <a:srgbClr val="000000"/>
-                </a:solidFill>
-                <a:latin typeface="微软雅黑 Light"/>
-                <a:ea typeface="微软雅黑 Light"/>
-              </a:rPr>
-              <a:t>周期性的生成 </a:t>
-            </a:r>
-            <a:r>
-              <a:rPr b="0" lang="en-US" sz="1600" spc="-1" strike="noStrike">
-                <a:solidFill>
-                  <a:srgbClr val="000000"/>
-                </a:solidFill>
-                <a:latin typeface="微软雅黑 Light"/>
-                <a:ea typeface="微软雅黑 Light"/>
-              </a:rPr>
-              <a:t>watermark</a:t>
-            </a:r>
-            <a:r>
-              <a:rPr b="0" lang="zh-CN" sz="1600" spc="-1" strike="noStrike">
-                <a:solidFill>
-                  <a:srgbClr val="000000"/>
-                </a:solidFill>
-                <a:latin typeface="微软雅黑 Light"/>
-                <a:ea typeface="微软雅黑 Light"/>
-              </a:rPr>
-              <a:t>：系统会周期性的将 </a:t>
-            </a:r>
-            <a:r>
-              <a:rPr b="0" lang="en-US" sz="1600" spc="-1" strike="noStrike">
-                <a:solidFill>
-                  <a:srgbClr val="000000"/>
-                </a:solidFill>
-                <a:latin typeface="微软雅黑 Light"/>
-                <a:ea typeface="微软雅黑 Light"/>
-              </a:rPr>
-              <a:t>watermark </a:t>
-            </a:r>
-            <a:r>
-              <a:rPr b="0" lang="zh-CN" sz="1600" spc="-1" strike="noStrike">
-                <a:solidFill>
-                  <a:srgbClr val="000000"/>
-                </a:solidFill>
-                <a:latin typeface="微软雅黑 Light"/>
-                <a:ea typeface="微软雅黑 Light"/>
-              </a:rPr>
-              <a:t>插入到流中</a:t>
-            </a:r>
-            <a:endParaRPr b="0" lang="en-US" sz="1600" spc="-1" strike="noStrike">
-              <a:latin typeface="Arial"/>
-            </a:endParaRPr>
-          </a:p>
-          <a:p>
-            <a:pPr lvl="1" marL="800280" indent="-342360">
-              <a:lnSpc>
-                <a:spcPct val="180000"/>
-              </a:lnSpc>
-              <a:buClr>
-                <a:srgbClr val="000000"/>
-              </a:buClr>
-              <a:buFont typeface="Arial"/>
-              <a:buChar char="•"/>
-            </a:pPr>
-            <a:r>
-              <a:rPr b="0" lang="zh-CN" sz="1600" spc="-1" strike="noStrike">
-                <a:solidFill>
-                  <a:srgbClr val="000000"/>
-                </a:solidFill>
-                <a:latin typeface="微软雅黑 Light"/>
-                <a:ea typeface="微软雅黑 Light"/>
-              </a:rPr>
-              <a:t>默认周期是</a:t>
-            </a:r>
-            <a:r>
-              <a:rPr b="0" lang="en-US" sz="1600" spc="-1" strike="noStrike">
-                <a:solidFill>
-                  <a:srgbClr val="000000"/>
-                </a:solidFill>
-                <a:latin typeface="微软雅黑 Light"/>
-                <a:ea typeface="微软雅黑 Light"/>
-              </a:rPr>
-              <a:t>200</a:t>
-            </a:r>
-            <a:r>
-              <a:rPr b="0" lang="zh-CN" sz="1600" spc="-1" strike="noStrike">
-                <a:solidFill>
-                  <a:srgbClr val="000000"/>
-                </a:solidFill>
-                <a:latin typeface="微软雅黑 Light"/>
-                <a:ea typeface="微软雅黑 Light"/>
-              </a:rPr>
-              <a:t>毫秒，可以使用 </a:t>
-            </a:r>
-            <a:r>
-              <a:rPr b="0" lang="en-US" sz="1600" spc="-1" strike="noStrike">
-                <a:solidFill>
-                  <a:srgbClr val="000000"/>
-                </a:solidFill>
-                <a:latin typeface="微软雅黑 Light"/>
-                <a:ea typeface="微软雅黑 Light"/>
-              </a:rPr>
-              <a:t>ExecutionConfig.setAutoWatermarkInterval() </a:t>
-            </a:r>
-            <a:r>
-              <a:rPr b="0" lang="zh-CN" sz="1600" spc="-1" strike="noStrike">
-                <a:solidFill>
-                  <a:srgbClr val="000000"/>
-                </a:solidFill>
-                <a:latin typeface="微软雅黑 Light"/>
-                <a:ea typeface="微软雅黑 Light"/>
-              </a:rPr>
-              <a:t>方法进行设置</a:t>
-            </a:r>
-            <a:endParaRPr b="0" lang="en-US" sz="1600" spc="-1" strike="noStrike">
-              <a:latin typeface="Arial"/>
-            </a:endParaRPr>
-          </a:p>
-          <a:p>
-            <a:pPr lvl="1" marL="800280" indent="-342360">
-              <a:lnSpc>
-                <a:spcPct val="180000"/>
-              </a:lnSpc>
-              <a:buClr>
-                <a:srgbClr val="000000"/>
-              </a:buClr>
-              <a:buFont typeface="Arial"/>
-              <a:buChar char="•"/>
-            </a:pPr>
-            <a:r>
-              <a:rPr b="0" lang="zh-CN" sz="1600" spc="-1" strike="noStrike">
-                <a:solidFill>
-                  <a:srgbClr val="000000"/>
-                </a:solidFill>
-                <a:latin typeface="微软雅黑 Light"/>
-                <a:ea typeface="微软雅黑 Light"/>
-              </a:rPr>
-              <a:t>升序和前面乱序的处理  </a:t>
-            </a:r>
-            <a:r>
-              <a:rPr b="0" lang="en-US" sz="1600" spc="-1" strike="noStrike">
-                <a:solidFill>
-                  <a:srgbClr val="000000"/>
-                </a:solidFill>
-                <a:latin typeface="微软雅黑 Light"/>
-                <a:ea typeface="微软雅黑 Light"/>
-              </a:rPr>
-              <a:t>BoundedOutOfOrderness </a:t>
-            </a:r>
-            <a:r>
-              <a:rPr b="0" lang="zh-CN" sz="1600" spc="-1" strike="noStrike">
-                <a:solidFill>
-                  <a:srgbClr val="000000"/>
-                </a:solidFill>
-                <a:latin typeface="微软雅黑 Light"/>
-                <a:ea typeface="微软雅黑 Light"/>
-              </a:rPr>
-              <a:t>，都是基于周期性 </a:t>
-            </a:r>
-            <a:r>
-              <a:rPr b="0" lang="en-US" sz="1600" spc="-1" strike="noStrike">
-                <a:solidFill>
-                  <a:srgbClr val="000000"/>
-                </a:solidFill>
-                <a:latin typeface="微软雅黑 Light"/>
-                <a:ea typeface="微软雅黑 Light"/>
-              </a:rPr>
-              <a:t>watermark </a:t>
-            </a:r>
-            <a:r>
-              <a:rPr b="0" lang="zh-CN" sz="1600" spc="-1" strike="noStrike">
-                <a:solidFill>
-                  <a:srgbClr val="000000"/>
-                </a:solidFill>
-                <a:latin typeface="微软雅黑 Light"/>
-                <a:ea typeface="微软雅黑 Light"/>
-              </a:rPr>
-              <a:t>的。</a:t>
-            </a:r>
-            <a:endParaRPr b="0" lang="en-US" sz="1600" spc="-1" strike="noStrike">
-              <a:latin typeface="Arial"/>
-            </a:endParaRPr>
-          </a:p>
-          <a:p>
-            <a:pPr marL="343080" indent="-342360">
-              <a:lnSpc>
-                <a:spcPct val="180000"/>
-              </a:lnSpc>
-              <a:buClr>
-                <a:srgbClr val="000000"/>
-              </a:buClr>
-              <a:buFont typeface="Wingdings" charset="2"/>
-              <a:buChar char=""/>
-            </a:pPr>
-            <a:r>
-              <a:rPr b="0" lang="en-US" sz="1800" spc="-1" strike="noStrike">
-                <a:solidFill>
-                  <a:srgbClr val="000000"/>
-                </a:solidFill>
-                <a:latin typeface="微软雅黑 Light"/>
-                <a:ea typeface="微软雅黑 Light"/>
-              </a:rPr>
-              <a:t>AssignerWithPunctuatedWatermarks</a:t>
-            </a:r>
-            <a:endParaRPr b="0" lang="en-US" sz="1800" spc="-1" strike="noStrike">
-              <a:latin typeface="Arial"/>
-            </a:endParaRPr>
-          </a:p>
-          <a:p>
-            <a:pPr lvl="1" marL="800280" indent="-342360">
-              <a:lnSpc>
-                <a:spcPct val="180000"/>
-              </a:lnSpc>
-              <a:buClr>
-                <a:srgbClr val="000000"/>
-              </a:buClr>
-              <a:buFont typeface="Arial"/>
-              <a:buChar char="•"/>
-            </a:pPr>
-            <a:r>
-              <a:rPr b="0" lang="zh-CN" sz="1600" spc="-1" strike="noStrike">
-                <a:solidFill>
-                  <a:srgbClr val="000000"/>
-                </a:solidFill>
-                <a:latin typeface="微软雅黑 Light"/>
-                <a:ea typeface="微软雅黑 Light"/>
-              </a:rPr>
-              <a:t>没有时间周期规律，可打断的生成 </a:t>
-            </a:r>
-            <a:r>
-              <a:rPr b="0" lang="en-US" sz="1600" spc="-1" strike="noStrike">
-                <a:solidFill>
-                  <a:srgbClr val="000000"/>
-                </a:solidFill>
-                <a:latin typeface="微软雅黑 Light"/>
-                <a:ea typeface="微软雅黑 Light"/>
-              </a:rPr>
-              <a:t>watermark</a:t>
-            </a:r>
-            <a:endParaRPr b="0" lang="en-US" sz="1600" spc="-1" strike="noStrike">
-              <a:latin typeface="Arial"/>
-            </a:endParaRPr>
-          </a:p>
-          <a:p>
-            <a:pPr>
-              <a:lnSpc>
-                <a:spcPct val="180000"/>
-              </a:lnSpc>
-            </a:pPr>
-            <a:endParaRPr b="0" lang="en-US" sz="1600" spc="-1" strike="noStrike">
               <a:latin typeface="Arial"/>
             </a:endParaRPr>
           </a:p>
@@ -7020,14 +6777,14 @@
       </p:grpSpPr>
       <p:sp>
         <p:nvSpPr>
-          <p:cNvPr id="132" name="CustomShape 1"/>
+          <p:cNvPr id="133" name="CustomShape 1"/>
           <p:cNvSpPr/>
           <p:nvPr/>
         </p:nvSpPr>
         <p:spPr>
           <a:xfrm>
             <a:off x="457200" y="620640"/>
-            <a:ext cx="8228880" cy="1142280"/>
+            <a:ext cx="8228160" cy="1141560"/>
           </a:xfrm>
           <a:prstGeom prst="rect">
             <a:avLst/>
@@ -7061,17 +6818,7 @@
                 <a:latin typeface="微软雅黑"/>
                 <a:ea typeface="微软雅黑"/>
               </a:rPr>
-              <a:t>watermark </a:t>
-            </a:r>
-            <a:r>
-              <a:rPr b="0" lang="zh-CN" sz="3200" spc="-1" strike="noStrike">
-                <a:solidFill>
-                  <a:srgbClr val="404040"/>
-                </a:solidFill>
-                <a:latin typeface="微软雅黑"/>
-                <a:ea typeface="微软雅黑"/>
-              </a:rPr>
-              <a:t>的设定</a:t>
+              <a:t>TimestampAssigner</a:t>
             </a:r>
             <a:endParaRPr b="0" lang="en-US" sz="3200" spc="-1" strike="noStrike">
               <a:latin typeface="Arial"/>
@@ -7081,14 +6828,14 @@
       </p:sp>
       <p:sp>
         <p:nvSpPr>
-          <p:cNvPr id="133" name="CustomShape 2"/>
+          <p:cNvPr id="134" name="CustomShape 2"/>
           <p:cNvSpPr/>
           <p:nvPr/>
         </p:nvSpPr>
         <p:spPr>
           <a:xfrm>
             <a:off x="827640" y="1700640"/>
-            <a:ext cx="7858440" cy="3959640"/>
+            <a:ext cx="7857720" cy="4318920"/>
           </a:xfrm>
           <a:prstGeom prst="rect">
             <a:avLst/>
@@ -7109,9 +6856,9 @@
             <a:noAutofit/>
           </a:bodyPr>
           <a:p>
-            <a:pPr marL="343080" indent="-342360">
+            <a:pPr marL="343080" indent="-341640">
               <a:lnSpc>
-                <a:spcPct val="200000"/>
+                <a:spcPct val="180000"/>
               </a:lnSpc>
               <a:buClr>
                 <a:srgbClr val="000000"/>
@@ -7127,7 +6874,7 @@
                 <a:latin typeface="微软雅黑 Light"/>
                 <a:ea typeface="微软雅黑 Light"/>
               </a:rPr>
-              <a:t>在</a:t>
+              <a:t>定义了抽取时间戳，以及生成 </a:t>
             </a:r>
             <a:r>
               <a:rPr b="0" lang="en-US" sz="1800" spc="-1" strike="noStrike">
@@ -7137,8 +6884,33 @@
                 <a:latin typeface="微软雅黑 Light"/>
                 <a:ea typeface="微软雅黑 Light"/>
               </a:rPr>
-              <a:t> </a:t>
-            </a:r>
+              <a:t>watermark </a:t>
+            </a:r>
+            <a:r>
+              <a:rPr b="0" lang="zh-CN" sz="1800" spc="-1" strike="noStrike">
+                <a:solidFill>
+                  <a:srgbClr val="000000"/>
+                </a:solidFill>
+                <a:latin typeface="微软雅黑 Light"/>
+                <a:ea typeface="微软雅黑 Light"/>
+              </a:rPr>
+              <a:t>的方法，有两种类型</a:t>
+            </a:r>
+            <a:endParaRPr b="0" lang="en-US" sz="1800" spc="-1" strike="noStrike">
+              <a:latin typeface="Arial"/>
+            </a:endParaRPr>
+          </a:p>
+          <a:p>
+            <a:pPr marL="343080" indent="-341640">
+              <a:lnSpc>
+                <a:spcPct val="180000"/>
+              </a:lnSpc>
+              <a:buClr>
+                <a:srgbClr val="000000"/>
+              </a:buClr>
+              <a:buFont typeface="Wingdings" charset="2"/>
+              <a:buChar char=""/>
+            </a:pPr>
             <a:r>
               <a:rPr b="0" lang="en-US" sz="1800" spc="-1" strike="noStrike">
                 <a:solidFill>
@@ -7147,46 +6919,16 @@
                 <a:latin typeface="微软雅黑 Light"/>
                 <a:ea typeface="微软雅黑 Light"/>
               </a:rPr>
-              <a:t>Flink </a:t>
-            </a:r>
-            <a:r>
-              <a:rPr b="0" lang="zh-CN" sz="1800" spc="-1" strike="noStrike">
-                <a:solidFill>
-                  <a:srgbClr val="000000"/>
-                </a:solidFill>
-                <a:latin typeface="微软雅黑 Light"/>
-                <a:ea typeface="微软雅黑 Light"/>
-              </a:rPr>
-              <a:t>中，</a:t>
-            </a:r>
-            <a:r>
-              <a:rPr b="0" lang="en-US" sz="1800" spc="-1" strike="noStrike">
-                <a:solidFill>
-                  <a:srgbClr val="000000"/>
-                </a:solidFill>
-                <a:latin typeface="微软雅黑 Light"/>
-                <a:ea typeface="微软雅黑 Light"/>
-              </a:rPr>
-              <a:t>watermark </a:t>
-            </a:r>
-            <a:r>
-              <a:rPr b="0" lang="zh-CN" sz="1800" spc="-1" strike="noStrike">
-                <a:solidFill>
-                  <a:srgbClr val="000000"/>
-                </a:solidFill>
-                <a:latin typeface="微软雅黑 Light"/>
-                <a:ea typeface="微软雅黑 Light"/>
-              </a:rPr>
-              <a:t>由应用程序开发人员生成，这通常需要对相应的领域有一定的了解</a:t>
+              <a:t>AssignerWithPeriodicWatermarks</a:t>
             </a:r>
             <a:endParaRPr b="0" lang="en-US" sz="1800" spc="-1" strike="noStrike">
               <a:latin typeface="Arial"/>
             </a:endParaRPr>
           </a:p>
           <a:p>
-            <a:pPr marL="343080" indent="-342360">
+            <a:pPr lvl="1" marL="800280" indent="-341640">
               <a:lnSpc>
-                <a:spcPct val="200000"/>
+                <a:spcPct val="180000"/>
               </a:lnSpc>
               <a:buClr>
                 <a:srgbClr val="000000"/>
@@ -7195,17 +6937,17 @@
               <a:buChar char="•"/>
             </a:pPr>
             <a:r>
-              <a:rPr b="0" lang="zh-CN" sz="1800" spc="-1" strike="noStrike">
+              <a:rPr b="0" lang="zh-CN" sz="1600" spc="-1" strike="noStrike">
                 <a:solidFill>
                   <a:srgbClr val="000000"/>
                 </a:solidFill>
                 <a:latin typeface="微软雅黑 Light"/>
                 <a:ea typeface="微软雅黑 Light"/>
               </a:rPr>
-              <a:t>如果</a:t>
-            </a:r>
-            <a:r>
-              <a:rPr b="0" lang="en-US" sz="1800" spc="-1" strike="noStrike">
+              <a:t>周期性的生成 </a:t>
+            </a:r>
+            <a:r>
+              <a:rPr b="0" lang="en-US" sz="1600" spc="-1" strike="noStrike">
                 <a:solidFill>
                   <a:srgbClr val="000000"/>
                 </a:solidFill>
@@ -7215,23 +6957,43 @@
               <a:t>watermark</a:t>
             </a:r>
             <a:r>
-              <a:rPr b="0" lang="zh-CN" sz="1800" spc="-1" strike="noStrike">
+              <a:rPr b="0" lang="zh-CN" sz="1600" spc="-1" strike="noStrike">
                 <a:solidFill>
                   <a:srgbClr val="000000"/>
                 </a:solidFill>
                 <a:latin typeface="微软雅黑 Light"/>
                 <a:ea typeface="微软雅黑 Light"/>
               </a:rPr>
-              <a:t>设置的延迟太久，收到结果的速度可能就会很慢，解决办法是在水位线到达之前输出一个近似结果</a:t>
-            </a:r>
-            <a:endParaRPr b="0" lang="en-US" sz="1800" spc="-1" strike="noStrike">
-              <a:latin typeface="Arial"/>
-            </a:endParaRPr>
-          </a:p>
-          <a:p>
-            <a:pPr marL="343080" indent="-342360">
+              <a:t>：系统会周期性的将 </a:t>
+            </a:r>
+            <a:r>
+              <a:rPr b="0" lang="en-US" sz="1600" spc="-1" strike="noStrike">
+                <a:solidFill>
+                  <a:srgbClr val="000000"/>
+                </a:solidFill>
+                <a:latin typeface="微软雅黑 Light"/>
+                <a:ea typeface="微软雅黑 Light"/>
+              </a:rPr>
+              <a:t>watermark </a:t>
+            </a:r>
+            <a:r>
+              <a:rPr b="0" lang="zh-CN" sz="1600" spc="-1" strike="noStrike">
+                <a:solidFill>
+                  <a:srgbClr val="000000"/>
+                </a:solidFill>
+                <a:latin typeface="微软雅黑 Light"/>
+                <a:ea typeface="微软雅黑 Light"/>
+              </a:rPr>
+              <a:t>插入到流中</a:t>
+            </a:r>
+            <a:endParaRPr b="0" lang="en-US" sz="1600" spc="-1" strike="noStrike">
+              <a:latin typeface="Arial"/>
+            </a:endParaRPr>
+          </a:p>
+          <a:p>
+            <a:pPr lvl="1" marL="800280" indent="-341640">
               <a:lnSpc>
-                <a:spcPct val="200000"/>
+                <a:spcPct val="180000"/>
               </a:lnSpc>
               <a:buClr>
                 <a:srgbClr val="000000"/>
@@ -7240,15 +7002,135 @@
               <a:buChar char="•"/>
             </a:pPr>
             <a:r>
-              <a:rPr b="0" lang="zh-CN" sz="1800" spc="-1" strike="noStrike">
+              <a:rPr b="0" lang="zh-CN" sz="1600" spc="-1" strike="noStrike">
                 <a:solidFill>
                   <a:srgbClr val="000000"/>
                 </a:solidFill>
                 <a:latin typeface="微软雅黑 Light"/>
                 <a:ea typeface="微软雅黑 Light"/>
               </a:rPr>
-              <a:t>而如果</a:t>
-            </a:r>
+              <a:t>默认周期是</a:t>
+            </a:r>
+            <a:r>
+              <a:rPr b="0" lang="en-US" sz="1600" spc="-1" strike="noStrike">
+                <a:solidFill>
+                  <a:srgbClr val="000000"/>
+                </a:solidFill>
+                <a:latin typeface="微软雅黑 Light"/>
+                <a:ea typeface="微软雅黑 Light"/>
+              </a:rPr>
+              <a:t>200</a:t>
+            </a:r>
+            <a:r>
+              <a:rPr b="0" lang="zh-CN" sz="1600" spc="-1" strike="noStrike">
+                <a:solidFill>
+                  <a:srgbClr val="000000"/>
+                </a:solidFill>
+                <a:latin typeface="微软雅黑 Light"/>
+                <a:ea typeface="微软雅黑 Light"/>
+              </a:rPr>
+              <a:t>毫秒，可以使用 </a:t>
+            </a:r>
+            <a:r>
+              <a:rPr b="0" lang="en-US" sz="1600" spc="-1" strike="noStrike">
+                <a:solidFill>
+                  <a:srgbClr val="000000"/>
+                </a:solidFill>
+                <a:latin typeface="微软雅黑 Light"/>
+                <a:ea typeface="微软雅黑 Light"/>
+              </a:rPr>
+              <a:t>ExecutionConfig.setAutoWatermarkInterval() </a:t>
+            </a:r>
+            <a:r>
+              <a:rPr b="0" lang="zh-CN" sz="1600" spc="-1" strike="noStrike">
+                <a:solidFill>
+                  <a:srgbClr val="000000"/>
+                </a:solidFill>
+                <a:latin typeface="微软雅黑 Light"/>
+                <a:ea typeface="微软雅黑 Light"/>
+              </a:rPr>
+              <a:t>方法进行设置</a:t>
+            </a:r>
+            <a:endParaRPr b="0" lang="en-US" sz="1600" spc="-1" strike="noStrike">
+              <a:latin typeface="Arial"/>
+            </a:endParaRPr>
+          </a:p>
+          <a:p>
+            <a:pPr lvl="1" marL="800280" indent="-341640">
+              <a:lnSpc>
+                <a:spcPct val="180000"/>
+              </a:lnSpc>
+              <a:buClr>
+                <a:srgbClr val="000000"/>
+              </a:buClr>
+              <a:buFont typeface="Arial"/>
+              <a:buChar char="•"/>
+            </a:pPr>
+            <a:r>
+              <a:rPr b="0" lang="zh-CN" sz="1600" spc="-1" strike="noStrike">
+                <a:solidFill>
+                  <a:srgbClr val="000000"/>
+                </a:solidFill>
+                <a:latin typeface="微软雅黑 Light"/>
+                <a:ea typeface="微软雅黑 Light"/>
+              </a:rPr>
+              <a:t>升序和前面乱序的处理  </a:t>
+            </a:r>
+            <a:r>
+              <a:rPr b="0" lang="en-US" sz="1600" spc="-1" strike="noStrike">
+                <a:solidFill>
+                  <a:srgbClr val="000000"/>
+                </a:solidFill>
+                <a:latin typeface="微软雅黑 Light"/>
+                <a:ea typeface="微软雅黑 Light"/>
+              </a:rPr>
+              <a:t>BoundedOutOfOrderness </a:t>
+            </a:r>
+            <a:r>
+              <a:rPr b="0" lang="zh-CN" sz="1600" spc="-1" strike="noStrike">
+                <a:solidFill>
+                  <a:srgbClr val="000000"/>
+                </a:solidFill>
+                <a:latin typeface="微软雅黑 Light"/>
+                <a:ea typeface="微软雅黑 Light"/>
+              </a:rPr>
+              <a:t>，都是基于周期性 </a:t>
+            </a:r>
+            <a:r>
+              <a:rPr b="0" lang="en-US" sz="1600" spc="-1" strike="noStrike">
+                <a:solidFill>
+                  <a:srgbClr val="000000"/>
+                </a:solidFill>
+                <a:latin typeface="微软雅黑 Light"/>
+                <a:ea typeface="微软雅黑 Light"/>
+              </a:rPr>
+              <a:t>watermark </a:t>
+            </a:r>
+            <a:r>
+              <a:rPr b="0" lang="zh-CN" sz="1600" spc="-1" strike="noStrike">
+                <a:solidFill>
+                  <a:srgbClr val="000000"/>
+                </a:solidFill>
+                <a:latin typeface="微软雅黑 Light"/>
+                <a:ea typeface="微软雅黑 Light"/>
+              </a:rPr>
+              <a:t>的。</a:t>
+            </a:r>
+            <a:endParaRPr b="0" lang="en-US" sz="1600" spc="-1" strike="noStrike">
+              <a:latin typeface="Arial"/>
+            </a:endParaRPr>
+          </a:p>
+          <a:p>
+            <a:pPr marL="343080" indent="-341640">
+              <a:lnSpc>
+                <a:spcPct val="180000"/>
+              </a:lnSpc>
+              <a:buClr>
+                <a:srgbClr val="000000"/>
+              </a:buClr>
+              <a:buFont typeface="Wingdings" charset="2"/>
+              <a:buChar char=""/>
+            </a:pPr>
             <a:r>
               <a:rPr b="0" lang="en-US" sz="1800" spc="-1" strike="noStrike">
                 <a:solidFill>
@@ -7257,39 +7139,44 @@
                 <a:latin typeface="微软雅黑 Light"/>
                 <a:ea typeface="微软雅黑 Light"/>
               </a:rPr>
+              <a:t>AssignerWithPunctuatedWatermarks</a:t>
+            </a:r>
+            <a:endParaRPr b="0" lang="en-US" sz="1800" spc="-1" strike="noStrike">
+              <a:latin typeface="Arial"/>
+            </a:endParaRPr>
+          </a:p>
+          <a:p>
+            <a:pPr lvl="1" marL="800280" indent="-341640">
+              <a:lnSpc>
+                <a:spcPct val="180000"/>
+              </a:lnSpc>
+              <a:buClr>
+                <a:srgbClr val="000000"/>
+              </a:buClr>
+              <a:buFont typeface="Arial"/>
+              <a:buChar char="•"/>
+            </a:pPr>
+            <a:r>
+              <a:rPr b="0" lang="zh-CN" sz="1600" spc="-1" strike="noStrike">
+                <a:solidFill>
+                  <a:srgbClr val="000000"/>
+                </a:solidFill>
+                <a:latin typeface="微软雅黑 Light"/>
+                <a:ea typeface="微软雅黑 Light"/>
+              </a:rPr>
+              <a:t>没有时间周期规律，可打断的生成 </a:t>
+            </a:r>
+            <a:r>
+              <a:rPr b="0" lang="en-US" sz="1600" spc="-1" strike="noStrike">
+                <a:solidFill>
+                  <a:srgbClr val="000000"/>
+                </a:solidFill>
+                <a:latin typeface="微软雅黑 Light"/>
+                <a:ea typeface="微软雅黑 Light"/>
+              </a:rPr>
               <a:t>watermark</a:t>
             </a:r>
-            <a:r>
-              <a:rPr b="0" lang="zh-CN" sz="1800" spc="-1" strike="noStrike">
-                <a:solidFill>
-                  <a:srgbClr val="000000"/>
-                </a:solidFill>
-                <a:latin typeface="微软雅黑 Light"/>
-                <a:ea typeface="微软雅黑 Light"/>
-              </a:rPr>
-              <a:t>到达得太早，则可能收到错误结果，不过 </a:t>
-            </a:r>
-            <a:r>
-              <a:rPr b="0" lang="en-US" sz="1800" spc="-1" strike="noStrike">
-                <a:solidFill>
-                  <a:srgbClr val="000000"/>
-                </a:solidFill>
-                <a:latin typeface="微软雅黑 Light"/>
-                <a:ea typeface="微软雅黑 Light"/>
-              </a:rPr>
-              <a:t>Flink </a:t>
-            </a:r>
-            <a:r>
-              <a:rPr b="0" lang="zh-CN" sz="1800" spc="-1" strike="noStrike">
-                <a:solidFill>
-                  <a:srgbClr val="000000"/>
-                </a:solidFill>
-                <a:latin typeface="微软雅黑 Light"/>
-                <a:ea typeface="微软雅黑 Light"/>
-              </a:rPr>
-              <a:t>处理迟到数据的机制可以解决这个问题</a:t>
-            </a:r>
-            <a:endParaRPr b="0" lang="en-US" sz="1800" spc="-1" strike="noStrike">
+            <a:endParaRPr b="0" lang="en-US" sz="1600" spc="-1" strike="noStrike">
               <a:latin typeface="Arial"/>
             </a:endParaRPr>
           </a:p>
@@ -7299,7 +7186,7 @@
                 <a:spcPct val="180000"/>
               </a:lnSpc>
             </a:pPr>
-            <a:endParaRPr b="0" lang="en-US" sz="1800" spc="-1" strike="noStrike">
+            <a:endParaRPr b="0" lang="en-US" sz="1600" spc="-1" strike="noStrike">
               <a:latin typeface="Arial"/>
             </a:endParaRPr>
           </a:p>
@@ -7337,14 +7224,331 @@
       </p:grpSpPr>
       <p:sp>
         <p:nvSpPr>
-          <p:cNvPr id="134" name="CustomShape 1"/>
+          <p:cNvPr id="135" name="CustomShape 1"/>
           <p:cNvSpPr/>
           <p:nvPr/>
         </p:nvSpPr>
         <p:spPr>
           <a:xfrm>
+            <a:off x="457200" y="620640"/>
+            <a:ext cx="8228160" cy="1141560"/>
+          </a:xfrm>
+          <a:prstGeom prst="rect">
+            <a:avLst/>
+          </a:prstGeom>
+          <a:noFill/>
+          <a:ln>
+            <a:noFill/>
+          </a:ln>
+        </p:spPr>
+        <p:style>
+          <a:lnRef idx="0"/>
+          <a:fillRef idx="0"/>
+          <a:effectRef idx="0"/>
+          <a:fontRef idx="minor"/>
+        </p:style>
+        <p:txBody>
+          <a:bodyPr lIns="90000" rIns="90000" tIns="45000" bIns="45000" anchor="ctr">
+            <a:normAutofit/>
+          </a:bodyPr>
+          <a:p>
+            <a:pPr>
+              <a:lnSpc>
+                <a:spcPct val="100000"/>
+              </a:lnSpc>
+            </a:pPr>
+            <a:r>
+              <a:rPr b="0" lang="en-US" sz="3200" spc="-1" strike="noStrike">
+                <a:solidFill>
+                  <a:srgbClr val="404040"/>
+                </a:solidFill>
+                <a:latin typeface="微软雅黑"/>
+                <a:ea typeface="微软雅黑"/>
+              </a:rPr>
+              <a:t>watermark </a:t>
+            </a:r>
+            <a:r>
+              <a:rPr b="0" lang="zh-CN" sz="3200" spc="-1" strike="noStrike">
+                <a:solidFill>
+                  <a:srgbClr val="404040"/>
+                </a:solidFill>
+                <a:latin typeface="微软雅黑"/>
+                <a:ea typeface="微软雅黑"/>
+              </a:rPr>
+              <a:t>的设定</a:t>
+            </a:r>
+            <a:endParaRPr b="0" lang="en-US" sz="3200" spc="-1" strike="noStrike">
+              <a:latin typeface="Arial"/>
+            </a:endParaRPr>
+          </a:p>
+        </p:txBody>
+      </p:sp>
+      <p:sp>
+        <p:nvSpPr>
+          <p:cNvPr id="136" name="CustomShape 2"/>
+          <p:cNvSpPr/>
+          <p:nvPr/>
+        </p:nvSpPr>
+        <p:spPr>
+          <a:xfrm>
+            <a:off x="827640" y="1700640"/>
+            <a:ext cx="7857720" cy="3958920"/>
+          </a:xfrm>
+          <a:prstGeom prst="rect">
+            <a:avLst/>
+          </a:prstGeom>
+          <a:noFill/>
+          <a:ln>
+            <a:noFill/>
+          </a:ln>
+        </p:spPr>
+        <p:style>
+          <a:lnRef idx="0"/>
+          <a:fillRef idx="0"/>
+          <a:effectRef idx="0"/>
+          <a:fontRef idx="minor"/>
+        </p:style>
+        <p:txBody>
+          <a:bodyPr lIns="90000" rIns="90000" tIns="45000" bIns="45000">
+            <a:noAutofit/>
+          </a:bodyPr>
+          <a:p>
+            <a:pPr marL="343080" indent="-341640">
+              <a:lnSpc>
+                <a:spcPct val="200000"/>
+              </a:lnSpc>
+              <a:buClr>
+                <a:srgbClr val="000000"/>
+              </a:buClr>
+              <a:buFont typeface="Arial"/>
+              <a:buChar char="•"/>
+            </a:pPr>
+            <a:r>
+              <a:rPr b="0" lang="zh-CN" sz="1800" spc="-1" strike="noStrike">
+                <a:solidFill>
+                  <a:srgbClr val="000000"/>
+                </a:solidFill>
+                <a:latin typeface="微软雅黑 Light"/>
+                <a:ea typeface="微软雅黑 Light"/>
+              </a:rPr>
+              <a:t>在</a:t>
+            </a:r>
+            <a:r>
+              <a:rPr b="0" lang="en-US" sz="1800" spc="-1" strike="noStrike">
+                <a:solidFill>
+                  <a:srgbClr val="000000"/>
+                </a:solidFill>
+                <a:latin typeface="微软雅黑 Light"/>
+                <a:ea typeface="微软雅黑 Light"/>
+              </a:rPr>
+              <a:t> </a:t>
+            </a:r>
+            <a:r>
+              <a:rPr b="0" lang="en-US" sz="1800" spc="-1" strike="noStrike">
+                <a:solidFill>
+                  <a:srgbClr val="000000"/>
+                </a:solidFill>
+                <a:latin typeface="微软雅黑 Light"/>
+                <a:ea typeface="微软雅黑 Light"/>
+              </a:rPr>
+              <a:t>Flink </a:t>
+            </a:r>
+            <a:r>
+              <a:rPr b="0" lang="zh-CN" sz="1800" spc="-1" strike="noStrike">
+                <a:solidFill>
+                  <a:srgbClr val="000000"/>
+                </a:solidFill>
+                <a:latin typeface="微软雅黑 Light"/>
+                <a:ea typeface="微软雅黑 Light"/>
+              </a:rPr>
+              <a:t>中，</a:t>
+            </a:r>
+            <a:r>
+              <a:rPr b="0" lang="en-US" sz="1800" spc="-1" strike="noStrike">
+                <a:solidFill>
+                  <a:srgbClr val="000000"/>
+                </a:solidFill>
+                <a:latin typeface="微软雅黑 Light"/>
+                <a:ea typeface="微软雅黑 Light"/>
+              </a:rPr>
+              <a:t>watermark </a:t>
+            </a:r>
+            <a:r>
+              <a:rPr b="0" lang="zh-CN" sz="1800" spc="-1" strike="noStrike">
+                <a:solidFill>
+                  <a:srgbClr val="000000"/>
+                </a:solidFill>
+                <a:latin typeface="微软雅黑 Light"/>
+                <a:ea typeface="微软雅黑 Light"/>
+              </a:rPr>
+              <a:t>由应用程序开发人员生成，这通常需要对相应的领域有一定的了解</a:t>
+            </a:r>
+            <a:endParaRPr b="0" lang="en-US" sz="1800" spc="-1" strike="noStrike">
+              <a:latin typeface="Arial"/>
+            </a:endParaRPr>
+          </a:p>
+          <a:p>
+            <a:pPr marL="343080" indent="-341640">
+              <a:lnSpc>
+                <a:spcPct val="200000"/>
+              </a:lnSpc>
+              <a:buClr>
+                <a:srgbClr val="000000"/>
+              </a:buClr>
+              <a:buFont typeface="Arial"/>
+              <a:buChar char="•"/>
+            </a:pPr>
+            <a:r>
+              <a:rPr b="0" lang="zh-CN" sz="1800" spc="-1" strike="noStrike">
+                <a:solidFill>
+                  <a:srgbClr val="000000"/>
+                </a:solidFill>
+                <a:latin typeface="微软雅黑 Light"/>
+                <a:ea typeface="微软雅黑 Light"/>
+              </a:rPr>
+              <a:t>如果</a:t>
+            </a:r>
+            <a:r>
+              <a:rPr b="0" lang="en-US" sz="1800" spc="-1" strike="noStrike">
+                <a:solidFill>
+                  <a:srgbClr val="000000"/>
+                </a:solidFill>
+                <a:latin typeface="微软雅黑 Light"/>
+                <a:ea typeface="微软雅黑 Light"/>
+              </a:rPr>
+              <a:t>watermark</a:t>
+            </a:r>
+            <a:r>
+              <a:rPr b="0" lang="zh-CN" sz="1800" spc="-1" strike="noStrike">
+                <a:solidFill>
+                  <a:srgbClr val="000000"/>
+                </a:solidFill>
+                <a:latin typeface="微软雅黑 Light"/>
+                <a:ea typeface="微软雅黑 Light"/>
+              </a:rPr>
+              <a:t>设置的延迟太久，收到结果的速度可能就会很慢，解决办法是在水位线到达之前输出一个近似结果</a:t>
+            </a:r>
+            <a:endParaRPr b="0" lang="en-US" sz="1800" spc="-1" strike="noStrike">
+              <a:latin typeface="Arial"/>
+            </a:endParaRPr>
+          </a:p>
+          <a:p>
+            <a:pPr marL="343080" indent="-341640">
+              <a:lnSpc>
+                <a:spcPct val="200000"/>
+              </a:lnSpc>
+              <a:buClr>
+                <a:srgbClr val="000000"/>
+              </a:buClr>
+              <a:buFont typeface="Arial"/>
+              <a:buChar char="•"/>
+            </a:pPr>
+            <a:r>
+              <a:rPr b="0" lang="zh-CN" sz="1800" spc="-1" strike="noStrike">
+                <a:solidFill>
+                  <a:srgbClr val="000000"/>
+                </a:solidFill>
+                <a:latin typeface="微软雅黑 Light"/>
+                <a:ea typeface="微软雅黑 Light"/>
+              </a:rPr>
+              <a:t>而如果</a:t>
+            </a:r>
+            <a:r>
+              <a:rPr b="0" lang="en-US" sz="1800" spc="-1" strike="noStrike">
+                <a:solidFill>
+                  <a:srgbClr val="000000"/>
+                </a:solidFill>
+                <a:latin typeface="微软雅黑 Light"/>
+                <a:ea typeface="微软雅黑 Light"/>
+              </a:rPr>
+              <a:t>watermark</a:t>
+            </a:r>
+            <a:r>
+              <a:rPr b="0" lang="zh-CN" sz="1800" spc="-1" strike="noStrike">
+                <a:solidFill>
+                  <a:srgbClr val="000000"/>
+                </a:solidFill>
+                <a:latin typeface="微软雅黑 Light"/>
+                <a:ea typeface="微软雅黑 Light"/>
+              </a:rPr>
+              <a:t>到达得太早，则可能收到错误结果，不过 </a:t>
+            </a:r>
+            <a:r>
+              <a:rPr b="0" lang="en-US" sz="1800" spc="-1" strike="noStrike">
+                <a:solidFill>
+                  <a:srgbClr val="000000"/>
+                </a:solidFill>
+                <a:latin typeface="微软雅黑 Light"/>
+                <a:ea typeface="微软雅黑 Light"/>
+              </a:rPr>
+              <a:t>Flink </a:t>
+            </a:r>
+            <a:r>
+              <a:rPr b="0" lang="zh-CN" sz="1800" spc="-1" strike="noStrike">
+                <a:solidFill>
+                  <a:srgbClr val="000000"/>
+                </a:solidFill>
+                <a:latin typeface="微软雅黑 Light"/>
+                <a:ea typeface="微软雅黑 Light"/>
+              </a:rPr>
+              <a:t>处理迟到数据的机制可以解决这个问题</a:t>
+            </a:r>
+            <a:endParaRPr b="0" lang="en-US" sz="1800" spc="-1" strike="noStrike">
+              <a:latin typeface="Arial"/>
+            </a:endParaRPr>
+          </a:p>
+          <a:p>
+            <a:pPr>
+              <a:lnSpc>
+                <a:spcPct val="180000"/>
+              </a:lnSpc>
+            </a:pPr>
+            <a:endParaRPr b="0" lang="en-US" sz="1800" spc="-1" strike="noStrike">
+              <a:latin typeface="Arial"/>
+            </a:endParaRPr>
+          </a:p>
+        </p:txBody>
+      </p:sp>
+    </p:spTree>
+  </p:cSld>
+  <mc:AlternateContent>
+    <mc:Choice Requires="p14">
+      <p:transition spd="slow" p14:dur="2000"/>
+    </mc:Choice>
+    <mc:Fallback>
+      <p:transition spd="slow"/>
+    </mc:Fallback>
+  </mc:AlternateContent>
+</p:sld>
+</file>
+
+<file path=ppt/slides/slide17.xml><?xml version="1.0" encoding="utf-8"?>
+<p:sld xmlns:a="http://schemas.openxmlformats.org/drawingml/2006/main" xmlns:p="http://schemas.openxmlformats.org/presentationml/2006/main" xmlns:r="http://schemas.openxmlformats.org/officeDocument/2006/relationships" xmlns:p14="http://schemas.microsoft.com/office/powerpoint/2010/main" xmlns:p15="http://schemas.microsoft.com/office/powerpoint/2012/main" xmlns:mc="http://schemas.openxmlformats.org/markup-compatibility/2006">
+  <p:cSld>
+    <p:spTree>
+      <p:nvGrpSpPr>
+        <p:cNvPr id="1" name=""/>
+        <p:cNvGrpSpPr/>
+        <p:nvPr/>
+      </p:nvGrpSpPr>
+      <p:grpSpPr>
+        <a:xfrm>
+          <a:off x="0" y="0"/>
+          <a:ext cx="0" cy="0"/>
+          <a:chOff x="0" y="0"/>
+          <a:chExt cx="0" cy="0"/>
+        </a:xfrm>
+      </p:grpSpPr>
+      <p:sp>
+        <p:nvSpPr>
+          <p:cNvPr id="137" name="CustomShape 1"/>
+          <p:cNvSpPr/>
+          <p:nvPr/>
+        </p:nvSpPr>
+        <p:spPr>
+          <a:xfrm>
             <a:off x="3132000" y="2565000"/>
-            <a:ext cx="2807640" cy="1308960"/>
+            <a:ext cx="2806920" cy="1308600"/>
           </a:xfrm>
           <a:prstGeom prst="rect">
             <a:avLst/>
@@ -7425,7 +7629,7 @@
         <p:spPr>
           <a:xfrm>
             <a:off x="457200" y="620640"/>
-            <a:ext cx="8228880" cy="1142280"/>
+            <a:ext cx="8228160" cy="1141560"/>
           </a:xfrm>
           <a:prstGeom prst="rect">
             <a:avLst/>
@@ -7476,7 +7680,7 @@
         <p:spPr>
           <a:xfrm>
             <a:off x="827640" y="1845000"/>
-            <a:ext cx="7416000" cy="3887640"/>
+            <a:ext cx="7415280" cy="3886920"/>
           </a:xfrm>
           <a:prstGeom prst="rect">
             <a:avLst/>
@@ -7497,7 +7701,7 @@
             <a:noAutofit/>
           </a:bodyPr>
           <a:p>
-            <a:pPr marL="343080" indent="-342360">
+            <a:pPr marL="343080" indent="-341640">
               <a:lnSpc>
                 <a:spcPct val="200000"/>
               </a:lnSpc>
@@ -7532,7 +7736,7 @@
             </a:endParaRPr>
           </a:p>
           <a:p>
-            <a:pPr marL="343080" indent="-342360">
+            <a:pPr marL="343080" indent="-341640">
               <a:lnSpc>
                 <a:spcPct val="200000"/>
               </a:lnSpc>
@@ -7567,7 +7771,7 @@
             </a:endParaRPr>
           </a:p>
           <a:p>
-            <a:pPr marL="343080" indent="-342360">
+            <a:pPr marL="343080" indent="-341640">
               <a:lnSpc>
                 <a:spcPct val="200000"/>
               </a:lnSpc>
@@ -7612,7 +7816,7 @@
             </a:endParaRPr>
           </a:p>
           <a:p>
-            <a:pPr marL="343080" indent="-342360">
+            <a:pPr marL="343080" indent="-341640">
               <a:lnSpc>
                 <a:spcPct val="200000"/>
               </a:lnSpc>
@@ -7677,7 +7881,7 @@
         <p:spPr>
           <a:xfrm>
             <a:off x="457200" y="620640"/>
-            <a:ext cx="8228880" cy="1142280"/>
+            <a:ext cx="8228160" cy="1141560"/>
           </a:xfrm>
           <a:prstGeom prst="rect">
             <a:avLst/>
@@ -7748,7 +7952,7 @@
         <p:spPr>
           <a:xfrm>
             <a:off x="827640" y="4509000"/>
-            <a:ext cx="7858440" cy="1787040"/>
+            <a:ext cx="7857720" cy="1786320"/>
           </a:xfrm>
           <a:prstGeom prst="rect">
             <a:avLst/>
@@ -7769,7 +7973,7 @@
             <a:noAutofit/>
           </a:bodyPr>
           <a:p>
-            <a:pPr marL="343080" indent="-342360">
+            <a:pPr marL="343080" indent="-341640">
               <a:lnSpc>
                 <a:spcPct val="180000"/>
               </a:lnSpc>
@@ -7804,7 +8008,7 @@
             </a:endParaRPr>
           </a:p>
           <a:p>
-            <a:pPr marL="343080" indent="-342360">
+            <a:pPr marL="343080" indent="-341640">
               <a:lnSpc>
                 <a:spcPct val="180000"/>
               </a:lnSpc>
@@ -7859,7 +8063,7 @@
             </a:endParaRPr>
           </a:p>
           <a:p>
-            <a:pPr marL="343080" indent="-342360">
+            <a:pPr marL="343080" indent="-341640">
               <a:lnSpc>
                 <a:spcPct val="180000"/>
               </a:lnSpc>
@@ -7908,7 +8112,7 @@
         <p:spPr>
           <a:xfrm>
             <a:off x="1655640" y="1763640"/>
-            <a:ext cx="5760000" cy="2757240"/>
+            <a:ext cx="5759280" cy="2756520"/>
           </a:xfrm>
           <a:prstGeom prst="rect">
             <a:avLst/>
@@ -7957,7 +8161,7 @@
         <p:spPr>
           <a:xfrm>
             <a:off x="457200" y="620640"/>
-            <a:ext cx="8228880" cy="1142280"/>
+            <a:ext cx="8228160" cy="1141560"/>
           </a:xfrm>
           <a:prstGeom prst="rect">
             <a:avLst/>
@@ -8008,7 +8212,7 @@
         <p:spPr>
           <a:xfrm>
             <a:off x="827640" y="4941000"/>
-            <a:ext cx="7858440" cy="1367280"/>
+            <a:ext cx="7857720" cy="1366560"/>
           </a:xfrm>
           <a:prstGeom prst="rect">
             <a:avLst/>
@@ -8029,7 +8233,7 @@
             <a:noAutofit/>
           </a:bodyPr>
           <a:p>
-            <a:pPr marL="343080" indent="-342360">
+            <a:pPr marL="343080" indent="-341640">
               <a:lnSpc>
                 <a:spcPct val="180000"/>
               </a:lnSpc>
@@ -8054,7 +8258,7 @@
             </a:endParaRPr>
           </a:p>
           <a:p>
-            <a:pPr marL="343080" indent="-342360">
+            <a:pPr marL="343080" indent="-341640">
               <a:lnSpc>
                 <a:spcPct val="180000"/>
               </a:lnSpc>
@@ -8113,7 +8317,7 @@
         <p:spPr>
           <a:xfrm>
             <a:off x="1259640" y="1917000"/>
-            <a:ext cx="6408000" cy="2797560"/>
+            <a:ext cx="6407280" cy="2796840"/>
           </a:xfrm>
           <a:prstGeom prst="rect">
             <a:avLst/>
@@ -8162,7 +8366,7 @@
         <p:spPr>
           <a:xfrm>
             <a:off x="457200" y="620640"/>
-            <a:ext cx="8228880" cy="1142280"/>
+            <a:ext cx="8228160" cy="1141560"/>
           </a:xfrm>
           <a:prstGeom prst="rect">
             <a:avLst/>
@@ -8213,7 +8417,7 @@
         <p:spPr>
           <a:xfrm>
             <a:off x="827640" y="4869000"/>
-            <a:ext cx="7858440" cy="1511280"/>
+            <a:ext cx="7857720" cy="1510560"/>
           </a:xfrm>
           <a:prstGeom prst="rect">
             <a:avLst/>
@@ -8234,7 +8438,7 @@
             <a:noAutofit/>
           </a:bodyPr>
           <a:p>
-            <a:pPr marL="343080" indent="-342360">
+            <a:pPr marL="343080" indent="-341640">
               <a:lnSpc>
                 <a:spcPct val="180000"/>
               </a:lnSpc>
@@ -8269,7 +8473,7 @@
             </a:endParaRPr>
           </a:p>
           <a:p>
-            <a:pPr marL="343080" indent="-342360">
+            <a:pPr marL="343080" indent="-341640">
               <a:lnSpc>
                 <a:spcPct val="180000"/>
               </a:lnSpc>
@@ -8324,7 +8528,7 @@
             </a:endParaRPr>
           </a:p>
           <a:p>
-            <a:pPr lvl="1" marL="800280" indent="-342360">
+            <a:pPr lvl="1" marL="800280" indent="-341640">
               <a:lnSpc>
                 <a:spcPct val="180000"/>
               </a:lnSpc>
@@ -8363,7 +8567,7 @@
         <p:spPr>
           <a:xfrm>
             <a:off x="1826640" y="1628640"/>
-            <a:ext cx="5328000" cy="3196440"/>
+            <a:ext cx="5327280" cy="3195720"/>
           </a:xfrm>
           <a:prstGeom prst="rect">
             <a:avLst/>
@@ -8382,7 +8586,7 @@
         <p:spPr>
           <a:xfrm>
             <a:off x="2915640" y="4149000"/>
-            <a:ext cx="1799640" cy="676080"/>
+            <a:ext cx="1798920" cy="675360"/>
           </a:xfrm>
           <a:prstGeom prst="rect">
             <a:avLst/>
@@ -8419,7 +8623,7 @@
         <p:spPr>
           <a:xfrm>
             <a:off x="1115640" y="3872520"/>
-            <a:ext cx="1871640" cy="638280"/>
+            <a:ext cx="1870920" cy="638280"/>
           </a:xfrm>
           <a:prstGeom prst="rect">
             <a:avLst/>
@@ -8470,7 +8674,7 @@
         <p:spPr>
           <a:xfrm>
             <a:off x="2966040" y="4199040"/>
-            <a:ext cx="3081600" cy="676080"/>
+            <a:ext cx="3080880" cy="675360"/>
           </a:xfrm>
           <a:prstGeom prst="rect">
             <a:avLst/>
@@ -8507,7 +8711,7 @@
         <p:spPr>
           <a:xfrm>
             <a:off x="6660360" y="3766680"/>
-            <a:ext cx="1871640" cy="364320"/>
+            <a:ext cx="1870920" cy="363960"/>
           </a:xfrm>
           <a:prstGeom prst="rect">
             <a:avLst/>
@@ -8847,7 +9051,7 @@
         <p:spPr>
           <a:xfrm>
             <a:off x="457200" y="620640"/>
-            <a:ext cx="8228880" cy="1142280"/>
+            <a:ext cx="8228160" cy="1141560"/>
           </a:xfrm>
           <a:prstGeom prst="rect">
             <a:avLst/>
@@ -8912,7 +9116,7 @@
         <p:spPr>
           <a:xfrm>
             <a:off x="1204920" y="3981600"/>
-            <a:ext cx="6733440" cy="1247040"/>
+            <a:ext cx="6732720" cy="1246320"/>
           </a:xfrm>
           <a:prstGeom prst="rect">
             <a:avLst/>
@@ -8931,7 +9135,7 @@
         <p:spPr>
           <a:xfrm>
             <a:off x="827640" y="1845000"/>
-            <a:ext cx="7858440" cy="1511280"/>
+            <a:ext cx="7857720" cy="1510560"/>
           </a:xfrm>
           <a:prstGeom prst="rect">
             <a:avLst/>
@@ -8952,7 +9156,7 @@
             <a:noAutofit/>
           </a:bodyPr>
           <a:p>
-            <a:pPr marL="343080" indent="-342360">
+            <a:pPr marL="343080" indent="-341640">
               <a:lnSpc>
                 <a:spcPct val="180000"/>
               </a:lnSpc>
@@ -8997,7 +9201,7 @@
             </a:endParaRPr>
           </a:p>
           <a:p>
-            <a:pPr marL="343080" indent="-342360">
+            <a:pPr marL="343080" indent="-341640">
               <a:lnSpc>
                 <a:spcPct val="180000"/>
               </a:lnSpc>
@@ -9082,7 +9286,7 @@
         <p:spPr>
           <a:xfrm>
             <a:off x="457200" y="620640"/>
-            <a:ext cx="8228880" cy="1142280"/>
+            <a:ext cx="8228160" cy="1141560"/>
           </a:xfrm>
           <a:prstGeom prst="rect">
             <a:avLst/>
@@ -9133,7 +9337,7 @@
         <p:spPr>
           <a:xfrm>
             <a:off x="827640" y="5938560"/>
-            <a:ext cx="7858440" cy="719280"/>
+            <a:ext cx="7857720" cy="718560"/>
           </a:xfrm>
           <a:prstGeom prst="rect">
             <a:avLst/>
@@ -9154,7 +9358,7 @@
             <a:noAutofit/>
           </a:bodyPr>
           <a:p>
-            <a:pPr marL="343080" indent="-342360">
+            <a:pPr marL="343080" indent="-341640">
               <a:lnSpc>
                 <a:spcPct val="180000"/>
               </a:lnSpc>
@@ -9193,7 +9397,7 @@
         <p:spPr>
           <a:xfrm>
             <a:off x="2403360" y="1652040"/>
-            <a:ext cx="4103640" cy="2784600"/>
+            <a:ext cx="4102920" cy="2783880"/>
           </a:xfrm>
           <a:prstGeom prst="rect">
             <a:avLst/>
@@ -9212,7 +9416,7 @@
         <p:spPr>
           <a:xfrm>
             <a:off x="3411360" y="1763640"/>
-            <a:ext cx="2807640" cy="800640"/>
+            <a:ext cx="2806920" cy="799920"/>
           </a:xfrm>
           <a:prstGeom prst="rect">
             <a:avLst/>
@@ -9249,7 +9453,7 @@
         <p:spPr>
           <a:xfrm>
             <a:off x="5436000" y="2565000"/>
-            <a:ext cx="1871640" cy="303120"/>
+            <a:ext cx="1870920" cy="302760"/>
           </a:xfrm>
           <a:prstGeom prst="rect">
             <a:avLst/>
@@ -9310,7 +9514,7 @@
         <p:spPr>
           <a:xfrm>
             <a:off x="4525200" y="3328560"/>
-            <a:ext cx="1835280" cy="791280"/>
+            <a:ext cx="1834560" cy="790560"/>
           </a:xfrm>
           <a:prstGeom prst="rect">
             <a:avLst/>
@@ -9347,7 +9551,7 @@
         <p:spPr>
           <a:xfrm>
             <a:off x="6516360" y="3412800"/>
-            <a:ext cx="1871640" cy="303120"/>
+            <a:ext cx="1870920" cy="302760"/>
           </a:xfrm>
           <a:prstGeom prst="rect">
             <a:avLst/>
@@ -9398,7 +9602,7 @@
         <p:spPr>
           <a:xfrm>
             <a:off x="3348000" y="3412800"/>
-            <a:ext cx="1079280" cy="591480"/>
+            <a:ext cx="1078560" cy="590760"/>
           </a:xfrm>
           <a:prstGeom prst="ellipse">
             <a:avLst/>
@@ -9435,7 +9639,7 @@
         <p:spPr>
           <a:xfrm>
             <a:off x="827640" y="4433040"/>
-            <a:ext cx="7858440" cy="1570680"/>
+            <a:ext cx="7857720" cy="1570320"/>
           </a:xfrm>
           <a:prstGeom prst="rect">
             <a:avLst/>
@@ -9456,7 +9660,7 @@
             <a:spAutoFit/>
           </a:bodyPr>
           <a:p>
-            <a:pPr marL="343080" indent="-342360">
+            <a:pPr marL="343080" indent="-341640">
               <a:lnSpc>
                 <a:spcPct val="180000"/>
               </a:lnSpc>
@@ -9531,7 +9735,7 @@
             </a:endParaRPr>
           </a:p>
           <a:p>
-            <a:pPr marL="343080" indent="-342360">
+            <a:pPr marL="343080" indent="-341640">
               <a:lnSpc>
                 <a:spcPct val="180000"/>
               </a:lnSpc>
@@ -9926,7 +10130,7 @@
         <p:spPr>
           <a:xfrm>
             <a:off x="457200" y="620640"/>
-            <a:ext cx="8228880" cy="1142280"/>
+            <a:ext cx="8228160" cy="1141560"/>
           </a:xfrm>
           <a:prstGeom prst="rect">
             <a:avLst/>
@@ -9997,7 +10201,7 @@
         <p:spPr>
           <a:xfrm>
             <a:off x="827640" y="1628640"/>
-            <a:ext cx="7858440" cy="4535640"/>
+            <a:ext cx="7857720" cy="4534920"/>
           </a:xfrm>
           <a:prstGeom prst="rect">
             <a:avLst/>
@@ -10018,7 +10222,7 @@
             <a:noAutofit/>
           </a:bodyPr>
           <a:p>
-            <a:pPr marL="343080" indent="-342360">
+            <a:pPr marL="343080" indent="-341640">
               <a:lnSpc>
                 <a:spcPct val="180000"/>
               </a:lnSpc>
@@ -10043,7 +10247,7 @@
             </a:endParaRPr>
           </a:p>
           <a:p>
-            <a:pPr marL="343080" indent="-342360">
+            <a:pPr marL="343080" indent="-341640">
               <a:lnSpc>
                 <a:spcPct val="180000"/>
               </a:lnSpc>
@@ -10071,7 +10275,7 @@
             </a:endParaRPr>
           </a:p>
           <a:p>
-            <a:pPr marL="343080" indent="-342360">
+            <a:pPr marL="343080" indent="-341640">
               <a:lnSpc>
                 <a:spcPct val="180000"/>
               </a:lnSpc>
@@ -10096,7 +10300,7 @@
             </a:endParaRPr>
           </a:p>
           <a:p>
-            <a:pPr marL="343080" indent="-342360">
+            <a:pPr marL="343080" indent="-341640">
               <a:lnSpc>
                 <a:spcPct val="180000"/>
               </a:lnSpc>
@@ -10161,7 +10365,7 @@
             </a:endParaRPr>
           </a:p>
           <a:p>
-            <a:pPr marL="343080" indent="-342360">
+            <a:pPr marL="343080" indent="-341640">
               <a:lnSpc>
                 <a:spcPct val="180000"/>
               </a:lnSpc>
@@ -10226,7 +10430,7 @@
             </a:endParaRPr>
           </a:p>
           <a:p>
-            <a:pPr marL="343080" indent="-342360">
+            <a:pPr marL="343080" indent="-341640">
               <a:lnSpc>
                 <a:spcPct val="180000"/>
               </a:lnSpc>
@@ -10301,7 +10505,7 @@
         <p:spPr>
           <a:xfrm>
             <a:off x="457200" y="274680"/>
-            <a:ext cx="8228880" cy="1142280"/>
+            <a:ext cx="8228160" cy="1141560"/>
           </a:xfrm>
           <a:prstGeom prst="rect">
             <a:avLst/>
@@ -10333,6 +10537,7 @@
                   <a:srgbClr val="000000"/>
                 </a:solidFill>
                 <a:latin typeface="Calibri"/>
+                <a:ea typeface="DejaVu Sans"/>
               </a:rPr>
               <a:t>水位线</a:t>
             </a:r>
@@ -10351,7 +10556,7 @@
         <p:spPr>
           <a:xfrm>
             <a:off x="324000" y="1944000"/>
-            <a:ext cx="7952760" cy="3654360"/>
+            <a:ext cx="7952040" cy="3653640"/>
           </a:xfrm>
           <a:prstGeom prst="rect">
             <a:avLst/>
@@ -10379,7 +10584,11 @@
             </a:pPr>
             <a:r>
               <a:rPr b="0" lang="zh-CN" sz="1800" spc="-1" strike="noStrike">
+                <a:solidFill>
+                  <a:srgbClr val="000000"/>
+                </a:solidFill>
                 <a:latin typeface="Arial"/>
+                <a:ea typeface="DejaVu Sans"/>
               </a:rPr>
               <a:t>水位线：当流的时间属性是事件时间的时候，现在时间行进到哪里了？水位线</a:t>
             </a:r>
@@ -10395,7 +10604,11 @@
             </a:pPr>
             <a:r>
               <a:rPr b="0" lang="zh-CN" sz="1800" spc="-1" strike="noStrike">
+                <a:solidFill>
+                  <a:srgbClr val="000000"/>
+                </a:solidFill>
                 <a:latin typeface="Arial"/>
+                <a:ea typeface="DejaVu Sans"/>
               </a:rPr>
               <a:t>是多少，当前时间就是多少。逻辑时钟。和真实世界的时间完全没有关系。</a:t>
             </a:r>
@@ -10421,7 +10634,11 @@
             </a:pPr>
             <a:r>
               <a:rPr b="0" lang="zh-CN" sz="1800" spc="-1" strike="noStrike">
+                <a:solidFill>
+                  <a:srgbClr val="000000"/>
+                </a:solidFill>
                 <a:latin typeface="Arial"/>
+                <a:ea typeface="DejaVu Sans"/>
               </a:rPr>
               <a:t>水位线的默认计算公式：</a:t>
             </a:r>
@@ -10447,31 +10664,51 @@
             </a:pPr>
             <a:r>
               <a:rPr b="0" lang="zh-CN" sz="1800" spc="-1" strike="noStrike">
+                <a:solidFill>
+                  <a:srgbClr val="000000"/>
+                </a:solidFill>
                 <a:latin typeface="Arial"/>
+                <a:ea typeface="DejaVu Sans"/>
               </a:rPr>
               <a:t>水位线 </a:t>
             </a:r>
             <a:r>
               <a:rPr b="0" lang="en-US" sz="1800" spc="-1" strike="noStrike">
+                <a:solidFill>
+                  <a:srgbClr val="000000"/>
+                </a:solidFill>
                 <a:latin typeface="Arial"/>
+                <a:ea typeface="DejaVu Sans"/>
               </a:rPr>
               <a:t>= </a:t>
             </a:r>
             <a:r>
               <a:rPr b="0" lang="zh-CN" sz="1800" spc="-1" strike="noStrike">
+                <a:solidFill>
+                  <a:srgbClr val="000000"/>
+                </a:solidFill>
                 <a:latin typeface="Arial"/>
+                <a:ea typeface="DejaVu Sans"/>
               </a:rPr>
               <a:t>观察到的事件携带的最大时间戳 – 最大延迟时间 </a:t>
             </a:r>
             <a:r>
               <a:rPr b="0" lang="en-US" sz="1800" spc="-1" strike="noStrike">
+                <a:solidFill>
+                  <a:srgbClr val="000000"/>
+                </a:solidFill>
                 <a:latin typeface="Arial"/>
+                <a:ea typeface="DejaVu Sans"/>
               </a:rPr>
               <a:t>- 1</a:t>
             </a:r>
             <a:r>
               <a:rPr b="0" lang="zh-CN" sz="1800" spc="-1" strike="noStrike">
+                <a:solidFill>
+                  <a:srgbClr val="000000"/>
+                </a:solidFill>
                 <a:latin typeface="Arial"/>
+                <a:ea typeface="DejaVu Sans"/>
               </a:rPr>
               <a:t>毫秒</a:t>
             </a:r>
@@ -10497,7 +10734,11 @@
             </a:pPr>
             <a:r>
               <a:rPr b="0" lang="zh-CN" sz="1800" spc="-1" strike="noStrike">
+                <a:solidFill>
+                  <a:srgbClr val="000000"/>
+                </a:solidFill>
                 <a:latin typeface="Arial"/>
+                <a:ea typeface="DejaVu Sans"/>
               </a:rPr>
               <a:t>最大延迟时间由程序员自己设定</a:t>
             </a:r>
@@ -10523,7 +10764,11 @@
             </a:pPr>
             <a:r>
               <a:rPr b="0" lang="en-US" sz="1800" spc="-1" strike="noStrike">
+                <a:solidFill>
+                  <a:srgbClr val="000000"/>
+                </a:solidFill>
                 <a:latin typeface="Arial"/>
+                <a:ea typeface="DejaVu Sans"/>
               </a:rPr>
               <a:t>1, 2, 10, 3</a:t>
             </a:r>
